--- a/content/docs/theory-analysis/nvidia-gpu-sharing/images/images.pptx
+++ b/content/docs/theory-analysis/nvidia-gpu-sharing/images/images.pptx
@@ -232,7 +232,7 @@
           <a:p>
             <a:fld id="{6CD5550B-26C4-49A9-A5BA-636EF7BE6CE9}" type="datetimeFigureOut">
               <a:rPr lang="ko-KR" altLang="en-US" smtClean="0"/>
-              <a:t>2026. 2. 15.</a:t>
+              <a:t>2026. 2. 16.</a:t>
             </a:fld>
             <a:endParaRPr lang="ko-KR" altLang="en-US"/>
           </a:p>
@@ -846,7 +846,7 @@
           <a:p>
             <a:fld id="{FB30EDBD-1C2D-4C1E-B459-B60219FAB484}" type="datetimeFigureOut">
               <a:rPr lang="ko-KR" altLang="en-US" smtClean="0"/>
-              <a:t>2026. 2. 15.</a:t>
+              <a:t>2026. 2. 16.</a:t>
             </a:fld>
             <a:endParaRPr lang="ko-KR" altLang="en-US"/>
           </a:p>
@@ -1009,7 +1009,7 @@
           <a:p>
             <a:fld id="{FB30EDBD-1C2D-4C1E-B459-B60219FAB484}" type="datetimeFigureOut">
               <a:rPr lang="ko-KR" altLang="en-US" smtClean="0"/>
-              <a:t>2026. 2. 15.</a:t>
+              <a:t>2026. 2. 16.</a:t>
             </a:fld>
             <a:endParaRPr lang="ko-KR" altLang="en-US"/>
           </a:p>
@@ -1182,7 +1182,7 @@
           <a:p>
             <a:fld id="{FB30EDBD-1C2D-4C1E-B459-B60219FAB484}" type="datetimeFigureOut">
               <a:rPr lang="ko-KR" altLang="en-US" smtClean="0"/>
-              <a:t>2026. 2. 15.</a:t>
+              <a:t>2026. 2. 16.</a:t>
             </a:fld>
             <a:endParaRPr lang="ko-KR" altLang="en-US"/>
           </a:p>
@@ -1345,7 +1345,7 @@
           <a:p>
             <a:fld id="{FB30EDBD-1C2D-4C1E-B459-B60219FAB484}" type="datetimeFigureOut">
               <a:rPr lang="ko-KR" altLang="en-US" smtClean="0"/>
-              <a:t>2026. 2. 15.</a:t>
+              <a:t>2026. 2. 16.</a:t>
             </a:fld>
             <a:endParaRPr lang="ko-KR" altLang="en-US"/>
           </a:p>
@@ -1585,7 +1585,7 @@
           <a:p>
             <a:fld id="{FB30EDBD-1C2D-4C1E-B459-B60219FAB484}" type="datetimeFigureOut">
               <a:rPr lang="ko-KR" altLang="en-US" smtClean="0"/>
-              <a:t>2026. 2. 15.</a:t>
+              <a:t>2026. 2. 16.</a:t>
             </a:fld>
             <a:endParaRPr lang="ko-KR" altLang="en-US"/>
           </a:p>
@@ -1865,7 +1865,7 @@
           <a:p>
             <a:fld id="{FB30EDBD-1C2D-4C1E-B459-B60219FAB484}" type="datetimeFigureOut">
               <a:rPr lang="ko-KR" altLang="en-US" smtClean="0"/>
-              <a:t>2026. 2. 15.</a:t>
+              <a:t>2026. 2. 16.</a:t>
             </a:fld>
             <a:endParaRPr lang="ko-KR" altLang="en-US"/>
           </a:p>
@@ -2279,7 +2279,7 @@
           <a:p>
             <a:fld id="{FB30EDBD-1C2D-4C1E-B459-B60219FAB484}" type="datetimeFigureOut">
               <a:rPr lang="ko-KR" altLang="en-US" smtClean="0"/>
-              <a:t>2026. 2. 15.</a:t>
+              <a:t>2026. 2. 16.</a:t>
             </a:fld>
             <a:endParaRPr lang="ko-KR" altLang="en-US"/>
           </a:p>
@@ -2391,7 +2391,7 @@
           <a:p>
             <a:fld id="{FB30EDBD-1C2D-4C1E-B459-B60219FAB484}" type="datetimeFigureOut">
               <a:rPr lang="ko-KR" altLang="en-US" smtClean="0"/>
-              <a:t>2026. 2. 15.</a:t>
+              <a:t>2026. 2. 16.</a:t>
             </a:fld>
             <a:endParaRPr lang="ko-KR" altLang="en-US"/>
           </a:p>
@@ -2481,7 +2481,7 @@
           <a:p>
             <a:fld id="{FB30EDBD-1C2D-4C1E-B459-B60219FAB484}" type="datetimeFigureOut">
               <a:rPr lang="ko-KR" altLang="en-US" smtClean="0"/>
-              <a:t>2026. 2. 15.</a:t>
+              <a:t>2026. 2. 16.</a:t>
             </a:fld>
             <a:endParaRPr lang="ko-KR" altLang="en-US"/>
           </a:p>
@@ -2751,7 +2751,7 @@
           <a:p>
             <a:fld id="{FB30EDBD-1C2D-4C1E-B459-B60219FAB484}" type="datetimeFigureOut">
               <a:rPr lang="ko-KR" altLang="en-US" smtClean="0"/>
-              <a:t>2026. 2. 15.</a:t>
+              <a:t>2026. 2. 16.</a:t>
             </a:fld>
             <a:endParaRPr lang="ko-KR" altLang="en-US"/>
           </a:p>
@@ -2998,7 +2998,7 @@
           <a:p>
             <a:fld id="{FB30EDBD-1C2D-4C1E-B459-B60219FAB484}" type="datetimeFigureOut">
               <a:rPr lang="ko-KR" altLang="en-US" smtClean="0"/>
-              <a:t>2026. 2. 15.</a:t>
+              <a:t>2026. 2. 16.</a:t>
             </a:fld>
             <a:endParaRPr lang="ko-KR" altLang="en-US"/>
           </a:p>
@@ -3204,7 +3204,7 @@
           <a:p>
             <a:fld id="{FB30EDBD-1C2D-4C1E-B459-B60219FAB484}" type="datetimeFigureOut">
               <a:rPr lang="ko-KR" altLang="en-US" smtClean="0"/>
-              <a:t>2026. 2. 15.</a:t>
+              <a:t>2026. 2. 16.</a:t>
             </a:fld>
             <a:endParaRPr lang="ko-KR" altLang="en-US"/>
           </a:p>
@@ -24077,6 +24077,5163 @@
           </a:p>
         </p:txBody>
       </p:sp>
+      <p:sp>
+        <p:nvSpPr>
+          <p:cNvPr id="3" name="모서리가 둥근 직사각형 2">
+            <a:extLst>
+              <a:ext uri="{FF2B5EF4-FFF2-40B4-BE49-F238E27FC236}">
+                <a16:creationId xmlns:a16="http://schemas.microsoft.com/office/drawing/2014/main" id="{7ED0BC13-5149-D2CF-8968-1080D4886F62}"/>
+              </a:ext>
+            </a:extLst>
+          </p:cNvPr>
+          <p:cNvSpPr/>
+          <p:nvPr/>
+        </p:nvSpPr>
+        <p:spPr>
+          <a:xfrm>
+            <a:off x="1115616" y="713946"/>
+            <a:ext cx="7056784" cy="201622"/>
+          </a:xfrm>
+          <a:prstGeom prst="roundRect">
+            <a:avLst>
+              <a:gd name="adj" fmla="val 0"/>
+            </a:avLst>
+          </a:prstGeom>
+          <a:solidFill>
+            <a:schemeClr val="accent3">
+              <a:lumMod val="20000"/>
+              <a:lumOff val="80000"/>
+            </a:schemeClr>
+          </a:solidFill>
+          <a:ln w="12700"/>
+        </p:spPr>
+        <p:style>
+          <a:lnRef idx="2">
+            <a:schemeClr val="accent1">
+              <a:shade val="15000"/>
+            </a:schemeClr>
+          </a:lnRef>
+          <a:fillRef idx="1">
+            <a:schemeClr val="accent1"/>
+          </a:fillRef>
+          <a:effectRef idx="0">
+            <a:schemeClr val="accent1"/>
+          </a:effectRef>
+          <a:fontRef idx="minor">
+            <a:schemeClr val="lt1"/>
+          </a:fontRef>
+        </p:style>
+        <p:txBody>
+          <a:bodyPr rtlCol="0" anchor="ctr"/>
+          <a:lstStyle/>
+          <a:p>
+            <a:pPr algn="ctr"/>
+            <a:r>
+              <a:rPr kumimoji="1" lang="en-US" altLang="ko-KR" sz="1000">
+                <a:solidFill>
+                  <a:schemeClr val="tx1"/>
+                </a:solidFill>
+              </a:rPr>
+              <a:t>A100 40GB MIG</a:t>
+            </a:r>
+            <a:endParaRPr kumimoji="1" lang="ko-KR" altLang="en-US" sz="1000">
+              <a:solidFill>
+                <a:schemeClr val="tx1"/>
+              </a:solidFill>
+            </a:endParaRPr>
+          </a:p>
+        </p:txBody>
+      </p:sp>
+      <p:sp>
+        <p:nvSpPr>
+          <p:cNvPr id="4" name="모서리가 둥근 직사각형 3">
+            <a:extLst>
+              <a:ext uri="{FF2B5EF4-FFF2-40B4-BE49-F238E27FC236}">
+                <a16:creationId xmlns:a16="http://schemas.microsoft.com/office/drawing/2014/main" id="{AF55C6C0-7D80-D4BB-4187-334D32741923}"/>
+              </a:ext>
+            </a:extLst>
+          </p:cNvPr>
+          <p:cNvSpPr/>
+          <p:nvPr/>
+        </p:nvSpPr>
+        <p:spPr>
+          <a:xfrm>
+            <a:off x="1115616" y="915568"/>
+            <a:ext cx="7056784" cy="201622"/>
+          </a:xfrm>
+          <a:prstGeom prst="roundRect">
+            <a:avLst>
+              <a:gd name="adj" fmla="val 0"/>
+            </a:avLst>
+          </a:prstGeom>
+          <a:solidFill>
+            <a:schemeClr val="accent1">
+              <a:lumMod val="20000"/>
+              <a:lumOff val="80000"/>
+            </a:schemeClr>
+          </a:solidFill>
+          <a:ln w="12700"/>
+        </p:spPr>
+        <p:style>
+          <a:lnRef idx="2">
+            <a:schemeClr val="accent1">
+              <a:shade val="15000"/>
+            </a:schemeClr>
+          </a:lnRef>
+          <a:fillRef idx="1">
+            <a:schemeClr val="accent1"/>
+          </a:fillRef>
+          <a:effectRef idx="0">
+            <a:schemeClr val="accent1"/>
+          </a:effectRef>
+          <a:fontRef idx="minor">
+            <a:schemeClr val="lt1"/>
+          </a:fontRef>
+        </p:style>
+        <p:txBody>
+          <a:bodyPr rtlCol="0" anchor="ctr"/>
+          <a:lstStyle/>
+          <a:p>
+            <a:pPr algn="ctr"/>
+            <a:r>
+              <a:rPr kumimoji="1" lang="en-US" altLang="ko-KR" sz="1000">
+                <a:solidFill>
+                  <a:schemeClr val="tx1"/>
+                </a:solidFill>
+              </a:rPr>
+              <a:t>7G.40GB</a:t>
+            </a:r>
+            <a:endParaRPr kumimoji="1" lang="ko-KR" altLang="en-US" sz="1000">
+              <a:solidFill>
+                <a:schemeClr val="tx1"/>
+              </a:solidFill>
+            </a:endParaRPr>
+          </a:p>
+        </p:txBody>
+      </p:sp>
+      <p:sp>
+        <p:nvSpPr>
+          <p:cNvPr id="5" name="모서리가 둥근 직사각형 4">
+            <a:extLst>
+              <a:ext uri="{FF2B5EF4-FFF2-40B4-BE49-F238E27FC236}">
+                <a16:creationId xmlns:a16="http://schemas.microsoft.com/office/drawing/2014/main" id="{94DF604D-2B92-A00F-1336-286CA9D0803E}"/>
+              </a:ext>
+            </a:extLst>
+          </p:cNvPr>
+          <p:cNvSpPr/>
+          <p:nvPr/>
+        </p:nvSpPr>
+        <p:spPr>
+          <a:xfrm>
+            <a:off x="1115616" y="1117191"/>
+            <a:ext cx="4032448" cy="201622"/>
+          </a:xfrm>
+          <a:prstGeom prst="roundRect">
+            <a:avLst>
+              <a:gd name="adj" fmla="val 0"/>
+            </a:avLst>
+          </a:prstGeom>
+          <a:solidFill>
+            <a:schemeClr val="accent6">
+              <a:lumMod val="20000"/>
+              <a:lumOff val="80000"/>
+            </a:schemeClr>
+          </a:solidFill>
+          <a:ln w="12700"/>
+        </p:spPr>
+        <p:style>
+          <a:lnRef idx="2">
+            <a:schemeClr val="accent1">
+              <a:shade val="15000"/>
+            </a:schemeClr>
+          </a:lnRef>
+          <a:fillRef idx="1">
+            <a:schemeClr val="accent1"/>
+          </a:fillRef>
+          <a:effectRef idx="0">
+            <a:schemeClr val="accent1"/>
+          </a:effectRef>
+          <a:fontRef idx="minor">
+            <a:schemeClr val="lt1"/>
+          </a:fontRef>
+        </p:style>
+        <p:txBody>
+          <a:bodyPr rtlCol="0" anchor="ctr"/>
+          <a:lstStyle/>
+          <a:p>
+            <a:pPr algn="ctr"/>
+            <a:r>
+              <a:rPr kumimoji="1" lang="en-US" altLang="ko-KR" sz="1000">
+                <a:solidFill>
+                  <a:schemeClr val="tx1"/>
+                </a:solidFill>
+              </a:rPr>
+              <a:t>4G.20GB</a:t>
+            </a:r>
+            <a:endParaRPr kumimoji="1" lang="ko-KR" altLang="en-US" sz="1000">
+              <a:solidFill>
+                <a:schemeClr val="tx1"/>
+              </a:solidFill>
+            </a:endParaRPr>
+          </a:p>
+        </p:txBody>
+      </p:sp>
+      <p:sp>
+        <p:nvSpPr>
+          <p:cNvPr id="6" name="모서리가 둥근 직사각형 5">
+            <a:extLst>
+              <a:ext uri="{FF2B5EF4-FFF2-40B4-BE49-F238E27FC236}">
+                <a16:creationId xmlns:a16="http://schemas.microsoft.com/office/drawing/2014/main" id="{AC11BF3D-653E-DEBA-141A-4CA8CDB87C4D}"/>
+              </a:ext>
+            </a:extLst>
+          </p:cNvPr>
+          <p:cNvSpPr/>
+          <p:nvPr/>
+        </p:nvSpPr>
+        <p:spPr>
+          <a:xfrm>
+            <a:off x="5148064" y="1117191"/>
+            <a:ext cx="2016224" cy="201622"/>
+          </a:xfrm>
+          <a:prstGeom prst="roundRect">
+            <a:avLst>
+              <a:gd name="adj" fmla="val 0"/>
+            </a:avLst>
+          </a:prstGeom>
+          <a:solidFill>
+            <a:schemeClr val="accent2">
+              <a:lumMod val="20000"/>
+              <a:lumOff val="80000"/>
+            </a:schemeClr>
+          </a:solidFill>
+          <a:ln w="12700"/>
+        </p:spPr>
+        <p:style>
+          <a:lnRef idx="2">
+            <a:schemeClr val="accent1">
+              <a:shade val="15000"/>
+            </a:schemeClr>
+          </a:lnRef>
+          <a:fillRef idx="1">
+            <a:schemeClr val="accent1"/>
+          </a:fillRef>
+          <a:effectRef idx="0">
+            <a:schemeClr val="accent1"/>
+          </a:effectRef>
+          <a:fontRef idx="minor">
+            <a:schemeClr val="lt1"/>
+          </a:fontRef>
+        </p:style>
+        <p:txBody>
+          <a:bodyPr rtlCol="0" anchor="ctr"/>
+          <a:lstStyle/>
+          <a:p>
+            <a:pPr algn="ctr"/>
+            <a:r>
+              <a:rPr kumimoji="1" lang="en-US" altLang="ko-KR" sz="1000">
+                <a:solidFill>
+                  <a:schemeClr val="tx1"/>
+                </a:solidFill>
+              </a:rPr>
+              <a:t>2G.10GB</a:t>
+            </a:r>
+            <a:endParaRPr kumimoji="1" lang="ko-KR" altLang="en-US" sz="1000">
+              <a:solidFill>
+                <a:schemeClr val="tx1"/>
+              </a:solidFill>
+            </a:endParaRPr>
+          </a:p>
+        </p:txBody>
+      </p:sp>
+      <p:sp>
+        <p:nvSpPr>
+          <p:cNvPr id="7" name="모서리가 둥근 직사각형 6">
+            <a:extLst>
+              <a:ext uri="{FF2B5EF4-FFF2-40B4-BE49-F238E27FC236}">
+                <a16:creationId xmlns:a16="http://schemas.microsoft.com/office/drawing/2014/main" id="{88853DB4-DC3C-BAE9-302D-5F13063927A3}"/>
+              </a:ext>
+            </a:extLst>
+          </p:cNvPr>
+          <p:cNvSpPr/>
+          <p:nvPr/>
+        </p:nvSpPr>
+        <p:spPr>
+          <a:xfrm>
+            <a:off x="1115616" y="1318813"/>
+            <a:ext cx="4032448" cy="201622"/>
+          </a:xfrm>
+          <a:prstGeom prst="roundRect">
+            <a:avLst>
+              <a:gd name="adj" fmla="val 0"/>
+            </a:avLst>
+          </a:prstGeom>
+          <a:solidFill>
+            <a:schemeClr val="accent6">
+              <a:lumMod val="20000"/>
+              <a:lumOff val="80000"/>
+            </a:schemeClr>
+          </a:solidFill>
+          <a:ln w="12700"/>
+        </p:spPr>
+        <p:style>
+          <a:lnRef idx="2">
+            <a:schemeClr val="accent1">
+              <a:shade val="15000"/>
+            </a:schemeClr>
+          </a:lnRef>
+          <a:fillRef idx="1">
+            <a:schemeClr val="accent1"/>
+          </a:fillRef>
+          <a:effectRef idx="0">
+            <a:schemeClr val="accent1"/>
+          </a:effectRef>
+          <a:fontRef idx="minor">
+            <a:schemeClr val="lt1"/>
+          </a:fontRef>
+        </p:style>
+        <p:txBody>
+          <a:bodyPr rtlCol="0" anchor="ctr"/>
+          <a:lstStyle/>
+          <a:p>
+            <a:pPr algn="ctr"/>
+            <a:r>
+              <a:rPr kumimoji="1" lang="en-US" altLang="ko-KR" sz="1000">
+                <a:solidFill>
+                  <a:schemeClr val="tx1"/>
+                </a:solidFill>
+              </a:rPr>
+              <a:t>4G.20GB</a:t>
+            </a:r>
+            <a:endParaRPr kumimoji="1" lang="ko-KR" altLang="en-US" sz="1000">
+              <a:solidFill>
+                <a:schemeClr val="tx1"/>
+              </a:solidFill>
+            </a:endParaRPr>
+          </a:p>
+        </p:txBody>
+      </p:sp>
+      <p:sp>
+        <p:nvSpPr>
+          <p:cNvPr id="8" name="모서리가 둥근 직사각형 7">
+            <a:extLst>
+              <a:ext uri="{FF2B5EF4-FFF2-40B4-BE49-F238E27FC236}">
+                <a16:creationId xmlns:a16="http://schemas.microsoft.com/office/drawing/2014/main" id="{8B4DB70D-A9A8-C633-CBEE-B1CC3E006554}"/>
+              </a:ext>
+            </a:extLst>
+          </p:cNvPr>
+          <p:cNvSpPr/>
+          <p:nvPr/>
+        </p:nvSpPr>
+        <p:spPr>
+          <a:xfrm>
+            <a:off x="7164288" y="1117191"/>
+            <a:ext cx="1008112" cy="201622"/>
+          </a:xfrm>
+          <a:prstGeom prst="roundRect">
+            <a:avLst>
+              <a:gd name="adj" fmla="val 0"/>
+            </a:avLst>
+          </a:prstGeom>
+          <a:solidFill>
+            <a:schemeClr val="accent4">
+              <a:lumMod val="20000"/>
+              <a:lumOff val="80000"/>
+            </a:schemeClr>
+          </a:solidFill>
+          <a:ln w="12700"/>
+        </p:spPr>
+        <p:style>
+          <a:lnRef idx="2">
+            <a:schemeClr val="accent1">
+              <a:shade val="15000"/>
+            </a:schemeClr>
+          </a:lnRef>
+          <a:fillRef idx="1">
+            <a:schemeClr val="accent1"/>
+          </a:fillRef>
+          <a:effectRef idx="0">
+            <a:schemeClr val="accent1"/>
+          </a:effectRef>
+          <a:fontRef idx="minor">
+            <a:schemeClr val="lt1"/>
+          </a:fontRef>
+        </p:style>
+        <p:txBody>
+          <a:bodyPr rtlCol="0" anchor="ctr"/>
+          <a:lstStyle/>
+          <a:p>
+            <a:pPr algn="ctr"/>
+            <a:r>
+              <a:rPr kumimoji="1" lang="en-US" altLang="ko-KR" sz="1000">
+                <a:solidFill>
+                  <a:schemeClr val="tx1"/>
+                </a:solidFill>
+              </a:rPr>
+              <a:t>1G.5GB</a:t>
+            </a:r>
+            <a:endParaRPr kumimoji="1" lang="ko-KR" altLang="en-US" sz="1000">
+              <a:solidFill>
+                <a:schemeClr val="tx1"/>
+              </a:solidFill>
+            </a:endParaRPr>
+          </a:p>
+        </p:txBody>
+      </p:sp>
+      <p:sp>
+        <p:nvSpPr>
+          <p:cNvPr id="11" name="모서리가 둥근 직사각형 10">
+            <a:extLst>
+              <a:ext uri="{FF2B5EF4-FFF2-40B4-BE49-F238E27FC236}">
+                <a16:creationId xmlns:a16="http://schemas.microsoft.com/office/drawing/2014/main" id="{148717F4-0C27-C01C-0D79-64827AB8EE79}"/>
+              </a:ext>
+            </a:extLst>
+          </p:cNvPr>
+          <p:cNvSpPr/>
+          <p:nvPr/>
+        </p:nvSpPr>
+        <p:spPr>
+          <a:xfrm>
+            <a:off x="7164288" y="1520436"/>
+            <a:ext cx="1008112" cy="201622"/>
+          </a:xfrm>
+          <a:prstGeom prst="roundRect">
+            <a:avLst>
+              <a:gd name="adj" fmla="val 0"/>
+            </a:avLst>
+          </a:prstGeom>
+          <a:solidFill>
+            <a:schemeClr val="bg1">
+              <a:lumMod val="95000"/>
+            </a:schemeClr>
+          </a:solidFill>
+          <a:ln w="12700"/>
+        </p:spPr>
+        <p:style>
+          <a:lnRef idx="2">
+            <a:schemeClr val="accent1">
+              <a:shade val="15000"/>
+            </a:schemeClr>
+          </a:lnRef>
+          <a:fillRef idx="1">
+            <a:schemeClr val="accent1"/>
+          </a:fillRef>
+          <a:effectRef idx="0">
+            <a:schemeClr val="accent1"/>
+          </a:effectRef>
+          <a:fontRef idx="minor">
+            <a:schemeClr val="lt1"/>
+          </a:fontRef>
+        </p:style>
+        <p:txBody>
+          <a:bodyPr rtlCol="0" anchor="ctr"/>
+          <a:lstStyle/>
+          <a:p>
+            <a:pPr algn="ctr"/>
+            <a:r>
+              <a:rPr kumimoji="1" lang="en-US" altLang="ko-KR" sz="1000">
+                <a:solidFill>
+                  <a:schemeClr val="tx1"/>
+                </a:solidFill>
+              </a:rPr>
+              <a:t>N/A</a:t>
+            </a:r>
+            <a:endParaRPr kumimoji="1" lang="ko-KR" altLang="en-US" sz="1000">
+              <a:solidFill>
+                <a:schemeClr val="tx1"/>
+              </a:solidFill>
+            </a:endParaRPr>
+          </a:p>
+        </p:txBody>
+      </p:sp>
+      <p:sp>
+        <p:nvSpPr>
+          <p:cNvPr id="12" name="모서리가 둥근 직사각형 11">
+            <a:extLst>
+              <a:ext uri="{FF2B5EF4-FFF2-40B4-BE49-F238E27FC236}">
+                <a16:creationId xmlns:a16="http://schemas.microsoft.com/office/drawing/2014/main" id="{F07E5EDE-1A4C-8593-C7B3-135AC31BE389}"/>
+              </a:ext>
+            </a:extLst>
+          </p:cNvPr>
+          <p:cNvSpPr/>
+          <p:nvPr/>
+        </p:nvSpPr>
+        <p:spPr>
+          <a:xfrm>
+            <a:off x="5148064" y="1318813"/>
+            <a:ext cx="1008112" cy="201622"/>
+          </a:xfrm>
+          <a:prstGeom prst="roundRect">
+            <a:avLst>
+              <a:gd name="adj" fmla="val 0"/>
+            </a:avLst>
+          </a:prstGeom>
+          <a:solidFill>
+            <a:schemeClr val="accent4">
+              <a:lumMod val="20000"/>
+              <a:lumOff val="80000"/>
+            </a:schemeClr>
+          </a:solidFill>
+          <a:ln w="12700"/>
+        </p:spPr>
+        <p:style>
+          <a:lnRef idx="2">
+            <a:schemeClr val="accent1">
+              <a:shade val="15000"/>
+            </a:schemeClr>
+          </a:lnRef>
+          <a:fillRef idx="1">
+            <a:schemeClr val="accent1"/>
+          </a:fillRef>
+          <a:effectRef idx="0">
+            <a:schemeClr val="accent1"/>
+          </a:effectRef>
+          <a:fontRef idx="minor">
+            <a:schemeClr val="lt1"/>
+          </a:fontRef>
+        </p:style>
+        <p:txBody>
+          <a:bodyPr rtlCol="0" anchor="ctr"/>
+          <a:lstStyle/>
+          <a:p>
+            <a:pPr algn="ctr"/>
+            <a:r>
+              <a:rPr kumimoji="1" lang="en-US" altLang="ko-KR" sz="1000">
+                <a:solidFill>
+                  <a:schemeClr val="tx1"/>
+                </a:solidFill>
+              </a:rPr>
+              <a:t>1G.5GB</a:t>
+            </a:r>
+            <a:endParaRPr kumimoji="1" lang="ko-KR" altLang="en-US" sz="1000">
+              <a:solidFill>
+                <a:schemeClr val="tx1"/>
+              </a:solidFill>
+            </a:endParaRPr>
+          </a:p>
+        </p:txBody>
+      </p:sp>
+      <p:sp>
+        <p:nvSpPr>
+          <p:cNvPr id="13" name="모서리가 둥근 직사각형 12">
+            <a:extLst>
+              <a:ext uri="{FF2B5EF4-FFF2-40B4-BE49-F238E27FC236}">
+                <a16:creationId xmlns:a16="http://schemas.microsoft.com/office/drawing/2014/main" id="{EE0D12BE-BDDF-50C5-71AB-92426DDA1DBE}"/>
+              </a:ext>
+            </a:extLst>
+          </p:cNvPr>
+          <p:cNvSpPr/>
+          <p:nvPr/>
+        </p:nvSpPr>
+        <p:spPr>
+          <a:xfrm>
+            <a:off x="6156176" y="1318813"/>
+            <a:ext cx="1008112" cy="201622"/>
+          </a:xfrm>
+          <a:prstGeom prst="roundRect">
+            <a:avLst>
+              <a:gd name="adj" fmla="val 0"/>
+            </a:avLst>
+          </a:prstGeom>
+          <a:solidFill>
+            <a:schemeClr val="accent4">
+              <a:lumMod val="20000"/>
+              <a:lumOff val="80000"/>
+            </a:schemeClr>
+          </a:solidFill>
+          <a:ln w="12700"/>
+        </p:spPr>
+        <p:style>
+          <a:lnRef idx="2">
+            <a:schemeClr val="accent1">
+              <a:shade val="15000"/>
+            </a:schemeClr>
+          </a:lnRef>
+          <a:fillRef idx="1">
+            <a:schemeClr val="accent1"/>
+          </a:fillRef>
+          <a:effectRef idx="0">
+            <a:schemeClr val="accent1"/>
+          </a:effectRef>
+          <a:fontRef idx="minor">
+            <a:schemeClr val="lt1"/>
+          </a:fontRef>
+        </p:style>
+        <p:txBody>
+          <a:bodyPr rtlCol="0" anchor="ctr"/>
+          <a:lstStyle/>
+          <a:p>
+            <a:pPr algn="ctr"/>
+            <a:r>
+              <a:rPr kumimoji="1" lang="en-US" altLang="ko-KR" sz="1000">
+                <a:solidFill>
+                  <a:schemeClr val="tx1"/>
+                </a:solidFill>
+              </a:rPr>
+              <a:t>1G.5GB</a:t>
+            </a:r>
+            <a:endParaRPr kumimoji="1" lang="ko-KR" altLang="en-US" sz="1000">
+              <a:solidFill>
+                <a:schemeClr val="tx1"/>
+              </a:solidFill>
+            </a:endParaRPr>
+          </a:p>
+        </p:txBody>
+      </p:sp>
+      <p:sp>
+        <p:nvSpPr>
+          <p:cNvPr id="14" name="모서리가 둥근 직사각형 13">
+            <a:extLst>
+              <a:ext uri="{FF2B5EF4-FFF2-40B4-BE49-F238E27FC236}">
+                <a16:creationId xmlns:a16="http://schemas.microsoft.com/office/drawing/2014/main" id="{C45ED93B-2F6A-5F00-3319-E5CF8BDD79CF}"/>
+              </a:ext>
+            </a:extLst>
+          </p:cNvPr>
+          <p:cNvSpPr/>
+          <p:nvPr/>
+        </p:nvSpPr>
+        <p:spPr>
+          <a:xfrm>
+            <a:off x="7164288" y="1318813"/>
+            <a:ext cx="1008112" cy="201622"/>
+          </a:xfrm>
+          <a:prstGeom prst="roundRect">
+            <a:avLst>
+              <a:gd name="adj" fmla="val 0"/>
+            </a:avLst>
+          </a:prstGeom>
+          <a:solidFill>
+            <a:schemeClr val="accent4">
+              <a:lumMod val="20000"/>
+              <a:lumOff val="80000"/>
+            </a:schemeClr>
+          </a:solidFill>
+          <a:ln w="12700"/>
+        </p:spPr>
+        <p:style>
+          <a:lnRef idx="2">
+            <a:schemeClr val="accent1">
+              <a:shade val="15000"/>
+            </a:schemeClr>
+          </a:lnRef>
+          <a:fillRef idx="1">
+            <a:schemeClr val="accent1"/>
+          </a:fillRef>
+          <a:effectRef idx="0">
+            <a:schemeClr val="accent1"/>
+          </a:effectRef>
+          <a:fontRef idx="minor">
+            <a:schemeClr val="lt1"/>
+          </a:fontRef>
+        </p:style>
+        <p:txBody>
+          <a:bodyPr rtlCol="0" anchor="ctr"/>
+          <a:lstStyle/>
+          <a:p>
+            <a:pPr algn="ctr"/>
+            <a:r>
+              <a:rPr kumimoji="1" lang="en-US" altLang="ko-KR" sz="1000">
+                <a:solidFill>
+                  <a:schemeClr val="tx1"/>
+                </a:solidFill>
+              </a:rPr>
+              <a:t>1G.5GB</a:t>
+            </a:r>
+            <a:endParaRPr kumimoji="1" lang="ko-KR" altLang="en-US" sz="1000">
+              <a:solidFill>
+                <a:schemeClr val="tx1"/>
+              </a:solidFill>
+            </a:endParaRPr>
+          </a:p>
+        </p:txBody>
+      </p:sp>
+      <p:sp>
+        <p:nvSpPr>
+          <p:cNvPr id="15" name="모서리가 둥근 직사각형 14">
+            <a:extLst>
+              <a:ext uri="{FF2B5EF4-FFF2-40B4-BE49-F238E27FC236}">
+                <a16:creationId xmlns:a16="http://schemas.microsoft.com/office/drawing/2014/main" id="{2FE4AB3A-781C-299F-8E8D-2CE0AFDA6C08}"/>
+              </a:ext>
+            </a:extLst>
+          </p:cNvPr>
+          <p:cNvSpPr/>
+          <p:nvPr/>
+        </p:nvSpPr>
+        <p:spPr>
+          <a:xfrm>
+            <a:off x="7164284" y="1722058"/>
+            <a:ext cx="1008112" cy="201622"/>
+          </a:xfrm>
+          <a:prstGeom prst="roundRect">
+            <a:avLst>
+              <a:gd name="adj" fmla="val 0"/>
+            </a:avLst>
+          </a:prstGeom>
+          <a:solidFill>
+            <a:schemeClr val="bg1">
+              <a:lumMod val="95000"/>
+            </a:schemeClr>
+          </a:solidFill>
+          <a:ln w="12700"/>
+        </p:spPr>
+        <p:style>
+          <a:lnRef idx="2">
+            <a:schemeClr val="accent1">
+              <a:shade val="15000"/>
+            </a:schemeClr>
+          </a:lnRef>
+          <a:fillRef idx="1">
+            <a:schemeClr val="accent1"/>
+          </a:fillRef>
+          <a:effectRef idx="0">
+            <a:schemeClr val="accent1"/>
+          </a:effectRef>
+          <a:fontRef idx="minor">
+            <a:schemeClr val="lt1"/>
+          </a:fontRef>
+        </p:style>
+        <p:txBody>
+          <a:bodyPr rtlCol="0" anchor="ctr"/>
+          <a:lstStyle/>
+          <a:p>
+            <a:pPr algn="ctr"/>
+            <a:r>
+              <a:rPr kumimoji="1" lang="en-US" altLang="ko-KR" sz="1000">
+                <a:solidFill>
+                  <a:schemeClr val="tx1"/>
+                </a:solidFill>
+              </a:rPr>
+              <a:t>N/A</a:t>
+            </a:r>
+            <a:endParaRPr kumimoji="1" lang="ko-KR" altLang="en-US" sz="1000">
+              <a:solidFill>
+                <a:schemeClr val="tx1"/>
+              </a:solidFill>
+            </a:endParaRPr>
+          </a:p>
+        </p:txBody>
+      </p:sp>
+      <p:sp>
+        <p:nvSpPr>
+          <p:cNvPr id="16" name="모서리가 둥근 직사각형 15">
+            <a:extLst>
+              <a:ext uri="{FF2B5EF4-FFF2-40B4-BE49-F238E27FC236}">
+                <a16:creationId xmlns:a16="http://schemas.microsoft.com/office/drawing/2014/main" id="{A24DA489-5065-3837-872D-2610EE83BA3F}"/>
+              </a:ext>
+            </a:extLst>
+          </p:cNvPr>
+          <p:cNvSpPr/>
+          <p:nvPr/>
+        </p:nvSpPr>
+        <p:spPr>
+          <a:xfrm>
+            <a:off x="1115616" y="1520436"/>
+            <a:ext cx="3024334" cy="201622"/>
+          </a:xfrm>
+          <a:prstGeom prst="roundRect">
+            <a:avLst>
+              <a:gd name="adj" fmla="val 0"/>
+            </a:avLst>
+          </a:prstGeom>
+          <a:solidFill>
+            <a:schemeClr val="accent5">
+              <a:lumMod val="20000"/>
+              <a:lumOff val="80000"/>
+            </a:schemeClr>
+          </a:solidFill>
+          <a:ln w="12700"/>
+        </p:spPr>
+        <p:style>
+          <a:lnRef idx="2">
+            <a:schemeClr val="accent1">
+              <a:shade val="15000"/>
+            </a:schemeClr>
+          </a:lnRef>
+          <a:fillRef idx="1">
+            <a:schemeClr val="accent1"/>
+          </a:fillRef>
+          <a:effectRef idx="0">
+            <a:schemeClr val="accent1"/>
+          </a:effectRef>
+          <a:fontRef idx="minor">
+            <a:schemeClr val="lt1"/>
+          </a:fontRef>
+        </p:style>
+        <p:txBody>
+          <a:bodyPr rtlCol="0" anchor="ctr"/>
+          <a:lstStyle/>
+          <a:p>
+            <a:pPr algn="ctr"/>
+            <a:r>
+              <a:rPr kumimoji="1" lang="en-US" altLang="ko-KR" sz="1000">
+                <a:solidFill>
+                  <a:schemeClr val="tx1"/>
+                </a:solidFill>
+              </a:rPr>
+              <a:t>3G.20GB</a:t>
+            </a:r>
+            <a:endParaRPr kumimoji="1" lang="ko-KR" altLang="en-US" sz="1000">
+              <a:solidFill>
+                <a:schemeClr val="tx1"/>
+              </a:solidFill>
+            </a:endParaRPr>
+          </a:p>
+        </p:txBody>
+      </p:sp>
+      <p:sp>
+        <p:nvSpPr>
+          <p:cNvPr id="18" name="모서리가 둥근 직사각형 17">
+            <a:extLst>
+              <a:ext uri="{FF2B5EF4-FFF2-40B4-BE49-F238E27FC236}">
+                <a16:creationId xmlns:a16="http://schemas.microsoft.com/office/drawing/2014/main" id="{71BFFC83-72C5-75C4-7696-B99BCFA54AF7}"/>
+              </a:ext>
+            </a:extLst>
+          </p:cNvPr>
+          <p:cNvSpPr/>
+          <p:nvPr/>
+        </p:nvSpPr>
+        <p:spPr>
+          <a:xfrm>
+            <a:off x="4139952" y="1520436"/>
+            <a:ext cx="3024335" cy="201622"/>
+          </a:xfrm>
+          <a:prstGeom prst="roundRect">
+            <a:avLst>
+              <a:gd name="adj" fmla="val 0"/>
+            </a:avLst>
+          </a:prstGeom>
+          <a:solidFill>
+            <a:schemeClr val="accent5">
+              <a:lumMod val="20000"/>
+              <a:lumOff val="80000"/>
+            </a:schemeClr>
+          </a:solidFill>
+          <a:ln w="12700"/>
+        </p:spPr>
+        <p:style>
+          <a:lnRef idx="2">
+            <a:schemeClr val="accent1">
+              <a:shade val="15000"/>
+            </a:schemeClr>
+          </a:lnRef>
+          <a:fillRef idx="1">
+            <a:schemeClr val="accent1"/>
+          </a:fillRef>
+          <a:effectRef idx="0">
+            <a:schemeClr val="accent1"/>
+          </a:effectRef>
+          <a:fontRef idx="minor">
+            <a:schemeClr val="lt1"/>
+          </a:fontRef>
+        </p:style>
+        <p:txBody>
+          <a:bodyPr rtlCol="0" anchor="ctr"/>
+          <a:lstStyle/>
+          <a:p>
+            <a:pPr algn="ctr"/>
+            <a:r>
+              <a:rPr kumimoji="1" lang="en-US" altLang="ko-KR" sz="1000">
+                <a:solidFill>
+                  <a:schemeClr val="tx1"/>
+                </a:solidFill>
+              </a:rPr>
+              <a:t>3G.20GB</a:t>
+            </a:r>
+            <a:endParaRPr kumimoji="1" lang="ko-KR" altLang="en-US" sz="1000">
+              <a:solidFill>
+                <a:schemeClr val="tx1"/>
+              </a:solidFill>
+            </a:endParaRPr>
+          </a:p>
+        </p:txBody>
+      </p:sp>
+      <p:sp>
+        <p:nvSpPr>
+          <p:cNvPr id="19" name="모서리가 둥근 직사각형 18">
+            <a:extLst>
+              <a:ext uri="{FF2B5EF4-FFF2-40B4-BE49-F238E27FC236}">
+                <a16:creationId xmlns:a16="http://schemas.microsoft.com/office/drawing/2014/main" id="{06FDF679-2D27-C955-8FB7-0C54F9F7F8B6}"/>
+              </a:ext>
+            </a:extLst>
+          </p:cNvPr>
+          <p:cNvSpPr/>
+          <p:nvPr/>
+        </p:nvSpPr>
+        <p:spPr>
+          <a:xfrm>
+            <a:off x="1115616" y="1722058"/>
+            <a:ext cx="3024334" cy="201622"/>
+          </a:xfrm>
+          <a:prstGeom prst="roundRect">
+            <a:avLst>
+              <a:gd name="adj" fmla="val 0"/>
+            </a:avLst>
+          </a:prstGeom>
+          <a:solidFill>
+            <a:schemeClr val="accent5">
+              <a:lumMod val="20000"/>
+              <a:lumOff val="80000"/>
+            </a:schemeClr>
+          </a:solidFill>
+          <a:ln w="12700"/>
+        </p:spPr>
+        <p:style>
+          <a:lnRef idx="2">
+            <a:schemeClr val="accent1">
+              <a:shade val="15000"/>
+            </a:schemeClr>
+          </a:lnRef>
+          <a:fillRef idx="1">
+            <a:schemeClr val="accent1"/>
+          </a:fillRef>
+          <a:effectRef idx="0">
+            <a:schemeClr val="accent1"/>
+          </a:effectRef>
+          <a:fontRef idx="minor">
+            <a:schemeClr val="lt1"/>
+          </a:fontRef>
+        </p:style>
+        <p:txBody>
+          <a:bodyPr rtlCol="0" anchor="ctr"/>
+          <a:lstStyle/>
+          <a:p>
+            <a:pPr algn="ctr"/>
+            <a:r>
+              <a:rPr kumimoji="1" lang="en-US" altLang="ko-KR" sz="1000">
+                <a:solidFill>
+                  <a:schemeClr val="tx1"/>
+                </a:solidFill>
+              </a:rPr>
+              <a:t>3G.20GB</a:t>
+            </a:r>
+            <a:endParaRPr kumimoji="1" lang="ko-KR" altLang="en-US" sz="1000">
+              <a:solidFill>
+                <a:schemeClr val="tx1"/>
+              </a:solidFill>
+            </a:endParaRPr>
+          </a:p>
+        </p:txBody>
+      </p:sp>
+      <p:sp>
+        <p:nvSpPr>
+          <p:cNvPr id="20" name="모서리가 둥근 직사각형 19">
+            <a:extLst>
+              <a:ext uri="{FF2B5EF4-FFF2-40B4-BE49-F238E27FC236}">
+                <a16:creationId xmlns:a16="http://schemas.microsoft.com/office/drawing/2014/main" id="{9A3B2885-6C2A-1773-DB2A-C4BEB848B07F}"/>
+              </a:ext>
+            </a:extLst>
+          </p:cNvPr>
+          <p:cNvSpPr/>
+          <p:nvPr/>
+        </p:nvSpPr>
+        <p:spPr>
+          <a:xfrm>
+            <a:off x="4139950" y="1722058"/>
+            <a:ext cx="2016224" cy="201622"/>
+          </a:xfrm>
+          <a:prstGeom prst="roundRect">
+            <a:avLst>
+              <a:gd name="adj" fmla="val 0"/>
+            </a:avLst>
+          </a:prstGeom>
+          <a:solidFill>
+            <a:schemeClr val="accent2">
+              <a:lumMod val="20000"/>
+              <a:lumOff val="80000"/>
+            </a:schemeClr>
+          </a:solidFill>
+          <a:ln w="12700"/>
+        </p:spPr>
+        <p:style>
+          <a:lnRef idx="2">
+            <a:schemeClr val="accent1">
+              <a:shade val="15000"/>
+            </a:schemeClr>
+          </a:lnRef>
+          <a:fillRef idx="1">
+            <a:schemeClr val="accent1"/>
+          </a:fillRef>
+          <a:effectRef idx="0">
+            <a:schemeClr val="accent1"/>
+          </a:effectRef>
+          <a:fontRef idx="minor">
+            <a:schemeClr val="lt1"/>
+          </a:fontRef>
+        </p:style>
+        <p:txBody>
+          <a:bodyPr rtlCol="0" anchor="ctr"/>
+          <a:lstStyle/>
+          <a:p>
+            <a:pPr algn="ctr"/>
+            <a:r>
+              <a:rPr kumimoji="1" lang="en-US" altLang="ko-KR" sz="1000">
+                <a:solidFill>
+                  <a:schemeClr val="tx1"/>
+                </a:solidFill>
+              </a:rPr>
+              <a:t>2G.10GB</a:t>
+            </a:r>
+            <a:endParaRPr kumimoji="1" lang="ko-KR" altLang="en-US" sz="1000">
+              <a:solidFill>
+                <a:schemeClr val="tx1"/>
+              </a:solidFill>
+            </a:endParaRPr>
+          </a:p>
+        </p:txBody>
+      </p:sp>
+      <p:sp>
+        <p:nvSpPr>
+          <p:cNvPr id="21" name="모서리가 둥근 직사각형 20">
+            <a:extLst>
+              <a:ext uri="{FF2B5EF4-FFF2-40B4-BE49-F238E27FC236}">
+                <a16:creationId xmlns:a16="http://schemas.microsoft.com/office/drawing/2014/main" id="{FAD33AEA-5C5E-AC8B-4307-E8CC9C091B86}"/>
+              </a:ext>
+            </a:extLst>
+          </p:cNvPr>
+          <p:cNvSpPr/>
+          <p:nvPr/>
+        </p:nvSpPr>
+        <p:spPr>
+          <a:xfrm>
+            <a:off x="6156176" y="1722058"/>
+            <a:ext cx="1008112" cy="201622"/>
+          </a:xfrm>
+          <a:prstGeom prst="roundRect">
+            <a:avLst>
+              <a:gd name="adj" fmla="val 0"/>
+            </a:avLst>
+          </a:prstGeom>
+          <a:solidFill>
+            <a:schemeClr val="accent4">
+              <a:lumMod val="20000"/>
+              <a:lumOff val="80000"/>
+            </a:schemeClr>
+          </a:solidFill>
+          <a:ln w="12700"/>
+        </p:spPr>
+        <p:style>
+          <a:lnRef idx="2">
+            <a:schemeClr val="accent1">
+              <a:shade val="15000"/>
+            </a:schemeClr>
+          </a:lnRef>
+          <a:fillRef idx="1">
+            <a:schemeClr val="accent1"/>
+          </a:fillRef>
+          <a:effectRef idx="0">
+            <a:schemeClr val="accent1"/>
+          </a:effectRef>
+          <a:fontRef idx="minor">
+            <a:schemeClr val="lt1"/>
+          </a:fontRef>
+        </p:style>
+        <p:txBody>
+          <a:bodyPr rtlCol="0" anchor="ctr"/>
+          <a:lstStyle/>
+          <a:p>
+            <a:pPr algn="ctr"/>
+            <a:r>
+              <a:rPr kumimoji="1" lang="en-US" altLang="ko-KR" sz="1000">
+                <a:solidFill>
+                  <a:schemeClr val="tx1"/>
+                </a:solidFill>
+              </a:rPr>
+              <a:t>1G.5GB</a:t>
+            </a:r>
+            <a:endParaRPr kumimoji="1" lang="ko-KR" altLang="en-US" sz="1000">
+              <a:solidFill>
+                <a:schemeClr val="tx1"/>
+              </a:solidFill>
+            </a:endParaRPr>
+          </a:p>
+        </p:txBody>
+      </p:sp>
+      <p:sp>
+        <p:nvSpPr>
+          <p:cNvPr id="22" name="모서리가 둥근 직사각형 21">
+            <a:extLst>
+              <a:ext uri="{FF2B5EF4-FFF2-40B4-BE49-F238E27FC236}">
+                <a16:creationId xmlns:a16="http://schemas.microsoft.com/office/drawing/2014/main" id="{48F010E7-61EB-5466-EC16-6CA19112F317}"/>
+              </a:ext>
+            </a:extLst>
+          </p:cNvPr>
+          <p:cNvSpPr/>
+          <p:nvPr/>
+        </p:nvSpPr>
+        <p:spPr>
+          <a:xfrm>
+            <a:off x="1115620" y="1923680"/>
+            <a:ext cx="2016224" cy="201622"/>
+          </a:xfrm>
+          <a:prstGeom prst="roundRect">
+            <a:avLst>
+              <a:gd name="adj" fmla="val 0"/>
+            </a:avLst>
+          </a:prstGeom>
+          <a:solidFill>
+            <a:schemeClr val="accent2">
+              <a:lumMod val="20000"/>
+              <a:lumOff val="80000"/>
+            </a:schemeClr>
+          </a:solidFill>
+          <a:ln w="12700"/>
+        </p:spPr>
+        <p:style>
+          <a:lnRef idx="2">
+            <a:schemeClr val="accent1">
+              <a:shade val="15000"/>
+            </a:schemeClr>
+          </a:lnRef>
+          <a:fillRef idx="1">
+            <a:schemeClr val="accent1"/>
+          </a:fillRef>
+          <a:effectRef idx="0">
+            <a:schemeClr val="accent1"/>
+          </a:effectRef>
+          <a:fontRef idx="minor">
+            <a:schemeClr val="lt1"/>
+          </a:fontRef>
+        </p:style>
+        <p:txBody>
+          <a:bodyPr rtlCol="0" anchor="ctr"/>
+          <a:lstStyle/>
+          <a:p>
+            <a:pPr algn="ctr"/>
+            <a:r>
+              <a:rPr kumimoji="1" lang="en-US" altLang="ko-KR" sz="1000">
+                <a:solidFill>
+                  <a:schemeClr val="tx1"/>
+                </a:solidFill>
+              </a:rPr>
+              <a:t>2G.10GB</a:t>
+            </a:r>
+            <a:endParaRPr kumimoji="1" lang="ko-KR" altLang="en-US" sz="1000">
+              <a:solidFill>
+                <a:schemeClr val="tx1"/>
+              </a:solidFill>
+            </a:endParaRPr>
+          </a:p>
+        </p:txBody>
+      </p:sp>
+      <p:sp>
+        <p:nvSpPr>
+          <p:cNvPr id="23" name="모서리가 둥근 직사각형 22">
+            <a:extLst>
+              <a:ext uri="{FF2B5EF4-FFF2-40B4-BE49-F238E27FC236}">
+                <a16:creationId xmlns:a16="http://schemas.microsoft.com/office/drawing/2014/main" id="{38D52705-A084-40CD-B4BC-AA598546CAE1}"/>
+              </a:ext>
+            </a:extLst>
+          </p:cNvPr>
+          <p:cNvSpPr/>
+          <p:nvPr/>
+        </p:nvSpPr>
+        <p:spPr>
+          <a:xfrm>
+            <a:off x="3131837" y="1923680"/>
+            <a:ext cx="2016224" cy="201622"/>
+          </a:xfrm>
+          <a:prstGeom prst="roundRect">
+            <a:avLst>
+              <a:gd name="adj" fmla="val 0"/>
+            </a:avLst>
+          </a:prstGeom>
+          <a:solidFill>
+            <a:schemeClr val="accent2">
+              <a:lumMod val="20000"/>
+              <a:lumOff val="80000"/>
+            </a:schemeClr>
+          </a:solidFill>
+          <a:ln w="12700"/>
+        </p:spPr>
+        <p:style>
+          <a:lnRef idx="2">
+            <a:schemeClr val="accent1">
+              <a:shade val="15000"/>
+            </a:schemeClr>
+          </a:lnRef>
+          <a:fillRef idx="1">
+            <a:schemeClr val="accent1"/>
+          </a:fillRef>
+          <a:effectRef idx="0">
+            <a:schemeClr val="accent1"/>
+          </a:effectRef>
+          <a:fontRef idx="minor">
+            <a:schemeClr val="lt1"/>
+          </a:fontRef>
+        </p:style>
+        <p:txBody>
+          <a:bodyPr rtlCol="0" anchor="ctr"/>
+          <a:lstStyle/>
+          <a:p>
+            <a:pPr algn="ctr"/>
+            <a:r>
+              <a:rPr kumimoji="1" lang="en-US" altLang="ko-KR" sz="1000">
+                <a:solidFill>
+                  <a:schemeClr val="tx1"/>
+                </a:solidFill>
+              </a:rPr>
+              <a:t>2G.10GB</a:t>
+            </a:r>
+            <a:endParaRPr kumimoji="1" lang="ko-KR" altLang="en-US" sz="1000">
+              <a:solidFill>
+                <a:schemeClr val="tx1"/>
+              </a:solidFill>
+            </a:endParaRPr>
+          </a:p>
+        </p:txBody>
+      </p:sp>
+      <p:sp>
+        <p:nvSpPr>
+          <p:cNvPr id="24" name="모서리가 둥근 직사각형 23">
+            <a:extLst>
+              <a:ext uri="{FF2B5EF4-FFF2-40B4-BE49-F238E27FC236}">
+                <a16:creationId xmlns:a16="http://schemas.microsoft.com/office/drawing/2014/main" id="{5148661C-0CCA-E57C-0E18-EBBC47C05C65}"/>
+              </a:ext>
+            </a:extLst>
+          </p:cNvPr>
+          <p:cNvSpPr/>
+          <p:nvPr/>
+        </p:nvSpPr>
+        <p:spPr>
+          <a:xfrm>
+            <a:off x="5148064" y="1923680"/>
+            <a:ext cx="3024335" cy="201622"/>
+          </a:xfrm>
+          <a:prstGeom prst="roundRect">
+            <a:avLst>
+              <a:gd name="adj" fmla="val 0"/>
+            </a:avLst>
+          </a:prstGeom>
+          <a:solidFill>
+            <a:schemeClr val="accent5">
+              <a:lumMod val="20000"/>
+              <a:lumOff val="80000"/>
+            </a:schemeClr>
+          </a:solidFill>
+          <a:ln w="12700"/>
+        </p:spPr>
+        <p:style>
+          <a:lnRef idx="2">
+            <a:schemeClr val="accent1">
+              <a:shade val="15000"/>
+            </a:schemeClr>
+          </a:lnRef>
+          <a:fillRef idx="1">
+            <a:schemeClr val="accent1"/>
+          </a:fillRef>
+          <a:effectRef idx="0">
+            <a:schemeClr val="accent1"/>
+          </a:effectRef>
+          <a:fontRef idx="minor">
+            <a:schemeClr val="lt1"/>
+          </a:fontRef>
+        </p:style>
+        <p:txBody>
+          <a:bodyPr rtlCol="0" anchor="ctr"/>
+          <a:lstStyle/>
+          <a:p>
+            <a:pPr algn="ctr"/>
+            <a:r>
+              <a:rPr kumimoji="1" lang="en-US" altLang="ko-KR" sz="1000">
+                <a:solidFill>
+                  <a:schemeClr val="tx1"/>
+                </a:solidFill>
+              </a:rPr>
+              <a:t>3G.20GB</a:t>
+            </a:r>
+            <a:endParaRPr kumimoji="1" lang="ko-KR" altLang="en-US" sz="1000">
+              <a:solidFill>
+                <a:schemeClr val="tx1"/>
+              </a:solidFill>
+            </a:endParaRPr>
+          </a:p>
+        </p:txBody>
+      </p:sp>
+      <p:sp>
+        <p:nvSpPr>
+          <p:cNvPr id="25" name="모서리가 둥근 직사각형 24">
+            <a:extLst>
+              <a:ext uri="{FF2B5EF4-FFF2-40B4-BE49-F238E27FC236}">
+                <a16:creationId xmlns:a16="http://schemas.microsoft.com/office/drawing/2014/main" id="{7F38F81E-308D-F229-D657-49C1AAB9171A}"/>
+              </a:ext>
+            </a:extLst>
+          </p:cNvPr>
+          <p:cNvSpPr/>
+          <p:nvPr/>
+        </p:nvSpPr>
+        <p:spPr>
+          <a:xfrm>
+            <a:off x="1115620" y="2125303"/>
+            <a:ext cx="2016224" cy="201622"/>
+          </a:xfrm>
+          <a:prstGeom prst="roundRect">
+            <a:avLst>
+              <a:gd name="adj" fmla="val 0"/>
+            </a:avLst>
+          </a:prstGeom>
+          <a:solidFill>
+            <a:schemeClr val="accent2">
+              <a:lumMod val="20000"/>
+              <a:lumOff val="80000"/>
+            </a:schemeClr>
+          </a:solidFill>
+          <a:ln w="12700"/>
+        </p:spPr>
+        <p:style>
+          <a:lnRef idx="2">
+            <a:schemeClr val="accent1">
+              <a:shade val="15000"/>
+            </a:schemeClr>
+          </a:lnRef>
+          <a:fillRef idx="1">
+            <a:schemeClr val="accent1"/>
+          </a:fillRef>
+          <a:effectRef idx="0">
+            <a:schemeClr val="accent1"/>
+          </a:effectRef>
+          <a:fontRef idx="minor">
+            <a:schemeClr val="lt1"/>
+          </a:fontRef>
+        </p:style>
+        <p:txBody>
+          <a:bodyPr rtlCol="0" anchor="ctr"/>
+          <a:lstStyle/>
+          <a:p>
+            <a:pPr algn="ctr"/>
+            <a:r>
+              <a:rPr kumimoji="1" lang="en-US" altLang="ko-KR" sz="1000">
+                <a:solidFill>
+                  <a:schemeClr val="tx1"/>
+                </a:solidFill>
+              </a:rPr>
+              <a:t>2G.10GB</a:t>
+            </a:r>
+            <a:endParaRPr kumimoji="1" lang="ko-KR" altLang="en-US" sz="1000">
+              <a:solidFill>
+                <a:schemeClr val="tx1"/>
+              </a:solidFill>
+            </a:endParaRPr>
+          </a:p>
+        </p:txBody>
+      </p:sp>
+      <p:sp>
+        <p:nvSpPr>
+          <p:cNvPr id="27" name="모서리가 둥근 직사각형 26">
+            <a:extLst>
+              <a:ext uri="{FF2B5EF4-FFF2-40B4-BE49-F238E27FC236}">
+                <a16:creationId xmlns:a16="http://schemas.microsoft.com/office/drawing/2014/main" id="{1B112BD9-9C74-1755-059B-F89CB41A64B6}"/>
+              </a:ext>
+            </a:extLst>
+          </p:cNvPr>
+          <p:cNvSpPr/>
+          <p:nvPr/>
+        </p:nvSpPr>
+        <p:spPr>
+          <a:xfrm>
+            <a:off x="5148064" y="2125303"/>
+            <a:ext cx="3024335" cy="201622"/>
+          </a:xfrm>
+          <a:prstGeom prst="roundRect">
+            <a:avLst>
+              <a:gd name="adj" fmla="val 0"/>
+            </a:avLst>
+          </a:prstGeom>
+          <a:solidFill>
+            <a:schemeClr val="accent5">
+              <a:lumMod val="20000"/>
+              <a:lumOff val="80000"/>
+            </a:schemeClr>
+          </a:solidFill>
+          <a:ln w="12700"/>
+        </p:spPr>
+        <p:style>
+          <a:lnRef idx="2">
+            <a:schemeClr val="accent1">
+              <a:shade val="15000"/>
+            </a:schemeClr>
+          </a:lnRef>
+          <a:fillRef idx="1">
+            <a:schemeClr val="accent1"/>
+          </a:fillRef>
+          <a:effectRef idx="0">
+            <a:schemeClr val="accent1"/>
+          </a:effectRef>
+          <a:fontRef idx="minor">
+            <a:schemeClr val="lt1"/>
+          </a:fontRef>
+        </p:style>
+        <p:txBody>
+          <a:bodyPr rtlCol="0" anchor="ctr"/>
+          <a:lstStyle/>
+          <a:p>
+            <a:pPr algn="ctr"/>
+            <a:r>
+              <a:rPr kumimoji="1" lang="en-US" altLang="ko-KR" sz="1000">
+                <a:solidFill>
+                  <a:schemeClr val="tx1"/>
+                </a:solidFill>
+              </a:rPr>
+              <a:t>3G.20GB</a:t>
+            </a:r>
+            <a:endParaRPr kumimoji="1" lang="ko-KR" altLang="en-US" sz="1000">
+              <a:solidFill>
+                <a:schemeClr val="tx1"/>
+              </a:solidFill>
+            </a:endParaRPr>
+          </a:p>
+        </p:txBody>
+      </p:sp>
+      <p:sp>
+        <p:nvSpPr>
+          <p:cNvPr id="28" name="모서리가 둥근 직사각형 27">
+            <a:extLst>
+              <a:ext uri="{FF2B5EF4-FFF2-40B4-BE49-F238E27FC236}">
+                <a16:creationId xmlns:a16="http://schemas.microsoft.com/office/drawing/2014/main" id="{55E400BB-7EC0-CB47-09C1-375B5AC9D182}"/>
+              </a:ext>
+            </a:extLst>
+          </p:cNvPr>
+          <p:cNvSpPr/>
+          <p:nvPr/>
+        </p:nvSpPr>
+        <p:spPr>
+          <a:xfrm>
+            <a:off x="3131840" y="2125303"/>
+            <a:ext cx="1008112" cy="201622"/>
+          </a:xfrm>
+          <a:prstGeom prst="roundRect">
+            <a:avLst>
+              <a:gd name="adj" fmla="val 0"/>
+            </a:avLst>
+          </a:prstGeom>
+          <a:solidFill>
+            <a:schemeClr val="accent4">
+              <a:lumMod val="20000"/>
+              <a:lumOff val="80000"/>
+            </a:schemeClr>
+          </a:solidFill>
+          <a:ln w="12700"/>
+        </p:spPr>
+        <p:style>
+          <a:lnRef idx="2">
+            <a:schemeClr val="accent1">
+              <a:shade val="15000"/>
+            </a:schemeClr>
+          </a:lnRef>
+          <a:fillRef idx="1">
+            <a:schemeClr val="accent1"/>
+          </a:fillRef>
+          <a:effectRef idx="0">
+            <a:schemeClr val="accent1"/>
+          </a:effectRef>
+          <a:fontRef idx="minor">
+            <a:schemeClr val="lt1"/>
+          </a:fontRef>
+        </p:style>
+        <p:txBody>
+          <a:bodyPr rtlCol="0" anchor="ctr"/>
+          <a:lstStyle/>
+          <a:p>
+            <a:pPr algn="ctr"/>
+            <a:r>
+              <a:rPr kumimoji="1" lang="en-US" altLang="ko-KR" sz="1000">
+                <a:solidFill>
+                  <a:schemeClr val="tx1"/>
+                </a:solidFill>
+              </a:rPr>
+              <a:t>1G.5GB</a:t>
+            </a:r>
+            <a:endParaRPr kumimoji="1" lang="ko-KR" altLang="en-US" sz="1000">
+              <a:solidFill>
+                <a:schemeClr val="tx1"/>
+              </a:solidFill>
+            </a:endParaRPr>
+          </a:p>
+        </p:txBody>
+      </p:sp>
+      <p:sp>
+        <p:nvSpPr>
+          <p:cNvPr id="29" name="모서리가 둥근 직사각형 28">
+            <a:extLst>
+              <a:ext uri="{FF2B5EF4-FFF2-40B4-BE49-F238E27FC236}">
+                <a16:creationId xmlns:a16="http://schemas.microsoft.com/office/drawing/2014/main" id="{4D4C059F-FAFF-C8B6-1C9B-AE584E6859EA}"/>
+              </a:ext>
+            </a:extLst>
+          </p:cNvPr>
+          <p:cNvSpPr/>
+          <p:nvPr/>
+        </p:nvSpPr>
+        <p:spPr>
+          <a:xfrm>
+            <a:off x="4139951" y="2125303"/>
+            <a:ext cx="1008112" cy="201622"/>
+          </a:xfrm>
+          <a:prstGeom prst="roundRect">
+            <a:avLst>
+              <a:gd name="adj" fmla="val 0"/>
+            </a:avLst>
+          </a:prstGeom>
+          <a:solidFill>
+            <a:schemeClr val="accent4">
+              <a:lumMod val="20000"/>
+              <a:lumOff val="80000"/>
+            </a:schemeClr>
+          </a:solidFill>
+          <a:ln w="12700"/>
+        </p:spPr>
+        <p:style>
+          <a:lnRef idx="2">
+            <a:schemeClr val="accent1">
+              <a:shade val="15000"/>
+            </a:schemeClr>
+          </a:lnRef>
+          <a:fillRef idx="1">
+            <a:schemeClr val="accent1"/>
+          </a:fillRef>
+          <a:effectRef idx="0">
+            <a:schemeClr val="accent1"/>
+          </a:effectRef>
+          <a:fontRef idx="minor">
+            <a:schemeClr val="lt1"/>
+          </a:fontRef>
+        </p:style>
+        <p:txBody>
+          <a:bodyPr rtlCol="0" anchor="ctr"/>
+          <a:lstStyle/>
+          <a:p>
+            <a:pPr algn="ctr"/>
+            <a:r>
+              <a:rPr kumimoji="1" lang="en-US" altLang="ko-KR" sz="1000">
+                <a:solidFill>
+                  <a:schemeClr val="tx1"/>
+                </a:solidFill>
+              </a:rPr>
+              <a:t>1G.5GB</a:t>
+            </a:r>
+            <a:endParaRPr kumimoji="1" lang="ko-KR" altLang="en-US" sz="1000">
+              <a:solidFill>
+                <a:schemeClr val="tx1"/>
+              </a:solidFill>
+            </a:endParaRPr>
+          </a:p>
+        </p:txBody>
+      </p:sp>
+      <p:sp>
+        <p:nvSpPr>
+          <p:cNvPr id="30" name="모서리가 둥근 직사각형 29">
+            <a:extLst>
+              <a:ext uri="{FF2B5EF4-FFF2-40B4-BE49-F238E27FC236}">
+                <a16:creationId xmlns:a16="http://schemas.microsoft.com/office/drawing/2014/main" id="{2668F915-852D-0182-CE56-C0356BCF5E2A}"/>
+              </a:ext>
+            </a:extLst>
+          </p:cNvPr>
+          <p:cNvSpPr/>
+          <p:nvPr/>
+        </p:nvSpPr>
+        <p:spPr>
+          <a:xfrm>
+            <a:off x="3131837" y="2326925"/>
+            <a:ext cx="2016224" cy="201622"/>
+          </a:xfrm>
+          <a:prstGeom prst="roundRect">
+            <a:avLst>
+              <a:gd name="adj" fmla="val 0"/>
+            </a:avLst>
+          </a:prstGeom>
+          <a:solidFill>
+            <a:schemeClr val="accent2">
+              <a:lumMod val="20000"/>
+              <a:lumOff val="80000"/>
+            </a:schemeClr>
+          </a:solidFill>
+          <a:ln w="12700"/>
+        </p:spPr>
+        <p:style>
+          <a:lnRef idx="2">
+            <a:schemeClr val="accent1">
+              <a:shade val="15000"/>
+            </a:schemeClr>
+          </a:lnRef>
+          <a:fillRef idx="1">
+            <a:schemeClr val="accent1"/>
+          </a:fillRef>
+          <a:effectRef idx="0">
+            <a:schemeClr val="accent1"/>
+          </a:effectRef>
+          <a:fontRef idx="minor">
+            <a:schemeClr val="lt1"/>
+          </a:fontRef>
+        </p:style>
+        <p:txBody>
+          <a:bodyPr rtlCol="0" anchor="ctr"/>
+          <a:lstStyle/>
+          <a:p>
+            <a:pPr algn="ctr"/>
+            <a:r>
+              <a:rPr kumimoji="1" lang="en-US" altLang="ko-KR" sz="1000">
+                <a:solidFill>
+                  <a:schemeClr val="tx1"/>
+                </a:solidFill>
+              </a:rPr>
+              <a:t>2G.10GB</a:t>
+            </a:r>
+            <a:endParaRPr kumimoji="1" lang="ko-KR" altLang="en-US" sz="1000">
+              <a:solidFill>
+                <a:schemeClr val="tx1"/>
+              </a:solidFill>
+            </a:endParaRPr>
+          </a:p>
+        </p:txBody>
+      </p:sp>
+      <p:sp>
+        <p:nvSpPr>
+          <p:cNvPr id="31" name="모서리가 둥근 직사각형 30">
+            <a:extLst>
+              <a:ext uri="{FF2B5EF4-FFF2-40B4-BE49-F238E27FC236}">
+                <a16:creationId xmlns:a16="http://schemas.microsoft.com/office/drawing/2014/main" id="{67F2E54C-7F18-DAC5-01EA-B74D7C868747}"/>
+              </a:ext>
+            </a:extLst>
+          </p:cNvPr>
+          <p:cNvSpPr/>
+          <p:nvPr/>
+        </p:nvSpPr>
+        <p:spPr>
+          <a:xfrm>
+            <a:off x="5148064" y="2326925"/>
+            <a:ext cx="3024335" cy="201622"/>
+          </a:xfrm>
+          <a:prstGeom prst="roundRect">
+            <a:avLst>
+              <a:gd name="adj" fmla="val 0"/>
+            </a:avLst>
+          </a:prstGeom>
+          <a:solidFill>
+            <a:schemeClr val="accent5">
+              <a:lumMod val="20000"/>
+              <a:lumOff val="80000"/>
+            </a:schemeClr>
+          </a:solidFill>
+          <a:ln w="12700"/>
+        </p:spPr>
+        <p:style>
+          <a:lnRef idx="2">
+            <a:schemeClr val="accent1">
+              <a:shade val="15000"/>
+            </a:schemeClr>
+          </a:lnRef>
+          <a:fillRef idx="1">
+            <a:schemeClr val="accent1"/>
+          </a:fillRef>
+          <a:effectRef idx="0">
+            <a:schemeClr val="accent1"/>
+          </a:effectRef>
+          <a:fontRef idx="minor">
+            <a:schemeClr val="lt1"/>
+          </a:fontRef>
+        </p:style>
+        <p:txBody>
+          <a:bodyPr rtlCol="0" anchor="ctr"/>
+          <a:lstStyle/>
+          <a:p>
+            <a:pPr algn="ctr"/>
+            <a:r>
+              <a:rPr kumimoji="1" lang="en-US" altLang="ko-KR" sz="1000">
+                <a:solidFill>
+                  <a:schemeClr val="tx1"/>
+                </a:solidFill>
+              </a:rPr>
+              <a:t>3G.20GB</a:t>
+            </a:r>
+            <a:endParaRPr kumimoji="1" lang="ko-KR" altLang="en-US" sz="1000">
+              <a:solidFill>
+                <a:schemeClr val="tx1"/>
+              </a:solidFill>
+            </a:endParaRPr>
+          </a:p>
+        </p:txBody>
+      </p:sp>
+      <p:sp>
+        <p:nvSpPr>
+          <p:cNvPr id="32" name="모서리가 둥근 직사각형 31">
+            <a:extLst>
+              <a:ext uri="{FF2B5EF4-FFF2-40B4-BE49-F238E27FC236}">
+                <a16:creationId xmlns:a16="http://schemas.microsoft.com/office/drawing/2014/main" id="{0DDC92F2-B564-8D42-08E1-4BD82ECCE7DA}"/>
+              </a:ext>
+            </a:extLst>
+          </p:cNvPr>
+          <p:cNvSpPr/>
+          <p:nvPr/>
+        </p:nvSpPr>
+        <p:spPr>
+          <a:xfrm>
+            <a:off x="1115614" y="2326925"/>
+            <a:ext cx="1008112" cy="201622"/>
+          </a:xfrm>
+          <a:prstGeom prst="roundRect">
+            <a:avLst>
+              <a:gd name="adj" fmla="val 0"/>
+            </a:avLst>
+          </a:prstGeom>
+          <a:solidFill>
+            <a:schemeClr val="accent4">
+              <a:lumMod val="20000"/>
+              <a:lumOff val="80000"/>
+            </a:schemeClr>
+          </a:solidFill>
+          <a:ln w="12700"/>
+        </p:spPr>
+        <p:style>
+          <a:lnRef idx="2">
+            <a:schemeClr val="accent1">
+              <a:shade val="15000"/>
+            </a:schemeClr>
+          </a:lnRef>
+          <a:fillRef idx="1">
+            <a:schemeClr val="accent1"/>
+          </a:fillRef>
+          <a:effectRef idx="0">
+            <a:schemeClr val="accent1"/>
+          </a:effectRef>
+          <a:fontRef idx="minor">
+            <a:schemeClr val="lt1"/>
+          </a:fontRef>
+        </p:style>
+        <p:txBody>
+          <a:bodyPr rtlCol="0" anchor="ctr"/>
+          <a:lstStyle/>
+          <a:p>
+            <a:pPr algn="ctr"/>
+            <a:r>
+              <a:rPr kumimoji="1" lang="en-US" altLang="ko-KR" sz="1000">
+                <a:solidFill>
+                  <a:schemeClr val="tx1"/>
+                </a:solidFill>
+              </a:rPr>
+              <a:t>1G.5GB</a:t>
+            </a:r>
+            <a:endParaRPr kumimoji="1" lang="ko-KR" altLang="en-US" sz="1000">
+              <a:solidFill>
+                <a:schemeClr val="tx1"/>
+              </a:solidFill>
+            </a:endParaRPr>
+          </a:p>
+        </p:txBody>
+      </p:sp>
+      <p:sp>
+        <p:nvSpPr>
+          <p:cNvPr id="33" name="모서리가 둥근 직사각형 32">
+            <a:extLst>
+              <a:ext uri="{FF2B5EF4-FFF2-40B4-BE49-F238E27FC236}">
+                <a16:creationId xmlns:a16="http://schemas.microsoft.com/office/drawing/2014/main" id="{0D087BA5-FA0E-F4DD-666D-90BF60509BD7}"/>
+              </a:ext>
+            </a:extLst>
+          </p:cNvPr>
+          <p:cNvSpPr/>
+          <p:nvPr/>
+        </p:nvSpPr>
+        <p:spPr>
+          <a:xfrm>
+            <a:off x="2123725" y="2326925"/>
+            <a:ext cx="1008112" cy="201622"/>
+          </a:xfrm>
+          <a:prstGeom prst="roundRect">
+            <a:avLst>
+              <a:gd name="adj" fmla="val 0"/>
+            </a:avLst>
+          </a:prstGeom>
+          <a:solidFill>
+            <a:schemeClr val="accent4">
+              <a:lumMod val="20000"/>
+              <a:lumOff val="80000"/>
+            </a:schemeClr>
+          </a:solidFill>
+          <a:ln w="12700"/>
+        </p:spPr>
+        <p:style>
+          <a:lnRef idx="2">
+            <a:schemeClr val="accent1">
+              <a:shade val="15000"/>
+            </a:schemeClr>
+          </a:lnRef>
+          <a:fillRef idx="1">
+            <a:schemeClr val="accent1"/>
+          </a:fillRef>
+          <a:effectRef idx="0">
+            <a:schemeClr val="accent1"/>
+          </a:effectRef>
+          <a:fontRef idx="minor">
+            <a:schemeClr val="lt1"/>
+          </a:fontRef>
+        </p:style>
+        <p:txBody>
+          <a:bodyPr rtlCol="0" anchor="ctr"/>
+          <a:lstStyle/>
+          <a:p>
+            <a:pPr algn="ctr"/>
+            <a:r>
+              <a:rPr kumimoji="1" lang="en-US" altLang="ko-KR" sz="1000">
+                <a:solidFill>
+                  <a:schemeClr val="tx1"/>
+                </a:solidFill>
+              </a:rPr>
+              <a:t>1G.5GB</a:t>
+            </a:r>
+            <a:endParaRPr kumimoji="1" lang="ko-KR" altLang="en-US" sz="1000">
+              <a:solidFill>
+                <a:schemeClr val="tx1"/>
+              </a:solidFill>
+            </a:endParaRPr>
+          </a:p>
+        </p:txBody>
+      </p:sp>
+      <p:sp>
+        <p:nvSpPr>
+          <p:cNvPr id="34" name="모서리가 둥근 직사각형 33">
+            <a:extLst>
+              <a:ext uri="{FF2B5EF4-FFF2-40B4-BE49-F238E27FC236}">
+                <a16:creationId xmlns:a16="http://schemas.microsoft.com/office/drawing/2014/main" id="{2B9847FF-89AF-0061-5123-AF38803F4EFF}"/>
+              </a:ext>
+            </a:extLst>
+          </p:cNvPr>
+          <p:cNvSpPr/>
+          <p:nvPr/>
+        </p:nvSpPr>
+        <p:spPr>
+          <a:xfrm>
+            <a:off x="1115614" y="2528548"/>
+            <a:ext cx="1008112" cy="201622"/>
+          </a:xfrm>
+          <a:prstGeom prst="roundRect">
+            <a:avLst>
+              <a:gd name="adj" fmla="val 0"/>
+            </a:avLst>
+          </a:prstGeom>
+          <a:solidFill>
+            <a:schemeClr val="accent4">
+              <a:lumMod val="20000"/>
+              <a:lumOff val="80000"/>
+            </a:schemeClr>
+          </a:solidFill>
+          <a:ln w="12700"/>
+        </p:spPr>
+        <p:style>
+          <a:lnRef idx="2">
+            <a:schemeClr val="accent1">
+              <a:shade val="15000"/>
+            </a:schemeClr>
+          </a:lnRef>
+          <a:fillRef idx="1">
+            <a:schemeClr val="accent1"/>
+          </a:fillRef>
+          <a:effectRef idx="0">
+            <a:schemeClr val="accent1"/>
+          </a:effectRef>
+          <a:fontRef idx="minor">
+            <a:schemeClr val="lt1"/>
+          </a:fontRef>
+        </p:style>
+        <p:txBody>
+          <a:bodyPr rtlCol="0" anchor="ctr"/>
+          <a:lstStyle/>
+          <a:p>
+            <a:pPr algn="ctr"/>
+            <a:r>
+              <a:rPr kumimoji="1" lang="en-US" altLang="ko-KR" sz="1000">
+                <a:solidFill>
+                  <a:schemeClr val="tx1"/>
+                </a:solidFill>
+              </a:rPr>
+              <a:t>1G.5GB</a:t>
+            </a:r>
+            <a:endParaRPr kumimoji="1" lang="ko-KR" altLang="en-US" sz="1000">
+              <a:solidFill>
+                <a:schemeClr val="tx1"/>
+              </a:solidFill>
+            </a:endParaRPr>
+          </a:p>
+        </p:txBody>
+      </p:sp>
+      <p:sp>
+        <p:nvSpPr>
+          <p:cNvPr id="35" name="모서리가 둥근 직사각형 34">
+            <a:extLst>
+              <a:ext uri="{FF2B5EF4-FFF2-40B4-BE49-F238E27FC236}">
+                <a16:creationId xmlns:a16="http://schemas.microsoft.com/office/drawing/2014/main" id="{E2D632EF-D65B-F689-32A1-8E36BBD78A86}"/>
+              </a:ext>
+            </a:extLst>
+          </p:cNvPr>
+          <p:cNvSpPr/>
+          <p:nvPr/>
+        </p:nvSpPr>
+        <p:spPr>
+          <a:xfrm>
+            <a:off x="2123725" y="2528548"/>
+            <a:ext cx="1008112" cy="201622"/>
+          </a:xfrm>
+          <a:prstGeom prst="roundRect">
+            <a:avLst>
+              <a:gd name="adj" fmla="val 0"/>
+            </a:avLst>
+          </a:prstGeom>
+          <a:solidFill>
+            <a:schemeClr val="accent4">
+              <a:lumMod val="20000"/>
+              <a:lumOff val="80000"/>
+            </a:schemeClr>
+          </a:solidFill>
+          <a:ln w="12700"/>
+        </p:spPr>
+        <p:style>
+          <a:lnRef idx="2">
+            <a:schemeClr val="accent1">
+              <a:shade val="15000"/>
+            </a:schemeClr>
+          </a:lnRef>
+          <a:fillRef idx="1">
+            <a:schemeClr val="accent1"/>
+          </a:fillRef>
+          <a:effectRef idx="0">
+            <a:schemeClr val="accent1"/>
+          </a:effectRef>
+          <a:fontRef idx="minor">
+            <a:schemeClr val="lt1"/>
+          </a:fontRef>
+        </p:style>
+        <p:txBody>
+          <a:bodyPr rtlCol="0" anchor="ctr"/>
+          <a:lstStyle/>
+          <a:p>
+            <a:pPr algn="ctr"/>
+            <a:r>
+              <a:rPr kumimoji="1" lang="en-US" altLang="ko-KR" sz="1000">
+                <a:solidFill>
+                  <a:schemeClr val="tx1"/>
+                </a:solidFill>
+              </a:rPr>
+              <a:t>1G.5GB</a:t>
+            </a:r>
+            <a:endParaRPr kumimoji="1" lang="ko-KR" altLang="en-US" sz="1000">
+              <a:solidFill>
+                <a:schemeClr val="tx1"/>
+              </a:solidFill>
+            </a:endParaRPr>
+          </a:p>
+        </p:txBody>
+      </p:sp>
+      <p:sp>
+        <p:nvSpPr>
+          <p:cNvPr id="36" name="모서리가 둥근 직사각형 35">
+            <a:extLst>
+              <a:ext uri="{FF2B5EF4-FFF2-40B4-BE49-F238E27FC236}">
+                <a16:creationId xmlns:a16="http://schemas.microsoft.com/office/drawing/2014/main" id="{C628991E-05CF-A384-5939-51E4DD361B0D}"/>
+              </a:ext>
+            </a:extLst>
+          </p:cNvPr>
+          <p:cNvSpPr/>
+          <p:nvPr/>
+        </p:nvSpPr>
+        <p:spPr>
+          <a:xfrm>
+            <a:off x="3131840" y="2528548"/>
+            <a:ext cx="1008112" cy="201622"/>
+          </a:xfrm>
+          <a:prstGeom prst="roundRect">
+            <a:avLst>
+              <a:gd name="adj" fmla="val 0"/>
+            </a:avLst>
+          </a:prstGeom>
+          <a:solidFill>
+            <a:schemeClr val="accent4">
+              <a:lumMod val="20000"/>
+              <a:lumOff val="80000"/>
+            </a:schemeClr>
+          </a:solidFill>
+          <a:ln w="12700"/>
+        </p:spPr>
+        <p:style>
+          <a:lnRef idx="2">
+            <a:schemeClr val="accent1">
+              <a:shade val="15000"/>
+            </a:schemeClr>
+          </a:lnRef>
+          <a:fillRef idx="1">
+            <a:schemeClr val="accent1"/>
+          </a:fillRef>
+          <a:effectRef idx="0">
+            <a:schemeClr val="accent1"/>
+          </a:effectRef>
+          <a:fontRef idx="minor">
+            <a:schemeClr val="lt1"/>
+          </a:fontRef>
+        </p:style>
+        <p:txBody>
+          <a:bodyPr rtlCol="0" anchor="ctr"/>
+          <a:lstStyle/>
+          <a:p>
+            <a:pPr algn="ctr"/>
+            <a:r>
+              <a:rPr kumimoji="1" lang="en-US" altLang="ko-KR" sz="1000">
+                <a:solidFill>
+                  <a:schemeClr val="tx1"/>
+                </a:solidFill>
+              </a:rPr>
+              <a:t>1G.5GB</a:t>
+            </a:r>
+            <a:endParaRPr kumimoji="1" lang="ko-KR" altLang="en-US" sz="1000">
+              <a:solidFill>
+                <a:schemeClr val="tx1"/>
+              </a:solidFill>
+            </a:endParaRPr>
+          </a:p>
+        </p:txBody>
+      </p:sp>
+      <p:sp>
+        <p:nvSpPr>
+          <p:cNvPr id="37" name="모서리가 둥근 직사각형 36">
+            <a:extLst>
+              <a:ext uri="{FF2B5EF4-FFF2-40B4-BE49-F238E27FC236}">
+                <a16:creationId xmlns:a16="http://schemas.microsoft.com/office/drawing/2014/main" id="{7260E602-ED7C-0615-2037-34D2C40BC988}"/>
+              </a:ext>
+            </a:extLst>
+          </p:cNvPr>
+          <p:cNvSpPr/>
+          <p:nvPr/>
+        </p:nvSpPr>
+        <p:spPr>
+          <a:xfrm>
+            <a:off x="4139951" y="2528548"/>
+            <a:ext cx="1008112" cy="201622"/>
+          </a:xfrm>
+          <a:prstGeom prst="roundRect">
+            <a:avLst>
+              <a:gd name="adj" fmla="val 0"/>
+            </a:avLst>
+          </a:prstGeom>
+          <a:solidFill>
+            <a:schemeClr val="accent4">
+              <a:lumMod val="20000"/>
+              <a:lumOff val="80000"/>
+            </a:schemeClr>
+          </a:solidFill>
+          <a:ln w="12700"/>
+        </p:spPr>
+        <p:style>
+          <a:lnRef idx="2">
+            <a:schemeClr val="accent1">
+              <a:shade val="15000"/>
+            </a:schemeClr>
+          </a:lnRef>
+          <a:fillRef idx="1">
+            <a:schemeClr val="accent1"/>
+          </a:fillRef>
+          <a:effectRef idx="0">
+            <a:schemeClr val="accent1"/>
+          </a:effectRef>
+          <a:fontRef idx="minor">
+            <a:schemeClr val="lt1"/>
+          </a:fontRef>
+        </p:style>
+        <p:txBody>
+          <a:bodyPr rtlCol="0" anchor="ctr"/>
+          <a:lstStyle/>
+          <a:p>
+            <a:pPr algn="ctr"/>
+            <a:r>
+              <a:rPr kumimoji="1" lang="en-US" altLang="ko-KR" sz="1000">
+                <a:solidFill>
+                  <a:schemeClr val="tx1"/>
+                </a:solidFill>
+              </a:rPr>
+              <a:t>1G.5GB</a:t>
+            </a:r>
+            <a:endParaRPr kumimoji="1" lang="ko-KR" altLang="en-US" sz="1000">
+              <a:solidFill>
+                <a:schemeClr val="tx1"/>
+              </a:solidFill>
+            </a:endParaRPr>
+          </a:p>
+        </p:txBody>
+      </p:sp>
+      <p:sp>
+        <p:nvSpPr>
+          <p:cNvPr id="38" name="모서리가 둥근 직사각형 37">
+            <a:extLst>
+              <a:ext uri="{FF2B5EF4-FFF2-40B4-BE49-F238E27FC236}">
+                <a16:creationId xmlns:a16="http://schemas.microsoft.com/office/drawing/2014/main" id="{38C69D85-A8B1-0AAE-D243-C8450A831318}"/>
+              </a:ext>
+            </a:extLst>
+          </p:cNvPr>
+          <p:cNvSpPr/>
+          <p:nvPr/>
+        </p:nvSpPr>
+        <p:spPr>
+          <a:xfrm>
+            <a:off x="5148064" y="2528548"/>
+            <a:ext cx="3024335" cy="201622"/>
+          </a:xfrm>
+          <a:prstGeom prst="roundRect">
+            <a:avLst>
+              <a:gd name="adj" fmla="val 0"/>
+            </a:avLst>
+          </a:prstGeom>
+          <a:solidFill>
+            <a:schemeClr val="accent5">
+              <a:lumMod val="20000"/>
+              <a:lumOff val="80000"/>
+            </a:schemeClr>
+          </a:solidFill>
+          <a:ln w="12700"/>
+        </p:spPr>
+        <p:style>
+          <a:lnRef idx="2">
+            <a:schemeClr val="accent1">
+              <a:shade val="15000"/>
+            </a:schemeClr>
+          </a:lnRef>
+          <a:fillRef idx="1">
+            <a:schemeClr val="accent1"/>
+          </a:fillRef>
+          <a:effectRef idx="0">
+            <a:schemeClr val="accent1"/>
+          </a:effectRef>
+          <a:fontRef idx="minor">
+            <a:schemeClr val="lt1"/>
+          </a:fontRef>
+        </p:style>
+        <p:txBody>
+          <a:bodyPr rtlCol="0" anchor="ctr"/>
+          <a:lstStyle/>
+          <a:p>
+            <a:pPr algn="ctr"/>
+            <a:r>
+              <a:rPr kumimoji="1" lang="en-US" altLang="ko-KR" sz="1000">
+                <a:solidFill>
+                  <a:schemeClr val="tx1"/>
+                </a:solidFill>
+              </a:rPr>
+              <a:t>3G.20GB</a:t>
+            </a:r>
+            <a:endParaRPr kumimoji="1" lang="ko-KR" altLang="en-US" sz="1000">
+              <a:solidFill>
+                <a:schemeClr val="tx1"/>
+              </a:solidFill>
+            </a:endParaRPr>
+          </a:p>
+        </p:txBody>
+      </p:sp>
+      <p:sp>
+        <p:nvSpPr>
+          <p:cNvPr id="40" name="모서리가 둥근 직사각형 39">
+            <a:extLst>
+              <a:ext uri="{FF2B5EF4-FFF2-40B4-BE49-F238E27FC236}">
+                <a16:creationId xmlns:a16="http://schemas.microsoft.com/office/drawing/2014/main" id="{E1A9DB9D-3CC8-3AFC-74BD-D1E33267CC86}"/>
+              </a:ext>
+            </a:extLst>
+          </p:cNvPr>
+          <p:cNvSpPr/>
+          <p:nvPr/>
+        </p:nvSpPr>
+        <p:spPr>
+          <a:xfrm>
+            <a:off x="1115620" y="2730170"/>
+            <a:ext cx="2016224" cy="201622"/>
+          </a:xfrm>
+          <a:prstGeom prst="roundRect">
+            <a:avLst>
+              <a:gd name="adj" fmla="val 0"/>
+            </a:avLst>
+          </a:prstGeom>
+          <a:solidFill>
+            <a:schemeClr val="accent2">
+              <a:lumMod val="20000"/>
+              <a:lumOff val="80000"/>
+            </a:schemeClr>
+          </a:solidFill>
+          <a:ln w="12700"/>
+        </p:spPr>
+        <p:style>
+          <a:lnRef idx="2">
+            <a:schemeClr val="accent1">
+              <a:shade val="15000"/>
+            </a:schemeClr>
+          </a:lnRef>
+          <a:fillRef idx="1">
+            <a:schemeClr val="accent1"/>
+          </a:fillRef>
+          <a:effectRef idx="0">
+            <a:schemeClr val="accent1"/>
+          </a:effectRef>
+          <a:fontRef idx="minor">
+            <a:schemeClr val="lt1"/>
+          </a:fontRef>
+        </p:style>
+        <p:txBody>
+          <a:bodyPr rtlCol="0" anchor="ctr"/>
+          <a:lstStyle/>
+          <a:p>
+            <a:pPr algn="ctr"/>
+            <a:r>
+              <a:rPr kumimoji="1" lang="en-US" altLang="ko-KR" sz="1000">
+                <a:solidFill>
+                  <a:schemeClr val="tx1"/>
+                </a:solidFill>
+              </a:rPr>
+              <a:t>2G.10GB</a:t>
+            </a:r>
+            <a:endParaRPr kumimoji="1" lang="ko-KR" altLang="en-US" sz="1000">
+              <a:solidFill>
+                <a:schemeClr val="tx1"/>
+              </a:solidFill>
+            </a:endParaRPr>
+          </a:p>
+        </p:txBody>
+      </p:sp>
+      <p:sp>
+        <p:nvSpPr>
+          <p:cNvPr id="41" name="모서리가 둥근 직사각형 40">
+            <a:extLst>
+              <a:ext uri="{FF2B5EF4-FFF2-40B4-BE49-F238E27FC236}">
+                <a16:creationId xmlns:a16="http://schemas.microsoft.com/office/drawing/2014/main" id="{80D7E545-2195-2C31-3321-070D68A23DEA}"/>
+              </a:ext>
+            </a:extLst>
+          </p:cNvPr>
+          <p:cNvSpPr/>
+          <p:nvPr/>
+        </p:nvSpPr>
+        <p:spPr>
+          <a:xfrm>
+            <a:off x="3131837" y="2730170"/>
+            <a:ext cx="2016224" cy="201622"/>
+          </a:xfrm>
+          <a:prstGeom prst="roundRect">
+            <a:avLst>
+              <a:gd name="adj" fmla="val 0"/>
+            </a:avLst>
+          </a:prstGeom>
+          <a:solidFill>
+            <a:schemeClr val="accent2">
+              <a:lumMod val="20000"/>
+              <a:lumOff val="80000"/>
+            </a:schemeClr>
+          </a:solidFill>
+          <a:ln w="12700"/>
+        </p:spPr>
+        <p:style>
+          <a:lnRef idx="2">
+            <a:schemeClr val="accent1">
+              <a:shade val="15000"/>
+            </a:schemeClr>
+          </a:lnRef>
+          <a:fillRef idx="1">
+            <a:schemeClr val="accent1"/>
+          </a:fillRef>
+          <a:effectRef idx="0">
+            <a:schemeClr val="accent1"/>
+          </a:effectRef>
+          <a:fontRef idx="minor">
+            <a:schemeClr val="lt1"/>
+          </a:fontRef>
+        </p:style>
+        <p:txBody>
+          <a:bodyPr rtlCol="0" anchor="ctr"/>
+          <a:lstStyle/>
+          <a:p>
+            <a:pPr algn="ctr"/>
+            <a:r>
+              <a:rPr kumimoji="1" lang="en-US" altLang="ko-KR" sz="1000">
+                <a:solidFill>
+                  <a:schemeClr val="tx1"/>
+                </a:solidFill>
+              </a:rPr>
+              <a:t>2G.10GB</a:t>
+            </a:r>
+            <a:endParaRPr kumimoji="1" lang="ko-KR" altLang="en-US" sz="1000">
+              <a:solidFill>
+                <a:schemeClr val="tx1"/>
+              </a:solidFill>
+            </a:endParaRPr>
+          </a:p>
+        </p:txBody>
+      </p:sp>
+      <p:sp>
+        <p:nvSpPr>
+          <p:cNvPr id="42" name="모서리가 둥근 직사각형 41">
+            <a:extLst>
+              <a:ext uri="{FF2B5EF4-FFF2-40B4-BE49-F238E27FC236}">
+                <a16:creationId xmlns:a16="http://schemas.microsoft.com/office/drawing/2014/main" id="{7DC6C963-E34C-F631-1799-82889732DDFB}"/>
+              </a:ext>
+            </a:extLst>
+          </p:cNvPr>
+          <p:cNvSpPr/>
+          <p:nvPr/>
+        </p:nvSpPr>
+        <p:spPr>
+          <a:xfrm>
+            <a:off x="5148968" y="2730170"/>
+            <a:ext cx="2016224" cy="201622"/>
+          </a:xfrm>
+          <a:prstGeom prst="roundRect">
+            <a:avLst>
+              <a:gd name="adj" fmla="val 0"/>
+            </a:avLst>
+          </a:prstGeom>
+          <a:solidFill>
+            <a:schemeClr val="accent2">
+              <a:lumMod val="20000"/>
+              <a:lumOff val="80000"/>
+            </a:schemeClr>
+          </a:solidFill>
+          <a:ln w="12700"/>
+        </p:spPr>
+        <p:style>
+          <a:lnRef idx="2">
+            <a:schemeClr val="accent1">
+              <a:shade val="15000"/>
+            </a:schemeClr>
+          </a:lnRef>
+          <a:fillRef idx="1">
+            <a:schemeClr val="accent1"/>
+          </a:fillRef>
+          <a:effectRef idx="0">
+            <a:schemeClr val="accent1"/>
+          </a:effectRef>
+          <a:fontRef idx="minor">
+            <a:schemeClr val="lt1"/>
+          </a:fontRef>
+        </p:style>
+        <p:txBody>
+          <a:bodyPr rtlCol="0" anchor="ctr"/>
+          <a:lstStyle/>
+          <a:p>
+            <a:pPr algn="ctr"/>
+            <a:r>
+              <a:rPr kumimoji="1" lang="en-US" altLang="ko-KR" sz="1000">
+                <a:solidFill>
+                  <a:schemeClr val="tx1"/>
+                </a:solidFill>
+              </a:rPr>
+              <a:t>2G.10GB</a:t>
+            </a:r>
+            <a:endParaRPr kumimoji="1" lang="ko-KR" altLang="en-US" sz="1000">
+              <a:solidFill>
+                <a:schemeClr val="tx1"/>
+              </a:solidFill>
+            </a:endParaRPr>
+          </a:p>
+        </p:txBody>
+      </p:sp>
+      <p:sp>
+        <p:nvSpPr>
+          <p:cNvPr id="43" name="모서리가 둥근 직사각형 42">
+            <a:extLst>
+              <a:ext uri="{FF2B5EF4-FFF2-40B4-BE49-F238E27FC236}">
+                <a16:creationId xmlns:a16="http://schemas.microsoft.com/office/drawing/2014/main" id="{F080B94A-D1BE-B41E-0FDA-EE435ACC23B6}"/>
+              </a:ext>
+            </a:extLst>
+          </p:cNvPr>
+          <p:cNvSpPr/>
+          <p:nvPr/>
+        </p:nvSpPr>
+        <p:spPr>
+          <a:xfrm>
+            <a:off x="7164288" y="2730170"/>
+            <a:ext cx="1008112" cy="201622"/>
+          </a:xfrm>
+          <a:prstGeom prst="roundRect">
+            <a:avLst>
+              <a:gd name="adj" fmla="val 0"/>
+            </a:avLst>
+          </a:prstGeom>
+          <a:solidFill>
+            <a:schemeClr val="accent4">
+              <a:lumMod val="20000"/>
+              <a:lumOff val="80000"/>
+            </a:schemeClr>
+          </a:solidFill>
+          <a:ln w="12700"/>
+        </p:spPr>
+        <p:style>
+          <a:lnRef idx="2">
+            <a:schemeClr val="accent1">
+              <a:shade val="15000"/>
+            </a:schemeClr>
+          </a:lnRef>
+          <a:fillRef idx="1">
+            <a:schemeClr val="accent1"/>
+          </a:fillRef>
+          <a:effectRef idx="0">
+            <a:schemeClr val="accent1"/>
+          </a:effectRef>
+          <a:fontRef idx="minor">
+            <a:schemeClr val="lt1"/>
+          </a:fontRef>
+        </p:style>
+        <p:txBody>
+          <a:bodyPr rtlCol="0" anchor="ctr"/>
+          <a:lstStyle/>
+          <a:p>
+            <a:pPr algn="ctr"/>
+            <a:r>
+              <a:rPr kumimoji="1" lang="en-US" altLang="ko-KR" sz="1000">
+                <a:solidFill>
+                  <a:schemeClr val="tx1"/>
+                </a:solidFill>
+              </a:rPr>
+              <a:t>1G.5GB</a:t>
+            </a:r>
+            <a:endParaRPr kumimoji="1" lang="ko-KR" altLang="en-US" sz="1000">
+              <a:solidFill>
+                <a:schemeClr val="tx1"/>
+              </a:solidFill>
+            </a:endParaRPr>
+          </a:p>
+        </p:txBody>
+      </p:sp>
+      <p:sp>
+        <p:nvSpPr>
+          <p:cNvPr id="44" name="모서리가 둥근 직사각형 43">
+            <a:extLst>
+              <a:ext uri="{FF2B5EF4-FFF2-40B4-BE49-F238E27FC236}">
+                <a16:creationId xmlns:a16="http://schemas.microsoft.com/office/drawing/2014/main" id="{70B896EE-A1E8-45A7-A1E3-7FB44692F0F7}"/>
+              </a:ext>
+            </a:extLst>
+          </p:cNvPr>
+          <p:cNvSpPr/>
+          <p:nvPr/>
+        </p:nvSpPr>
+        <p:spPr>
+          <a:xfrm>
+            <a:off x="1115620" y="2931792"/>
+            <a:ext cx="2016224" cy="201622"/>
+          </a:xfrm>
+          <a:prstGeom prst="roundRect">
+            <a:avLst>
+              <a:gd name="adj" fmla="val 0"/>
+            </a:avLst>
+          </a:prstGeom>
+          <a:solidFill>
+            <a:schemeClr val="accent2">
+              <a:lumMod val="20000"/>
+              <a:lumOff val="80000"/>
+            </a:schemeClr>
+          </a:solidFill>
+          <a:ln w="12700"/>
+        </p:spPr>
+        <p:style>
+          <a:lnRef idx="2">
+            <a:schemeClr val="accent1">
+              <a:shade val="15000"/>
+            </a:schemeClr>
+          </a:lnRef>
+          <a:fillRef idx="1">
+            <a:schemeClr val="accent1"/>
+          </a:fillRef>
+          <a:effectRef idx="0">
+            <a:schemeClr val="accent1"/>
+          </a:effectRef>
+          <a:fontRef idx="minor">
+            <a:schemeClr val="lt1"/>
+          </a:fontRef>
+        </p:style>
+        <p:txBody>
+          <a:bodyPr rtlCol="0" anchor="ctr"/>
+          <a:lstStyle/>
+          <a:p>
+            <a:pPr algn="ctr"/>
+            <a:r>
+              <a:rPr kumimoji="1" lang="en-US" altLang="ko-KR" sz="1000">
+                <a:solidFill>
+                  <a:schemeClr val="tx1"/>
+                </a:solidFill>
+              </a:rPr>
+              <a:t>2G.10GB</a:t>
+            </a:r>
+            <a:endParaRPr kumimoji="1" lang="ko-KR" altLang="en-US" sz="1000">
+              <a:solidFill>
+                <a:schemeClr val="tx1"/>
+              </a:solidFill>
+            </a:endParaRPr>
+          </a:p>
+        </p:txBody>
+      </p:sp>
+      <p:sp>
+        <p:nvSpPr>
+          <p:cNvPr id="45" name="모서리가 둥근 직사각형 44">
+            <a:extLst>
+              <a:ext uri="{FF2B5EF4-FFF2-40B4-BE49-F238E27FC236}">
+                <a16:creationId xmlns:a16="http://schemas.microsoft.com/office/drawing/2014/main" id="{5A7D4A2B-B210-8C5C-A7A1-BADDBB16EB28}"/>
+              </a:ext>
+            </a:extLst>
+          </p:cNvPr>
+          <p:cNvSpPr/>
+          <p:nvPr/>
+        </p:nvSpPr>
+        <p:spPr>
+          <a:xfrm>
+            <a:off x="5148968" y="2931792"/>
+            <a:ext cx="2016224" cy="201622"/>
+          </a:xfrm>
+          <a:prstGeom prst="roundRect">
+            <a:avLst>
+              <a:gd name="adj" fmla="val 0"/>
+            </a:avLst>
+          </a:prstGeom>
+          <a:solidFill>
+            <a:schemeClr val="accent2">
+              <a:lumMod val="20000"/>
+              <a:lumOff val="80000"/>
+            </a:schemeClr>
+          </a:solidFill>
+          <a:ln w="12700"/>
+        </p:spPr>
+        <p:style>
+          <a:lnRef idx="2">
+            <a:schemeClr val="accent1">
+              <a:shade val="15000"/>
+            </a:schemeClr>
+          </a:lnRef>
+          <a:fillRef idx="1">
+            <a:schemeClr val="accent1"/>
+          </a:fillRef>
+          <a:effectRef idx="0">
+            <a:schemeClr val="accent1"/>
+          </a:effectRef>
+          <a:fontRef idx="minor">
+            <a:schemeClr val="lt1"/>
+          </a:fontRef>
+        </p:style>
+        <p:txBody>
+          <a:bodyPr rtlCol="0" anchor="ctr"/>
+          <a:lstStyle/>
+          <a:p>
+            <a:pPr algn="ctr"/>
+            <a:r>
+              <a:rPr kumimoji="1" lang="en-US" altLang="ko-KR" sz="1000">
+                <a:solidFill>
+                  <a:schemeClr val="tx1"/>
+                </a:solidFill>
+              </a:rPr>
+              <a:t>2G.10GB</a:t>
+            </a:r>
+            <a:endParaRPr kumimoji="1" lang="ko-KR" altLang="en-US" sz="1000">
+              <a:solidFill>
+                <a:schemeClr val="tx1"/>
+              </a:solidFill>
+            </a:endParaRPr>
+          </a:p>
+        </p:txBody>
+      </p:sp>
+      <p:sp>
+        <p:nvSpPr>
+          <p:cNvPr id="46" name="모서리가 둥근 직사각형 45">
+            <a:extLst>
+              <a:ext uri="{FF2B5EF4-FFF2-40B4-BE49-F238E27FC236}">
+                <a16:creationId xmlns:a16="http://schemas.microsoft.com/office/drawing/2014/main" id="{68826220-195C-88CE-0E95-285DF7AFAC7A}"/>
+              </a:ext>
+            </a:extLst>
+          </p:cNvPr>
+          <p:cNvSpPr/>
+          <p:nvPr/>
+        </p:nvSpPr>
+        <p:spPr>
+          <a:xfrm>
+            <a:off x="7164288" y="2931792"/>
+            <a:ext cx="1008112" cy="201622"/>
+          </a:xfrm>
+          <a:prstGeom prst="roundRect">
+            <a:avLst>
+              <a:gd name="adj" fmla="val 0"/>
+            </a:avLst>
+          </a:prstGeom>
+          <a:solidFill>
+            <a:schemeClr val="accent4">
+              <a:lumMod val="20000"/>
+              <a:lumOff val="80000"/>
+            </a:schemeClr>
+          </a:solidFill>
+          <a:ln w="12700"/>
+        </p:spPr>
+        <p:style>
+          <a:lnRef idx="2">
+            <a:schemeClr val="accent1">
+              <a:shade val="15000"/>
+            </a:schemeClr>
+          </a:lnRef>
+          <a:fillRef idx="1">
+            <a:schemeClr val="accent1"/>
+          </a:fillRef>
+          <a:effectRef idx="0">
+            <a:schemeClr val="accent1"/>
+          </a:effectRef>
+          <a:fontRef idx="minor">
+            <a:schemeClr val="lt1"/>
+          </a:fontRef>
+        </p:style>
+        <p:txBody>
+          <a:bodyPr rtlCol="0" anchor="ctr"/>
+          <a:lstStyle/>
+          <a:p>
+            <a:pPr algn="ctr"/>
+            <a:r>
+              <a:rPr kumimoji="1" lang="en-US" altLang="ko-KR" sz="1000">
+                <a:solidFill>
+                  <a:schemeClr val="tx1"/>
+                </a:solidFill>
+              </a:rPr>
+              <a:t>1G.5GB</a:t>
+            </a:r>
+            <a:endParaRPr kumimoji="1" lang="ko-KR" altLang="en-US" sz="1000">
+              <a:solidFill>
+                <a:schemeClr val="tx1"/>
+              </a:solidFill>
+            </a:endParaRPr>
+          </a:p>
+        </p:txBody>
+      </p:sp>
+      <p:sp>
+        <p:nvSpPr>
+          <p:cNvPr id="47" name="모서리가 둥근 직사각형 46">
+            <a:extLst>
+              <a:ext uri="{FF2B5EF4-FFF2-40B4-BE49-F238E27FC236}">
+                <a16:creationId xmlns:a16="http://schemas.microsoft.com/office/drawing/2014/main" id="{983C4CE2-96A3-5B34-5240-CE781947A81E}"/>
+              </a:ext>
+            </a:extLst>
+          </p:cNvPr>
+          <p:cNvSpPr/>
+          <p:nvPr/>
+        </p:nvSpPr>
+        <p:spPr>
+          <a:xfrm>
+            <a:off x="3131840" y="2931792"/>
+            <a:ext cx="1008112" cy="201622"/>
+          </a:xfrm>
+          <a:prstGeom prst="roundRect">
+            <a:avLst>
+              <a:gd name="adj" fmla="val 0"/>
+            </a:avLst>
+          </a:prstGeom>
+          <a:solidFill>
+            <a:schemeClr val="accent4">
+              <a:lumMod val="20000"/>
+              <a:lumOff val="80000"/>
+            </a:schemeClr>
+          </a:solidFill>
+          <a:ln w="12700"/>
+        </p:spPr>
+        <p:style>
+          <a:lnRef idx="2">
+            <a:schemeClr val="accent1">
+              <a:shade val="15000"/>
+            </a:schemeClr>
+          </a:lnRef>
+          <a:fillRef idx="1">
+            <a:schemeClr val="accent1"/>
+          </a:fillRef>
+          <a:effectRef idx="0">
+            <a:schemeClr val="accent1"/>
+          </a:effectRef>
+          <a:fontRef idx="minor">
+            <a:schemeClr val="lt1"/>
+          </a:fontRef>
+        </p:style>
+        <p:txBody>
+          <a:bodyPr rtlCol="0" anchor="ctr"/>
+          <a:lstStyle/>
+          <a:p>
+            <a:pPr algn="ctr"/>
+            <a:r>
+              <a:rPr kumimoji="1" lang="en-US" altLang="ko-KR" sz="1000">
+                <a:solidFill>
+                  <a:schemeClr val="tx1"/>
+                </a:solidFill>
+              </a:rPr>
+              <a:t>1G.5GB</a:t>
+            </a:r>
+            <a:endParaRPr kumimoji="1" lang="ko-KR" altLang="en-US" sz="1000">
+              <a:solidFill>
+                <a:schemeClr val="tx1"/>
+              </a:solidFill>
+            </a:endParaRPr>
+          </a:p>
+        </p:txBody>
+      </p:sp>
+      <p:sp>
+        <p:nvSpPr>
+          <p:cNvPr id="48" name="모서리가 둥근 직사각형 47">
+            <a:extLst>
+              <a:ext uri="{FF2B5EF4-FFF2-40B4-BE49-F238E27FC236}">
+                <a16:creationId xmlns:a16="http://schemas.microsoft.com/office/drawing/2014/main" id="{96A24990-97F9-F142-0F61-421ED2742C85}"/>
+              </a:ext>
+            </a:extLst>
+          </p:cNvPr>
+          <p:cNvSpPr/>
+          <p:nvPr/>
+        </p:nvSpPr>
+        <p:spPr>
+          <a:xfrm>
+            <a:off x="4139951" y="2931792"/>
+            <a:ext cx="1008112" cy="201622"/>
+          </a:xfrm>
+          <a:prstGeom prst="roundRect">
+            <a:avLst>
+              <a:gd name="adj" fmla="val 0"/>
+            </a:avLst>
+          </a:prstGeom>
+          <a:solidFill>
+            <a:schemeClr val="accent4">
+              <a:lumMod val="20000"/>
+              <a:lumOff val="80000"/>
+            </a:schemeClr>
+          </a:solidFill>
+          <a:ln w="12700"/>
+        </p:spPr>
+        <p:style>
+          <a:lnRef idx="2">
+            <a:schemeClr val="accent1">
+              <a:shade val="15000"/>
+            </a:schemeClr>
+          </a:lnRef>
+          <a:fillRef idx="1">
+            <a:schemeClr val="accent1"/>
+          </a:fillRef>
+          <a:effectRef idx="0">
+            <a:schemeClr val="accent1"/>
+          </a:effectRef>
+          <a:fontRef idx="minor">
+            <a:schemeClr val="lt1"/>
+          </a:fontRef>
+        </p:style>
+        <p:txBody>
+          <a:bodyPr rtlCol="0" anchor="ctr"/>
+          <a:lstStyle/>
+          <a:p>
+            <a:pPr algn="ctr"/>
+            <a:r>
+              <a:rPr kumimoji="1" lang="en-US" altLang="ko-KR" sz="1000">
+                <a:solidFill>
+                  <a:schemeClr val="tx1"/>
+                </a:solidFill>
+              </a:rPr>
+              <a:t>1G.5GB</a:t>
+            </a:r>
+            <a:endParaRPr kumimoji="1" lang="ko-KR" altLang="en-US" sz="1000">
+              <a:solidFill>
+                <a:schemeClr val="tx1"/>
+              </a:solidFill>
+            </a:endParaRPr>
+          </a:p>
+        </p:txBody>
+      </p:sp>
+      <p:sp>
+        <p:nvSpPr>
+          <p:cNvPr id="49" name="모서리가 둥근 직사각형 48">
+            <a:extLst>
+              <a:ext uri="{FF2B5EF4-FFF2-40B4-BE49-F238E27FC236}">
+                <a16:creationId xmlns:a16="http://schemas.microsoft.com/office/drawing/2014/main" id="{8FF747B6-87C0-97C8-F687-7C58F709EEC0}"/>
+              </a:ext>
+            </a:extLst>
+          </p:cNvPr>
+          <p:cNvSpPr/>
+          <p:nvPr/>
+        </p:nvSpPr>
+        <p:spPr>
+          <a:xfrm>
+            <a:off x="3131837" y="3133414"/>
+            <a:ext cx="2016224" cy="201622"/>
+          </a:xfrm>
+          <a:prstGeom prst="roundRect">
+            <a:avLst>
+              <a:gd name="adj" fmla="val 0"/>
+            </a:avLst>
+          </a:prstGeom>
+          <a:solidFill>
+            <a:schemeClr val="accent2">
+              <a:lumMod val="20000"/>
+              <a:lumOff val="80000"/>
+            </a:schemeClr>
+          </a:solidFill>
+          <a:ln w="12700"/>
+        </p:spPr>
+        <p:style>
+          <a:lnRef idx="2">
+            <a:schemeClr val="accent1">
+              <a:shade val="15000"/>
+            </a:schemeClr>
+          </a:lnRef>
+          <a:fillRef idx="1">
+            <a:schemeClr val="accent1"/>
+          </a:fillRef>
+          <a:effectRef idx="0">
+            <a:schemeClr val="accent1"/>
+          </a:effectRef>
+          <a:fontRef idx="minor">
+            <a:schemeClr val="lt1"/>
+          </a:fontRef>
+        </p:style>
+        <p:txBody>
+          <a:bodyPr rtlCol="0" anchor="ctr"/>
+          <a:lstStyle/>
+          <a:p>
+            <a:pPr algn="ctr"/>
+            <a:r>
+              <a:rPr kumimoji="1" lang="en-US" altLang="ko-KR" sz="1000">
+                <a:solidFill>
+                  <a:schemeClr val="tx1"/>
+                </a:solidFill>
+              </a:rPr>
+              <a:t>2G.10GB</a:t>
+            </a:r>
+            <a:endParaRPr kumimoji="1" lang="ko-KR" altLang="en-US" sz="1000">
+              <a:solidFill>
+                <a:schemeClr val="tx1"/>
+              </a:solidFill>
+            </a:endParaRPr>
+          </a:p>
+        </p:txBody>
+      </p:sp>
+      <p:sp>
+        <p:nvSpPr>
+          <p:cNvPr id="50" name="모서리가 둥근 직사각형 49">
+            <a:extLst>
+              <a:ext uri="{FF2B5EF4-FFF2-40B4-BE49-F238E27FC236}">
+                <a16:creationId xmlns:a16="http://schemas.microsoft.com/office/drawing/2014/main" id="{FB72DE84-C3EB-E8AF-2355-C491BD1CEE26}"/>
+              </a:ext>
+            </a:extLst>
+          </p:cNvPr>
+          <p:cNvSpPr/>
+          <p:nvPr/>
+        </p:nvSpPr>
+        <p:spPr>
+          <a:xfrm>
+            <a:off x="5148968" y="3133414"/>
+            <a:ext cx="2016224" cy="201622"/>
+          </a:xfrm>
+          <a:prstGeom prst="roundRect">
+            <a:avLst>
+              <a:gd name="adj" fmla="val 0"/>
+            </a:avLst>
+          </a:prstGeom>
+          <a:solidFill>
+            <a:schemeClr val="accent2">
+              <a:lumMod val="20000"/>
+              <a:lumOff val="80000"/>
+            </a:schemeClr>
+          </a:solidFill>
+          <a:ln w="12700"/>
+        </p:spPr>
+        <p:style>
+          <a:lnRef idx="2">
+            <a:schemeClr val="accent1">
+              <a:shade val="15000"/>
+            </a:schemeClr>
+          </a:lnRef>
+          <a:fillRef idx="1">
+            <a:schemeClr val="accent1"/>
+          </a:fillRef>
+          <a:effectRef idx="0">
+            <a:schemeClr val="accent1"/>
+          </a:effectRef>
+          <a:fontRef idx="minor">
+            <a:schemeClr val="lt1"/>
+          </a:fontRef>
+        </p:style>
+        <p:txBody>
+          <a:bodyPr rtlCol="0" anchor="ctr"/>
+          <a:lstStyle/>
+          <a:p>
+            <a:pPr algn="ctr"/>
+            <a:r>
+              <a:rPr kumimoji="1" lang="en-US" altLang="ko-KR" sz="1000">
+                <a:solidFill>
+                  <a:schemeClr val="tx1"/>
+                </a:solidFill>
+              </a:rPr>
+              <a:t>2G.10GB</a:t>
+            </a:r>
+            <a:endParaRPr kumimoji="1" lang="ko-KR" altLang="en-US" sz="1000">
+              <a:solidFill>
+                <a:schemeClr val="tx1"/>
+              </a:solidFill>
+            </a:endParaRPr>
+          </a:p>
+        </p:txBody>
+      </p:sp>
+      <p:sp>
+        <p:nvSpPr>
+          <p:cNvPr id="51" name="모서리가 둥근 직사각형 50">
+            <a:extLst>
+              <a:ext uri="{FF2B5EF4-FFF2-40B4-BE49-F238E27FC236}">
+                <a16:creationId xmlns:a16="http://schemas.microsoft.com/office/drawing/2014/main" id="{F92FD3CE-8A4C-9076-A10A-0642E225DDD2}"/>
+              </a:ext>
+            </a:extLst>
+          </p:cNvPr>
+          <p:cNvSpPr/>
+          <p:nvPr/>
+        </p:nvSpPr>
+        <p:spPr>
+          <a:xfrm>
+            <a:off x="7164288" y="3133414"/>
+            <a:ext cx="1008112" cy="201622"/>
+          </a:xfrm>
+          <a:prstGeom prst="roundRect">
+            <a:avLst>
+              <a:gd name="adj" fmla="val 0"/>
+            </a:avLst>
+          </a:prstGeom>
+          <a:solidFill>
+            <a:schemeClr val="accent4">
+              <a:lumMod val="20000"/>
+              <a:lumOff val="80000"/>
+            </a:schemeClr>
+          </a:solidFill>
+          <a:ln w="12700"/>
+        </p:spPr>
+        <p:style>
+          <a:lnRef idx="2">
+            <a:schemeClr val="accent1">
+              <a:shade val="15000"/>
+            </a:schemeClr>
+          </a:lnRef>
+          <a:fillRef idx="1">
+            <a:schemeClr val="accent1"/>
+          </a:fillRef>
+          <a:effectRef idx="0">
+            <a:schemeClr val="accent1"/>
+          </a:effectRef>
+          <a:fontRef idx="minor">
+            <a:schemeClr val="lt1"/>
+          </a:fontRef>
+        </p:style>
+        <p:txBody>
+          <a:bodyPr rtlCol="0" anchor="ctr"/>
+          <a:lstStyle/>
+          <a:p>
+            <a:pPr algn="ctr"/>
+            <a:r>
+              <a:rPr kumimoji="1" lang="en-US" altLang="ko-KR" sz="1000">
+                <a:solidFill>
+                  <a:schemeClr val="tx1"/>
+                </a:solidFill>
+              </a:rPr>
+              <a:t>1G.5GB</a:t>
+            </a:r>
+            <a:endParaRPr kumimoji="1" lang="ko-KR" altLang="en-US" sz="1000">
+              <a:solidFill>
+                <a:schemeClr val="tx1"/>
+              </a:solidFill>
+            </a:endParaRPr>
+          </a:p>
+        </p:txBody>
+      </p:sp>
+      <p:sp>
+        <p:nvSpPr>
+          <p:cNvPr id="52" name="모서리가 둥근 직사각형 51">
+            <a:extLst>
+              <a:ext uri="{FF2B5EF4-FFF2-40B4-BE49-F238E27FC236}">
+                <a16:creationId xmlns:a16="http://schemas.microsoft.com/office/drawing/2014/main" id="{72678E6F-8B80-B2DF-C259-D0CB61C93917}"/>
+              </a:ext>
+            </a:extLst>
+          </p:cNvPr>
+          <p:cNvSpPr/>
+          <p:nvPr/>
+        </p:nvSpPr>
+        <p:spPr>
+          <a:xfrm>
+            <a:off x="1115614" y="3133414"/>
+            <a:ext cx="1008112" cy="201622"/>
+          </a:xfrm>
+          <a:prstGeom prst="roundRect">
+            <a:avLst>
+              <a:gd name="adj" fmla="val 0"/>
+            </a:avLst>
+          </a:prstGeom>
+          <a:solidFill>
+            <a:schemeClr val="accent4">
+              <a:lumMod val="20000"/>
+              <a:lumOff val="80000"/>
+            </a:schemeClr>
+          </a:solidFill>
+          <a:ln w="12700"/>
+        </p:spPr>
+        <p:style>
+          <a:lnRef idx="2">
+            <a:schemeClr val="accent1">
+              <a:shade val="15000"/>
+            </a:schemeClr>
+          </a:lnRef>
+          <a:fillRef idx="1">
+            <a:schemeClr val="accent1"/>
+          </a:fillRef>
+          <a:effectRef idx="0">
+            <a:schemeClr val="accent1"/>
+          </a:effectRef>
+          <a:fontRef idx="minor">
+            <a:schemeClr val="lt1"/>
+          </a:fontRef>
+        </p:style>
+        <p:txBody>
+          <a:bodyPr rtlCol="0" anchor="ctr"/>
+          <a:lstStyle/>
+          <a:p>
+            <a:pPr algn="ctr"/>
+            <a:r>
+              <a:rPr kumimoji="1" lang="en-US" altLang="ko-KR" sz="1000">
+                <a:solidFill>
+                  <a:schemeClr val="tx1"/>
+                </a:solidFill>
+              </a:rPr>
+              <a:t>1G.5GB</a:t>
+            </a:r>
+            <a:endParaRPr kumimoji="1" lang="ko-KR" altLang="en-US" sz="1000">
+              <a:solidFill>
+                <a:schemeClr val="tx1"/>
+              </a:solidFill>
+            </a:endParaRPr>
+          </a:p>
+        </p:txBody>
+      </p:sp>
+      <p:sp>
+        <p:nvSpPr>
+          <p:cNvPr id="53" name="모서리가 둥근 직사각형 52">
+            <a:extLst>
+              <a:ext uri="{FF2B5EF4-FFF2-40B4-BE49-F238E27FC236}">
+                <a16:creationId xmlns:a16="http://schemas.microsoft.com/office/drawing/2014/main" id="{A2B04BC7-8A76-0FE7-2491-D739D0C97965}"/>
+              </a:ext>
+            </a:extLst>
+          </p:cNvPr>
+          <p:cNvSpPr/>
+          <p:nvPr/>
+        </p:nvSpPr>
+        <p:spPr>
+          <a:xfrm>
+            <a:off x="2123725" y="3133414"/>
+            <a:ext cx="1008112" cy="201622"/>
+          </a:xfrm>
+          <a:prstGeom prst="roundRect">
+            <a:avLst>
+              <a:gd name="adj" fmla="val 0"/>
+            </a:avLst>
+          </a:prstGeom>
+          <a:solidFill>
+            <a:schemeClr val="accent4">
+              <a:lumMod val="20000"/>
+              <a:lumOff val="80000"/>
+            </a:schemeClr>
+          </a:solidFill>
+          <a:ln w="12700"/>
+        </p:spPr>
+        <p:style>
+          <a:lnRef idx="2">
+            <a:schemeClr val="accent1">
+              <a:shade val="15000"/>
+            </a:schemeClr>
+          </a:lnRef>
+          <a:fillRef idx="1">
+            <a:schemeClr val="accent1"/>
+          </a:fillRef>
+          <a:effectRef idx="0">
+            <a:schemeClr val="accent1"/>
+          </a:effectRef>
+          <a:fontRef idx="minor">
+            <a:schemeClr val="lt1"/>
+          </a:fontRef>
+        </p:style>
+        <p:txBody>
+          <a:bodyPr rtlCol="0" anchor="ctr"/>
+          <a:lstStyle/>
+          <a:p>
+            <a:pPr algn="ctr"/>
+            <a:r>
+              <a:rPr kumimoji="1" lang="en-US" altLang="ko-KR" sz="1000">
+                <a:solidFill>
+                  <a:schemeClr val="tx1"/>
+                </a:solidFill>
+              </a:rPr>
+              <a:t>1G.5GB</a:t>
+            </a:r>
+            <a:endParaRPr kumimoji="1" lang="ko-KR" altLang="en-US" sz="1000">
+              <a:solidFill>
+                <a:schemeClr val="tx1"/>
+              </a:solidFill>
+            </a:endParaRPr>
+          </a:p>
+        </p:txBody>
+      </p:sp>
+      <p:sp>
+        <p:nvSpPr>
+          <p:cNvPr id="54" name="모서리가 둥근 직사각형 53">
+            <a:extLst>
+              <a:ext uri="{FF2B5EF4-FFF2-40B4-BE49-F238E27FC236}">
+                <a16:creationId xmlns:a16="http://schemas.microsoft.com/office/drawing/2014/main" id="{833E7E70-E55C-04DF-7CC0-D62FD95DBA04}"/>
+              </a:ext>
+            </a:extLst>
+          </p:cNvPr>
+          <p:cNvSpPr/>
+          <p:nvPr/>
+        </p:nvSpPr>
+        <p:spPr>
+          <a:xfrm>
+            <a:off x="1115620" y="3335036"/>
+            <a:ext cx="2016224" cy="201622"/>
+          </a:xfrm>
+          <a:prstGeom prst="roundRect">
+            <a:avLst>
+              <a:gd name="adj" fmla="val 0"/>
+            </a:avLst>
+          </a:prstGeom>
+          <a:solidFill>
+            <a:schemeClr val="accent2">
+              <a:lumMod val="20000"/>
+              <a:lumOff val="80000"/>
+            </a:schemeClr>
+          </a:solidFill>
+          <a:ln w="12700"/>
+        </p:spPr>
+        <p:style>
+          <a:lnRef idx="2">
+            <a:schemeClr val="accent1">
+              <a:shade val="15000"/>
+            </a:schemeClr>
+          </a:lnRef>
+          <a:fillRef idx="1">
+            <a:schemeClr val="accent1"/>
+          </a:fillRef>
+          <a:effectRef idx="0">
+            <a:schemeClr val="accent1"/>
+          </a:effectRef>
+          <a:fontRef idx="minor">
+            <a:schemeClr val="lt1"/>
+          </a:fontRef>
+        </p:style>
+        <p:txBody>
+          <a:bodyPr rtlCol="0" anchor="ctr"/>
+          <a:lstStyle/>
+          <a:p>
+            <a:pPr algn="ctr"/>
+            <a:r>
+              <a:rPr kumimoji="1" lang="en-US" altLang="ko-KR" sz="1000">
+                <a:solidFill>
+                  <a:schemeClr val="tx1"/>
+                </a:solidFill>
+              </a:rPr>
+              <a:t>2G.10GB</a:t>
+            </a:r>
+            <a:endParaRPr kumimoji="1" lang="ko-KR" altLang="en-US" sz="1000">
+              <a:solidFill>
+                <a:schemeClr val="tx1"/>
+              </a:solidFill>
+            </a:endParaRPr>
+          </a:p>
+        </p:txBody>
+      </p:sp>
+      <p:sp>
+        <p:nvSpPr>
+          <p:cNvPr id="55" name="모서리가 둥근 직사각형 54">
+            <a:extLst>
+              <a:ext uri="{FF2B5EF4-FFF2-40B4-BE49-F238E27FC236}">
+                <a16:creationId xmlns:a16="http://schemas.microsoft.com/office/drawing/2014/main" id="{8516F789-E65C-8E4C-106B-BF1E4B5FF645}"/>
+              </a:ext>
+            </a:extLst>
+          </p:cNvPr>
+          <p:cNvSpPr/>
+          <p:nvPr/>
+        </p:nvSpPr>
+        <p:spPr>
+          <a:xfrm>
+            <a:off x="3131840" y="3335036"/>
+            <a:ext cx="1008112" cy="201622"/>
+          </a:xfrm>
+          <a:prstGeom prst="roundRect">
+            <a:avLst>
+              <a:gd name="adj" fmla="val 0"/>
+            </a:avLst>
+          </a:prstGeom>
+          <a:solidFill>
+            <a:schemeClr val="accent4">
+              <a:lumMod val="20000"/>
+              <a:lumOff val="80000"/>
+            </a:schemeClr>
+          </a:solidFill>
+          <a:ln w="12700"/>
+        </p:spPr>
+        <p:style>
+          <a:lnRef idx="2">
+            <a:schemeClr val="accent1">
+              <a:shade val="15000"/>
+            </a:schemeClr>
+          </a:lnRef>
+          <a:fillRef idx="1">
+            <a:schemeClr val="accent1"/>
+          </a:fillRef>
+          <a:effectRef idx="0">
+            <a:schemeClr val="accent1"/>
+          </a:effectRef>
+          <a:fontRef idx="minor">
+            <a:schemeClr val="lt1"/>
+          </a:fontRef>
+        </p:style>
+        <p:txBody>
+          <a:bodyPr rtlCol="0" anchor="ctr"/>
+          <a:lstStyle/>
+          <a:p>
+            <a:pPr algn="ctr"/>
+            <a:r>
+              <a:rPr kumimoji="1" lang="en-US" altLang="ko-KR" sz="1000">
+                <a:solidFill>
+                  <a:schemeClr val="tx1"/>
+                </a:solidFill>
+              </a:rPr>
+              <a:t>1G.5GB</a:t>
+            </a:r>
+            <a:endParaRPr kumimoji="1" lang="ko-KR" altLang="en-US" sz="1000">
+              <a:solidFill>
+                <a:schemeClr val="tx1"/>
+              </a:solidFill>
+            </a:endParaRPr>
+          </a:p>
+        </p:txBody>
+      </p:sp>
+      <p:sp>
+        <p:nvSpPr>
+          <p:cNvPr id="56" name="모서리가 둥근 직사각형 55">
+            <a:extLst>
+              <a:ext uri="{FF2B5EF4-FFF2-40B4-BE49-F238E27FC236}">
+                <a16:creationId xmlns:a16="http://schemas.microsoft.com/office/drawing/2014/main" id="{F3AB38DD-34D8-85AD-DAF6-27C5E80B8CAA}"/>
+              </a:ext>
+            </a:extLst>
+          </p:cNvPr>
+          <p:cNvSpPr/>
+          <p:nvPr/>
+        </p:nvSpPr>
+        <p:spPr>
+          <a:xfrm>
+            <a:off x="4139951" y="3335036"/>
+            <a:ext cx="1008112" cy="201622"/>
+          </a:xfrm>
+          <a:prstGeom prst="roundRect">
+            <a:avLst>
+              <a:gd name="adj" fmla="val 0"/>
+            </a:avLst>
+          </a:prstGeom>
+          <a:solidFill>
+            <a:schemeClr val="accent4">
+              <a:lumMod val="20000"/>
+              <a:lumOff val="80000"/>
+            </a:schemeClr>
+          </a:solidFill>
+          <a:ln w="12700"/>
+        </p:spPr>
+        <p:style>
+          <a:lnRef idx="2">
+            <a:schemeClr val="accent1">
+              <a:shade val="15000"/>
+            </a:schemeClr>
+          </a:lnRef>
+          <a:fillRef idx="1">
+            <a:schemeClr val="accent1"/>
+          </a:fillRef>
+          <a:effectRef idx="0">
+            <a:schemeClr val="accent1"/>
+          </a:effectRef>
+          <a:fontRef idx="minor">
+            <a:schemeClr val="lt1"/>
+          </a:fontRef>
+        </p:style>
+        <p:txBody>
+          <a:bodyPr rtlCol="0" anchor="ctr"/>
+          <a:lstStyle/>
+          <a:p>
+            <a:pPr algn="ctr"/>
+            <a:r>
+              <a:rPr kumimoji="1" lang="en-US" altLang="ko-KR" sz="1000">
+                <a:solidFill>
+                  <a:schemeClr val="tx1"/>
+                </a:solidFill>
+              </a:rPr>
+              <a:t>1G.5GB</a:t>
+            </a:r>
+            <a:endParaRPr kumimoji="1" lang="ko-KR" altLang="en-US" sz="1000">
+              <a:solidFill>
+                <a:schemeClr val="tx1"/>
+              </a:solidFill>
+            </a:endParaRPr>
+          </a:p>
+        </p:txBody>
+      </p:sp>
+      <p:sp>
+        <p:nvSpPr>
+          <p:cNvPr id="57" name="모서리가 둥근 직사각형 56">
+            <a:extLst>
+              <a:ext uri="{FF2B5EF4-FFF2-40B4-BE49-F238E27FC236}">
+                <a16:creationId xmlns:a16="http://schemas.microsoft.com/office/drawing/2014/main" id="{55855FB5-21BA-AD27-E25C-B939BFA214AE}"/>
+              </a:ext>
+            </a:extLst>
+          </p:cNvPr>
+          <p:cNvSpPr/>
+          <p:nvPr/>
+        </p:nvSpPr>
+        <p:spPr>
+          <a:xfrm>
+            <a:off x="5147158" y="3335036"/>
+            <a:ext cx="1008112" cy="201622"/>
+          </a:xfrm>
+          <a:prstGeom prst="roundRect">
+            <a:avLst>
+              <a:gd name="adj" fmla="val 0"/>
+            </a:avLst>
+          </a:prstGeom>
+          <a:solidFill>
+            <a:schemeClr val="accent4">
+              <a:lumMod val="20000"/>
+              <a:lumOff val="80000"/>
+            </a:schemeClr>
+          </a:solidFill>
+          <a:ln w="12700"/>
+        </p:spPr>
+        <p:style>
+          <a:lnRef idx="2">
+            <a:schemeClr val="accent1">
+              <a:shade val="15000"/>
+            </a:schemeClr>
+          </a:lnRef>
+          <a:fillRef idx="1">
+            <a:schemeClr val="accent1"/>
+          </a:fillRef>
+          <a:effectRef idx="0">
+            <a:schemeClr val="accent1"/>
+          </a:effectRef>
+          <a:fontRef idx="minor">
+            <a:schemeClr val="lt1"/>
+          </a:fontRef>
+        </p:style>
+        <p:txBody>
+          <a:bodyPr rtlCol="0" anchor="ctr"/>
+          <a:lstStyle/>
+          <a:p>
+            <a:pPr algn="ctr"/>
+            <a:r>
+              <a:rPr kumimoji="1" lang="en-US" altLang="ko-KR" sz="1000">
+                <a:solidFill>
+                  <a:schemeClr val="tx1"/>
+                </a:solidFill>
+              </a:rPr>
+              <a:t>1G.5GB</a:t>
+            </a:r>
+            <a:endParaRPr kumimoji="1" lang="ko-KR" altLang="en-US" sz="1000">
+              <a:solidFill>
+                <a:schemeClr val="tx1"/>
+              </a:solidFill>
+            </a:endParaRPr>
+          </a:p>
+        </p:txBody>
+      </p:sp>
+      <p:sp>
+        <p:nvSpPr>
+          <p:cNvPr id="58" name="모서리가 둥근 직사각형 57">
+            <a:extLst>
+              <a:ext uri="{FF2B5EF4-FFF2-40B4-BE49-F238E27FC236}">
+                <a16:creationId xmlns:a16="http://schemas.microsoft.com/office/drawing/2014/main" id="{B9FE666B-CFCF-6AD1-F74E-15A03441227B}"/>
+              </a:ext>
+            </a:extLst>
+          </p:cNvPr>
+          <p:cNvSpPr/>
+          <p:nvPr/>
+        </p:nvSpPr>
+        <p:spPr>
+          <a:xfrm>
+            <a:off x="6155269" y="3335036"/>
+            <a:ext cx="1008112" cy="201622"/>
+          </a:xfrm>
+          <a:prstGeom prst="roundRect">
+            <a:avLst>
+              <a:gd name="adj" fmla="val 0"/>
+            </a:avLst>
+          </a:prstGeom>
+          <a:solidFill>
+            <a:schemeClr val="accent4">
+              <a:lumMod val="20000"/>
+              <a:lumOff val="80000"/>
+            </a:schemeClr>
+          </a:solidFill>
+          <a:ln w="12700"/>
+        </p:spPr>
+        <p:style>
+          <a:lnRef idx="2">
+            <a:schemeClr val="accent1">
+              <a:shade val="15000"/>
+            </a:schemeClr>
+          </a:lnRef>
+          <a:fillRef idx="1">
+            <a:schemeClr val="accent1"/>
+          </a:fillRef>
+          <a:effectRef idx="0">
+            <a:schemeClr val="accent1"/>
+          </a:effectRef>
+          <a:fontRef idx="minor">
+            <a:schemeClr val="lt1"/>
+          </a:fontRef>
+        </p:style>
+        <p:txBody>
+          <a:bodyPr rtlCol="0" anchor="ctr"/>
+          <a:lstStyle/>
+          <a:p>
+            <a:pPr algn="ctr"/>
+            <a:r>
+              <a:rPr kumimoji="1" lang="en-US" altLang="ko-KR" sz="1000">
+                <a:solidFill>
+                  <a:schemeClr val="tx1"/>
+                </a:solidFill>
+              </a:rPr>
+              <a:t>1G.5GB</a:t>
+            </a:r>
+            <a:endParaRPr kumimoji="1" lang="ko-KR" altLang="en-US" sz="1000">
+              <a:solidFill>
+                <a:schemeClr val="tx1"/>
+              </a:solidFill>
+            </a:endParaRPr>
+          </a:p>
+        </p:txBody>
+      </p:sp>
+      <p:sp>
+        <p:nvSpPr>
+          <p:cNvPr id="59" name="모서리가 둥근 직사각형 58">
+            <a:extLst>
+              <a:ext uri="{FF2B5EF4-FFF2-40B4-BE49-F238E27FC236}">
+                <a16:creationId xmlns:a16="http://schemas.microsoft.com/office/drawing/2014/main" id="{5B7A82A4-4BEF-9B73-5B06-5C451480402A}"/>
+              </a:ext>
+            </a:extLst>
+          </p:cNvPr>
+          <p:cNvSpPr/>
+          <p:nvPr/>
+        </p:nvSpPr>
+        <p:spPr>
+          <a:xfrm>
+            <a:off x="7164288" y="3335036"/>
+            <a:ext cx="1008112" cy="201622"/>
+          </a:xfrm>
+          <a:prstGeom prst="roundRect">
+            <a:avLst>
+              <a:gd name="adj" fmla="val 0"/>
+            </a:avLst>
+          </a:prstGeom>
+          <a:solidFill>
+            <a:schemeClr val="accent4">
+              <a:lumMod val="20000"/>
+              <a:lumOff val="80000"/>
+            </a:schemeClr>
+          </a:solidFill>
+          <a:ln w="12700"/>
+        </p:spPr>
+        <p:style>
+          <a:lnRef idx="2">
+            <a:schemeClr val="accent1">
+              <a:shade val="15000"/>
+            </a:schemeClr>
+          </a:lnRef>
+          <a:fillRef idx="1">
+            <a:schemeClr val="accent1"/>
+          </a:fillRef>
+          <a:effectRef idx="0">
+            <a:schemeClr val="accent1"/>
+          </a:effectRef>
+          <a:fontRef idx="minor">
+            <a:schemeClr val="lt1"/>
+          </a:fontRef>
+        </p:style>
+        <p:txBody>
+          <a:bodyPr rtlCol="0" anchor="ctr"/>
+          <a:lstStyle/>
+          <a:p>
+            <a:pPr algn="ctr"/>
+            <a:r>
+              <a:rPr kumimoji="1" lang="en-US" altLang="ko-KR" sz="1000">
+                <a:solidFill>
+                  <a:schemeClr val="tx1"/>
+                </a:solidFill>
+              </a:rPr>
+              <a:t>1G.5GB</a:t>
+            </a:r>
+            <a:endParaRPr kumimoji="1" lang="ko-KR" altLang="en-US" sz="1000">
+              <a:solidFill>
+                <a:schemeClr val="tx1"/>
+              </a:solidFill>
+            </a:endParaRPr>
+          </a:p>
+        </p:txBody>
+      </p:sp>
+      <p:sp>
+        <p:nvSpPr>
+          <p:cNvPr id="60" name="모서리가 둥근 직사각형 59">
+            <a:extLst>
+              <a:ext uri="{FF2B5EF4-FFF2-40B4-BE49-F238E27FC236}">
+                <a16:creationId xmlns:a16="http://schemas.microsoft.com/office/drawing/2014/main" id="{9A2281C3-1CE0-1660-4F02-B52E221C946D}"/>
+              </a:ext>
+            </a:extLst>
+          </p:cNvPr>
+          <p:cNvSpPr/>
+          <p:nvPr/>
+        </p:nvSpPr>
+        <p:spPr>
+          <a:xfrm>
+            <a:off x="3131837" y="3536658"/>
+            <a:ext cx="2016224" cy="201622"/>
+          </a:xfrm>
+          <a:prstGeom prst="roundRect">
+            <a:avLst>
+              <a:gd name="adj" fmla="val 0"/>
+            </a:avLst>
+          </a:prstGeom>
+          <a:solidFill>
+            <a:schemeClr val="accent2">
+              <a:lumMod val="20000"/>
+              <a:lumOff val="80000"/>
+            </a:schemeClr>
+          </a:solidFill>
+          <a:ln w="12700"/>
+        </p:spPr>
+        <p:style>
+          <a:lnRef idx="2">
+            <a:schemeClr val="accent1">
+              <a:shade val="15000"/>
+            </a:schemeClr>
+          </a:lnRef>
+          <a:fillRef idx="1">
+            <a:schemeClr val="accent1"/>
+          </a:fillRef>
+          <a:effectRef idx="0">
+            <a:schemeClr val="accent1"/>
+          </a:effectRef>
+          <a:fontRef idx="minor">
+            <a:schemeClr val="lt1"/>
+          </a:fontRef>
+        </p:style>
+        <p:txBody>
+          <a:bodyPr rtlCol="0" anchor="ctr"/>
+          <a:lstStyle/>
+          <a:p>
+            <a:pPr algn="ctr"/>
+            <a:r>
+              <a:rPr kumimoji="1" lang="en-US" altLang="ko-KR" sz="1000">
+                <a:solidFill>
+                  <a:schemeClr val="tx1"/>
+                </a:solidFill>
+              </a:rPr>
+              <a:t>2G.10GB</a:t>
+            </a:r>
+            <a:endParaRPr kumimoji="1" lang="ko-KR" altLang="en-US" sz="1000">
+              <a:solidFill>
+                <a:schemeClr val="tx1"/>
+              </a:solidFill>
+            </a:endParaRPr>
+          </a:p>
+        </p:txBody>
+      </p:sp>
+      <p:sp>
+        <p:nvSpPr>
+          <p:cNvPr id="61" name="모서리가 둥근 직사각형 60">
+            <a:extLst>
+              <a:ext uri="{FF2B5EF4-FFF2-40B4-BE49-F238E27FC236}">
+                <a16:creationId xmlns:a16="http://schemas.microsoft.com/office/drawing/2014/main" id="{AABCEC97-F89A-AB0B-3AE8-495388C552CB}"/>
+              </a:ext>
+            </a:extLst>
+          </p:cNvPr>
+          <p:cNvSpPr/>
+          <p:nvPr/>
+        </p:nvSpPr>
+        <p:spPr>
+          <a:xfrm>
+            <a:off x="5148968" y="3738280"/>
+            <a:ext cx="2016224" cy="201622"/>
+          </a:xfrm>
+          <a:prstGeom prst="roundRect">
+            <a:avLst>
+              <a:gd name="adj" fmla="val 0"/>
+            </a:avLst>
+          </a:prstGeom>
+          <a:solidFill>
+            <a:schemeClr val="accent2">
+              <a:lumMod val="20000"/>
+              <a:lumOff val="80000"/>
+            </a:schemeClr>
+          </a:solidFill>
+          <a:ln w="12700"/>
+        </p:spPr>
+        <p:style>
+          <a:lnRef idx="2">
+            <a:schemeClr val="accent1">
+              <a:shade val="15000"/>
+            </a:schemeClr>
+          </a:lnRef>
+          <a:fillRef idx="1">
+            <a:schemeClr val="accent1"/>
+          </a:fillRef>
+          <a:effectRef idx="0">
+            <a:schemeClr val="accent1"/>
+          </a:effectRef>
+          <a:fontRef idx="minor">
+            <a:schemeClr val="lt1"/>
+          </a:fontRef>
+        </p:style>
+        <p:txBody>
+          <a:bodyPr rtlCol="0" anchor="ctr"/>
+          <a:lstStyle/>
+          <a:p>
+            <a:pPr algn="ctr"/>
+            <a:r>
+              <a:rPr kumimoji="1" lang="en-US" altLang="ko-KR" sz="1000">
+                <a:solidFill>
+                  <a:schemeClr val="tx1"/>
+                </a:solidFill>
+              </a:rPr>
+              <a:t>2G.10GB</a:t>
+            </a:r>
+            <a:endParaRPr kumimoji="1" lang="ko-KR" altLang="en-US" sz="1000">
+              <a:solidFill>
+                <a:schemeClr val="tx1"/>
+              </a:solidFill>
+            </a:endParaRPr>
+          </a:p>
+        </p:txBody>
+      </p:sp>
+      <p:sp>
+        <p:nvSpPr>
+          <p:cNvPr id="62" name="모서리가 둥근 직사각형 61">
+            <a:extLst>
+              <a:ext uri="{FF2B5EF4-FFF2-40B4-BE49-F238E27FC236}">
+                <a16:creationId xmlns:a16="http://schemas.microsoft.com/office/drawing/2014/main" id="{BDED40DC-0F3A-9635-BE75-7CC3996E6DAA}"/>
+              </a:ext>
+            </a:extLst>
+          </p:cNvPr>
+          <p:cNvSpPr/>
+          <p:nvPr/>
+        </p:nvSpPr>
+        <p:spPr>
+          <a:xfrm>
+            <a:off x="1115614" y="3536658"/>
+            <a:ext cx="1008112" cy="201622"/>
+          </a:xfrm>
+          <a:prstGeom prst="roundRect">
+            <a:avLst>
+              <a:gd name="adj" fmla="val 0"/>
+            </a:avLst>
+          </a:prstGeom>
+          <a:solidFill>
+            <a:schemeClr val="accent4">
+              <a:lumMod val="20000"/>
+              <a:lumOff val="80000"/>
+            </a:schemeClr>
+          </a:solidFill>
+          <a:ln w="12700"/>
+        </p:spPr>
+        <p:style>
+          <a:lnRef idx="2">
+            <a:schemeClr val="accent1">
+              <a:shade val="15000"/>
+            </a:schemeClr>
+          </a:lnRef>
+          <a:fillRef idx="1">
+            <a:schemeClr val="accent1"/>
+          </a:fillRef>
+          <a:effectRef idx="0">
+            <a:schemeClr val="accent1"/>
+          </a:effectRef>
+          <a:fontRef idx="minor">
+            <a:schemeClr val="lt1"/>
+          </a:fontRef>
+        </p:style>
+        <p:txBody>
+          <a:bodyPr rtlCol="0" anchor="ctr"/>
+          <a:lstStyle/>
+          <a:p>
+            <a:pPr algn="ctr"/>
+            <a:r>
+              <a:rPr kumimoji="1" lang="en-US" altLang="ko-KR" sz="1000">
+                <a:solidFill>
+                  <a:schemeClr val="tx1"/>
+                </a:solidFill>
+              </a:rPr>
+              <a:t>1G.5GB</a:t>
+            </a:r>
+            <a:endParaRPr kumimoji="1" lang="ko-KR" altLang="en-US" sz="1000">
+              <a:solidFill>
+                <a:schemeClr val="tx1"/>
+              </a:solidFill>
+            </a:endParaRPr>
+          </a:p>
+        </p:txBody>
+      </p:sp>
+      <p:sp>
+        <p:nvSpPr>
+          <p:cNvPr id="63" name="모서리가 둥근 직사각형 62">
+            <a:extLst>
+              <a:ext uri="{FF2B5EF4-FFF2-40B4-BE49-F238E27FC236}">
+                <a16:creationId xmlns:a16="http://schemas.microsoft.com/office/drawing/2014/main" id="{BBAAA322-4AB5-5AC2-D2F1-E3763605E035}"/>
+              </a:ext>
+            </a:extLst>
+          </p:cNvPr>
+          <p:cNvSpPr/>
+          <p:nvPr/>
+        </p:nvSpPr>
+        <p:spPr>
+          <a:xfrm>
+            <a:off x="2123725" y="3536658"/>
+            <a:ext cx="1008112" cy="201622"/>
+          </a:xfrm>
+          <a:prstGeom prst="roundRect">
+            <a:avLst>
+              <a:gd name="adj" fmla="val 0"/>
+            </a:avLst>
+          </a:prstGeom>
+          <a:solidFill>
+            <a:schemeClr val="accent4">
+              <a:lumMod val="20000"/>
+              <a:lumOff val="80000"/>
+            </a:schemeClr>
+          </a:solidFill>
+          <a:ln w="12700"/>
+        </p:spPr>
+        <p:style>
+          <a:lnRef idx="2">
+            <a:schemeClr val="accent1">
+              <a:shade val="15000"/>
+            </a:schemeClr>
+          </a:lnRef>
+          <a:fillRef idx="1">
+            <a:schemeClr val="accent1"/>
+          </a:fillRef>
+          <a:effectRef idx="0">
+            <a:schemeClr val="accent1"/>
+          </a:effectRef>
+          <a:fontRef idx="minor">
+            <a:schemeClr val="lt1"/>
+          </a:fontRef>
+        </p:style>
+        <p:txBody>
+          <a:bodyPr rtlCol="0" anchor="ctr"/>
+          <a:lstStyle/>
+          <a:p>
+            <a:pPr algn="ctr"/>
+            <a:r>
+              <a:rPr kumimoji="1" lang="en-US" altLang="ko-KR" sz="1000">
+                <a:solidFill>
+                  <a:schemeClr val="tx1"/>
+                </a:solidFill>
+              </a:rPr>
+              <a:t>1G.5GB</a:t>
+            </a:r>
+            <a:endParaRPr kumimoji="1" lang="ko-KR" altLang="en-US" sz="1000">
+              <a:solidFill>
+                <a:schemeClr val="tx1"/>
+              </a:solidFill>
+            </a:endParaRPr>
+          </a:p>
+        </p:txBody>
+      </p:sp>
+      <p:sp>
+        <p:nvSpPr>
+          <p:cNvPr id="64" name="모서리가 둥근 직사각형 63">
+            <a:extLst>
+              <a:ext uri="{FF2B5EF4-FFF2-40B4-BE49-F238E27FC236}">
+                <a16:creationId xmlns:a16="http://schemas.microsoft.com/office/drawing/2014/main" id="{F2B2C9E2-2896-7898-D296-8F5DFA52C470}"/>
+              </a:ext>
+            </a:extLst>
+          </p:cNvPr>
+          <p:cNvSpPr/>
+          <p:nvPr/>
+        </p:nvSpPr>
+        <p:spPr>
+          <a:xfrm>
+            <a:off x="5147158" y="3536658"/>
+            <a:ext cx="1008112" cy="201622"/>
+          </a:xfrm>
+          <a:prstGeom prst="roundRect">
+            <a:avLst>
+              <a:gd name="adj" fmla="val 0"/>
+            </a:avLst>
+          </a:prstGeom>
+          <a:solidFill>
+            <a:schemeClr val="accent4">
+              <a:lumMod val="20000"/>
+              <a:lumOff val="80000"/>
+            </a:schemeClr>
+          </a:solidFill>
+          <a:ln w="12700"/>
+        </p:spPr>
+        <p:style>
+          <a:lnRef idx="2">
+            <a:schemeClr val="accent1">
+              <a:shade val="15000"/>
+            </a:schemeClr>
+          </a:lnRef>
+          <a:fillRef idx="1">
+            <a:schemeClr val="accent1"/>
+          </a:fillRef>
+          <a:effectRef idx="0">
+            <a:schemeClr val="accent1"/>
+          </a:effectRef>
+          <a:fontRef idx="minor">
+            <a:schemeClr val="lt1"/>
+          </a:fontRef>
+        </p:style>
+        <p:txBody>
+          <a:bodyPr rtlCol="0" anchor="ctr"/>
+          <a:lstStyle/>
+          <a:p>
+            <a:pPr algn="ctr"/>
+            <a:r>
+              <a:rPr kumimoji="1" lang="en-US" altLang="ko-KR" sz="1000">
+                <a:solidFill>
+                  <a:schemeClr val="tx1"/>
+                </a:solidFill>
+              </a:rPr>
+              <a:t>1G.5GB</a:t>
+            </a:r>
+            <a:endParaRPr kumimoji="1" lang="ko-KR" altLang="en-US" sz="1000">
+              <a:solidFill>
+                <a:schemeClr val="tx1"/>
+              </a:solidFill>
+            </a:endParaRPr>
+          </a:p>
+        </p:txBody>
+      </p:sp>
+      <p:sp>
+        <p:nvSpPr>
+          <p:cNvPr id="65" name="모서리가 둥근 직사각형 64">
+            <a:extLst>
+              <a:ext uri="{FF2B5EF4-FFF2-40B4-BE49-F238E27FC236}">
+                <a16:creationId xmlns:a16="http://schemas.microsoft.com/office/drawing/2014/main" id="{1EA9DD41-8C15-C1AB-EA70-BE9B1CE3DFA1}"/>
+              </a:ext>
+            </a:extLst>
+          </p:cNvPr>
+          <p:cNvSpPr/>
+          <p:nvPr/>
+        </p:nvSpPr>
+        <p:spPr>
+          <a:xfrm>
+            <a:off x="6155269" y="3536658"/>
+            <a:ext cx="1008112" cy="201622"/>
+          </a:xfrm>
+          <a:prstGeom prst="roundRect">
+            <a:avLst>
+              <a:gd name="adj" fmla="val 0"/>
+            </a:avLst>
+          </a:prstGeom>
+          <a:solidFill>
+            <a:schemeClr val="accent4">
+              <a:lumMod val="20000"/>
+              <a:lumOff val="80000"/>
+            </a:schemeClr>
+          </a:solidFill>
+          <a:ln w="12700"/>
+        </p:spPr>
+        <p:style>
+          <a:lnRef idx="2">
+            <a:schemeClr val="accent1">
+              <a:shade val="15000"/>
+            </a:schemeClr>
+          </a:lnRef>
+          <a:fillRef idx="1">
+            <a:schemeClr val="accent1"/>
+          </a:fillRef>
+          <a:effectRef idx="0">
+            <a:schemeClr val="accent1"/>
+          </a:effectRef>
+          <a:fontRef idx="minor">
+            <a:schemeClr val="lt1"/>
+          </a:fontRef>
+        </p:style>
+        <p:txBody>
+          <a:bodyPr rtlCol="0" anchor="ctr"/>
+          <a:lstStyle/>
+          <a:p>
+            <a:pPr algn="ctr"/>
+            <a:r>
+              <a:rPr kumimoji="1" lang="en-US" altLang="ko-KR" sz="1000">
+                <a:solidFill>
+                  <a:schemeClr val="tx1"/>
+                </a:solidFill>
+              </a:rPr>
+              <a:t>1G.5GB</a:t>
+            </a:r>
+            <a:endParaRPr kumimoji="1" lang="ko-KR" altLang="en-US" sz="1000">
+              <a:solidFill>
+                <a:schemeClr val="tx1"/>
+              </a:solidFill>
+            </a:endParaRPr>
+          </a:p>
+        </p:txBody>
+      </p:sp>
+      <p:sp>
+        <p:nvSpPr>
+          <p:cNvPr id="66" name="모서리가 둥근 직사각형 65">
+            <a:extLst>
+              <a:ext uri="{FF2B5EF4-FFF2-40B4-BE49-F238E27FC236}">
+                <a16:creationId xmlns:a16="http://schemas.microsoft.com/office/drawing/2014/main" id="{BF847ACF-B95E-D200-855D-77B6CC5246FB}"/>
+              </a:ext>
+            </a:extLst>
+          </p:cNvPr>
+          <p:cNvSpPr/>
+          <p:nvPr/>
+        </p:nvSpPr>
+        <p:spPr>
+          <a:xfrm>
+            <a:off x="1115614" y="3738280"/>
+            <a:ext cx="1008112" cy="201622"/>
+          </a:xfrm>
+          <a:prstGeom prst="roundRect">
+            <a:avLst>
+              <a:gd name="adj" fmla="val 0"/>
+            </a:avLst>
+          </a:prstGeom>
+          <a:solidFill>
+            <a:schemeClr val="accent4">
+              <a:lumMod val="20000"/>
+              <a:lumOff val="80000"/>
+            </a:schemeClr>
+          </a:solidFill>
+          <a:ln w="12700"/>
+        </p:spPr>
+        <p:style>
+          <a:lnRef idx="2">
+            <a:schemeClr val="accent1">
+              <a:shade val="15000"/>
+            </a:schemeClr>
+          </a:lnRef>
+          <a:fillRef idx="1">
+            <a:schemeClr val="accent1"/>
+          </a:fillRef>
+          <a:effectRef idx="0">
+            <a:schemeClr val="accent1"/>
+          </a:effectRef>
+          <a:fontRef idx="minor">
+            <a:schemeClr val="lt1"/>
+          </a:fontRef>
+        </p:style>
+        <p:txBody>
+          <a:bodyPr rtlCol="0" anchor="ctr"/>
+          <a:lstStyle/>
+          <a:p>
+            <a:pPr algn="ctr"/>
+            <a:r>
+              <a:rPr kumimoji="1" lang="en-US" altLang="ko-KR" sz="1000">
+                <a:solidFill>
+                  <a:schemeClr val="tx1"/>
+                </a:solidFill>
+              </a:rPr>
+              <a:t>1G.5GB</a:t>
+            </a:r>
+            <a:endParaRPr kumimoji="1" lang="ko-KR" altLang="en-US" sz="1000">
+              <a:solidFill>
+                <a:schemeClr val="tx1"/>
+              </a:solidFill>
+            </a:endParaRPr>
+          </a:p>
+        </p:txBody>
+      </p:sp>
+      <p:sp>
+        <p:nvSpPr>
+          <p:cNvPr id="67" name="모서리가 둥근 직사각형 66">
+            <a:extLst>
+              <a:ext uri="{FF2B5EF4-FFF2-40B4-BE49-F238E27FC236}">
+                <a16:creationId xmlns:a16="http://schemas.microsoft.com/office/drawing/2014/main" id="{BF98A249-887D-F8FC-70FD-BB872697224B}"/>
+              </a:ext>
+            </a:extLst>
+          </p:cNvPr>
+          <p:cNvSpPr/>
+          <p:nvPr/>
+        </p:nvSpPr>
+        <p:spPr>
+          <a:xfrm>
+            <a:off x="2123725" y="3738280"/>
+            <a:ext cx="1008112" cy="201622"/>
+          </a:xfrm>
+          <a:prstGeom prst="roundRect">
+            <a:avLst>
+              <a:gd name="adj" fmla="val 0"/>
+            </a:avLst>
+          </a:prstGeom>
+          <a:solidFill>
+            <a:schemeClr val="accent4">
+              <a:lumMod val="20000"/>
+              <a:lumOff val="80000"/>
+            </a:schemeClr>
+          </a:solidFill>
+          <a:ln w="12700"/>
+        </p:spPr>
+        <p:style>
+          <a:lnRef idx="2">
+            <a:schemeClr val="accent1">
+              <a:shade val="15000"/>
+            </a:schemeClr>
+          </a:lnRef>
+          <a:fillRef idx="1">
+            <a:schemeClr val="accent1"/>
+          </a:fillRef>
+          <a:effectRef idx="0">
+            <a:schemeClr val="accent1"/>
+          </a:effectRef>
+          <a:fontRef idx="minor">
+            <a:schemeClr val="lt1"/>
+          </a:fontRef>
+        </p:style>
+        <p:txBody>
+          <a:bodyPr rtlCol="0" anchor="ctr"/>
+          <a:lstStyle/>
+          <a:p>
+            <a:pPr algn="ctr"/>
+            <a:r>
+              <a:rPr kumimoji="1" lang="en-US" altLang="ko-KR" sz="1000">
+                <a:solidFill>
+                  <a:schemeClr val="tx1"/>
+                </a:solidFill>
+              </a:rPr>
+              <a:t>1G.5GB</a:t>
+            </a:r>
+            <a:endParaRPr kumimoji="1" lang="ko-KR" altLang="en-US" sz="1000">
+              <a:solidFill>
+                <a:schemeClr val="tx1"/>
+              </a:solidFill>
+            </a:endParaRPr>
+          </a:p>
+        </p:txBody>
+      </p:sp>
+      <p:sp>
+        <p:nvSpPr>
+          <p:cNvPr id="68" name="모서리가 둥근 직사각형 67">
+            <a:extLst>
+              <a:ext uri="{FF2B5EF4-FFF2-40B4-BE49-F238E27FC236}">
+                <a16:creationId xmlns:a16="http://schemas.microsoft.com/office/drawing/2014/main" id="{9DD94C49-4209-C2DD-CB4F-F6DE39D4A639}"/>
+              </a:ext>
+            </a:extLst>
+          </p:cNvPr>
+          <p:cNvSpPr/>
+          <p:nvPr/>
+        </p:nvSpPr>
+        <p:spPr>
+          <a:xfrm>
+            <a:off x="3131840" y="3738280"/>
+            <a:ext cx="1008112" cy="201622"/>
+          </a:xfrm>
+          <a:prstGeom prst="roundRect">
+            <a:avLst>
+              <a:gd name="adj" fmla="val 0"/>
+            </a:avLst>
+          </a:prstGeom>
+          <a:solidFill>
+            <a:schemeClr val="accent4">
+              <a:lumMod val="20000"/>
+              <a:lumOff val="80000"/>
+            </a:schemeClr>
+          </a:solidFill>
+          <a:ln w="12700"/>
+        </p:spPr>
+        <p:style>
+          <a:lnRef idx="2">
+            <a:schemeClr val="accent1">
+              <a:shade val="15000"/>
+            </a:schemeClr>
+          </a:lnRef>
+          <a:fillRef idx="1">
+            <a:schemeClr val="accent1"/>
+          </a:fillRef>
+          <a:effectRef idx="0">
+            <a:schemeClr val="accent1"/>
+          </a:effectRef>
+          <a:fontRef idx="minor">
+            <a:schemeClr val="lt1"/>
+          </a:fontRef>
+        </p:style>
+        <p:txBody>
+          <a:bodyPr rtlCol="0" anchor="ctr"/>
+          <a:lstStyle/>
+          <a:p>
+            <a:pPr algn="ctr"/>
+            <a:r>
+              <a:rPr kumimoji="1" lang="en-US" altLang="ko-KR" sz="1000">
+                <a:solidFill>
+                  <a:schemeClr val="tx1"/>
+                </a:solidFill>
+              </a:rPr>
+              <a:t>1G.5GB</a:t>
+            </a:r>
+            <a:endParaRPr kumimoji="1" lang="ko-KR" altLang="en-US" sz="1000">
+              <a:solidFill>
+                <a:schemeClr val="tx1"/>
+              </a:solidFill>
+            </a:endParaRPr>
+          </a:p>
+        </p:txBody>
+      </p:sp>
+      <p:sp>
+        <p:nvSpPr>
+          <p:cNvPr id="69" name="모서리가 둥근 직사각형 68">
+            <a:extLst>
+              <a:ext uri="{FF2B5EF4-FFF2-40B4-BE49-F238E27FC236}">
+                <a16:creationId xmlns:a16="http://schemas.microsoft.com/office/drawing/2014/main" id="{9F82AACB-5CE1-6FEC-328A-40CD58A76C61}"/>
+              </a:ext>
+            </a:extLst>
+          </p:cNvPr>
+          <p:cNvSpPr/>
+          <p:nvPr/>
+        </p:nvSpPr>
+        <p:spPr>
+          <a:xfrm>
+            <a:off x="4139951" y="3738280"/>
+            <a:ext cx="1008112" cy="201622"/>
+          </a:xfrm>
+          <a:prstGeom prst="roundRect">
+            <a:avLst>
+              <a:gd name="adj" fmla="val 0"/>
+            </a:avLst>
+          </a:prstGeom>
+          <a:solidFill>
+            <a:schemeClr val="accent4">
+              <a:lumMod val="20000"/>
+              <a:lumOff val="80000"/>
+            </a:schemeClr>
+          </a:solidFill>
+          <a:ln w="12700"/>
+        </p:spPr>
+        <p:style>
+          <a:lnRef idx="2">
+            <a:schemeClr val="accent1">
+              <a:shade val="15000"/>
+            </a:schemeClr>
+          </a:lnRef>
+          <a:fillRef idx="1">
+            <a:schemeClr val="accent1"/>
+          </a:fillRef>
+          <a:effectRef idx="0">
+            <a:schemeClr val="accent1"/>
+          </a:effectRef>
+          <a:fontRef idx="minor">
+            <a:schemeClr val="lt1"/>
+          </a:fontRef>
+        </p:style>
+        <p:txBody>
+          <a:bodyPr rtlCol="0" anchor="ctr"/>
+          <a:lstStyle/>
+          <a:p>
+            <a:pPr algn="ctr"/>
+            <a:r>
+              <a:rPr kumimoji="1" lang="en-US" altLang="ko-KR" sz="1000">
+                <a:solidFill>
+                  <a:schemeClr val="tx1"/>
+                </a:solidFill>
+              </a:rPr>
+              <a:t>1G.5GB</a:t>
+            </a:r>
+            <a:endParaRPr kumimoji="1" lang="ko-KR" altLang="en-US" sz="1000">
+              <a:solidFill>
+                <a:schemeClr val="tx1"/>
+              </a:solidFill>
+            </a:endParaRPr>
+          </a:p>
+        </p:txBody>
+      </p:sp>
+      <p:sp>
+        <p:nvSpPr>
+          <p:cNvPr id="70" name="모서리가 둥근 직사각형 69">
+            <a:extLst>
+              <a:ext uri="{FF2B5EF4-FFF2-40B4-BE49-F238E27FC236}">
+                <a16:creationId xmlns:a16="http://schemas.microsoft.com/office/drawing/2014/main" id="{F46B6577-0526-219F-954E-3FF5D244C773}"/>
+              </a:ext>
+            </a:extLst>
+          </p:cNvPr>
+          <p:cNvSpPr/>
+          <p:nvPr/>
+        </p:nvSpPr>
+        <p:spPr>
+          <a:xfrm>
+            <a:off x="7164288" y="3536658"/>
+            <a:ext cx="1008112" cy="201622"/>
+          </a:xfrm>
+          <a:prstGeom prst="roundRect">
+            <a:avLst>
+              <a:gd name="adj" fmla="val 0"/>
+            </a:avLst>
+          </a:prstGeom>
+          <a:solidFill>
+            <a:schemeClr val="accent4">
+              <a:lumMod val="20000"/>
+              <a:lumOff val="80000"/>
+            </a:schemeClr>
+          </a:solidFill>
+          <a:ln w="12700"/>
+        </p:spPr>
+        <p:style>
+          <a:lnRef idx="2">
+            <a:schemeClr val="accent1">
+              <a:shade val="15000"/>
+            </a:schemeClr>
+          </a:lnRef>
+          <a:fillRef idx="1">
+            <a:schemeClr val="accent1"/>
+          </a:fillRef>
+          <a:effectRef idx="0">
+            <a:schemeClr val="accent1"/>
+          </a:effectRef>
+          <a:fontRef idx="minor">
+            <a:schemeClr val="lt1"/>
+          </a:fontRef>
+        </p:style>
+        <p:txBody>
+          <a:bodyPr rtlCol="0" anchor="ctr"/>
+          <a:lstStyle/>
+          <a:p>
+            <a:pPr algn="ctr"/>
+            <a:r>
+              <a:rPr kumimoji="1" lang="en-US" altLang="ko-KR" sz="1000">
+                <a:solidFill>
+                  <a:schemeClr val="tx1"/>
+                </a:solidFill>
+              </a:rPr>
+              <a:t>1G.5GB</a:t>
+            </a:r>
+            <a:endParaRPr kumimoji="1" lang="ko-KR" altLang="en-US" sz="1000">
+              <a:solidFill>
+                <a:schemeClr val="tx1"/>
+              </a:solidFill>
+            </a:endParaRPr>
+          </a:p>
+        </p:txBody>
+      </p:sp>
+      <p:sp>
+        <p:nvSpPr>
+          <p:cNvPr id="71" name="모서리가 둥근 직사각형 70">
+            <a:extLst>
+              <a:ext uri="{FF2B5EF4-FFF2-40B4-BE49-F238E27FC236}">
+                <a16:creationId xmlns:a16="http://schemas.microsoft.com/office/drawing/2014/main" id="{C1AB98ED-0CA4-5E24-6931-BCD1BE5FBF86}"/>
+              </a:ext>
+            </a:extLst>
+          </p:cNvPr>
+          <p:cNvSpPr/>
+          <p:nvPr/>
+        </p:nvSpPr>
+        <p:spPr>
+          <a:xfrm>
+            <a:off x="7164288" y="3738280"/>
+            <a:ext cx="1008112" cy="201622"/>
+          </a:xfrm>
+          <a:prstGeom prst="roundRect">
+            <a:avLst>
+              <a:gd name="adj" fmla="val 0"/>
+            </a:avLst>
+          </a:prstGeom>
+          <a:solidFill>
+            <a:schemeClr val="accent4">
+              <a:lumMod val="20000"/>
+              <a:lumOff val="80000"/>
+            </a:schemeClr>
+          </a:solidFill>
+          <a:ln w="12700"/>
+        </p:spPr>
+        <p:style>
+          <a:lnRef idx="2">
+            <a:schemeClr val="accent1">
+              <a:shade val="15000"/>
+            </a:schemeClr>
+          </a:lnRef>
+          <a:fillRef idx="1">
+            <a:schemeClr val="accent1"/>
+          </a:fillRef>
+          <a:effectRef idx="0">
+            <a:schemeClr val="accent1"/>
+          </a:effectRef>
+          <a:fontRef idx="minor">
+            <a:schemeClr val="lt1"/>
+          </a:fontRef>
+        </p:style>
+        <p:txBody>
+          <a:bodyPr rtlCol="0" anchor="ctr"/>
+          <a:lstStyle/>
+          <a:p>
+            <a:pPr algn="ctr"/>
+            <a:r>
+              <a:rPr kumimoji="1" lang="en-US" altLang="ko-KR" sz="1000">
+                <a:solidFill>
+                  <a:schemeClr val="tx1"/>
+                </a:solidFill>
+              </a:rPr>
+              <a:t>1G.5GB</a:t>
+            </a:r>
+            <a:endParaRPr kumimoji="1" lang="ko-KR" altLang="en-US" sz="1000">
+              <a:solidFill>
+                <a:schemeClr val="tx1"/>
+              </a:solidFill>
+            </a:endParaRPr>
+          </a:p>
+        </p:txBody>
+      </p:sp>
+      <p:sp>
+        <p:nvSpPr>
+          <p:cNvPr id="72" name="모서리가 둥근 직사각형 71">
+            <a:extLst>
+              <a:ext uri="{FF2B5EF4-FFF2-40B4-BE49-F238E27FC236}">
+                <a16:creationId xmlns:a16="http://schemas.microsoft.com/office/drawing/2014/main" id="{F727C5E2-2C5F-D323-282F-82B89C07920A}"/>
+              </a:ext>
+            </a:extLst>
+          </p:cNvPr>
+          <p:cNvSpPr/>
+          <p:nvPr/>
+        </p:nvSpPr>
+        <p:spPr>
+          <a:xfrm>
+            <a:off x="6159475" y="3939902"/>
+            <a:ext cx="2016224" cy="201622"/>
+          </a:xfrm>
+          <a:prstGeom prst="roundRect">
+            <a:avLst>
+              <a:gd name="adj" fmla="val 0"/>
+            </a:avLst>
+          </a:prstGeom>
+          <a:solidFill>
+            <a:schemeClr val="accent2">
+              <a:lumMod val="20000"/>
+              <a:lumOff val="80000"/>
+            </a:schemeClr>
+          </a:solidFill>
+          <a:ln w="12700"/>
+        </p:spPr>
+        <p:style>
+          <a:lnRef idx="2">
+            <a:schemeClr val="accent1">
+              <a:shade val="15000"/>
+            </a:schemeClr>
+          </a:lnRef>
+          <a:fillRef idx="1">
+            <a:schemeClr val="accent1"/>
+          </a:fillRef>
+          <a:effectRef idx="0">
+            <a:schemeClr val="accent1"/>
+          </a:effectRef>
+          <a:fontRef idx="minor">
+            <a:schemeClr val="lt1"/>
+          </a:fontRef>
+        </p:style>
+        <p:txBody>
+          <a:bodyPr rtlCol="0" anchor="ctr"/>
+          <a:lstStyle/>
+          <a:p>
+            <a:pPr algn="ctr"/>
+            <a:r>
+              <a:rPr kumimoji="1" lang="en-US" altLang="ko-KR" sz="1000">
+                <a:solidFill>
+                  <a:schemeClr val="tx1"/>
+                </a:solidFill>
+              </a:rPr>
+              <a:t>2G.10GB</a:t>
+            </a:r>
+            <a:endParaRPr kumimoji="1" lang="ko-KR" altLang="en-US" sz="1000">
+              <a:solidFill>
+                <a:schemeClr val="tx1"/>
+              </a:solidFill>
+            </a:endParaRPr>
+          </a:p>
+        </p:txBody>
+      </p:sp>
+      <p:sp>
+        <p:nvSpPr>
+          <p:cNvPr id="73" name="모서리가 둥근 직사각형 72">
+            <a:extLst>
+              <a:ext uri="{FF2B5EF4-FFF2-40B4-BE49-F238E27FC236}">
+                <a16:creationId xmlns:a16="http://schemas.microsoft.com/office/drawing/2014/main" id="{660E3B85-F708-A308-4032-1A0F7F0E8BF0}"/>
+              </a:ext>
+            </a:extLst>
+          </p:cNvPr>
+          <p:cNvSpPr/>
+          <p:nvPr/>
+        </p:nvSpPr>
+        <p:spPr>
+          <a:xfrm>
+            <a:off x="5147158" y="3939902"/>
+            <a:ext cx="1008112" cy="201622"/>
+          </a:xfrm>
+          <a:prstGeom prst="roundRect">
+            <a:avLst>
+              <a:gd name="adj" fmla="val 0"/>
+            </a:avLst>
+          </a:prstGeom>
+          <a:solidFill>
+            <a:schemeClr val="accent4">
+              <a:lumMod val="20000"/>
+              <a:lumOff val="80000"/>
+            </a:schemeClr>
+          </a:solidFill>
+          <a:ln w="12700"/>
+        </p:spPr>
+        <p:style>
+          <a:lnRef idx="2">
+            <a:schemeClr val="accent1">
+              <a:shade val="15000"/>
+            </a:schemeClr>
+          </a:lnRef>
+          <a:fillRef idx="1">
+            <a:schemeClr val="accent1"/>
+          </a:fillRef>
+          <a:effectRef idx="0">
+            <a:schemeClr val="accent1"/>
+          </a:effectRef>
+          <a:fontRef idx="minor">
+            <a:schemeClr val="lt1"/>
+          </a:fontRef>
+        </p:style>
+        <p:txBody>
+          <a:bodyPr rtlCol="0" anchor="ctr"/>
+          <a:lstStyle/>
+          <a:p>
+            <a:pPr algn="ctr"/>
+            <a:r>
+              <a:rPr kumimoji="1" lang="en-US" altLang="ko-KR" sz="1000">
+                <a:solidFill>
+                  <a:schemeClr val="tx1"/>
+                </a:solidFill>
+              </a:rPr>
+              <a:t>1G.5GB</a:t>
+            </a:r>
+            <a:endParaRPr kumimoji="1" lang="ko-KR" altLang="en-US" sz="1000">
+              <a:solidFill>
+                <a:schemeClr val="tx1"/>
+              </a:solidFill>
+            </a:endParaRPr>
+          </a:p>
+        </p:txBody>
+      </p:sp>
+      <p:sp>
+        <p:nvSpPr>
+          <p:cNvPr id="74" name="모서리가 둥근 직사각형 73">
+            <a:extLst>
+              <a:ext uri="{FF2B5EF4-FFF2-40B4-BE49-F238E27FC236}">
+                <a16:creationId xmlns:a16="http://schemas.microsoft.com/office/drawing/2014/main" id="{61D39CA4-5809-8619-FE26-0774FD33C167}"/>
+              </a:ext>
+            </a:extLst>
+          </p:cNvPr>
+          <p:cNvSpPr/>
+          <p:nvPr/>
+        </p:nvSpPr>
+        <p:spPr>
+          <a:xfrm>
+            <a:off x="1115614" y="3939902"/>
+            <a:ext cx="1008112" cy="201622"/>
+          </a:xfrm>
+          <a:prstGeom prst="roundRect">
+            <a:avLst>
+              <a:gd name="adj" fmla="val 0"/>
+            </a:avLst>
+          </a:prstGeom>
+          <a:solidFill>
+            <a:schemeClr val="accent4">
+              <a:lumMod val="20000"/>
+              <a:lumOff val="80000"/>
+            </a:schemeClr>
+          </a:solidFill>
+          <a:ln w="12700"/>
+        </p:spPr>
+        <p:style>
+          <a:lnRef idx="2">
+            <a:schemeClr val="accent1">
+              <a:shade val="15000"/>
+            </a:schemeClr>
+          </a:lnRef>
+          <a:fillRef idx="1">
+            <a:schemeClr val="accent1"/>
+          </a:fillRef>
+          <a:effectRef idx="0">
+            <a:schemeClr val="accent1"/>
+          </a:effectRef>
+          <a:fontRef idx="minor">
+            <a:schemeClr val="lt1"/>
+          </a:fontRef>
+        </p:style>
+        <p:txBody>
+          <a:bodyPr rtlCol="0" anchor="ctr"/>
+          <a:lstStyle/>
+          <a:p>
+            <a:pPr algn="ctr"/>
+            <a:r>
+              <a:rPr kumimoji="1" lang="en-US" altLang="ko-KR" sz="1000">
+                <a:solidFill>
+                  <a:schemeClr val="tx1"/>
+                </a:solidFill>
+              </a:rPr>
+              <a:t>1G.5GB</a:t>
+            </a:r>
+            <a:endParaRPr kumimoji="1" lang="ko-KR" altLang="en-US" sz="1000">
+              <a:solidFill>
+                <a:schemeClr val="tx1"/>
+              </a:solidFill>
+            </a:endParaRPr>
+          </a:p>
+        </p:txBody>
+      </p:sp>
+      <p:sp>
+        <p:nvSpPr>
+          <p:cNvPr id="75" name="모서리가 둥근 직사각형 74">
+            <a:extLst>
+              <a:ext uri="{FF2B5EF4-FFF2-40B4-BE49-F238E27FC236}">
+                <a16:creationId xmlns:a16="http://schemas.microsoft.com/office/drawing/2014/main" id="{8E097CE6-AF87-56A9-3FB7-6856461F7E66}"/>
+              </a:ext>
+            </a:extLst>
+          </p:cNvPr>
+          <p:cNvSpPr/>
+          <p:nvPr/>
+        </p:nvSpPr>
+        <p:spPr>
+          <a:xfrm>
+            <a:off x="2123725" y="3939902"/>
+            <a:ext cx="1008112" cy="201622"/>
+          </a:xfrm>
+          <a:prstGeom prst="roundRect">
+            <a:avLst>
+              <a:gd name="adj" fmla="val 0"/>
+            </a:avLst>
+          </a:prstGeom>
+          <a:solidFill>
+            <a:schemeClr val="accent4">
+              <a:lumMod val="20000"/>
+              <a:lumOff val="80000"/>
+            </a:schemeClr>
+          </a:solidFill>
+          <a:ln w="12700"/>
+        </p:spPr>
+        <p:style>
+          <a:lnRef idx="2">
+            <a:schemeClr val="accent1">
+              <a:shade val="15000"/>
+            </a:schemeClr>
+          </a:lnRef>
+          <a:fillRef idx="1">
+            <a:schemeClr val="accent1"/>
+          </a:fillRef>
+          <a:effectRef idx="0">
+            <a:schemeClr val="accent1"/>
+          </a:effectRef>
+          <a:fontRef idx="minor">
+            <a:schemeClr val="lt1"/>
+          </a:fontRef>
+        </p:style>
+        <p:txBody>
+          <a:bodyPr rtlCol="0" anchor="ctr"/>
+          <a:lstStyle/>
+          <a:p>
+            <a:pPr algn="ctr"/>
+            <a:r>
+              <a:rPr kumimoji="1" lang="en-US" altLang="ko-KR" sz="1000">
+                <a:solidFill>
+                  <a:schemeClr val="tx1"/>
+                </a:solidFill>
+              </a:rPr>
+              <a:t>1G.5GB</a:t>
+            </a:r>
+            <a:endParaRPr kumimoji="1" lang="ko-KR" altLang="en-US" sz="1000">
+              <a:solidFill>
+                <a:schemeClr val="tx1"/>
+              </a:solidFill>
+            </a:endParaRPr>
+          </a:p>
+        </p:txBody>
+      </p:sp>
+      <p:sp>
+        <p:nvSpPr>
+          <p:cNvPr id="76" name="모서리가 둥근 직사각형 75">
+            <a:extLst>
+              <a:ext uri="{FF2B5EF4-FFF2-40B4-BE49-F238E27FC236}">
+                <a16:creationId xmlns:a16="http://schemas.microsoft.com/office/drawing/2014/main" id="{8DB0F560-95EF-F0DE-F695-1715A0ED01CA}"/>
+              </a:ext>
+            </a:extLst>
+          </p:cNvPr>
+          <p:cNvSpPr/>
+          <p:nvPr/>
+        </p:nvSpPr>
+        <p:spPr>
+          <a:xfrm>
+            <a:off x="3131840" y="3939902"/>
+            <a:ext cx="1008112" cy="201622"/>
+          </a:xfrm>
+          <a:prstGeom prst="roundRect">
+            <a:avLst>
+              <a:gd name="adj" fmla="val 0"/>
+            </a:avLst>
+          </a:prstGeom>
+          <a:solidFill>
+            <a:schemeClr val="accent4">
+              <a:lumMod val="20000"/>
+              <a:lumOff val="80000"/>
+            </a:schemeClr>
+          </a:solidFill>
+          <a:ln w="12700"/>
+        </p:spPr>
+        <p:style>
+          <a:lnRef idx="2">
+            <a:schemeClr val="accent1">
+              <a:shade val="15000"/>
+            </a:schemeClr>
+          </a:lnRef>
+          <a:fillRef idx="1">
+            <a:schemeClr val="accent1"/>
+          </a:fillRef>
+          <a:effectRef idx="0">
+            <a:schemeClr val="accent1"/>
+          </a:effectRef>
+          <a:fontRef idx="minor">
+            <a:schemeClr val="lt1"/>
+          </a:fontRef>
+        </p:style>
+        <p:txBody>
+          <a:bodyPr rtlCol="0" anchor="ctr"/>
+          <a:lstStyle/>
+          <a:p>
+            <a:pPr algn="ctr"/>
+            <a:r>
+              <a:rPr kumimoji="1" lang="en-US" altLang="ko-KR" sz="1000">
+                <a:solidFill>
+                  <a:schemeClr val="tx1"/>
+                </a:solidFill>
+              </a:rPr>
+              <a:t>1G.5GB</a:t>
+            </a:r>
+            <a:endParaRPr kumimoji="1" lang="ko-KR" altLang="en-US" sz="1000">
+              <a:solidFill>
+                <a:schemeClr val="tx1"/>
+              </a:solidFill>
+            </a:endParaRPr>
+          </a:p>
+        </p:txBody>
+      </p:sp>
+      <p:sp>
+        <p:nvSpPr>
+          <p:cNvPr id="77" name="모서리가 둥근 직사각형 76">
+            <a:extLst>
+              <a:ext uri="{FF2B5EF4-FFF2-40B4-BE49-F238E27FC236}">
+                <a16:creationId xmlns:a16="http://schemas.microsoft.com/office/drawing/2014/main" id="{88560FE6-7FA8-6171-DF16-2E6F350D8CB7}"/>
+              </a:ext>
+            </a:extLst>
+          </p:cNvPr>
+          <p:cNvSpPr/>
+          <p:nvPr/>
+        </p:nvSpPr>
+        <p:spPr>
+          <a:xfrm>
+            <a:off x="4139951" y="3939902"/>
+            <a:ext cx="1008112" cy="201622"/>
+          </a:xfrm>
+          <a:prstGeom prst="roundRect">
+            <a:avLst>
+              <a:gd name="adj" fmla="val 0"/>
+            </a:avLst>
+          </a:prstGeom>
+          <a:solidFill>
+            <a:schemeClr val="accent4">
+              <a:lumMod val="20000"/>
+              <a:lumOff val="80000"/>
+            </a:schemeClr>
+          </a:solidFill>
+          <a:ln w="12700"/>
+        </p:spPr>
+        <p:style>
+          <a:lnRef idx="2">
+            <a:schemeClr val="accent1">
+              <a:shade val="15000"/>
+            </a:schemeClr>
+          </a:lnRef>
+          <a:fillRef idx="1">
+            <a:schemeClr val="accent1"/>
+          </a:fillRef>
+          <a:effectRef idx="0">
+            <a:schemeClr val="accent1"/>
+          </a:effectRef>
+          <a:fontRef idx="minor">
+            <a:schemeClr val="lt1"/>
+          </a:fontRef>
+        </p:style>
+        <p:txBody>
+          <a:bodyPr rtlCol="0" anchor="ctr"/>
+          <a:lstStyle/>
+          <a:p>
+            <a:pPr algn="ctr"/>
+            <a:r>
+              <a:rPr kumimoji="1" lang="en-US" altLang="ko-KR" sz="1000">
+                <a:solidFill>
+                  <a:schemeClr val="tx1"/>
+                </a:solidFill>
+              </a:rPr>
+              <a:t>1G.5GB</a:t>
+            </a:r>
+            <a:endParaRPr kumimoji="1" lang="ko-KR" altLang="en-US" sz="1000">
+              <a:solidFill>
+                <a:schemeClr val="tx1"/>
+              </a:solidFill>
+            </a:endParaRPr>
+          </a:p>
+        </p:txBody>
+      </p:sp>
+      <p:sp>
+        <p:nvSpPr>
+          <p:cNvPr id="78" name="모서리가 둥근 직사각형 77">
+            <a:extLst>
+              <a:ext uri="{FF2B5EF4-FFF2-40B4-BE49-F238E27FC236}">
+                <a16:creationId xmlns:a16="http://schemas.microsoft.com/office/drawing/2014/main" id="{B7A57BE5-F203-764B-108A-1CD6FA330712}"/>
+              </a:ext>
+            </a:extLst>
+          </p:cNvPr>
+          <p:cNvSpPr/>
+          <p:nvPr/>
+        </p:nvSpPr>
+        <p:spPr>
+          <a:xfrm>
+            <a:off x="5147158" y="4141524"/>
+            <a:ext cx="1008112" cy="201622"/>
+          </a:xfrm>
+          <a:prstGeom prst="roundRect">
+            <a:avLst>
+              <a:gd name="adj" fmla="val 0"/>
+            </a:avLst>
+          </a:prstGeom>
+          <a:solidFill>
+            <a:schemeClr val="accent4">
+              <a:lumMod val="20000"/>
+              <a:lumOff val="80000"/>
+            </a:schemeClr>
+          </a:solidFill>
+          <a:ln w="12700"/>
+        </p:spPr>
+        <p:style>
+          <a:lnRef idx="2">
+            <a:schemeClr val="accent1">
+              <a:shade val="15000"/>
+            </a:schemeClr>
+          </a:lnRef>
+          <a:fillRef idx="1">
+            <a:schemeClr val="accent1"/>
+          </a:fillRef>
+          <a:effectRef idx="0">
+            <a:schemeClr val="accent1"/>
+          </a:effectRef>
+          <a:fontRef idx="minor">
+            <a:schemeClr val="lt1"/>
+          </a:fontRef>
+        </p:style>
+        <p:txBody>
+          <a:bodyPr rtlCol="0" anchor="ctr"/>
+          <a:lstStyle/>
+          <a:p>
+            <a:pPr algn="ctr"/>
+            <a:r>
+              <a:rPr kumimoji="1" lang="en-US" altLang="ko-KR" sz="1000">
+                <a:solidFill>
+                  <a:schemeClr val="tx1"/>
+                </a:solidFill>
+              </a:rPr>
+              <a:t>1G.5GB</a:t>
+            </a:r>
+            <a:endParaRPr kumimoji="1" lang="ko-KR" altLang="en-US" sz="1000">
+              <a:solidFill>
+                <a:schemeClr val="tx1"/>
+              </a:solidFill>
+            </a:endParaRPr>
+          </a:p>
+        </p:txBody>
+      </p:sp>
+      <p:sp>
+        <p:nvSpPr>
+          <p:cNvPr id="79" name="모서리가 둥근 직사각형 78">
+            <a:extLst>
+              <a:ext uri="{FF2B5EF4-FFF2-40B4-BE49-F238E27FC236}">
+                <a16:creationId xmlns:a16="http://schemas.microsoft.com/office/drawing/2014/main" id="{DDB6F9E9-FCC4-C6B9-CC34-873C6267079E}"/>
+              </a:ext>
+            </a:extLst>
+          </p:cNvPr>
+          <p:cNvSpPr/>
+          <p:nvPr/>
+        </p:nvSpPr>
+        <p:spPr>
+          <a:xfrm>
+            <a:off x="1115614" y="4141524"/>
+            <a:ext cx="1008112" cy="201622"/>
+          </a:xfrm>
+          <a:prstGeom prst="roundRect">
+            <a:avLst>
+              <a:gd name="adj" fmla="val 0"/>
+            </a:avLst>
+          </a:prstGeom>
+          <a:solidFill>
+            <a:schemeClr val="accent4">
+              <a:lumMod val="20000"/>
+              <a:lumOff val="80000"/>
+            </a:schemeClr>
+          </a:solidFill>
+          <a:ln w="12700"/>
+        </p:spPr>
+        <p:style>
+          <a:lnRef idx="2">
+            <a:schemeClr val="accent1">
+              <a:shade val="15000"/>
+            </a:schemeClr>
+          </a:lnRef>
+          <a:fillRef idx="1">
+            <a:schemeClr val="accent1"/>
+          </a:fillRef>
+          <a:effectRef idx="0">
+            <a:schemeClr val="accent1"/>
+          </a:effectRef>
+          <a:fontRef idx="minor">
+            <a:schemeClr val="lt1"/>
+          </a:fontRef>
+        </p:style>
+        <p:txBody>
+          <a:bodyPr rtlCol="0" anchor="ctr"/>
+          <a:lstStyle/>
+          <a:p>
+            <a:pPr algn="ctr"/>
+            <a:r>
+              <a:rPr kumimoji="1" lang="en-US" altLang="ko-KR" sz="1000">
+                <a:solidFill>
+                  <a:schemeClr val="tx1"/>
+                </a:solidFill>
+              </a:rPr>
+              <a:t>1G.5GB</a:t>
+            </a:r>
+            <a:endParaRPr kumimoji="1" lang="ko-KR" altLang="en-US" sz="1000">
+              <a:solidFill>
+                <a:schemeClr val="tx1"/>
+              </a:solidFill>
+            </a:endParaRPr>
+          </a:p>
+        </p:txBody>
+      </p:sp>
+      <p:sp>
+        <p:nvSpPr>
+          <p:cNvPr id="80" name="모서리가 둥근 직사각형 79">
+            <a:extLst>
+              <a:ext uri="{FF2B5EF4-FFF2-40B4-BE49-F238E27FC236}">
+                <a16:creationId xmlns:a16="http://schemas.microsoft.com/office/drawing/2014/main" id="{A34D4BA8-3C89-28FA-17A5-E66E251CB496}"/>
+              </a:ext>
+            </a:extLst>
+          </p:cNvPr>
+          <p:cNvSpPr/>
+          <p:nvPr/>
+        </p:nvSpPr>
+        <p:spPr>
+          <a:xfrm>
+            <a:off x="2123725" y="4141524"/>
+            <a:ext cx="1008112" cy="201622"/>
+          </a:xfrm>
+          <a:prstGeom prst="roundRect">
+            <a:avLst>
+              <a:gd name="adj" fmla="val 0"/>
+            </a:avLst>
+          </a:prstGeom>
+          <a:solidFill>
+            <a:schemeClr val="accent4">
+              <a:lumMod val="20000"/>
+              <a:lumOff val="80000"/>
+            </a:schemeClr>
+          </a:solidFill>
+          <a:ln w="12700"/>
+        </p:spPr>
+        <p:style>
+          <a:lnRef idx="2">
+            <a:schemeClr val="accent1">
+              <a:shade val="15000"/>
+            </a:schemeClr>
+          </a:lnRef>
+          <a:fillRef idx="1">
+            <a:schemeClr val="accent1"/>
+          </a:fillRef>
+          <a:effectRef idx="0">
+            <a:schemeClr val="accent1"/>
+          </a:effectRef>
+          <a:fontRef idx="minor">
+            <a:schemeClr val="lt1"/>
+          </a:fontRef>
+        </p:style>
+        <p:txBody>
+          <a:bodyPr rtlCol="0" anchor="ctr"/>
+          <a:lstStyle/>
+          <a:p>
+            <a:pPr algn="ctr"/>
+            <a:r>
+              <a:rPr kumimoji="1" lang="en-US" altLang="ko-KR" sz="1000">
+                <a:solidFill>
+                  <a:schemeClr val="tx1"/>
+                </a:solidFill>
+              </a:rPr>
+              <a:t>1G.5GB</a:t>
+            </a:r>
+            <a:endParaRPr kumimoji="1" lang="ko-KR" altLang="en-US" sz="1000">
+              <a:solidFill>
+                <a:schemeClr val="tx1"/>
+              </a:solidFill>
+            </a:endParaRPr>
+          </a:p>
+        </p:txBody>
+      </p:sp>
+      <p:sp>
+        <p:nvSpPr>
+          <p:cNvPr id="81" name="모서리가 둥근 직사각형 80">
+            <a:extLst>
+              <a:ext uri="{FF2B5EF4-FFF2-40B4-BE49-F238E27FC236}">
+                <a16:creationId xmlns:a16="http://schemas.microsoft.com/office/drawing/2014/main" id="{C1FBECC5-E73E-3C78-105F-E3680FBBA6C6}"/>
+              </a:ext>
+            </a:extLst>
+          </p:cNvPr>
+          <p:cNvSpPr/>
+          <p:nvPr/>
+        </p:nvSpPr>
+        <p:spPr>
+          <a:xfrm>
+            <a:off x="3131840" y="4141524"/>
+            <a:ext cx="1008112" cy="201622"/>
+          </a:xfrm>
+          <a:prstGeom prst="roundRect">
+            <a:avLst>
+              <a:gd name="adj" fmla="val 0"/>
+            </a:avLst>
+          </a:prstGeom>
+          <a:solidFill>
+            <a:schemeClr val="accent4">
+              <a:lumMod val="20000"/>
+              <a:lumOff val="80000"/>
+            </a:schemeClr>
+          </a:solidFill>
+          <a:ln w="12700"/>
+        </p:spPr>
+        <p:style>
+          <a:lnRef idx="2">
+            <a:schemeClr val="accent1">
+              <a:shade val="15000"/>
+            </a:schemeClr>
+          </a:lnRef>
+          <a:fillRef idx="1">
+            <a:schemeClr val="accent1"/>
+          </a:fillRef>
+          <a:effectRef idx="0">
+            <a:schemeClr val="accent1"/>
+          </a:effectRef>
+          <a:fontRef idx="minor">
+            <a:schemeClr val="lt1"/>
+          </a:fontRef>
+        </p:style>
+        <p:txBody>
+          <a:bodyPr rtlCol="0" anchor="ctr"/>
+          <a:lstStyle/>
+          <a:p>
+            <a:pPr algn="ctr"/>
+            <a:r>
+              <a:rPr kumimoji="1" lang="en-US" altLang="ko-KR" sz="1000">
+                <a:solidFill>
+                  <a:schemeClr val="tx1"/>
+                </a:solidFill>
+              </a:rPr>
+              <a:t>1G.5GB</a:t>
+            </a:r>
+            <a:endParaRPr kumimoji="1" lang="ko-KR" altLang="en-US" sz="1000">
+              <a:solidFill>
+                <a:schemeClr val="tx1"/>
+              </a:solidFill>
+            </a:endParaRPr>
+          </a:p>
+        </p:txBody>
+      </p:sp>
+      <p:sp>
+        <p:nvSpPr>
+          <p:cNvPr id="82" name="모서리가 둥근 직사각형 81">
+            <a:extLst>
+              <a:ext uri="{FF2B5EF4-FFF2-40B4-BE49-F238E27FC236}">
+                <a16:creationId xmlns:a16="http://schemas.microsoft.com/office/drawing/2014/main" id="{DF2409FB-EF02-B1ED-191A-CA7193945BD1}"/>
+              </a:ext>
+            </a:extLst>
+          </p:cNvPr>
+          <p:cNvSpPr/>
+          <p:nvPr/>
+        </p:nvSpPr>
+        <p:spPr>
+          <a:xfrm>
+            <a:off x="4139951" y="4141524"/>
+            <a:ext cx="1008112" cy="201622"/>
+          </a:xfrm>
+          <a:prstGeom prst="roundRect">
+            <a:avLst>
+              <a:gd name="adj" fmla="val 0"/>
+            </a:avLst>
+          </a:prstGeom>
+          <a:solidFill>
+            <a:schemeClr val="accent4">
+              <a:lumMod val="20000"/>
+              <a:lumOff val="80000"/>
+            </a:schemeClr>
+          </a:solidFill>
+          <a:ln w="12700"/>
+        </p:spPr>
+        <p:style>
+          <a:lnRef idx="2">
+            <a:schemeClr val="accent1">
+              <a:shade val="15000"/>
+            </a:schemeClr>
+          </a:lnRef>
+          <a:fillRef idx="1">
+            <a:schemeClr val="accent1"/>
+          </a:fillRef>
+          <a:effectRef idx="0">
+            <a:schemeClr val="accent1"/>
+          </a:effectRef>
+          <a:fontRef idx="minor">
+            <a:schemeClr val="lt1"/>
+          </a:fontRef>
+        </p:style>
+        <p:txBody>
+          <a:bodyPr rtlCol="0" anchor="ctr"/>
+          <a:lstStyle/>
+          <a:p>
+            <a:pPr algn="ctr"/>
+            <a:r>
+              <a:rPr kumimoji="1" lang="en-US" altLang="ko-KR" sz="1000">
+                <a:solidFill>
+                  <a:schemeClr val="tx1"/>
+                </a:solidFill>
+              </a:rPr>
+              <a:t>1G.5GB</a:t>
+            </a:r>
+            <a:endParaRPr kumimoji="1" lang="ko-KR" altLang="en-US" sz="1000">
+              <a:solidFill>
+                <a:schemeClr val="tx1"/>
+              </a:solidFill>
+            </a:endParaRPr>
+          </a:p>
+        </p:txBody>
+      </p:sp>
+      <p:sp>
+        <p:nvSpPr>
+          <p:cNvPr id="83" name="모서리가 둥근 직사각형 82">
+            <a:extLst>
+              <a:ext uri="{FF2B5EF4-FFF2-40B4-BE49-F238E27FC236}">
+                <a16:creationId xmlns:a16="http://schemas.microsoft.com/office/drawing/2014/main" id="{8B955F7B-E117-CC13-6554-8F69EEC5978B}"/>
+              </a:ext>
+            </a:extLst>
+          </p:cNvPr>
+          <p:cNvSpPr/>
+          <p:nvPr/>
+        </p:nvSpPr>
+        <p:spPr>
+          <a:xfrm>
+            <a:off x="6155269" y="4141524"/>
+            <a:ext cx="1008112" cy="201622"/>
+          </a:xfrm>
+          <a:prstGeom prst="roundRect">
+            <a:avLst>
+              <a:gd name="adj" fmla="val 0"/>
+            </a:avLst>
+          </a:prstGeom>
+          <a:solidFill>
+            <a:schemeClr val="accent4">
+              <a:lumMod val="20000"/>
+              <a:lumOff val="80000"/>
+            </a:schemeClr>
+          </a:solidFill>
+          <a:ln w="12700"/>
+        </p:spPr>
+        <p:style>
+          <a:lnRef idx="2">
+            <a:schemeClr val="accent1">
+              <a:shade val="15000"/>
+            </a:schemeClr>
+          </a:lnRef>
+          <a:fillRef idx="1">
+            <a:schemeClr val="accent1"/>
+          </a:fillRef>
+          <a:effectRef idx="0">
+            <a:schemeClr val="accent1"/>
+          </a:effectRef>
+          <a:fontRef idx="minor">
+            <a:schemeClr val="lt1"/>
+          </a:fontRef>
+        </p:style>
+        <p:txBody>
+          <a:bodyPr rtlCol="0" anchor="ctr"/>
+          <a:lstStyle/>
+          <a:p>
+            <a:pPr algn="ctr"/>
+            <a:r>
+              <a:rPr kumimoji="1" lang="en-US" altLang="ko-KR" sz="1000">
+                <a:solidFill>
+                  <a:schemeClr val="tx1"/>
+                </a:solidFill>
+              </a:rPr>
+              <a:t>1G.5GB</a:t>
+            </a:r>
+            <a:endParaRPr kumimoji="1" lang="ko-KR" altLang="en-US" sz="1000">
+              <a:solidFill>
+                <a:schemeClr val="tx1"/>
+              </a:solidFill>
+            </a:endParaRPr>
+          </a:p>
+        </p:txBody>
+      </p:sp>
+      <p:sp>
+        <p:nvSpPr>
+          <p:cNvPr id="84" name="모서리가 둥근 직사각형 83">
+            <a:extLst>
+              <a:ext uri="{FF2B5EF4-FFF2-40B4-BE49-F238E27FC236}">
+                <a16:creationId xmlns:a16="http://schemas.microsoft.com/office/drawing/2014/main" id="{9127C7C8-E3C2-9148-5811-C6732E418755}"/>
+              </a:ext>
+            </a:extLst>
+          </p:cNvPr>
+          <p:cNvSpPr/>
+          <p:nvPr/>
+        </p:nvSpPr>
+        <p:spPr>
+          <a:xfrm>
+            <a:off x="7164288" y="4141524"/>
+            <a:ext cx="1008112" cy="201622"/>
+          </a:xfrm>
+          <a:prstGeom prst="roundRect">
+            <a:avLst>
+              <a:gd name="adj" fmla="val 0"/>
+            </a:avLst>
+          </a:prstGeom>
+          <a:solidFill>
+            <a:schemeClr val="accent4">
+              <a:lumMod val="20000"/>
+              <a:lumOff val="80000"/>
+            </a:schemeClr>
+          </a:solidFill>
+          <a:ln w="12700"/>
+        </p:spPr>
+        <p:style>
+          <a:lnRef idx="2">
+            <a:schemeClr val="accent1">
+              <a:shade val="15000"/>
+            </a:schemeClr>
+          </a:lnRef>
+          <a:fillRef idx="1">
+            <a:schemeClr val="accent1"/>
+          </a:fillRef>
+          <a:effectRef idx="0">
+            <a:schemeClr val="accent1"/>
+          </a:effectRef>
+          <a:fontRef idx="minor">
+            <a:schemeClr val="lt1"/>
+          </a:fontRef>
+        </p:style>
+        <p:txBody>
+          <a:bodyPr rtlCol="0" anchor="ctr"/>
+          <a:lstStyle/>
+          <a:p>
+            <a:pPr algn="ctr"/>
+            <a:r>
+              <a:rPr kumimoji="1" lang="en-US" altLang="ko-KR" sz="1000">
+                <a:solidFill>
+                  <a:schemeClr val="tx1"/>
+                </a:solidFill>
+              </a:rPr>
+              <a:t>1G.5GB</a:t>
+            </a:r>
+            <a:endParaRPr kumimoji="1" lang="ko-KR" altLang="en-US" sz="1000">
+              <a:solidFill>
+                <a:schemeClr val="tx1"/>
+              </a:solidFill>
+            </a:endParaRPr>
+          </a:p>
+        </p:txBody>
+      </p:sp>
     </p:spTree>
     <p:extLst>
       <p:ext uri="{BB962C8B-B14F-4D97-AF65-F5344CB8AC3E}">

--- a/content/docs/theory-analysis/nvidia-gpu-sharing/images/images.pptx
+++ b/content/docs/theory-analysis/nvidia-gpu-sharing/images/images.pptx
@@ -233,7 +233,7 @@
           <a:p>
             <a:fld id="{6CD5550B-26C4-49A9-A5BA-636EF7BE6CE9}" type="datetimeFigureOut">
               <a:rPr lang="ko-KR" altLang="en-US" smtClean="0"/>
-              <a:t>2026. 2. 16.</a:t>
+              <a:t>2026. 2. 17.</a:t>
             </a:fld>
             <a:endParaRPr lang="ko-KR" altLang="en-US"/>
           </a:p>
@@ -847,7 +847,7 @@
           <a:p>
             <a:fld id="{FB30EDBD-1C2D-4C1E-B459-B60219FAB484}" type="datetimeFigureOut">
               <a:rPr lang="ko-KR" altLang="en-US" smtClean="0"/>
-              <a:t>2026. 2. 16.</a:t>
+              <a:t>2026. 2. 17.</a:t>
             </a:fld>
             <a:endParaRPr lang="ko-KR" altLang="en-US"/>
           </a:p>
@@ -1010,7 +1010,7 @@
           <a:p>
             <a:fld id="{FB30EDBD-1C2D-4C1E-B459-B60219FAB484}" type="datetimeFigureOut">
               <a:rPr lang="ko-KR" altLang="en-US" smtClean="0"/>
-              <a:t>2026. 2. 16.</a:t>
+              <a:t>2026. 2. 17.</a:t>
             </a:fld>
             <a:endParaRPr lang="ko-KR" altLang="en-US"/>
           </a:p>
@@ -1183,7 +1183,7 @@
           <a:p>
             <a:fld id="{FB30EDBD-1C2D-4C1E-B459-B60219FAB484}" type="datetimeFigureOut">
               <a:rPr lang="ko-KR" altLang="en-US" smtClean="0"/>
-              <a:t>2026. 2. 16.</a:t>
+              <a:t>2026. 2. 17.</a:t>
             </a:fld>
             <a:endParaRPr lang="ko-KR" altLang="en-US"/>
           </a:p>
@@ -1346,7 +1346,7 @@
           <a:p>
             <a:fld id="{FB30EDBD-1C2D-4C1E-B459-B60219FAB484}" type="datetimeFigureOut">
               <a:rPr lang="ko-KR" altLang="en-US" smtClean="0"/>
-              <a:t>2026. 2. 16.</a:t>
+              <a:t>2026. 2. 17.</a:t>
             </a:fld>
             <a:endParaRPr lang="ko-KR" altLang="en-US"/>
           </a:p>
@@ -1586,7 +1586,7 @@
           <a:p>
             <a:fld id="{FB30EDBD-1C2D-4C1E-B459-B60219FAB484}" type="datetimeFigureOut">
               <a:rPr lang="ko-KR" altLang="en-US" smtClean="0"/>
-              <a:t>2026. 2. 16.</a:t>
+              <a:t>2026. 2. 17.</a:t>
             </a:fld>
             <a:endParaRPr lang="ko-KR" altLang="en-US"/>
           </a:p>
@@ -1866,7 +1866,7 @@
           <a:p>
             <a:fld id="{FB30EDBD-1C2D-4C1E-B459-B60219FAB484}" type="datetimeFigureOut">
               <a:rPr lang="ko-KR" altLang="en-US" smtClean="0"/>
-              <a:t>2026. 2. 16.</a:t>
+              <a:t>2026. 2. 17.</a:t>
             </a:fld>
             <a:endParaRPr lang="ko-KR" altLang="en-US"/>
           </a:p>
@@ -2280,7 +2280,7 @@
           <a:p>
             <a:fld id="{FB30EDBD-1C2D-4C1E-B459-B60219FAB484}" type="datetimeFigureOut">
               <a:rPr lang="ko-KR" altLang="en-US" smtClean="0"/>
-              <a:t>2026. 2. 16.</a:t>
+              <a:t>2026. 2. 17.</a:t>
             </a:fld>
             <a:endParaRPr lang="ko-KR" altLang="en-US"/>
           </a:p>
@@ -2392,7 +2392,7 @@
           <a:p>
             <a:fld id="{FB30EDBD-1C2D-4C1E-B459-B60219FAB484}" type="datetimeFigureOut">
               <a:rPr lang="ko-KR" altLang="en-US" smtClean="0"/>
-              <a:t>2026. 2. 16.</a:t>
+              <a:t>2026. 2. 17.</a:t>
             </a:fld>
             <a:endParaRPr lang="ko-KR" altLang="en-US"/>
           </a:p>
@@ -2482,7 +2482,7 @@
           <a:p>
             <a:fld id="{FB30EDBD-1C2D-4C1E-B459-B60219FAB484}" type="datetimeFigureOut">
               <a:rPr lang="ko-KR" altLang="en-US" smtClean="0"/>
-              <a:t>2026. 2. 16.</a:t>
+              <a:t>2026. 2. 17.</a:t>
             </a:fld>
             <a:endParaRPr lang="ko-KR" altLang="en-US"/>
           </a:p>
@@ -2752,7 +2752,7 @@
           <a:p>
             <a:fld id="{FB30EDBD-1C2D-4C1E-B459-B60219FAB484}" type="datetimeFigureOut">
               <a:rPr lang="ko-KR" altLang="en-US" smtClean="0"/>
-              <a:t>2026. 2. 16.</a:t>
+              <a:t>2026. 2. 17.</a:t>
             </a:fld>
             <a:endParaRPr lang="ko-KR" altLang="en-US"/>
           </a:p>
@@ -2999,7 +2999,7 @@
           <a:p>
             <a:fld id="{FB30EDBD-1C2D-4C1E-B459-B60219FAB484}" type="datetimeFigureOut">
               <a:rPr lang="ko-KR" altLang="en-US" smtClean="0"/>
-              <a:t>2026. 2. 16.</a:t>
+              <a:t>2026. 2. 17.</a:t>
             </a:fld>
             <a:endParaRPr lang="ko-KR" altLang="en-US"/>
           </a:p>
@@ -3205,7 +3205,7 @@
           <a:p>
             <a:fld id="{FB30EDBD-1C2D-4C1E-B459-B60219FAB484}" type="datetimeFigureOut">
               <a:rPr lang="ko-KR" altLang="en-US" smtClean="0"/>
-              <a:t>2026. 2. 16.</a:t>
+              <a:t>2026. 2. 17.</a:t>
             </a:fld>
             <a:endParaRPr lang="ko-KR" altLang="en-US"/>
           </a:p>

--- a/content/docs/theory-analysis/nvidia-gpu-sharing/images/images.pptx
+++ b/content/docs/theory-analysis/nvidia-gpu-sharing/images/images.pptx
@@ -30408,7 +30408,7 @@
         </p:nvSpPr>
         <p:spPr>
           <a:xfrm>
-            <a:off x="585720" y="3597961"/>
+            <a:off x="681319" y="3597961"/>
             <a:ext cx="1012610" cy="529248"/>
           </a:xfrm>
           <a:prstGeom prst="roundRect">
@@ -30646,7 +30646,7 @@
         </p:nvSpPr>
         <p:spPr>
           <a:xfrm>
-            <a:off x="4048200" y="3597961"/>
+            <a:off x="3952601" y="3597961"/>
             <a:ext cx="1012610" cy="529248"/>
           </a:xfrm>
           <a:prstGeom prst="roundRect">
@@ -30926,8 +30926,8 @@
         </p:nvSpPr>
         <p:spPr>
           <a:xfrm>
-            <a:off x="525401" y="3342607"/>
-            <a:ext cx="4595728" cy="843864"/>
+            <a:off x="570474" y="3342607"/>
+            <a:ext cx="4505582" cy="843864"/>
           </a:xfrm>
           <a:prstGeom prst="roundRect">
             <a:avLst>
@@ -30964,7 +30964,7 @@
                   <a:schemeClr val="tx1"/>
                 </a:solidFill>
               </a:rPr>
-              <a:t>MPS</a:t>
+              <a:t>Shared MPS</a:t>
             </a:r>
             <a:r>
               <a:rPr kumimoji="1" lang="en-US" altLang="ko-KR" sz="900">
@@ -30994,14 +30994,13 @@
           <p:cNvCxnSpPr>
             <a:cxnSpLocks/>
             <a:stCxn id="40" idx="2"/>
-            <a:endCxn id="46" idx="0"/>
           </p:cNvCxnSpPr>
           <p:nvPr/>
         </p:nvCxnSpPr>
         <p:spPr>
-          <a:xfrm flipH="1">
-            <a:off x="2823265" y="1791533"/>
-            <a:ext cx="867145" cy="1551074"/>
+          <a:xfrm>
+            <a:off x="3690410" y="1791533"/>
+            <a:ext cx="0" cy="1560435"/>
           </a:xfrm>
           <a:prstGeom prst="straightConnector1">
             <a:avLst/>
@@ -31075,20 +31074,12 @@
           <a:p>
             <a:pPr algn="ctr"/>
             <a:r>
-              <a:rPr kumimoji="1" lang="en-US" altLang="ko-KR" sz="900" b="1" u="sng">
-                <a:solidFill>
-                  <a:schemeClr val="tx1"/>
-                </a:solidFill>
-              </a:rPr>
-              <a:t>Shared</a:t>
-            </a:r>
-            <a:r>
               <a:rPr kumimoji="1" lang="en-US" altLang="ko-KR" sz="900">
                 <a:solidFill>
                   <a:schemeClr val="tx1"/>
                 </a:solidFill>
               </a:rPr>
-              <a:t> Memory </a:t>
+              <a:t>Memory </a:t>
             </a:r>
             <a:endParaRPr kumimoji="1" lang="ko-KR" altLang="en-US" sz="900">
               <a:solidFill>
@@ -33590,8 +33581,8 @@
         </p:nvCxnSpPr>
         <p:spPr>
           <a:xfrm flipH="1">
-            <a:off x="2823265" y="1856566"/>
-            <a:ext cx="3049" cy="1486795"/>
+            <a:off x="2823680" y="1856566"/>
+            <a:ext cx="2634" cy="1486795"/>
           </a:xfrm>
           <a:prstGeom prst="straightConnector1">
             <a:avLst/>
@@ -33898,6 +33889,22 @@
           <a:p>
             <a:pPr algn="ctr"/>
             <a:r>
+              <a:rPr kumimoji="1" lang="en-US" altLang="ko-KR" sz="900" b="1" u="sng">
+                <a:solidFill>
+                  <a:schemeClr val="tx1"/>
+                </a:solidFill>
+              </a:rPr>
+              <a:t>Isolated</a:t>
+            </a:r>
+            <a:endParaRPr kumimoji="1" lang="en-US" altLang="ko-KR" sz="900">
+              <a:solidFill>
+                <a:schemeClr val="tx1"/>
+              </a:solidFill>
+            </a:endParaRPr>
+          </a:p>
+          <a:p>
+            <a:pPr algn="ctr"/>
+            <a:r>
               <a:rPr kumimoji="1" lang="en-US" altLang="ko-KR" sz="900">
                 <a:solidFill>
                   <a:schemeClr val="tx1"/>
@@ -33940,7 +33947,7 @@
         </p:nvSpPr>
         <p:spPr>
           <a:xfrm>
-            <a:off x="2301713" y="3343361"/>
+            <a:off x="2302128" y="3343361"/>
             <a:ext cx="1043104" cy="691524"/>
           </a:xfrm>
           <a:prstGeom prst="roundRect">
@@ -33978,6 +33985,22 @@
           <a:p>
             <a:pPr algn="ctr"/>
             <a:r>
+              <a:rPr kumimoji="1" lang="en-US" altLang="ko-KR" sz="900" b="1" u="sng">
+                <a:solidFill>
+                  <a:schemeClr val="tx1"/>
+                </a:solidFill>
+              </a:rPr>
+              <a:t>Isolated</a:t>
+            </a:r>
+            <a:endParaRPr kumimoji="1" lang="en-US" altLang="ko-KR" sz="900">
+              <a:solidFill>
+                <a:schemeClr val="tx1"/>
+              </a:solidFill>
+            </a:endParaRPr>
+          </a:p>
+          <a:p>
+            <a:pPr algn="ctr"/>
+            <a:r>
               <a:rPr kumimoji="1" lang="en-US" altLang="ko-KR" sz="900">
                 <a:solidFill>
                   <a:schemeClr val="tx1"/>
@@ -34058,6 +34081,22 @@
           <a:p>
             <a:pPr algn="ctr"/>
             <a:r>
+              <a:rPr kumimoji="1" lang="en-US" altLang="ko-KR" sz="900" b="1" u="sng">
+                <a:solidFill>
+                  <a:schemeClr val="tx1"/>
+                </a:solidFill>
+              </a:rPr>
+              <a:t>Isolated</a:t>
+            </a:r>
+            <a:endParaRPr kumimoji="1" lang="en-US" altLang="ko-KR" sz="900">
+              <a:solidFill>
+                <a:schemeClr val="tx1"/>
+              </a:solidFill>
+            </a:endParaRPr>
+          </a:p>
+          <a:p>
+            <a:pPr algn="ctr"/>
+            <a:r>
               <a:rPr kumimoji="1" lang="en-US" altLang="ko-KR" sz="900">
                 <a:solidFill>
                   <a:schemeClr val="tx1"/>
@@ -34133,20 +34172,12 @@
           <a:p>
             <a:pPr algn="ctr"/>
             <a:r>
-              <a:rPr kumimoji="1" lang="en-US" altLang="ko-KR" sz="900" b="1" u="sng">
-                <a:solidFill>
-                  <a:schemeClr val="tx1"/>
-                </a:solidFill>
-              </a:rPr>
-              <a:t>Isolated</a:t>
-            </a:r>
-            <a:r>
               <a:rPr kumimoji="1" lang="en-US" altLang="ko-KR" sz="900">
                 <a:solidFill>
                   <a:schemeClr val="tx1"/>
                 </a:solidFill>
               </a:rPr>
-              <a:t> Memory </a:t>
+              <a:t>Memory </a:t>
             </a:r>
             <a:endParaRPr kumimoji="1" lang="ko-KR" altLang="en-US" sz="900">
               <a:solidFill>
@@ -35883,20 +35914,18 @@
           </p:cNvPr>
           <p:cNvCxnSpPr>
             <a:cxnSpLocks/>
-            <a:stCxn id="107" idx="0"/>
-            <a:endCxn id="21" idx="2"/>
           </p:cNvCxnSpPr>
           <p:nvPr/>
         </p:nvCxnSpPr>
         <p:spPr>
-          <a:xfrm flipH="1" flipV="1">
-            <a:off x="4608004" y="918416"/>
-            <a:ext cx="544159" cy="2580439"/>
+          <a:xfrm flipV="1">
+            <a:off x="6152078" y="918416"/>
+            <a:ext cx="0" cy="2580439"/>
           </a:xfrm>
           <a:prstGeom prst="straightConnector1">
             <a:avLst/>
           </a:prstGeom>
-          <a:ln>
+          <a:ln w="12700">
             <a:solidFill>
               <a:schemeClr val="tx1"/>
             </a:solidFill>
@@ -36121,20 +36150,18 @@
           </p:cNvPr>
           <p:cNvCxnSpPr>
             <a:cxnSpLocks/>
-            <a:stCxn id="108" idx="0"/>
-            <a:endCxn id="35" idx="2"/>
           </p:cNvCxnSpPr>
           <p:nvPr/>
         </p:nvCxnSpPr>
         <p:spPr>
-          <a:xfrm flipH="1" flipV="1">
-            <a:off x="4608004" y="1897514"/>
-            <a:ext cx="544158" cy="2152067"/>
+          <a:xfrm flipV="1">
+            <a:off x="5936054" y="1897514"/>
+            <a:ext cx="0" cy="2152067"/>
           </a:xfrm>
           <a:prstGeom prst="straightConnector1">
             <a:avLst/>
           </a:prstGeom>
-          <a:ln>
+          <a:ln w="12700">
             <a:solidFill>
               <a:schemeClr val="tx1"/>
             </a:solidFill>
@@ -36167,20 +36194,18 @@
           </p:cNvPr>
           <p:cNvCxnSpPr>
             <a:cxnSpLocks/>
-            <a:stCxn id="109" idx="0"/>
-            <a:endCxn id="39" idx="2"/>
           </p:cNvCxnSpPr>
           <p:nvPr/>
         </p:nvCxnSpPr>
         <p:spPr>
           <a:xfrm flipH="1" flipV="1">
-            <a:off x="4608004" y="2874654"/>
-            <a:ext cx="544159" cy="1731829"/>
+            <a:off x="5724128" y="2874654"/>
+            <a:ext cx="1" cy="1731829"/>
           </a:xfrm>
           <a:prstGeom prst="straightConnector1">
             <a:avLst/>
           </a:prstGeom>
-          <a:ln>
+          <a:ln w="12700">
             <a:solidFill>
               <a:schemeClr val="tx1"/>
             </a:solidFill>
@@ -36635,8 +36660,8 @@
         </p:nvSpPr>
         <p:spPr>
           <a:xfrm>
-            <a:off x="323528" y="1347614"/>
-            <a:ext cx="5005573" cy="3600400"/>
+            <a:off x="323528" y="1458996"/>
+            <a:ext cx="5005573" cy="3495751"/>
           </a:xfrm>
           <a:prstGeom prst="roundRect">
             <a:avLst>
@@ -36828,14 +36853,12 @@
           </p:cNvPr>
           <p:cNvCxnSpPr>
             <a:cxnSpLocks/>
-            <a:stCxn id="4" idx="2"/>
-            <a:endCxn id="21" idx="0"/>
           </p:cNvCxnSpPr>
           <p:nvPr/>
         </p:nvCxnSpPr>
         <p:spPr>
           <a:xfrm>
-            <a:off x="1092025" y="1170964"/>
+            <a:off x="1449489" y="1170964"/>
             <a:ext cx="0" cy="1920831"/>
           </a:xfrm>
           <a:prstGeom prst="straightConnector1">
@@ -36874,14 +36897,12 @@
           </p:cNvPr>
           <p:cNvCxnSpPr>
             <a:cxnSpLocks/>
-            <a:stCxn id="8" idx="2"/>
-            <a:endCxn id="24" idx="0"/>
           </p:cNvCxnSpPr>
           <p:nvPr/>
         </p:nvCxnSpPr>
         <p:spPr>
           <a:xfrm flipH="1">
-            <a:off x="2823265" y="1170964"/>
+            <a:off x="3180729" y="1170964"/>
             <a:ext cx="3049" cy="1920831"/>
           </a:xfrm>
           <a:prstGeom prst="straightConnector1">
@@ -36920,14 +36941,12 @@
           </p:cNvPr>
           <p:cNvCxnSpPr>
             <a:cxnSpLocks/>
-            <a:stCxn id="9" idx="2"/>
-            <a:endCxn id="25" idx="0"/>
           </p:cNvCxnSpPr>
           <p:nvPr/>
         </p:nvCxnSpPr>
         <p:spPr>
           <a:xfrm flipH="1">
-            <a:off x="4554505" y="1170964"/>
+            <a:off x="4911969" y="1170964"/>
             <a:ext cx="1" cy="1920831"/>
           </a:xfrm>
           <a:prstGeom prst="straightConnector1">
@@ -36969,12 +36988,12 @@
         </p:nvSpPr>
         <p:spPr>
           <a:xfrm>
-            <a:off x="570473" y="3091795"/>
-            <a:ext cx="1043104" cy="606973"/>
+            <a:off x="573523" y="2963887"/>
+            <a:ext cx="1037004" cy="606973"/>
           </a:xfrm>
           <a:prstGeom prst="roundRect">
             <a:avLst>
-              <a:gd name="adj" fmla="val 6582"/>
+              <a:gd name="adj" fmla="val 9804"/>
             </a:avLst>
           </a:prstGeom>
           <a:solidFill>
@@ -37020,16 +37039,27 @@
                   <a:schemeClr val="tx1"/>
                 </a:solidFill>
               </a:rPr>
-              <a:t> App A</a:t>
-            </a:r>
-            <a:endParaRPr kumimoji="1" lang="en-US" altLang="ko-KR" sz="900" b="1" u="sng">
-              <a:solidFill>
-                <a:schemeClr val="tx1"/>
-              </a:solidFill>
-            </a:endParaRPr>
+              <a:t> </a:t>
+            </a:r>
           </a:p>
           <a:p>
             <a:pPr algn="ctr"/>
+            <a:r>
+              <a:rPr kumimoji="1" lang="en-US" altLang="ko-KR" sz="900">
+                <a:solidFill>
+                  <a:schemeClr val="tx1"/>
+                </a:solidFill>
+              </a:rPr>
+              <a:t>App A</a:t>
+            </a:r>
+            <a:r>
+              <a:rPr kumimoji="1" lang="en-US" altLang="ko-KR" sz="900" b="1">
+                <a:solidFill>
+                  <a:schemeClr val="tx1"/>
+                </a:solidFill>
+              </a:rPr>
+              <a:t> </a:t>
+            </a:r>
             <a:r>
               <a:rPr kumimoji="1" lang="en-US" altLang="ko-KR" sz="900">
                 <a:solidFill>
@@ -37081,8 +37111,8 @@
         </p:nvSpPr>
         <p:spPr>
           <a:xfrm>
-            <a:off x="2301713" y="3091795"/>
-            <a:ext cx="1043104" cy="606973"/>
+            <a:off x="2304763" y="2963887"/>
+            <a:ext cx="1037004" cy="606973"/>
           </a:xfrm>
           <a:prstGeom prst="roundRect">
             <a:avLst>
@@ -37124,7 +37154,7 @@
                   <a:schemeClr val="tx1"/>
                 </a:solidFill>
               </a:rPr>
-              <a:t>Isolated</a:t>
+              <a:t>Shared</a:t>
             </a:r>
             <a:r>
               <a:rPr kumimoji="1" lang="en-US" altLang="ko-KR" sz="900">
@@ -37132,16 +37162,27 @@
                   <a:schemeClr val="tx1"/>
                 </a:solidFill>
               </a:rPr>
-              <a:t> App B</a:t>
-            </a:r>
-            <a:endParaRPr kumimoji="1" lang="en-US" altLang="ko-KR" sz="900" b="1" u="sng">
-              <a:solidFill>
-                <a:schemeClr val="tx1"/>
-              </a:solidFill>
-            </a:endParaRPr>
+              <a:t> </a:t>
+            </a:r>
           </a:p>
           <a:p>
             <a:pPr algn="ctr"/>
+            <a:r>
+              <a:rPr kumimoji="1" lang="en-US" altLang="ko-KR" sz="900">
+                <a:solidFill>
+                  <a:schemeClr val="tx1"/>
+                </a:solidFill>
+              </a:rPr>
+              <a:t>App B</a:t>
+            </a:r>
+            <a:r>
+              <a:rPr kumimoji="1" lang="en-US" altLang="ko-KR" sz="900" b="1">
+                <a:solidFill>
+                  <a:schemeClr val="tx1"/>
+                </a:solidFill>
+              </a:rPr>
+              <a:t> </a:t>
+            </a:r>
             <a:r>
               <a:rPr kumimoji="1" lang="en-US" altLang="ko-KR" sz="900">
                 <a:solidFill>
@@ -37185,8 +37226,8 @@
         </p:nvSpPr>
         <p:spPr>
           <a:xfrm>
-            <a:off x="4032953" y="3091795"/>
-            <a:ext cx="1043104" cy="606973"/>
+            <a:off x="4036003" y="2963887"/>
+            <a:ext cx="1037004" cy="606973"/>
           </a:xfrm>
           <a:prstGeom prst="roundRect">
             <a:avLst>
@@ -37228,7 +37269,7 @@
                   <a:schemeClr val="tx1"/>
                 </a:solidFill>
               </a:rPr>
-              <a:t>Isolated</a:t>
+              <a:t>Shared</a:t>
             </a:r>
             <a:r>
               <a:rPr kumimoji="1" lang="en-US" altLang="ko-KR" sz="900">
@@ -37236,16 +37277,27 @@
                   <a:schemeClr val="tx1"/>
                 </a:solidFill>
               </a:rPr>
-              <a:t> App C</a:t>
-            </a:r>
-            <a:endParaRPr kumimoji="1" lang="en-US" altLang="ko-KR" sz="900" b="1" u="sng">
-              <a:solidFill>
-                <a:schemeClr val="tx1"/>
-              </a:solidFill>
-            </a:endParaRPr>
+              <a:t> </a:t>
+            </a:r>
           </a:p>
           <a:p>
             <a:pPr algn="ctr"/>
+            <a:r>
+              <a:rPr kumimoji="1" lang="en-US" altLang="ko-KR" sz="900">
+                <a:solidFill>
+                  <a:schemeClr val="tx1"/>
+                </a:solidFill>
+              </a:rPr>
+              <a:t>App C</a:t>
+            </a:r>
+            <a:r>
+              <a:rPr kumimoji="1" lang="en-US" altLang="ko-KR" sz="900" b="1">
+                <a:solidFill>
+                  <a:schemeClr val="tx1"/>
+                </a:solidFill>
+              </a:rPr>
+              <a:t> </a:t>
+            </a:r>
             <a:r>
               <a:rPr kumimoji="1" lang="en-US" altLang="ko-KR" sz="900">
                 <a:solidFill>
@@ -37290,8 +37342,8 @@
         </p:nvSpPr>
         <p:spPr>
           <a:xfrm>
-            <a:off x="453893" y="1539365"/>
-            <a:ext cx="1288460" cy="2976602"/>
+            <a:off x="449865" y="1617783"/>
+            <a:ext cx="1278220" cy="3009566"/>
           </a:xfrm>
           <a:prstGeom prst="roundRect">
             <a:avLst>
@@ -37328,7 +37380,18 @@
                   <a:schemeClr val="tx1"/>
                 </a:solidFill>
               </a:rPr>
-              <a:t>MIG A</a:t>
+              <a:t>MIG </a:t>
+            </a:r>
+          </a:p>
+          <a:p>
+            <a:pPr algn="ctr"/>
+            <a:r>
+              <a:rPr kumimoji="1" lang="en-US" altLang="ko-KR" sz="1000" b="1">
+                <a:solidFill>
+                  <a:schemeClr val="tx1"/>
+                </a:solidFill>
+              </a:rPr>
+              <a:t>GPU Instance</a:t>
             </a:r>
             <a:endParaRPr kumimoji="1" lang="ko-KR" altLang="en-US" sz="1000" b="1">
               <a:solidFill>
@@ -37352,12 +37415,12 @@
         </p:nvSpPr>
         <p:spPr>
           <a:xfrm>
-            <a:off x="2175987" y="1539365"/>
-            <a:ext cx="3016650" cy="2976602"/>
+            <a:off x="2175987" y="1603013"/>
+            <a:ext cx="3016650" cy="3009234"/>
           </a:xfrm>
           <a:prstGeom prst="roundRect">
             <a:avLst>
-              <a:gd name="adj" fmla="val 5635"/>
+              <a:gd name="adj" fmla="val 4717"/>
             </a:avLst>
           </a:prstGeom>
           <a:noFill/>
@@ -37390,7 +37453,18 @@
                   <a:schemeClr val="tx1"/>
                 </a:solidFill>
               </a:rPr>
-              <a:t>MIG B</a:t>
+              <a:t>MIG </a:t>
+            </a:r>
+          </a:p>
+          <a:p>
+            <a:pPr algn="ctr"/>
+            <a:r>
+              <a:rPr kumimoji="1" lang="en-US" altLang="ko-KR" sz="1000" b="1">
+                <a:solidFill>
+                  <a:schemeClr val="tx1"/>
+                </a:solidFill>
+              </a:rPr>
+              <a:t>GPU Instance</a:t>
             </a:r>
             <a:endParaRPr kumimoji="1" lang="ko-KR" altLang="en-US" sz="1000" b="1">
               <a:solidFill>
@@ -37414,8 +37488,8 @@
         </p:nvSpPr>
         <p:spPr>
           <a:xfrm>
-            <a:off x="570473" y="1711830"/>
-            <a:ext cx="1043104" cy="689111"/>
+            <a:off x="508543" y="1675020"/>
+            <a:ext cx="1160864" cy="848329"/>
           </a:xfrm>
           <a:prstGeom prst="roundRect">
             <a:avLst>
@@ -37442,6 +37516,62 @@
           </a:fontRef>
         </p:style>
         <p:txBody>
+          <a:bodyPr rtlCol="0" anchor="t"/>
+          <a:lstStyle/>
+          <a:p>
+            <a:r>
+              <a:rPr kumimoji="1" lang="en-US" altLang="ko-KR" sz="900" b="1">
+                <a:solidFill>
+                  <a:schemeClr val="tx1"/>
+                </a:solidFill>
+              </a:rPr>
+              <a:t>MIG Compute Instance</a:t>
+            </a:r>
+          </a:p>
+        </p:txBody>
+      </p:sp>
+      <p:sp>
+        <p:nvSpPr>
+          <p:cNvPr id="38" name="모서리가 둥근 직사각형 37">
+            <a:extLst>
+              <a:ext uri="{FF2B5EF4-FFF2-40B4-BE49-F238E27FC236}">
+                <a16:creationId xmlns:a16="http://schemas.microsoft.com/office/drawing/2014/main" id="{72BCA8EF-7DE9-4AD3-3EFD-55CA75BE0B57}"/>
+              </a:ext>
+            </a:extLst>
+          </p:cNvPr>
+          <p:cNvSpPr/>
+          <p:nvPr/>
+        </p:nvSpPr>
+        <p:spPr>
+          <a:xfrm>
+            <a:off x="2301712" y="3820154"/>
+            <a:ext cx="2774345" cy="288032"/>
+          </a:xfrm>
+          <a:prstGeom prst="roundRect">
+            <a:avLst>
+              <a:gd name="adj" fmla="val 15432"/>
+            </a:avLst>
+          </a:prstGeom>
+          <a:noFill/>
+          <a:ln w="12700"/>
+        </p:spPr>
+        <p:style>
+          <a:lnRef idx="2">
+            <a:schemeClr val="accent1">
+              <a:shade val="15000"/>
+            </a:schemeClr>
+          </a:lnRef>
+          <a:fillRef idx="1">
+            <a:schemeClr val="accent1"/>
+          </a:fillRef>
+          <a:effectRef idx="0">
+            <a:schemeClr val="accent1"/>
+          </a:effectRef>
+          <a:fontRef idx="minor">
+            <a:schemeClr val="lt1"/>
+          </a:fontRef>
+        </p:style>
+        <p:txBody>
           <a:bodyPr rtlCol="0" anchor="ctr"/>
           <a:lstStyle/>
           <a:p>
@@ -37452,7 +37582,7 @@
                   <a:schemeClr val="tx1"/>
                 </a:solidFill>
               </a:rPr>
-              <a:t>Isolated</a:t>
+              <a:t>Shared</a:t>
             </a:r>
             <a:r>
               <a:rPr kumimoji="1" lang="en-US" altLang="ko-KR" sz="900">
@@ -37460,7 +37590,7 @@
                   <a:schemeClr val="tx1"/>
                 </a:solidFill>
               </a:rPr>
-              <a:t> SM</a:t>
+              <a:t> GPU Context</a:t>
             </a:r>
             <a:endParaRPr kumimoji="1" lang="ko-KR" altLang="en-US" sz="900">
               <a:solidFill>
@@ -37472,10 +37602,10 @@
       </p:sp>
       <p:sp>
         <p:nvSpPr>
-          <p:cNvPr id="34" name="모서리가 둥근 직사각형 33">
-            <a:extLst>
-              <a:ext uri="{FF2B5EF4-FFF2-40B4-BE49-F238E27FC236}">
-                <a16:creationId xmlns:a16="http://schemas.microsoft.com/office/drawing/2014/main" id="{7A052D01-4B83-294F-4C26-5B817BEE39F7}"/>
+          <p:cNvPr id="10" name="모서리가 둥근 직사각형 9">
+            <a:extLst>
+              <a:ext uri="{FF2B5EF4-FFF2-40B4-BE49-F238E27FC236}">
+                <a16:creationId xmlns:a16="http://schemas.microsoft.com/office/drawing/2014/main" id="{9DBA40F5-1B3D-E92E-8087-BE1F8133D91B}"/>
               </a:ext>
             </a:extLst>
           </p:cNvPr>
@@ -37484,12 +37614,12 @@
         </p:nvSpPr>
         <p:spPr>
           <a:xfrm>
-            <a:off x="570473" y="3929671"/>
-            <a:ext cx="1043104" cy="288032"/>
+            <a:off x="656932" y="2101465"/>
+            <a:ext cx="870186" cy="346620"/>
           </a:xfrm>
           <a:prstGeom prst="roundRect">
             <a:avLst>
-              <a:gd name="adj" fmla="val 15432"/>
+              <a:gd name="adj" fmla="val 13713"/>
             </a:avLst>
           </a:prstGeom>
           <a:noFill/>
@@ -37525,23 +37655,20 @@
               <a:t>Isolated</a:t>
             </a:r>
             <a:r>
+              <a:rPr kumimoji="1" lang="en-US" altLang="ko-KR" sz="900" b="1">
+                <a:solidFill>
+                  <a:schemeClr val="tx1"/>
+                </a:solidFill>
+              </a:rPr>
+              <a:t> </a:t>
+            </a:r>
+            <a:r>
               <a:rPr kumimoji="1" lang="en-US" altLang="ko-KR" sz="900">
                 <a:solidFill>
                   <a:schemeClr val="tx1"/>
                 </a:solidFill>
               </a:rPr>
-              <a:t> </a:t>
-            </a:r>
-          </a:p>
-          <a:p>
-            <a:pPr algn="ctr"/>
-            <a:r>
-              <a:rPr kumimoji="1" lang="en-US" altLang="ko-KR" sz="900">
-                <a:solidFill>
-                  <a:schemeClr val="tx1"/>
-                </a:solidFill>
-              </a:rPr>
-              <a:t>GPU Context</a:t>
+              <a:t>SM</a:t>
             </a:r>
             <a:endParaRPr kumimoji="1" lang="ko-KR" altLang="en-US" sz="900">
               <a:solidFill>
@@ -37553,10 +37680,10 @@
       </p:sp>
       <p:sp>
         <p:nvSpPr>
-          <p:cNvPr id="37" name="모서리가 둥근 직사각형 36">
-            <a:extLst>
-              <a:ext uri="{FF2B5EF4-FFF2-40B4-BE49-F238E27FC236}">
-                <a16:creationId xmlns:a16="http://schemas.microsoft.com/office/drawing/2014/main" id="{343DE668-DF29-BC5E-71C9-BA3D403A9042}"/>
+          <p:cNvPr id="17" name="모서리가 둥근 직사각형 16">
+            <a:extLst>
+              <a:ext uri="{FF2B5EF4-FFF2-40B4-BE49-F238E27FC236}">
+                <a16:creationId xmlns:a16="http://schemas.microsoft.com/office/drawing/2014/main" id="{CF900778-0EED-40F4-CD0D-37E04CF0D918}"/>
               </a:ext>
             </a:extLst>
           </p:cNvPr>
@@ -37565,12 +37692,12 @@
         </p:nvSpPr>
         <p:spPr>
           <a:xfrm>
-            <a:off x="2301713" y="1711830"/>
-            <a:ext cx="1043104" cy="689111"/>
+            <a:off x="508543" y="2699122"/>
+            <a:ext cx="1160864" cy="944643"/>
           </a:xfrm>
           <a:prstGeom prst="roundRect">
             <a:avLst>
-              <a:gd name="adj" fmla="val 8070"/>
+              <a:gd name="adj" fmla="val 7307"/>
             </a:avLst>
           </a:prstGeom>
           <a:noFill/>
@@ -37593,25 +37720,17 @@
           </a:fontRef>
         </p:style>
         <p:txBody>
-          <a:bodyPr rtlCol="0" anchor="ctr"/>
+          <a:bodyPr rtlCol="0" anchor="t"/>
           <a:lstStyle/>
           <a:p>
             <a:pPr algn="ctr"/>
             <a:r>
-              <a:rPr kumimoji="1" lang="en-US" altLang="ko-KR" sz="900" b="1" u="sng">
-                <a:solidFill>
-                  <a:schemeClr val="tx1"/>
-                </a:solidFill>
-              </a:rPr>
-              <a:t>Isolated</a:t>
-            </a:r>
-            <a:r>
               <a:rPr kumimoji="1" lang="en-US" altLang="ko-KR" sz="900">
                 <a:solidFill>
                   <a:schemeClr val="tx1"/>
                 </a:solidFill>
               </a:rPr>
-              <a:t> SM (Streaming Multiprocessor) </a:t>
+              <a:t>Memory </a:t>
             </a:r>
             <a:endParaRPr kumimoji="1" lang="ko-KR" altLang="en-US" sz="900">
               <a:solidFill>
@@ -37623,10 +37742,10 @@
       </p:sp>
       <p:sp>
         <p:nvSpPr>
-          <p:cNvPr id="38" name="모서리가 둥근 직사각형 37">
-            <a:extLst>
-              <a:ext uri="{FF2B5EF4-FFF2-40B4-BE49-F238E27FC236}">
-                <a16:creationId xmlns:a16="http://schemas.microsoft.com/office/drawing/2014/main" id="{72BCA8EF-7DE9-4AD3-3EFD-55CA75BE0B57}"/>
+          <p:cNvPr id="22" name="모서리가 둥근 직사각형 21">
+            <a:extLst>
+              <a:ext uri="{FF2B5EF4-FFF2-40B4-BE49-F238E27FC236}">
+                <a16:creationId xmlns:a16="http://schemas.microsoft.com/office/drawing/2014/main" id="{6FB2C29E-9EDD-13B8-EAC8-9B8A299774DE}"/>
               </a:ext>
             </a:extLst>
           </p:cNvPr>
@@ -37635,8 +37754,8 @@
         </p:nvSpPr>
         <p:spPr>
           <a:xfrm>
-            <a:off x="2301712" y="3929671"/>
-            <a:ext cx="2774345" cy="288032"/>
+            <a:off x="508544" y="3819537"/>
+            <a:ext cx="1160864" cy="288032"/>
           </a:xfrm>
           <a:prstGeom prst="roundRect">
             <a:avLst>
@@ -37681,7 +37800,18 @@
                   <a:schemeClr val="tx1"/>
                 </a:solidFill>
               </a:rPr>
-              <a:t> GPU Context</a:t>
+              <a:t> </a:t>
+            </a:r>
+          </a:p>
+          <a:p>
+            <a:pPr algn="ctr"/>
+            <a:r>
+              <a:rPr kumimoji="1" lang="en-US" altLang="ko-KR" sz="900">
+                <a:solidFill>
+                  <a:schemeClr val="tx1"/>
+                </a:solidFill>
+              </a:rPr>
+              <a:t>GPU Context</a:t>
             </a:r>
             <a:endParaRPr kumimoji="1" lang="ko-KR" altLang="en-US" sz="900">
               <a:solidFill>
@@ -37693,10 +37823,10 @@
       </p:sp>
       <p:sp>
         <p:nvSpPr>
-          <p:cNvPr id="39" name="모서리가 둥근 직사각형 38">
-            <a:extLst>
-              <a:ext uri="{FF2B5EF4-FFF2-40B4-BE49-F238E27FC236}">
-                <a16:creationId xmlns:a16="http://schemas.microsoft.com/office/drawing/2014/main" id="{CF566033-3D08-AC27-3738-6181EB8B0632}"/>
+          <p:cNvPr id="23" name="모서리가 둥근 직사각형 22">
+            <a:extLst>
+              <a:ext uri="{FF2B5EF4-FFF2-40B4-BE49-F238E27FC236}">
+                <a16:creationId xmlns:a16="http://schemas.microsoft.com/office/drawing/2014/main" id="{D852F035-6251-5A29-72A8-0F615554A25B}"/>
               </a:ext>
             </a:extLst>
           </p:cNvPr>
@@ -37705,8 +37835,8 @@
         </p:nvSpPr>
         <p:spPr>
           <a:xfrm>
-            <a:off x="4023807" y="1711830"/>
-            <a:ext cx="1043104" cy="689111"/>
+            <a:off x="2242833" y="1674621"/>
+            <a:ext cx="1160864" cy="848329"/>
           </a:xfrm>
           <a:prstGeom prst="roundRect">
             <a:avLst>
@@ -37733,6 +37863,62 @@
           </a:fontRef>
         </p:style>
         <p:txBody>
+          <a:bodyPr rtlCol="0" anchor="t"/>
+          <a:lstStyle/>
+          <a:p>
+            <a:r>
+              <a:rPr kumimoji="1" lang="en-US" altLang="ko-KR" sz="900" b="1">
+                <a:solidFill>
+                  <a:schemeClr val="tx1"/>
+                </a:solidFill>
+              </a:rPr>
+              <a:t>MIG Compute Instance</a:t>
+            </a:r>
+          </a:p>
+        </p:txBody>
+      </p:sp>
+      <p:sp>
+        <p:nvSpPr>
+          <p:cNvPr id="28" name="모서리가 둥근 직사각형 27">
+            <a:extLst>
+              <a:ext uri="{FF2B5EF4-FFF2-40B4-BE49-F238E27FC236}">
+                <a16:creationId xmlns:a16="http://schemas.microsoft.com/office/drawing/2014/main" id="{5291A795-E417-7D64-FEF1-A186F325EA55}"/>
+              </a:ext>
+            </a:extLst>
+          </p:cNvPr>
+          <p:cNvSpPr/>
+          <p:nvPr/>
+        </p:nvSpPr>
+        <p:spPr>
+          <a:xfrm>
+            <a:off x="2390436" y="2101465"/>
+            <a:ext cx="870186" cy="346620"/>
+          </a:xfrm>
+          <a:prstGeom prst="roundRect">
+            <a:avLst>
+              <a:gd name="adj" fmla="val 13713"/>
+            </a:avLst>
+          </a:prstGeom>
+          <a:noFill/>
+          <a:ln w="12700"/>
+        </p:spPr>
+        <p:style>
+          <a:lnRef idx="2">
+            <a:schemeClr val="accent1">
+              <a:shade val="15000"/>
+            </a:schemeClr>
+          </a:lnRef>
+          <a:fillRef idx="1">
+            <a:schemeClr val="accent1"/>
+          </a:fillRef>
+          <a:effectRef idx="0">
+            <a:schemeClr val="accent1"/>
+          </a:effectRef>
+          <a:fontRef idx="minor">
+            <a:schemeClr val="lt1"/>
+          </a:fontRef>
+        </p:style>
+        <p:txBody>
           <a:bodyPr rtlCol="0" anchor="ctr"/>
           <a:lstStyle/>
           <a:p>
@@ -37746,12 +37932,216 @@
               <a:t>Isolated</a:t>
             </a:r>
             <a:r>
+              <a:rPr kumimoji="1" lang="en-US" altLang="ko-KR" sz="900" b="1">
+                <a:solidFill>
+                  <a:schemeClr val="tx1"/>
+                </a:solidFill>
+              </a:rPr>
+              <a:t> </a:t>
+            </a:r>
+            <a:r>
               <a:rPr kumimoji="1" lang="en-US" altLang="ko-KR" sz="900">
                 <a:solidFill>
                   <a:schemeClr val="tx1"/>
                 </a:solidFill>
               </a:rPr>
-              <a:t> SM (Streaming Multiprocessor) </a:t>
+              <a:t>SM</a:t>
+            </a:r>
+            <a:endParaRPr kumimoji="1" lang="ko-KR" altLang="en-US" sz="900">
+              <a:solidFill>
+                <a:schemeClr val="tx1"/>
+              </a:solidFill>
+            </a:endParaRPr>
+          </a:p>
+        </p:txBody>
+      </p:sp>
+      <p:sp>
+        <p:nvSpPr>
+          <p:cNvPr id="70" name="모서리가 둥근 직사각형 69">
+            <a:extLst>
+              <a:ext uri="{FF2B5EF4-FFF2-40B4-BE49-F238E27FC236}">
+                <a16:creationId xmlns:a16="http://schemas.microsoft.com/office/drawing/2014/main" id="{B2CA0ABF-8019-394C-DF41-BBDD9F230B41}"/>
+              </a:ext>
+            </a:extLst>
+          </p:cNvPr>
+          <p:cNvSpPr/>
+          <p:nvPr/>
+        </p:nvSpPr>
+        <p:spPr>
+          <a:xfrm>
+            <a:off x="3979081" y="1674621"/>
+            <a:ext cx="1160864" cy="848329"/>
+          </a:xfrm>
+          <a:prstGeom prst="roundRect">
+            <a:avLst>
+              <a:gd name="adj" fmla="val 8070"/>
+            </a:avLst>
+          </a:prstGeom>
+          <a:noFill/>
+          <a:ln w="12700"/>
+        </p:spPr>
+        <p:style>
+          <a:lnRef idx="2">
+            <a:schemeClr val="accent1">
+              <a:shade val="15000"/>
+            </a:schemeClr>
+          </a:lnRef>
+          <a:fillRef idx="1">
+            <a:schemeClr val="accent1"/>
+          </a:fillRef>
+          <a:effectRef idx="0">
+            <a:schemeClr val="accent1"/>
+          </a:effectRef>
+          <a:fontRef idx="minor">
+            <a:schemeClr val="lt1"/>
+          </a:fontRef>
+        </p:style>
+        <p:txBody>
+          <a:bodyPr rtlCol="0" anchor="t"/>
+          <a:lstStyle/>
+          <a:p>
+            <a:r>
+              <a:rPr kumimoji="1" lang="en-US" altLang="ko-KR" sz="900" b="1">
+                <a:solidFill>
+                  <a:schemeClr val="tx1"/>
+                </a:solidFill>
+              </a:rPr>
+              <a:t>MIG Compute Instance</a:t>
+            </a:r>
+          </a:p>
+        </p:txBody>
+      </p:sp>
+      <p:sp>
+        <p:nvSpPr>
+          <p:cNvPr id="71" name="모서리가 둥근 직사각형 70">
+            <a:extLst>
+              <a:ext uri="{FF2B5EF4-FFF2-40B4-BE49-F238E27FC236}">
+                <a16:creationId xmlns:a16="http://schemas.microsoft.com/office/drawing/2014/main" id="{FA4BFF14-06CD-615E-C80F-1BBED1C47553}"/>
+              </a:ext>
+            </a:extLst>
+          </p:cNvPr>
+          <p:cNvSpPr/>
+          <p:nvPr/>
+        </p:nvSpPr>
+        <p:spPr>
+          <a:xfrm>
+            <a:off x="4126684" y="2101465"/>
+            <a:ext cx="870186" cy="346620"/>
+          </a:xfrm>
+          <a:prstGeom prst="roundRect">
+            <a:avLst>
+              <a:gd name="adj" fmla="val 13713"/>
+            </a:avLst>
+          </a:prstGeom>
+          <a:noFill/>
+          <a:ln w="12700"/>
+        </p:spPr>
+        <p:style>
+          <a:lnRef idx="2">
+            <a:schemeClr val="accent1">
+              <a:shade val="15000"/>
+            </a:schemeClr>
+          </a:lnRef>
+          <a:fillRef idx="1">
+            <a:schemeClr val="accent1"/>
+          </a:fillRef>
+          <a:effectRef idx="0">
+            <a:schemeClr val="accent1"/>
+          </a:effectRef>
+          <a:fontRef idx="minor">
+            <a:schemeClr val="lt1"/>
+          </a:fontRef>
+        </p:style>
+        <p:txBody>
+          <a:bodyPr rtlCol="0" anchor="ctr"/>
+          <a:lstStyle/>
+          <a:p>
+            <a:pPr algn="ctr"/>
+            <a:r>
+              <a:rPr kumimoji="1" lang="en-US" altLang="ko-KR" sz="900" b="1" u="sng">
+                <a:solidFill>
+                  <a:schemeClr val="tx1"/>
+                </a:solidFill>
+              </a:rPr>
+              <a:t>Isolated</a:t>
+            </a:r>
+            <a:r>
+              <a:rPr kumimoji="1" lang="en-US" altLang="ko-KR" sz="900" b="1">
+                <a:solidFill>
+                  <a:schemeClr val="tx1"/>
+                </a:solidFill>
+              </a:rPr>
+              <a:t> </a:t>
+            </a:r>
+            <a:r>
+              <a:rPr kumimoji="1" lang="en-US" altLang="ko-KR" sz="900">
+                <a:solidFill>
+                  <a:schemeClr val="tx1"/>
+                </a:solidFill>
+              </a:rPr>
+              <a:t>SM</a:t>
+            </a:r>
+            <a:endParaRPr kumimoji="1" lang="ko-KR" altLang="en-US" sz="900">
+              <a:solidFill>
+                <a:schemeClr val="tx1"/>
+              </a:solidFill>
+            </a:endParaRPr>
+          </a:p>
+        </p:txBody>
+      </p:sp>
+      <p:sp>
+        <p:nvSpPr>
+          <p:cNvPr id="72" name="모서리가 둥근 직사각형 71">
+            <a:extLst>
+              <a:ext uri="{FF2B5EF4-FFF2-40B4-BE49-F238E27FC236}">
+                <a16:creationId xmlns:a16="http://schemas.microsoft.com/office/drawing/2014/main" id="{F9B4946B-BEC7-EA7A-B721-209E50B7A21D}"/>
+              </a:ext>
+            </a:extLst>
+          </p:cNvPr>
+          <p:cNvSpPr/>
+          <p:nvPr/>
+        </p:nvSpPr>
+        <p:spPr>
+          <a:xfrm>
+            <a:off x="2242047" y="2699122"/>
+            <a:ext cx="2897898" cy="944643"/>
+          </a:xfrm>
+          <a:prstGeom prst="roundRect">
+            <a:avLst>
+              <a:gd name="adj" fmla="val 7307"/>
+            </a:avLst>
+          </a:prstGeom>
+          <a:noFill/>
+          <a:ln w="12700"/>
+        </p:spPr>
+        <p:style>
+          <a:lnRef idx="2">
+            <a:schemeClr val="accent1">
+              <a:shade val="15000"/>
+            </a:schemeClr>
+          </a:lnRef>
+          <a:fillRef idx="1">
+            <a:schemeClr val="accent1"/>
+          </a:fillRef>
+          <a:effectRef idx="0">
+            <a:schemeClr val="accent1"/>
+          </a:effectRef>
+          <a:fontRef idx="minor">
+            <a:schemeClr val="lt1"/>
+          </a:fontRef>
+        </p:style>
+        <p:txBody>
+          <a:bodyPr rtlCol="0" anchor="t"/>
+          <a:lstStyle/>
+          <a:p>
+            <a:pPr algn="ctr"/>
+            <a:r>
+              <a:rPr kumimoji="1" lang="en-US" altLang="ko-KR" sz="900">
+                <a:solidFill>
+                  <a:schemeClr val="tx1"/>
+                </a:solidFill>
+              </a:rPr>
+              <a:t>Memory </a:t>
             </a:r>
             <a:endParaRPr kumimoji="1" lang="ko-KR" altLang="en-US" sz="900">
               <a:solidFill>

--- a/content/docs/theory-analysis/nvidia-gpu-sharing/images/images.pptx
+++ b/content/docs/theory-analysis/nvidia-gpu-sharing/images/images.pptx
@@ -13254,8 +13254,8 @@
         </p:nvCxnSpPr>
         <p:spPr>
           <a:xfrm flipV="1">
-            <a:off x="4823619" y="80957"/>
-            <a:ext cx="0" cy="5011073"/>
+            <a:off x="4823619" y="0"/>
+            <a:ext cx="0" cy="5092030"/>
           </a:xfrm>
           <a:prstGeom prst="line">
             <a:avLst/>
@@ -37878,15 +37878,14 @@
           </p:cNvPr>
           <p:cNvCxnSpPr>
             <a:cxnSpLocks/>
-            <a:stCxn id="68" idx="0"/>
             <a:endCxn id="35" idx="2"/>
           </p:cNvCxnSpPr>
           <p:nvPr/>
         </p:nvCxnSpPr>
         <p:spPr>
-          <a:xfrm flipH="1" flipV="1">
+          <a:xfrm flipV="1">
             <a:off x="1087570" y="2587563"/>
-            <a:ext cx="2585664" cy="864966"/>
+            <a:ext cx="0" cy="864966"/>
           </a:xfrm>
           <a:prstGeom prst="straightConnector1">
             <a:avLst/>
@@ -37924,15 +37923,14 @@
           </p:cNvPr>
           <p:cNvCxnSpPr>
             <a:cxnSpLocks/>
-            <a:stCxn id="68" idx="0"/>
             <a:endCxn id="42" idx="2"/>
           </p:cNvCxnSpPr>
           <p:nvPr/>
         </p:nvCxnSpPr>
         <p:spPr>
           <a:xfrm flipV="1">
-            <a:off x="3673234" y="2587563"/>
-            <a:ext cx="3202009" cy="864966"/>
+            <a:off x="6875243" y="2587563"/>
+            <a:ext cx="0" cy="864966"/>
           </a:xfrm>
           <a:prstGeom prst="straightConnector1">
             <a:avLst/>
@@ -37970,15 +37968,14 @@
           </p:cNvPr>
           <p:cNvCxnSpPr>
             <a:cxnSpLocks/>
-            <a:stCxn id="69" idx="0"/>
             <a:endCxn id="39" idx="2"/>
           </p:cNvCxnSpPr>
           <p:nvPr/>
         </p:nvCxnSpPr>
         <p:spPr>
-          <a:xfrm flipH="1" flipV="1">
+          <a:xfrm flipV="1">
             <a:off x="3222229" y="2587563"/>
-            <a:ext cx="902626" cy="1415692"/>
+            <a:ext cx="0" cy="1415692"/>
           </a:xfrm>
           <a:prstGeom prst="straightConnector1">
             <a:avLst/>
@@ -38016,15 +38013,14 @@
           </p:cNvPr>
           <p:cNvCxnSpPr>
             <a:cxnSpLocks/>
-            <a:stCxn id="69" idx="0"/>
             <a:endCxn id="43" idx="2"/>
           </p:cNvCxnSpPr>
           <p:nvPr/>
         </p:nvCxnSpPr>
         <p:spPr>
           <a:xfrm flipV="1">
-            <a:off x="4124855" y="2587563"/>
-            <a:ext cx="3653630" cy="1415692"/>
+            <a:off x="7778485" y="2587563"/>
+            <a:ext cx="0" cy="1415692"/>
           </a:xfrm>
           <a:prstGeom prst="straightConnector1">
             <a:avLst/>
@@ -38062,15 +38058,14 @@
           </p:cNvPr>
           <p:cNvCxnSpPr>
             <a:cxnSpLocks/>
-            <a:stCxn id="70" idx="0"/>
             <a:endCxn id="44" idx="2"/>
           </p:cNvCxnSpPr>
           <p:nvPr/>
         </p:nvCxnSpPr>
         <p:spPr>
-          <a:xfrm flipV="1">
-            <a:off x="4576476" y="2587563"/>
-            <a:ext cx="4105252" cy="1972593"/>
+          <a:xfrm flipH="1" flipV="1">
+            <a:off x="8681728" y="2587563"/>
+            <a:ext cx="5072" cy="1972593"/>
           </a:xfrm>
           <a:prstGeom prst="straightConnector1">
             <a:avLst/>
@@ -38108,15 +38103,14 @@
           </p:cNvPr>
           <p:cNvCxnSpPr>
             <a:cxnSpLocks/>
-            <a:stCxn id="70" idx="0"/>
             <a:endCxn id="41" idx="2"/>
           </p:cNvCxnSpPr>
           <p:nvPr/>
         </p:nvCxnSpPr>
         <p:spPr>
           <a:xfrm flipV="1">
-            <a:off x="4576476" y="2587563"/>
-            <a:ext cx="783049" cy="1972593"/>
+            <a:off x="5359525" y="2587563"/>
+            <a:ext cx="0" cy="1972593"/>
           </a:xfrm>
           <a:prstGeom prst="straightConnector1">
             <a:avLst/>
@@ -46644,118 +46638,7 @@
                   <a:schemeClr val="tx1"/>
                 </a:solidFill>
               </a:rPr>
-              <a:t> Memory </a:t>
-            </a:r>
-            <a:endParaRPr kumimoji="1" lang="ko-KR" altLang="en-US" sz="900">
-              <a:solidFill>
-                <a:schemeClr val="tx1"/>
-              </a:solidFill>
-            </a:endParaRPr>
-          </a:p>
-        </p:txBody>
-      </p:sp>
-      <p:cxnSp>
-        <p:nvCxnSpPr>
-          <p:cNvPr id="11" name="직선 화살표 연결선 10">
-            <a:extLst>
-              <a:ext uri="{FF2B5EF4-FFF2-40B4-BE49-F238E27FC236}">
-                <a16:creationId xmlns:a16="http://schemas.microsoft.com/office/drawing/2014/main" id="{09EEE970-EC99-F940-2BEE-535877905EAD}"/>
-              </a:ext>
-            </a:extLst>
-          </p:cNvPr>
-          <p:cNvCxnSpPr>
-            <a:cxnSpLocks/>
-            <a:stCxn id="26" idx="3"/>
-            <a:endCxn id="27" idx="1"/>
-          </p:cNvCxnSpPr>
-          <p:nvPr/>
-        </p:nvCxnSpPr>
-        <p:spPr>
-          <a:xfrm flipV="1">
-            <a:off x="1728085" y="3115015"/>
-            <a:ext cx="447902" cy="7551"/>
-          </a:xfrm>
-          <a:prstGeom prst="straightConnector1">
-            <a:avLst/>
-          </a:prstGeom>
-          <a:ln w="12700">
-            <a:solidFill>
-              <a:schemeClr val="tx1"/>
-            </a:solidFill>
-            <a:headEnd type="triangle" w="med" len="med"/>
-            <a:tailEnd type="triangle" w="med" len="med"/>
-          </a:ln>
-        </p:spPr>
-        <p:style>
-          <a:lnRef idx="1">
-            <a:schemeClr val="accent1"/>
-          </a:lnRef>
-          <a:fillRef idx="0">
-            <a:schemeClr val="accent1"/>
-          </a:fillRef>
-          <a:effectRef idx="0">
-            <a:schemeClr val="accent1"/>
-          </a:effectRef>
-          <a:fontRef idx="minor">
-            <a:schemeClr val="tx1"/>
-          </a:fontRef>
-        </p:style>
-      </p:cxnSp>
-      <p:sp>
-        <p:nvSpPr>
-          <p:cNvPr id="33" name="모서리가 둥근 직사각형 32">
-            <a:extLst>
-              <a:ext uri="{FF2B5EF4-FFF2-40B4-BE49-F238E27FC236}">
-                <a16:creationId xmlns:a16="http://schemas.microsoft.com/office/drawing/2014/main" id="{BF3CDA39-7E56-3D10-2F42-742B54C12A29}"/>
-              </a:ext>
-            </a:extLst>
-          </p:cNvPr>
-          <p:cNvSpPr/>
-          <p:nvPr/>
-        </p:nvSpPr>
-        <p:spPr>
-          <a:xfrm>
-            <a:off x="1565671" y="3060008"/>
-            <a:ext cx="772729" cy="346620"/>
-          </a:xfrm>
-          <a:prstGeom prst="roundRect">
-            <a:avLst>
-              <a:gd name="adj" fmla="val 13713"/>
-            </a:avLst>
-          </a:prstGeom>
-          <a:noFill/>
-          <a:ln w="12700">
-            <a:noFill/>
-          </a:ln>
-        </p:spPr>
-        <p:style>
-          <a:lnRef idx="2">
-            <a:schemeClr val="accent1">
-              <a:shade val="15000"/>
-            </a:schemeClr>
-          </a:lnRef>
-          <a:fillRef idx="1">
-            <a:schemeClr val="accent1"/>
-          </a:fillRef>
-          <a:effectRef idx="0">
-            <a:schemeClr val="accent1"/>
-          </a:effectRef>
-          <a:fontRef idx="minor">
-            <a:schemeClr val="lt1"/>
-          </a:fontRef>
-        </p:style>
-        <p:txBody>
-          <a:bodyPr rtlCol="0" anchor="ctr"/>
-          <a:lstStyle/>
-          <a:p>
-            <a:pPr algn="ctr"/>
-            <a:r>
-              <a:rPr kumimoji="1" lang="en-US" altLang="ko-KR" sz="900" b="1" u="sng">
-                <a:solidFill>
-                  <a:schemeClr val="tx1"/>
-                </a:solidFill>
-              </a:rPr>
-              <a:t>Isolated</a:t>
+              <a:t> Memory</a:t>
             </a:r>
             <a:endParaRPr kumimoji="1" lang="ko-KR" altLang="en-US" sz="900">
               <a:solidFill>

--- a/content/docs/theory-analysis/nvidia-gpu-sharing/images/images.pptx
+++ b/content/docs/theory-analysis/nvidia-gpu-sharing/images/images.pptx
@@ -239,7 +239,7 @@
           <a:p>
             <a:fld id="{6CD5550B-26C4-49A9-A5BA-636EF7BE6CE9}" type="datetimeFigureOut">
               <a:rPr lang="ko-KR" altLang="en-US" smtClean="0"/>
-              <a:t>2026. 2. 18.</a:t>
+              <a:t>2026. 2. 21.</a:t>
             </a:fld>
             <a:endParaRPr lang="ko-KR" altLang="en-US"/>
           </a:p>
@@ -937,7 +937,7 @@
           <a:p>
             <a:fld id="{FB30EDBD-1C2D-4C1E-B459-B60219FAB484}" type="datetimeFigureOut">
               <a:rPr lang="ko-KR" altLang="en-US" smtClean="0"/>
-              <a:t>2026. 2. 18.</a:t>
+              <a:t>2026. 2. 21.</a:t>
             </a:fld>
             <a:endParaRPr lang="ko-KR" altLang="en-US"/>
           </a:p>
@@ -1100,7 +1100,7 @@
           <a:p>
             <a:fld id="{FB30EDBD-1C2D-4C1E-B459-B60219FAB484}" type="datetimeFigureOut">
               <a:rPr lang="ko-KR" altLang="en-US" smtClean="0"/>
-              <a:t>2026. 2. 18.</a:t>
+              <a:t>2026. 2. 21.</a:t>
             </a:fld>
             <a:endParaRPr lang="ko-KR" altLang="en-US"/>
           </a:p>
@@ -1273,7 +1273,7 @@
           <a:p>
             <a:fld id="{FB30EDBD-1C2D-4C1E-B459-B60219FAB484}" type="datetimeFigureOut">
               <a:rPr lang="ko-KR" altLang="en-US" smtClean="0"/>
-              <a:t>2026. 2. 18.</a:t>
+              <a:t>2026. 2. 21.</a:t>
             </a:fld>
             <a:endParaRPr lang="ko-KR" altLang="en-US"/>
           </a:p>
@@ -1436,7 +1436,7 @@
           <a:p>
             <a:fld id="{FB30EDBD-1C2D-4C1E-B459-B60219FAB484}" type="datetimeFigureOut">
               <a:rPr lang="ko-KR" altLang="en-US" smtClean="0"/>
-              <a:t>2026. 2. 18.</a:t>
+              <a:t>2026. 2. 21.</a:t>
             </a:fld>
             <a:endParaRPr lang="ko-KR" altLang="en-US"/>
           </a:p>
@@ -1676,7 +1676,7 @@
           <a:p>
             <a:fld id="{FB30EDBD-1C2D-4C1E-B459-B60219FAB484}" type="datetimeFigureOut">
               <a:rPr lang="ko-KR" altLang="en-US" smtClean="0"/>
-              <a:t>2026. 2. 18.</a:t>
+              <a:t>2026. 2. 21.</a:t>
             </a:fld>
             <a:endParaRPr lang="ko-KR" altLang="en-US"/>
           </a:p>
@@ -1956,7 +1956,7 @@
           <a:p>
             <a:fld id="{FB30EDBD-1C2D-4C1E-B459-B60219FAB484}" type="datetimeFigureOut">
               <a:rPr lang="ko-KR" altLang="en-US" smtClean="0"/>
-              <a:t>2026. 2. 18.</a:t>
+              <a:t>2026. 2. 21.</a:t>
             </a:fld>
             <a:endParaRPr lang="ko-KR" altLang="en-US"/>
           </a:p>
@@ -2370,7 +2370,7 @@
           <a:p>
             <a:fld id="{FB30EDBD-1C2D-4C1E-B459-B60219FAB484}" type="datetimeFigureOut">
               <a:rPr lang="ko-KR" altLang="en-US" smtClean="0"/>
-              <a:t>2026. 2. 18.</a:t>
+              <a:t>2026. 2. 21.</a:t>
             </a:fld>
             <a:endParaRPr lang="ko-KR" altLang="en-US"/>
           </a:p>
@@ -2482,7 +2482,7 @@
           <a:p>
             <a:fld id="{FB30EDBD-1C2D-4C1E-B459-B60219FAB484}" type="datetimeFigureOut">
               <a:rPr lang="ko-KR" altLang="en-US" smtClean="0"/>
-              <a:t>2026. 2. 18.</a:t>
+              <a:t>2026. 2. 21.</a:t>
             </a:fld>
             <a:endParaRPr lang="ko-KR" altLang="en-US"/>
           </a:p>
@@ -2572,7 +2572,7 @@
           <a:p>
             <a:fld id="{FB30EDBD-1C2D-4C1E-B459-B60219FAB484}" type="datetimeFigureOut">
               <a:rPr lang="ko-KR" altLang="en-US" smtClean="0"/>
-              <a:t>2026. 2. 18.</a:t>
+              <a:t>2026. 2. 21.</a:t>
             </a:fld>
             <a:endParaRPr lang="ko-KR" altLang="en-US"/>
           </a:p>
@@ -2842,7 +2842,7 @@
           <a:p>
             <a:fld id="{FB30EDBD-1C2D-4C1E-B459-B60219FAB484}" type="datetimeFigureOut">
               <a:rPr lang="ko-KR" altLang="en-US" smtClean="0"/>
-              <a:t>2026. 2. 18.</a:t>
+              <a:t>2026. 2. 21.</a:t>
             </a:fld>
             <a:endParaRPr lang="ko-KR" altLang="en-US"/>
           </a:p>
@@ -3089,7 +3089,7 @@
           <a:p>
             <a:fld id="{FB30EDBD-1C2D-4C1E-B459-B60219FAB484}" type="datetimeFigureOut">
               <a:rPr lang="ko-KR" altLang="en-US" smtClean="0"/>
-              <a:t>2026. 2. 18.</a:t>
+              <a:t>2026. 2. 21.</a:t>
             </a:fld>
             <a:endParaRPr lang="ko-KR" altLang="en-US"/>
           </a:p>
@@ -3295,7 +3295,7 @@
           <a:p>
             <a:fld id="{FB30EDBD-1C2D-4C1E-B459-B60219FAB484}" type="datetimeFigureOut">
               <a:rPr lang="ko-KR" altLang="en-US" smtClean="0"/>
-              <a:t>2026. 2. 18.</a:t>
+              <a:t>2026. 2. 21.</a:t>
             </a:fld>
             <a:endParaRPr lang="ko-KR" altLang="en-US"/>
           </a:p>
@@ -10991,138 +10991,6 @@
           </a:p>
         </p:txBody>
       </p:sp>
-      <p:cxnSp>
-        <p:nvCxnSpPr>
-          <p:cNvPr id="43" name="직선 화살표 연결선 42">
-            <a:extLst>
-              <a:ext uri="{FF2B5EF4-FFF2-40B4-BE49-F238E27FC236}">
-                <a16:creationId xmlns:a16="http://schemas.microsoft.com/office/drawing/2014/main" id="{9D3A2183-D4EA-1170-C324-09B0777FA33F}"/>
-              </a:ext>
-            </a:extLst>
-          </p:cNvPr>
-          <p:cNvCxnSpPr>
-            <a:cxnSpLocks/>
-          </p:cNvCxnSpPr>
-          <p:nvPr/>
-        </p:nvCxnSpPr>
-        <p:spPr>
-          <a:xfrm>
-            <a:off x="4291968" y="1358624"/>
-            <a:ext cx="0" cy="1712554"/>
-          </a:xfrm>
-          <a:prstGeom prst="straightConnector1">
-            <a:avLst/>
-          </a:prstGeom>
-          <a:ln w="12700">
-            <a:solidFill>
-              <a:schemeClr val="tx1"/>
-            </a:solidFill>
-            <a:tailEnd type="triangle"/>
-          </a:ln>
-        </p:spPr>
-        <p:style>
-          <a:lnRef idx="1">
-            <a:schemeClr val="accent1"/>
-          </a:lnRef>
-          <a:fillRef idx="0">
-            <a:schemeClr val="accent1"/>
-          </a:fillRef>
-          <a:effectRef idx="0">
-            <a:schemeClr val="accent1"/>
-          </a:effectRef>
-          <a:fontRef idx="minor">
-            <a:schemeClr val="tx1"/>
-          </a:fontRef>
-        </p:style>
-      </p:cxnSp>
-      <p:cxnSp>
-        <p:nvCxnSpPr>
-          <p:cNvPr id="44" name="직선 화살표 연결선 43">
-            <a:extLst>
-              <a:ext uri="{FF2B5EF4-FFF2-40B4-BE49-F238E27FC236}">
-                <a16:creationId xmlns:a16="http://schemas.microsoft.com/office/drawing/2014/main" id="{CE8AD19A-044E-8CEA-9D2C-6C9A4E273501}"/>
-              </a:ext>
-            </a:extLst>
-          </p:cNvPr>
-          <p:cNvCxnSpPr>
-            <a:cxnSpLocks/>
-          </p:cNvCxnSpPr>
-          <p:nvPr/>
-        </p:nvCxnSpPr>
-        <p:spPr>
-          <a:xfrm>
-            <a:off x="6064098" y="1358624"/>
-            <a:ext cx="0" cy="1712554"/>
-          </a:xfrm>
-          <a:prstGeom prst="straightConnector1">
-            <a:avLst/>
-          </a:prstGeom>
-          <a:ln w="12700">
-            <a:solidFill>
-              <a:schemeClr val="tx1"/>
-            </a:solidFill>
-            <a:tailEnd type="triangle"/>
-          </a:ln>
-        </p:spPr>
-        <p:style>
-          <a:lnRef idx="1">
-            <a:schemeClr val="accent1"/>
-          </a:lnRef>
-          <a:fillRef idx="0">
-            <a:schemeClr val="accent1"/>
-          </a:fillRef>
-          <a:effectRef idx="0">
-            <a:schemeClr val="accent1"/>
-          </a:effectRef>
-          <a:fontRef idx="minor">
-            <a:schemeClr val="tx1"/>
-          </a:fontRef>
-        </p:style>
-      </p:cxnSp>
-      <p:cxnSp>
-        <p:nvCxnSpPr>
-          <p:cNvPr id="45" name="직선 화살표 연결선 44">
-            <a:extLst>
-              <a:ext uri="{FF2B5EF4-FFF2-40B4-BE49-F238E27FC236}">
-                <a16:creationId xmlns:a16="http://schemas.microsoft.com/office/drawing/2014/main" id="{44F9A92E-72FA-C6CC-9637-2CFC13F41671}"/>
-              </a:ext>
-            </a:extLst>
-          </p:cNvPr>
-          <p:cNvCxnSpPr>
-            <a:cxnSpLocks/>
-          </p:cNvCxnSpPr>
-          <p:nvPr/>
-        </p:nvCxnSpPr>
-        <p:spPr>
-          <a:xfrm>
-            <a:off x="7792290" y="1358624"/>
-            <a:ext cx="0" cy="1712554"/>
-          </a:xfrm>
-          <a:prstGeom prst="straightConnector1">
-            <a:avLst/>
-          </a:prstGeom>
-          <a:ln w="12700">
-            <a:solidFill>
-              <a:schemeClr val="tx1"/>
-            </a:solidFill>
-            <a:tailEnd type="triangle"/>
-          </a:ln>
-        </p:spPr>
-        <p:style>
-          <a:lnRef idx="1">
-            <a:schemeClr val="accent1"/>
-          </a:lnRef>
-          <a:fillRef idx="0">
-            <a:schemeClr val="accent1"/>
-          </a:fillRef>
-          <a:effectRef idx="0">
-            <a:schemeClr val="accent1"/>
-          </a:effectRef>
-          <a:fontRef idx="minor">
-            <a:schemeClr val="tx1"/>
-          </a:fontRef>
-        </p:style>
-      </p:cxnSp>
       <p:sp>
         <p:nvSpPr>
           <p:cNvPr id="47" name="모서리가 둥근 직사각형 46">
@@ -11230,7 +11098,7 @@
                   <a:schemeClr val="tx1"/>
                 </a:solidFill>
               </a:rPr>
-              <a:t>Code, Data</a:t>
+              <a:t>Kernel, Data</a:t>
             </a:r>
           </a:p>
         </p:txBody>
@@ -11550,12 +11418,12 @@
         </p:nvSpPr>
         <p:spPr>
           <a:xfrm>
-            <a:off x="5177073" y="2208756"/>
-            <a:ext cx="2784264" cy="346620"/>
+            <a:off x="5177073" y="2037641"/>
+            <a:ext cx="2784264" cy="517735"/>
           </a:xfrm>
           <a:prstGeom prst="roundRect">
             <a:avLst>
-              <a:gd name="adj" fmla="val 13713"/>
+              <a:gd name="adj" fmla="val 10401"/>
             </a:avLst>
           </a:prstGeom>
           <a:noFill/>
@@ -11578,7 +11446,7 @@
           </a:fontRef>
         </p:style>
         <p:txBody>
-          <a:bodyPr rtlCol="0" anchor="ctr"/>
+          <a:bodyPr rtlCol="0" anchor="t"/>
           <a:lstStyle/>
           <a:p>
             <a:pPr algn="ctr"/>
@@ -11675,117 +11543,6 @@
                 </a:solidFill>
               </a:rPr>
               <a:t> Memory </a:t>
-            </a:r>
-            <a:endParaRPr kumimoji="1" lang="ko-KR" altLang="en-US" sz="900">
-              <a:solidFill>
-                <a:schemeClr val="tx1"/>
-              </a:solidFill>
-            </a:endParaRPr>
-          </a:p>
-        </p:txBody>
-      </p:sp>
-      <p:cxnSp>
-        <p:nvCxnSpPr>
-          <p:cNvPr id="61" name="직선 화살표 연결선 60">
-            <a:extLst>
-              <a:ext uri="{FF2B5EF4-FFF2-40B4-BE49-F238E27FC236}">
-                <a16:creationId xmlns:a16="http://schemas.microsoft.com/office/drawing/2014/main" id="{714BD47C-26AB-F3D5-1D6C-C8AE9C6EC95C}"/>
-              </a:ext>
-            </a:extLst>
-          </p:cNvPr>
-          <p:cNvCxnSpPr>
-            <a:cxnSpLocks/>
-            <a:stCxn id="68" idx="3"/>
-            <a:endCxn id="50" idx="1"/>
-          </p:cNvCxnSpPr>
-          <p:nvPr/>
-        </p:nvCxnSpPr>
-        <p:spPr>
-          <a:xfrm>
-            <a:off x="4595539" y="3122451"/>
-            <a:ext cx="460768" cy="0"/>
-          </a:xfrm>
-          <a:prstGeom prst="straightConnector1">
-            <a:avLst/>
-          </a:prstGeom>
-          <a:ln w="12700">
-            <a:solidFill>
-              <a:schemeClr val="tx1"/>
-            </a:solidFill>
-            <a:headEnd type="triangle" w="med" len="med"/>
-            <a:tailEnd type="triangle" w="med" len="med"/>
-          </a:ln>
-        </p:spPr>
-        <p:style>
-          <a:lnRef idx="1">
-            <a:schemeClr val="accent1"/>
-          </a:lnRef>
-          <a:fillRef idx="0">
-            <a:schemeClr val="accent1"/>
-          </a:fillRef>
-          <a:effectRef idx="0">
-            <a:schemeClr val="accent1"/>
-          </a:effectRef>
-          <a:fontRef idx="minor">
-            <a:schemeClr val="tx1"/>
-          </a:fontRef>
-        </p:style>
-      </p:cxnSp>
-      <p:sp>
-        <p:nvSpPr>
-          <p:cNvPr id="62" name="모서리가 둥근 직사각형 61">
-            <a:extLst>
-              <a:ext uri="{FF2B5EF4-FFF2-40B4-BE49-F238E27FC236}">
-                <a16:creationId xmlns:a16="http://schemas.microsoft.com/office/drawing/2014/main" id="{5D871488-D4E3-B849-0472-D13B7010F877}"/>
-              </a:ext>
-            </a:extLst>
-          </p:cNvPr>
-          <p:cNvSpPr/>
-          <p:nvPr/>
-        </p:nvSpPr>
-        <p:spPr>
-          <a:xfrm>
-            <a:off x="4445991" y="3071178"/>
-            <a:ext cx="772729" cy="346620"/>
-          </a:xfrm>
-          <a:prstGeom prst="roundRect">
-            <a:avLst>
-              <a:gd name="adj" fmla="val 13713"/>
-            </a:avLst>
-          </a:prstGeom>
-          <a:noFill/>
-          <a:ln w="12700">
-            <a:noFill/>
-          </a:ln>
-        </p:spPr>
-        <p:style>
-          <a:lnRef idx="2">
-            <a:schemeClr val="accent1">
-              <a:shade val="15000"/>
-            </a:schemeClr>
-          </a:lnRef>
-          <a:fillRef idx="1">
-            <a:schemeClr val="accent1"/>
-          </a:fillRef>
-          <a:effectRef idx="0">
-            <a:schemeClr val="accent1"/>
-          </a:effectRef>
-          <a:fontRef idx="minor">
-            <a:schemeClr val="lt1"/>
-          </a:fontRef>
-        </p:style>
-        <p:txBody>
-          <a:bodyPr rtlCol="0" anchor="ctr"/>
-          <a:lstStyle/>
-          <a:p>
-            <a:pPr algn="ctr"/>
-            <a:r>
-              <a:rPr kumimoji="1" lang="en-US" altLang="ko-KR" sz="900" b="1" u="sng">
-                <a:solidFill>
-                  <a:schemeClr val="tx1"/>
-                </a:solidFill>
-              </a:rPr>
-              <a:t>Isolated</a:t>
             </a:r>
             <a:endParaRPr kumimoji="1" lang="ko-KR" altLang="en-US" sz="900">
               <a:solidFill>
@@ -12053,7 +11810,7 @@
                   <a:schemeClr val="tx1"/>
                 </a:solidFill>
               </a:rPr>
-              <a:t>Code, Data</a:t>
+              <a:t>Kernel, Data</a:t>
             </a:r>
           </a:p>
         </p:txBody>
@@ -12180,7 +11937,7 @@
                   <a:schemeClr val="tx1"/>
                 </a:solidFill>
               </a:rPr>
-              <a:t>Code, Data</a:t>
+              <a:t>Kernel, Data</a:t>
             </a:r>
           </a:p>
         </p:txBody>
@@ -12387,12 +12144,12 @@
         </p:nvSpPr>
         <p:spPr>
           <a:xfrm>
-            <a:off x="1699655" y="2208756"/>
-            <a:ext cx="2784264" cy="346620"/>
+            <a:off x="1699655" y="2037641"/>
+            <a:ext cx="2784264" cy="517735"/>
           </a:xfrm>
           <a:prstGeom prst="roundRect">
             <a:avLst>
-              <a:gd name="adj" fmla="val 13713"/>
+              <a:gd name="adj" fmla="val 10401"/>
             </a:avLst>
           </a:prstGeom>
           <a:noFill/>
@@ -12415,7 +12172,7 @@
           </a:fontRef>
         </p:style>
         <p:txBody>
-          <a:bodyPr rtlCol="0" anchor="ctr"/>
+          <a:bodyPr rtlCol="0" anchor="t"/>
           <a:lstStyle/>
           <a:p>
             <a:pPr algn="ctr"/>
@@ -12650,50 +12407,6 @@
           </a:p>
         </p:txBody>
       </p:sp>
-      <p:cxnSp>
-        <p:nvCxnSpPr>
-          <p:cNvPr id="81" name="직선 화살표 연결선 80">
-            <a:extLst>
-              <a:ext uri="{FF2B5EF4-FFF2-40B4-BE49-F238E27FC236}">
-                <a16:creationId xmlns:a16="http://schemas.microsoft.com/office/drawing/2014/main" id="{F2894CAA-3354-8C48-B212-2B29B6D4E3AB}"/>
-              </a:ext>
-            </a:extLst>
-          </p:cNvPr>
-          <p:cNvCxnSpPr>
-            <a:cxnSpLocks/>
-          </p:cNvCxnSpPr>
-          <p:nvPr/>
-        </p:nvCxnSpPr>
-        <p:spPr>
-          <a:xfrm>
-            <a:off x="2563776" y="1358624"/>
-            <a:ext cx="0" cy="1712554"/>
-          </a:xfrm>
-          <a:prstGeom prst="straightConnector1">
-            <a:avLst/>
-          </a:prstGeom>
-          <a:ln w="12700">
-            <a:solidFill>
-              <a:schemeClr val="tx1"/>
-            </a:solidFill>
-            <a:tailEnd type="triangle"/>
-          </a:ln>
-        </p:spPr>
-        <p:style>
-          <a:lnRef idx="1">
-            <a:schemeClr val="accent1"/>
-          </a:lnRef>
-          <a:fillRef idx="0">
-            <a:schemeClr val="accent1"/>
-          </a:fillRef>
-          <a:effectRef idx="0">
-            <a:schemeClr val="accent1"/>
-          </a:effectRef>
-          <a:fontRef idx="minor">
-            <a:schemeClr val="tx1"/>
-          </a:fontRef>
-        </p:style>
-      </p:cxnSp>
       <p:cxnSp>
         <p:nvCxnSpPr>
           <p:cNvPr id="82" name="직선 화살표 연결선 81">
@@ -13128,10 +12841,10 @@
       </p:cxnSp>
       <p:sp>
         <p:nvSpPr>
-          <p:cNvPr id="99" name="모서리가 둥근 직사각형 98">
-            <a:extLst>
-              <a:ext uri="{FF2B5EF4-FFF2-40B4-BE49-F238E27FC236}">
-                <a16:creationId xmlns:a16="http://schemas.microsoft.com/office/drawing/2014/main" id="{28A6B6E4-0FD6-B646-7FE7-A31FB514C73E}"/>
+          <p:cNvPr id="100" name="모서리가 둥근 직사각형 99">
+            <a:extLst>
+              <a:ext uri="{FF2B5EF4-FFF2-40B4-BE49-F238E27FC236}">
+                <a16:creationId xmlns:a16="http://schemas.microsoft.com/office/drawing/2014/main" id="{9A9FF124-C2F7-7FF0-CB56-D130375ED07C}"/>
               </a:ext>
             </a:extLst>
           </p:cNvPr>
@@ -13140,7 +12853,7 @@
         </p:nvSpPr>
         <p:spPr>
           <a:xfrm>
-            <a:off x="5145147" y="3033778"/>
+            <a:off x="6875425" y="3033778"/>
             <a:ext cx="1118800" cy="677802"/>
           </a:xfrm>
           <a:prstGeom prst="roundRect">
@@ -13182,12 +12895,130 @@
           </a:p>
         </p:txBody>
       </p:sp>
-      <p:sp>
-        <p:nvSpPr>
-          <p:cNvPr id="100" name="모서리가 둥근 직사각형 99">
-            <a:extLst>
-              <a:ext uri="{FF2B5EF4-FFF2-40B4-BE49-F238E27FC236}">
-                <a16:creationId xmlns:a16="http://schemas.microsoft.com/office/drawing/2014/main" id="{9A9FF124-C2F7-7FF0-CB56-D130375ED07C}"/>
+      <p:cxnSp>
+        <p:nvCxnSpPr>
+          <p:cNvPr id="104" name="직선 연결선[R] 103">
+            <a:extLst>
+              <a:ext uri="{FF2B5EF4-FFF2-40B4-BE49-F238E27FC236}">
+                <a16:creationId xmlns:a16="http://schemas.microsoft.com/office/drawing/2014/main" id="{F4D989E7-30AB-D806-1BC8-19EE7FBBCF17}"/>
+              </a:ext>
+            </a:extLst>
+          </p:cNvPr>
+          <p:cNvCxnSpPr>
+            <a:cxnSpLocks/>
+          </p:cNvCxnSpPr>
+          <p:nvPr/>
+        </p:nvCxnSpPr>
+        <p:spPr>
+          <a:xfrm flipV="1">
+            <a:off x="4823619" y="0"/>
+            <a:ext cx="0" cy="5092030"/>
+          </a:xfrm>
+          <a:prstGeom prst="line">
+            <a:avLst/>
+          </a:prstGeom>
+          <a:ln>
+            <a:solidFill>
+              <a:schemeClr val="tx1"/>
+            </a:solidFill>
+            <a:prstDash val="dash"/>
+          </a:ln>
+        </p:spPr>
+        <p:style>
+          <a:lnRef idx="1">
+            <a:schemeClr val="accent1"/>
+          </a:lnRef>
+          <a:fillRef idx="0">
+            <a:schemeClr val="accent1"/>
+          </a:fillRef>
+          <a:effectRef idx="0">
+            <a:schemeClr val="accent1"/>
+          </a:effectRef>
+          <a:fontRef idx="minor">
+            <a:schemeClr val="tx1"/>
+          </a:fontRef>
+        </p:style>
+      </p:cxnSp>
+      <p:sp>
+        <p:nvSpPr>
+          <p:cNvPr id="110" name="TextBox 109">
+            <a:extLst>
+              <a:ext uri="{FF2B5EF4-FFF2-40B4-BE49-F238E27FC236}">
+                <a16:creationId xmlns:a16="http://schemas.microsoft.com/office/drawing/2014/main" id="{F23A5A14-6AAB-6ED5-7975-B2C175A480E1}"/>
+              </a:ext>
+            </a:extLst>
+          </p:cNvPr>
+          <p:cNvSpPr txBox="1"/>
+          <p:nvPr/>
+        </p:nvSpPr>
+        <p:spPr>
+          <a:xfrm>
+            <a:off x="2191861" y="4708018"/>
+            <a:ext cx="1804072" cy="261610"/>
+          </a:xfrm>
+          <a:prstGeom prst="rect">
+            <a:avLst/>
+          </a:prstGeom>
+          <a:noFill/>
+        </p:spPr>
+        <p:txBody>
+          <a:bodyPr wrap="square" rtlCol="0" anchor="ctr">
+            <a:spAutoFit/>
+          </a:bodyPr>
+          <a:lstStyle/>
+          <a:p>
+            <a:pPr algn="ctr"/>
+            <a:r>
+              <a:rPr kumimoji="1" lang="en-US" altLang="ko-KR" sz="1100" b="1"/>
+              <a:t>Time-slicing on MIG</a:t>
+            </a:r>
+            <a:endParaRPr kumimoji="1" lang="ko-KR" altLang="en-US" sz="1100" b="1"/>
+          </a:p>
+        </p:txBody>
+      </p:sp>
+      <p:sp>
+        <p:nvSpPr>
+          <p:cNvPr id="111" name="TextBox 110">
+            <a:extLst>
+              <a:ext uri="{FF2B5EF4-FFF2-40B4-BE49-F238E27FC236}">
+                <a16:creationId xmlns:a16="http://schemas.microsoft.com/office/drawing/2014/main" id="{DA99A843-087F-E378-A649-F2AC957A5C33}"/>
+              </a:ext>
+            </a:extLst>
+          </p:cNvPr>
+          <p:cNvSpPr txBox="1"/>
+          <p:nvPr/>
+        </p:nvSpPr>
+        <p:spPr>
+          <a:xfrm>
+            <a:off x="5662596" y="4708018"/>
+            <a:ext cx="1804072" cy="261610"/>
+          </a:xfrm>
+          <a:prstGeom prst="rect">
+            <a:avLst/>
+          </a:prstGeom>
+          <a:noFill/>
+        </p:spPr>
+        <p:txBody>
+          <a:bodyPr wrap="square" rtlCol="0" anchor="ctr">
+            <a:spAutoFit/>
+          </a:bodyPr>
+          <a:lstStyle/>
+          <a:p>
+            <a:pPr algn="ctr"/>
+            <a:r>
+              <a:rPr kumimoji="1" lang="en-US" altLang="ko-KR" sz="1100" b="1"/>
+              <a:t>MPS on MIG</a:t>
+            </a:r>
+            <a:endParaRPr kumimoji="1" lang="ko-KR" altLang="en-US" sz="1100" b="1"/>
+          </a:p>
+        </p:txBody>
+      </p:sp>
+      <p:sp>
+        <p:nvSpPr>
+          <p:cNvPr id="3" name="모서리가 둥근 직사각형 2">
+            <a:extLst>
+              <a:ext uri="{FF2B5EF4-FFF2-40B4-BE49-F238E27FC236}">
+                <a16:creationId xmlns:a16="http://schemas.microsoft.com/office/drawing/2014/main" id="{4994EBFF-E7C0-4EC0-B10A-69A4BD9ABC87}"/>
               </a:ext>
             </a:extLst>
           </p:cNvPr>
@@ -13196,7 +13027,131 @@
         </p:nvSpPr>
         <p:spPr>
           <a:xfrm>
-            <a:off x="6875425" y="3033778"/>
+            <a:off x="5284689" y="2341748"/>
+            <a:ext cx="843892" cy="144481"/>
+          </a:xfrm>
+          <a:prstGeom prst="roundRect">
+            <a:avLst>
+              <a:gd name="adj" fmla="val 15928"/>
+            </a:avLst>
+          </a:prstGeom>
+          <a:solidFill>
+            <a:schemeClr val="accent2">
+              <a:lumMod val="20000"/>
+              <a:lumOff val="80000"/>
+            </a:schemeClr>
+          </a:solidFill>
+          <a:ln w="12700"/>
+        </p:spPr>
+        <p:style>
+          <a:lnRef idx="2">
+            <a:schemeClr val="accent1">
+              <a:shade val="15000"/>
+            </a:schemeClr>
+          </a:lnRef>
+          <a:fillRef idx="1">
+            <a:schemeClr val="accent1"/>
+          </a:fillRef>
+          <a:effectRef idx="0">
+            <a:schemeClr val="accent1"/>
+          </a:effectRef>
+          <a:fontRef idx="minor">
+            <a:schemeClr val="lt1"/>
+          </a:fontRef>
+        </p:style>
+        <p:txBody>
+          <a:bodyPr rtlCol="0" anchor="ctr"/>
+          <a:lstStyle/>
+          <a:p>
+            <a:pPr algn="ctr"/>
+            <a:r>
+              <a:rPr kumimoji="1" lang="en-US" altLang="ko-KR" sz="900">
+                <a:solidFill>
+                  <a:schemeClr val="tx1"/>
+                </a:solidFill>
+              </a:rPr>
+              <a:t>App C</a:t>
+            </a:r>
+          </a:p>
+        </p:txBody>
+      </p:sp>
+      <p:sp>
+        <p:nvSpPr>
+          <p:cNvPr id="5" name="모서리가 둥근 직사각형 4">
+            <a:extLst>
+              <a:ext uri="{FF2B5EF4-FFF2-40B4-BE49-F238E27FC236}">
+                <a16:creationId xmlns:a16="http://schemas.microsoft.com/office/drawing/2014/main" id="{D4EC263F-2AEA-191F-47C8-0C481F270B83}"/>
+              </a:ext>
+            </a:extLst>
+          </p:cNvPr>
+          <p:cNvSpPr/>
+          <p:nvPr/>
+        </p:nvSpPr>
+        <p:spPr>
+          <a:xfrm>
+            <a:off x="7017397" y="2341748"/>
+            <a:ext cx="843892" cy="144481"/>
+          </a:xfrm>
+          <a:prstGeom prst="roundRect">
+            <a:avLst>
+              <a:gd name="adj" fmla="val 15928"/>
+            </a:avLst>
+          </a:prstGeom>
+          <a:solidFill>
+            <a:schemeClr val="accent4">
+              <a:lumMod val="20000"/>
+              <a:lumOff val="80000"/>
+            </a:schemeClr>
+          </a:solidFill>
+          <a:ln w="12700"/>
+        </p:spPr>
+        <p:style>
+          <a:lnRef idx="2">
+            <a:schemeClr val="accent1">
+              <a:shade val="15000"/>
+            </a:schemeClr>
+          </a:lnRef>
+          <a:fillRef idx="1">
+            <a:schemeClr val="accent1"/>
+          </a:fillRef>
+          <a:effectRef idx="0">
+            <a:schemeClr val="accent1"/>
+          </a:effectRef>
+          <a:fontRef idx="minor">
+            <a:schemeClr val="lt1"/>
+          </a:fontRef>
+        </p:style>
+        <p:txBody>
+          <a:bodyPr rtlCol="0" anchor="ctr"/>
+          <a:lstStyle/>
+          <a:p>
+            <a:pPr algn="ctr"/>
+            <a:r>
+              <a:rPr kumimoji="1" lang="en-US" altLang="ko-KR" sz="900">
+                <a:solidFill>
+                  <a:schemeClr val="tx1"/>
+                </a:solidFill>
+              </a:rPr>
+              <a:t>App D</a:t>
+            </a:r>
+          </a:p>
+        </p:txBody>
+      </p:sp>
+      <p:sp>
+        <p:nvSpPr>
+          <p:cNvPr id="6" name="모서리가 둥근 직사각형 5">
+            <a:extLst>
+              <a:ext uri="{FF2B5EF4-FFF2-40B4-BE49-F238E27FC236}">
+                <a16:creationId xmlns:a16="http://schemas.microsoft.com/office/drawing/2014/main" id="{2E12886A-B9E8-55EB-B6C2-2B19915FF18D}"/>
+              </a:ext>
+            </a:extLst>
+          </p:cNvPr>
+          <p:cNvSpPr/>
+          <p:nvPr/>
+        </p:nvSpPr>
+        <p:spPr>
+          <a:xfrm>
+            <a:off x="5144185" y="3033778"/>
             <a:ext cx="1118800" cy="677802"/>
           </a:xfrm>
           <a:prstGeom prst="roundRect">
@@ -13238,12 +13193,68 @@
           </a:p>
         </p:txBody>
       </p:sp>
+      <p:sp>
+        <p:nvSpPr>
+          <p:cNvPr id="7" name="모서리가 둥근 직사각형 6">
+            <a:extLst>
+              <a:ext uri="{FF2B5EF4-FFF2-40B4-BE49-F238E27FC236}">
+                <a16:creationId xmlns:a16="http://schemas.microsoft.com/office/drawing/2014/main" id="{06DDAF69-21C2-D52D-535E-30084682BF3C}"/>
+              </a:ext>
+            </a:extLst>
+          </p:cNvPr>
+          <p:cNvSpPr/>
+          <p:nvPr/>
+        </p:nvSpPr>
+        <p:spPr>
+          <a:xfrm>
+            <a:off x="5234970" y="2303145"/>
+            <a:ext cx="937230" cy="217170"/>
+          </a:xfrm>
+          <a:prstGeom prst="roundRect">
+            <a:avLst>
+              <a:gd name="adj" fmla="val 8070"/>
+            </a:avLst>
+          </a:prstGeom>
+          <a:noFill/>
+          <a:ln w="12700">
+            <a:prstDash val="dash"/>
+          </a:ln>
+        </p:spPr>
+        <p:style>
+          <a:lnRef idx="2">
+            <a:schemeClr val="accent1">
+              <a:shade val="15000"/>
+            </a:schemeClr>
+          </a:lnRef>
+          <a:fillRef idx="1">
+            <a:schemeClr val="accent1"/>
+          </a:fillRef>
+          <a:effectRef idx="0">
+            <a:schemeClr val="accent1"/>
+          </a:effectRef>
+          <a:fontRef idx="minor">
+            <a:schemeClr val="lt1"/>
+          </a:fontRef>
+        </p:style>
+        <p:txBody>
+          <a:bodyPr rtlCol="0" anchor="t"/>
+          <a:lstStyle/>
+          <a:p>
+            <a:pPr algn="ctr"/>
+            <a:endParaRPr kumimoji="1" lang="ko-KR" altLang="en-US" sz="900">
+              <a:solidFill>
+                <a:schemeClr val="tx1"/>
+              </a:solidFill>
+            </a:endParaRPr>
+          </a:p>
+        </p:txBody>
+      </p:sp>
       <p:cxnSp>
         <p:nvCxnSpPr>
-          <p:cNvPr id="104" name="직선 연결선[R] 103">
-            <a:extLst>
-              <a:ext uri="{FF2B5EF4-FFF2-40B4-BE49-F238E27FC236}">
-                <a16:creationId xmlns:a16="http://schemas.microsoft.com/office/drawing/2014/main" id="{F4D989E7-30AB-D806-1BC8-19EE7FBBCF17}"/>
+          <p:cNvPr id="8" name="직선 화살표 연결선 7">
+            <a:extLst>
+              <a:ext uri="{FF2B5EF4-FFF2-40B4-BE49-F238E27FC236}">
+                <a16:creationId xmlns:a16="http://schemas.microsoft.com/office/drawing/2014/main" id="{85AD1A2E-31FD-4837-5A0E-6EAB9B43782F}"/>
               </a:ext>
             </a:extLst>
           </p:cNvPr>
@@ -13253,18 +13264,18 @@
           <p:nvPr/>
         </p:nvCxnSpPr>
         <p:spPr>
-          <a:xfrm flipV="1">
-            <a:off x="4823619" y="0"/>
-            <a:ext cx="0" cy="5092030"/>
-          </a:xfrm>
-          <a:prstGeom prst="line">
+          <a:xfrm>
+            <a:off x="6064098" y="1358624"/>
+            <a:ext cx="0" cy="1712554"/>
+          </a:xfrm>
+          <a:prstGeom prst="straightConnector1">
             <a:avLst/>
           </a:prstGeom>
-          <a:ln>
+          <a:ln w="12700">
             <a:solidFill>
               <a:schemeClr val="tx1"/>
             </a:solidFill>
-            <a:prstDash val="dash"/>
+            <a:tailEnd type="triangle"/>
           </a:ln>
         </p:spPr>
         <p:style>
@@ -13284,78 +13295,267 @@
       </p:cxnSp>
       <p:sp>
         <p:nvSpPr>
-          <p:cNvPr id="110" name="TextBox 109">
-            <a:extLst>
-              <a:ext uri="{FF2B5EF4-FFF2-40B4-BE49-F238E27FC236}">
-                <a16:creationId xmlns:a16="http://schemas.microsoft.com/office/drawing/2014/main" id="{F23A5A14-6AAB-6ED5-7975-B2C175A480E1}"/>
-              </a:ext>
-            </a:extLst>
-          </p:cNvPr>
-          <p:cNvSpPr txBox="1"/>
-          <p:nvPr/>
-        </p:nvSpPr>
-        <p:spPr>
-          <a:xfrm>
-            <a:off x="2191861" y="4708018"/>
-            <a:ext cx="1804072" cy="261610"/>
-          </a:xfrm>
-          <a:prstGeom prst="rect">
+          <p:cNvPr id="10" name="모서리가 둥근 직사각형 9">
+            <a:extLst>
+              <a:ext uri="{FF2B5EF4-FFF2-40B4-BE49-F238E27FC236}">
+                <a16:creationId xmlns:a16="http://schemas.microsoft.com/office/drawing/2014/main" id="{705587BD-A071-D9D4-FDAE-50488F462309}"/>
+              </a:ext>
+            </a:extLst>
+          </p:cNvPr>
+          <p:cNvSpPr/>
+          <p:nvPr/>
+        </p:nvSpPr>
+        <p:spPr>
+          <a:xfrm>
+            <a:off x="6966210" y="2303145"/>
+            <a:ext cx="937230" cy="217170"/>
+          </a:xfrm>
+          <a:prstGeom prst="roundRect">
+            <a:avLst>
+              <a:gd name="adj" fmla="val 8070"/>
+            </a:avLst>
+          </a:prstGeom>
+          <a:noFill/>
+          <a:ln w="12700">
+            <a:prstDash val="dash"/>
+          </a:ln>
+        </p:spPr>
+        <p:style>
+          <a:lnRef idx="2">
+            <a:schemeClr val="accent1">
+              <a:shade val="15000"/>
+            </a:schemeClr>
+          </a:lnRef>
+          <a:fillRef idx="1">
+            <a:schemeClr val="accent1"/>
+          </a:fillRef>
+          <a:effectRef idx="0">
+            <a:schemeClr val="accent1"/>
+          </a:effectRef>
+          <a:fontRef idx="minor">
+            <a:schemeClr val="lt1"/>
+          </a:fontRef>
+        </p:style>
+        <p:txBody>
+          <a:bodyPr rtlCol="0" anchor="t"/>
+          <a:lstStyle/>
+          <a:p>
+            <a:pPr algn="ctr"/>
+            <a:endParaRPr kumimoji="1" lang="ko-KR" altLang="en-US" sz="900">
+              <a:solidFill>
+                <a:schemeClr val="tx1"/>
+              </a:solidFill>
+            </a:endParaRPr>
+          </a:p>
+        </p:txBody>
+      </p:sp>
+      <p:cxnSp>
+        <p:nvCxnSpPr>
+          <p:cNvPr id="11" name="직선 화살표 연결선 10">
+            <a:extLst>
+              <a:ext uri="{FF2B5EF4-FFF2-40B4-BE49-F238E27FC236}">
+                <a16:creationId xmlns:a16="http://schemas.microsoft.com/office/drawing/2014/main" id="{60B9459E-3E47-703E-C584-0FD25C413CAE}"/>
+              </a:ext>
+            </a:extLst>
+          </p:cNvPr>
+          <p:cNvCxnSpPr>
+            <a:cxnSpLocks/>
+          </p:cNvCxnSpPr>
+          <p:nvPr/>
+        </p:nvCxnSpPr>
+        <p:spPr>
+          <a:xfrm>
+            <a:off x="7792290" y="1358624"/>
+            <a:ext cx="0" cy="1712554"/>
+          </a:xfrm>
+          <a:prstGeom prst="straightConnector1">
             <a:avLst/>
           </a:prstGeom>
-          <a:noFill/>
-        </p:spPr>
-        <p:txBody>
-          <a:bodyPr wrap="square" rtlCol="0" anchor="ctr">
-            <a:spAutoFit/>
-          </a:bodyPr>
+          <a:ln w="12700">
+            <a:solidFill>
+              <a:schemeClr val="tx1"/>
+            </a:solidFill>
+            <a:tailEnd type="triangle"/>
+          </a:ln>
+        </p:spPr>
+        <p:style>
+          <a:lnRef idx="1">
+            <a:schemeClr val="accent1"/>
+          </a:lnRef>
+          <a:fillRef idx="0">
+            <a:schemeClr val="accent1"/>
+          </a:fillRef>
+          <a:effectRef idx="0">
+            <a:schemeClr val="accent1"/>
+          </a:effectRef>
+          <a:fontRef idx="minor">
+            <a:schemeClr val="tx1"/>
+          </a:fontRef>
+        </p:style>
+      </p:cxnSp>
+      <p:sp>
+        <p:nvSpPr>
+          <p:cNvPr id="12" name="모서리가 둥근 직사각형 11">
+            <a:extLst>
+              <a:ext uri="{FF2B5EF4-FFF2-40B4-BE49-F238E27FC236}">
+                <a16:creationId xmlns:a16="http://schemas.microsoft.com/office/drawing/2014/main" id="{DA619D68-F6C2-930F-4B07-3FB73356BA89}"/>
+              </a:ext>
+            </a:extLst>
+          </p:cNvPr>
+          <p:cNvSpPr/>
+          <p:nvPr/>
+        </p:nvSpPr>
+        <p:spPr>
+          <a:xfrm>
+            <a:off x="1772086" y="2340853"/>
+            <a:ext cx="2654528" cy="145375"/>
+          </a:xfrm>
+          <a:prstGeom prst="roundRect">
+            <a:avLst>
+              <a:gd name="adj" fmla="val 24616"/>
+            </a:avLst>
+          </a:prstGeom>
+          <a:solidFill>
+            <a:schemeClr val="bg1">
+              <a:lumMod val="95000"/>
+            </a:schemeClr>
+          </a:solidFill>
+          <a:ln w="12700"/>
+        </p:spPr>
+        <p:style>
+          <a:lnRef idx="2">
+            <a:schemeClr val="accent1">
+              <a:shade val="15000"/>
+            </a:schemeClr>
+          </a:lnRef>
+          <a:fillRef idx="1">
+            <a:schemeClr val="accent1"/>
+          </a:fillRef>
+          <a:effectRef idx="0">
+            <a:schemeClr val="accent1"/>
+          </a:effectRef>
+          <a:fontRef idx="minor">
+            <a:schemeClr val="lt1"/>
+          </a:fontRef>
+        </p:style>
+        <p:txBody>
+          <a:bodyPr rtlCol="0" anchor="ctr"/>
           <a:lstStyle/>
           <a:p>
             <a:pPr algn="ctr"/>
             <a:r>
-              <a:rPr kumimoji="1" lang="en-US" altLang="ko-KR" sz="1100" b="1"/>
-              <a:t>Time-slicing on MIG</a:t>
-            </a:r>
-            <a:endParaRPr kumimoji="1" lang="ko-KR" altLang="en-US" sz="1100" b="1"/>
-          </a:p>
-        </p:txBody>
-      </p:sp>
-      <p:sp>
-        <p:nvSpPr>
-          <p:cNvPr id="111" name="TextBox 110">
-            <a:extLst>
-              <a:ext uri="{FF2B5EF4-FFF2-40B4-BE49-F238E27FC236}">
-                <a16:creationId xmlns:a16="http://schemas.microsoft.com/office/drawing/2014/main" id="{DA99A843-087F-E378-A649-F2AC957A5C33}"/>
-              </a:ext>
-            </a:extLst>
-          </p:cNvPr>
-          <p:cNvSpPr txBox="1"/>
-          <p:nvPr/>
-        </p:nvSpPr>
-        <p:spPr>
-          <a:xfrm>
-            <a:off x="5662596" y="4708018"/>
-            <a:ext cx="1804072" cy="261610"/>
-          </a:xfrm>
-          <a:prstGeom prst="rect">
+              <a:rPr kumimoji="1" lang="en-US" altLang="ko-KR" sz="900">
+                <a:solidFill>
+                  <a:schemeClr val="tx1"/>
+                </a:solidFill>
+              </a:rPr>
+              <a:t>App A </a:t>
+            </a:r>
+            <a:r>
+              <a:rPr kumimoji="1" lang="en-US" altLang="ko-KR" sz="900">
+                <a:solidFill>
+                  <a:schemeClr val="tx1"/>
+                </a:solidFill>
+                <a:sym typeface="Wingdings" pitchFamily="2" charset="2"/>
+              </a:rPr>
+              <a:t> App B  …</a:t>
+            </a:r>
+            <a:endParaRPr kumimoji="1" lang="en-US" altLang="ko-KR" sz="900">
+              <a:solidFill>
+                <a:schemeClr val="tx1"/>
+              </a:solidFill>
+            </a:endParaRPr>
+          </a:p>
+        </p:txBody>
+      </p:sp>
+      <p:cxnSp>
+        <p:nvCxnSpPr>
+          <p:cNvPr id="13" name="직선 화살표 연결선 12">
+            <a:extLst>
+              <a:ext uri="{FF2B5EF4-FFF2-40B4-BE49-F238E27FC236}">
+                <a16:creationId xmlns:a16="http://schemas.microsoft.com/office/drawing/2014/main" id="{71CC6C8F-1B87-4A57-3DB1-66D40AE66B0D}"/>
+              </a:ext>
+            </a:extLst>
+          </p:cNvPr>
+          <p:cNvCxnSpPr>
+            <a:cxnSpLocks/>
+          </p:cNvCxnSpPr>
+          <p:nvPr/>
+        </p:nvCxnSpPr>
+        <p:spPr>
+          <a:xfrm>
+            <a:off x="4291968" y="1358624"/>
+            <a:ext cx="0" cy="1712554"/>
+          </a:xfrm>
+          <a:prstGeom prst="straightConnector1">
             <a:avLst/>
           </a:prstGeom>
-          <a:noFill/>
-        </p:spPr>
-        <p:txBody>
-          <a:bodyPr wrap="square" rtlCol="0" anchor="ctr">
-            <a:spAutoFit/>
-          </a:bodyPr>
-          <a:lstStyle/>
-          <a:p>
-            <a:pPr algn="ctr"/>
-            <a:r>
-              <a:rPr kumimoji="1" lang="en-US" altLang="ko-KR" sz="1100" b="1"/>
-              <a:t>MPS on MIG</a:t>
-            </a:r>
-            <a:endParaRPr kumimoji="1" lang="ko-KR" altLang="en-US" sz="1100" b="1"/>
-          </a:p>
-        </p:txBody>
-      </p:sp>
+          <a:ln w="12700">
+            <a:solidFill>
+              <a:schemeClr val="tx1"/>
+            </a:solidFill>
+            <a:tailEnd type="triangle"/>
+          </a:ln>
+        </p:spPr>
+        <p:style>
+          <a:lnRef idx="1">
+            <a:schemeClr val="accent1"/>
+          </a:lnRef>
+          <a:fillRef idx="0">
+            <a:schemeClr val="accent1"/>
+          </a:fillRef>
+          <a:effectRef idx="0">
+            <a:schemeClr val="accent1"/>
+          </a:effectRef>
+          <a:fontRef idx="minor">
+            <a:schemeClr val="tx1"/>
+          </a:fontRef>
+        </p:style>
+      </p:cxnSp>
+      <p:cxnSp>
+        <p:nvCxnSpPr>
+          <p:cNvPr id="14" name="직선 화살표 연결선 13">
+            <a:extLst>
+              <a:ext uri="{FF2B5EF4-FFF2-40B4-BE49-F238E27FC236}">
+                <a16:creationId xmlns:a16="http://schemas.microsoft.com/office/drawing/2014/main" id="{6373E06D-9075-7443-5FE3-160DF8EEFB37}"/>
+              </a:ext>
+            </a:extLst>
+          </p:cNvPr>
+          <p:cNvCxnSpPr>
+            <a:cxnSpLocks/>
+          </p:cNvCxnSpPr>
+          <p:nvPr/>
+        </p:nvCxnSpPr>
+        <p:spPr>
+          <a:xfrm>
+            <a:off x="2563776" y="1358624"/>
+            <a:ext cx="0" cy="1712554"/>
+          </a:xfrm>
+          <a:prstGeom prst="straightConnector1">
+            <a:avLst/>
+          </a:prstGeom>
+          <a:ln w="12700">
+            <a:solidFill>
+              <a:schemeClr val="tx1"/>
+            </a:solidFill>
+            <a:tailEnd type="triangle"/>
+          </a:ln>
+        </p:spPr>
+        <p:style>
+          <a:lnRef idx="1">
+            <a:schemeClr val="accent1"/>
+          </a:lnRef>
+          <a:fillRef idx="0">
+            <a:schemeClr val="accent1"/>
+          </a:fillRef>
+          <a:effectRef idx="0">
+            <a:schemeClr val="accent1"/>
+          </a:effectRef>
+          <a:fontRef idx="minor">
+            <a:schemeClr val="tx1"/>
+          </a:fontRef>
+        </p:style>
+      </p:cxnSp>
     </p:spTree>
     <p:extLst>
       <p:ext uri="{BB962C8B-B14F-4D97-AF65-F5344CB8AC3E}">
@@ -25748,7 +25948,7 @@
                   <a:schemeClr val="tx1"/>
                 </a:solidFill>
               </a:rPr>
-              <a:t>Code, Data</a:t>
+              <a:t>Kernel, Data</a:t>
             </a:r>
           </a:p>
         </p:txBody>
@@ -25795,7 +25995,7 @@
           </a:fontRef>
         </p:style>
         <p:txBody>
-          <a:bodyPr rtlCol="0" anchor="ctr"/>
+          <a:bodyPr rtlCol="0" anchor="t"/>
           <a:lstStyle/>
           <a:p>
             <a:pPr algn="ctr"/>
@@ -25941,7 +26141,7 @@
                   <a:schemeClr val="tx1"/>
                 </a:solidFill>
               </a:rPr>
-              <a:t>Code, Data</a:t>
+              <a:t>Kernel, Data</a:t>
             </a:r>
           </a:p>
         </p:txBody>
@@ -26064,7 +26264,7 @@
                   <a:schemeClr val="tx1"/>
                 </a:solidFill>
               </a:rPr>
-              <a:t>Code, Data</a:t>
+              <a:t>Kernel, Data</a:t>
             </a:r>
           </a:p>
         </p:txBody>
@@ -26210,144 +26410,6 @@
           </a:fontRef>
         </p:style>
       </p:cxnSp>
-      <p:cxnSp>
-        <p:nvCxnSpPr>
-          <p:cNvPr id="30" name="직선 화살표 연결선 29">
-            <a:extLst>
-              <a:ext uri="{FF2B5EF4-FFF2-40B4-BE49-F238E27FC236}">
-                <a16:creationId xmlns:a16="http://schemas.microsoft.com/office/drawing/2014/main" id="{A239274F-726E-67FA-3018-D7520E15D351}"/>
-              </a:ext>
-            </a:extLst>
-          </p:cNvPr>
-          <p:cNvCxnSpPr>
-            <a:cxnSpLocks/>
-            <a:stCxn id="4" idx="2"/>
-            <a:endCxn id="15" idx="0"/>
-          </p:cNvCxnSpPr>
-          <p:nvPr/>
-        </p:nvCxnSpPr>
-        <p:spPr>
-          <a:xfrm flipH="1">
-            <a:off x="1092025" y="1936935"/>
-            <a:ext cx="6098" cy="1406426"/>
-          </a:xfrm>
-          <a:prstGeom prst="straightConnector1">
-            <a:avLst/>
-          </a:prstGeom>
-          <a:ln w="12700">
-            <a:solidFill>
-              <a:schemeClr val="tx1"/>
-            </a:solidFill>
-            <a:tailEnd type="triangle"/>
-          </a:ln>
-        </p:spPr>
-        <p:style>
-          <a:lnRef idx="1">
-            <a:schemeClr val="accent1"/>
-          </a:lnRef>
-          <a:fillRef idx="0">
-            <a:schemeClr val="accent1"/>
-          </a:fillRef>
-          <a:effectRef idx="0">
-            <a:schemeClr val="accent1"/>
-          </a:effectRef>
-          <a:fontRef idx="minor">
-            <a:schemeClr val="tx1"/>
-          </a:fontRef>
-        </p:style>
-      </p:cxnSp>
-      <p:cxnSp>
-        <p:nvCxnSpPr>
-          <p:cNvPr id="36" name="직선 화살표 연결선 35">
-            <a:extLst>
-              <a:ext uri="{FF2B5EF4-FFF2-40B4-BE49-F238E27FC236}">
-                <a16:creationId xmlns:a16="http://schemas.microsoft.com/office/drawing/2014/main" id="{E0B427C0-C533-08A9-1B92-E9361638088B}"/>
-              </a:ext>
-            </a:extLst>
-          </p:cNvPr>
-          <p:cNvCxnSpPr>
-            <a:cxnSpLocks/>
-            <a:stCxn id="9" idx="2"/>
-            <a:endCxn id="18" idx="0"/>
-          </p:cNvCxnSpPr>
-          <p:nvPr/>
-        </p:nvCxnSpPr>
-        <p:spPr>
-          <a:xfrm flipH="1">
-            <a:off x="2823265" y="1936935"/>
-            <a:ext cx="3050" cy="1406426"/>
-          </a:xfrm>
-          <a:prstGeom prst="straightConnector1">
-            <a:avLst/>
-          </a:prstGeom>
-          <a:ln w="12700">
-            <a:solidFill>
-              <a:schemeClr val="tx1"/>
-            </a:solidFill>
-            <a:tailEnd type="triangle"/>
-          </a:ln>
-        </p:spPr>
-        <p:style>
-          <a:lnRef idx="1">
-            <a:schemeClr val="accent1"/>
-          </a:lnRef>
-          <a:fillRef idx="0">
-            <a:schemeClr val="accent1"/>
-          </a:fillRef>
-          <a:effectRef idx="0">
-            <a:schemeClr val="accent1"/>
-          </a:effectRef>
-          <a:fontRef idx="minor">
-            <a:schemeClr val="tx1"/>
-          </a:fontRef>
-        </p:style>
-      </p:cxnSp>
-      <p:cxnSp>
-        <p:nvCxnSpPr>
-          <p:cNvPr id="39" name="직선 화살표 연결선 38">
-            <a:extLst>
-              <a:ext uri="{FF2B5EF4-FFF2-40B4-BE49-F238E27FC236}">
-                <a16:creationId xmlns:a16="http://schemas.microsoft.com/office/drawing/2014/main" id="{7C77DE14-913D-63AC-8AEA-4FBFC782138E}"/>
-              </a:ext>
-            </a:extLst>
-          </p:cNvPr>
-          <p:cNvCxnSpPr>
-            <a:cxnSpLocks/>
-            <a:stCxn id="10" idx="2"/>
-            <a:endCxn id="19" idx="0"/>
-          </p:cNvCxnSpPr>
-          <p:nvPr/>
-        </p:nvCxnSpPr>
-        <p:spPr>
-          <a:xfrm flipH="1">
-            <a:off x="4554505" y="1936935"/>
-            <a:ext cx="2" cy="1406426"/>
-          </a:xfrm>
-          <a:prstGeom prst="straightConnector1">
-            <a:avLst/>
-          </a:prstGeom>
-          <a:ln w="12700">
-            <a:solidFill>
-              <a:schemeClr val="tx1"/>
-            </a:solidFill>
-            <a:tailEnd type="triangle"/>
-          </a:ln>
-        </p:spPr>
-        <p:style>
-          <a:lnRef idx="1">
-            <a:schemeClr val="accent1"/>
-          </a:lnRef>
-          <a:fillRef idx="0">
-            <a:schemeClr val="accent1"/>
-          </a:fillRef>
-          <a:effectRef idx="0">
-            <a:schemeClr val="accent1"/>
-          </a:effectRef>
-          <a:fontRef idx="minor">
-            <a:schemeClr val="tx1"/>
-          </a:fontRef>
-        </p:style>
-      </p:cxnSp>
       <p:sp>
         <p:nvSpPr>
           <p:cNvPr id="46" name="TextBox 45">
@@ -26564,6 +26626,213 @@
           <a:xfrm>
             <a:off x="4554507" y="1936935"/>
             <a:ext cx="207747" cy="274775"/>
+          </a:xfrm>
+          <a:prstGeom prst="straightConnector1">
+            <a:avLst/>
+          </a:prstGeom>
+          <a:ln w="12700">
+            <a:solidFill>
+              <a:schemeClr val="tx1"/>
+            </a:solidFill>
+            <a:tailEnd type="triangle"/>
+          </a:ln>
+        </p:spPr>
+        <p:style>
+          <a:lnRef idx="1">
+            <a:schemeClr val="accent1"/>
+          </a:lnRef>
+          <a:fillRef idx="0">
+            <a:schemeClr val="accent1"/>
+          </a:fillRef>
+          <a:effectRef idx="0">
+            <a:schemeClr val="accent1"/>
+          </a:effectRef>
+          <a:fontRef idx="minor">
+            <a:schemeClr val="tx1"/>
+          </a:fontRef>
+        </p:style>
+      </p:cxnSp>
+      <p:sp>
+        <p:nvSpPr>
+          <p:cNvPr id="6" name="모서리가 둥근 직사각형 5">
+            <a:extLst>
+              <a:ext uri="{FF2B5EF4-FFF2-40B4-BE49-F238E27FC236}">
+                <a16:creationId xmlns:a16="http://schemas.microsoft.com/office/drawing/2014/main" id="{BD9C7520-9BE9-4F91-13CC-16B179E8122A}"/>
+              </a:ext>
+            </a:extLst>
+          </p:cNvPr>
+          <p:cNvSpPr/>
+          <p:nvPr/>
+        </p:nvSpPr>
+        <p:spPr>
+          <a:xfrm>
+            <a:off x="570473" y="2555059"/>
+            <a:ext cx="4505584" cy="274775"/>
+          </a:xfrm>
+          <a:prstGeom prst="roundRect">
+            <a:avLst>
+              <a:gd name="adj" fmla="val 12822"/>
+            </a:avLst>
+          </a:prstGeom>
+          <a:solidFill>
+            <a:schemeClr val="bg1">
+              <a:lumMod val="95000"/>
+            </a:schemeClr>
+          </a:solidFill>
+          <a:ln w="12700"/>
+        </p:spPr>
+        <p:style>
+          <a:lnRef idx="2">
+            <a:schemeClr val="accent1">
+              <a:shade val="15000"/>
+            </a:schemeClr>
+          </a:lnRef>
+          <a:fillRef idx="1">
+            <a:schemeClr val="accent1"/>
+          </a:fillRef>
+          <a:effectRef idx="0">
+            <a:schemeClr val="accent1"/>
+          </a:effectRef>
+          <a:fontRef idx="minor">
+            <a:schemeClr val="lt1"/>
+          </a:fontRef>
+        </p:style>
+        <p:txBody>
+          <a:bodyPr rtlCol="0" anchor="ctr"/>
+          <a:lstStyle/>
+          <a:p>
+            <a:pPr algn="ctr"/>
+            <a:r>
+              <a:rPr kumimoji="1" lang="en-US" altLang="ko-KR" sz="900">
+                <a:solidFill>
+                  <a:schemeClr val="tx1"/>
+                </a:solidFill>
+              </a:rPr>
+              <a:t>App A </a:t>
+            </a:r>
+            <a:r>
+              <a:rPr kumimoji="1" lang="en-US" altLang="ko-KR" sz="900">
+                <a:solidFill>
+                  <a:schemeClr val="tx1"/>
+                </a:solidFill>
+                <a:sym typeface="Wingdings" pitchFamily="2" charset="2"/>
+              </a:rPr>
+              <a:t> App B  App C  …</a:t>
+            </a:r>
+            <a:endParaRPr kumimoji="1" lang="en-US" altLang="ko-KR" sz="900">
+              <a:solidFill>
+                <a:schemeClr val="tx1"/>
+              </a:solidFill>
+            </a:endParaRPr>
+          </a:p>
+        </p:txBody>
+      </p:sp>
+      <p:cxnSp>
+        <p:nvCxnSpPr>
+          <p:cNvPr id="17" name="직선 화살표 연결선 16">
+            <a:extLst>
+              <a:ext uri="{FF2B5EF4-FFF2-40B4-BE49-F238E27FC236}">
+                <a16:creationId xmlns:a16="http://schemas.microsoft.com/office/drawing/2014/main" id="{B7E3DAB2-742C-CA4B-9521-72C4D9C43EE0}"/>
+              </a:ext>
+            </a:extLst>
+          </p:cNvPr>
+          <p:cNvCxnSpPr>
+            <a:cxnSpLocks/>
+          </p:cNvCxnSpPr>
+          <p:nvPr/>
+        </p:nvCxnSpPr>
+        <p:spPr>
+          <a:xfrm flipH="1">
+            <a:off x="1092025" y="1936935"/>
+            <a:ext cx="6098" cy="1406426"/>
+          </a:xfrm>
+          <a:prstGeom prst="straightConnector1">
+            <a:avLst/>
+          </a:prstGeom>
+          <a:ln w="12700">
+            <a:solidFill>
+              <a:schemeClr val="tx1"/>
+            </a:solidFill>
+            <a:tailEnd type="triangle"/>
+          </a:ln>
+        </p:spPr>
+        <p:style>
+          <a:lnRef idx="1">
+            <a:schemeClr val="accent1"/>
+          </a:lnRef>
+          <a:fillRef idx="0">
+            <a:schemeClr val="accent1"/>
+          </a:fillRef>
+          <a:effectRef idx="0">
+            <a:schemeClr val="accent1"/>
+          </a:effectRef>
+          <a:fontRef idx="minor">
+            <a:schemeClr val="tx1"/>
+          </a:fontRef>
+        </p:style>
+      </p:cxnSp>
+      <p:cxnSp>
+        <p:nvCxnSpPr>
+          <p:cNvPr id="20" name="직선 화살표 연결선 19">
+            <a:extLst>
+              <a:ext uri="{FF2B5EF4-FFF2-40B4-BE49-F238E27FC236}">
+                <a16:creationId xmlns:a16="http://schemas.microsoft.com/office/drawing/2014/main" id="{AEFD2760-F6B6-BA18-3EF3-B81529E554F2}"/>
+              </a:ext>
+            </a:extLst>
+          </p:cNvPr>
+          <p:cNvCxnSpPr>
+            <a:cxnSpLocks/>
+          </p:cNvCxnSpPr>
+          <p:nvPr/>
+        </p:nvCxnSpPr>
+        <p:spPr>
+          <a:xfrm flipH="1">
+            <a:off x="2823265" y="1936935"/>
+            <a:ext cx="3050" cy="1406426"/>
+          </a:xfrm>
+          <a:prstGeom prst="straightConnector1">
+            <a:avLst/>
+          </a:prstGeom>
+          <a:ln w="12700">
+            <a:solidFill>
+              <a:schemeClr val="tx1"/>
+            </a:solidFill>
+            <a:tailEnd type="triangle"/>
+          </a:ln>
+        </p:spPr>
+        <p:style>
+          <a:lnRef idx="1">
+            <a:schemeClr val="accent1"/>
+          </a:lnRef>
+          <a:fillRef idx="0">
+            <a:schemeClr val="accent1"/>
+          </a:fillRef>
+          <a:effectRef idx="0">
+            <a:schemeClr val="accent1"/>
+          </a:effectRef>
+          <a:fontRef idx="minor">
+            <a:schemeClr val="tx1"/>
+          </a:fontRef>
+        </p:style>
+      </p:cxnSp>
+      <p:cxnSp>
+        <p:nvCxnSpPr>
+          <p:cNvPr id="23" name="직선 화살표 연결선 22">
+            <a:extLst>
+              <a:ext uri="{FF2B5EF4-FFF2-40B4-BE49-F238E27FC236}">
+                <a16:creationId xmlns:a16="http://schemas.microsoft.com/office/drawing/2014/main" id="{9C34C65E-3311-39FF-FE5B-C9D069180DE8}"/>
+              </a:ext>
+            </a:extLst>
+          </p:cNvPr>
+          <p:cNvCxnSpPr>
+            <a:cxnSpLocks/>
+          </p:cNvCxnSpPr>
+          <p:nvPr/>
+        </p:nvCxnSpPr>
+        <p:spPr>
+          <a:xfrm flipH="1">
+            <a:off x="4554505" y="1936935"/>
+            <a:ext cx="2" cy="1406426"/>
           </a:xfrm>
           <a:prstGeom prst="straightConnector1">
             <a:avLst/>
@@ -38835,7 +39104,7 @@
                   <a:schemeClr val="tx1"/>
                 </a:solidFill>
               </a:rPr>
-              <a:t>Code, Data</a:t>
+              <a:t>Kernel, Data</a:t>
             </a:r>
           </a:p>
         </p:txBody>
@@ -38882,7 +39151,7 @@
           </a:fontRef>
         </p:style>
         <p:txBody>
-          <a:bodyPr rtlCol="0" anchor="ctr"/>
+          <a:bodyPr rtlCol="0" anchor="t"/>
           <a:lstStyle/>
           <a:p>
             <a:pPr algn="ctr"/>
@@ -38985,7 +39254,7 @@
                   <a:schemeClr val="tx1"/>
                 </a:solidFill>
               </a:rPr>
-              <a:t>Code, Data</a:t>
+              <a:t>Kernel, Data</a:t>
             </a:r>
           </a:p>
         </p:txBody>
@@ -39065,7 +39334,7 @@
                   <a:schemeClr val="tx1"/>
                 </a:solidFill>
               </a:rPr>
-              <a:t>Code, Data</a:t>
+              <a:t>Kernel, Data</a:t>
             </a:r>
           </a:p>
         </p:txBody>
@@ -39750,6 +40019,192 @@
           </a:fontRef>
         </p:style>
       </p:cxnSp>
+      <p:sp>
+        <p:nvSpPr>
+          <p:cNvPr id="16" name="모서리가 둥근 직사각형 15">
+            <a:extLst>
+              <a:ext uri="{FF2B5EF4-FFF2-40B4-BE49-F238E27FC236}">
+                <a16:creationId xmlns:a16="http://schemas.microsoft.com/office/drawing/2014/main" id="{836A0280-63E2-6A8A-3771-C7F05E705883}"/>
+              </a:ext>
+            </a:extLst>
+          </p:cNvPr>
+          <p:cNvSpPr/>
+          <p:nvPr/>
+        </p:nvSpPr>
+        <p:spPr>
+          <a:xfrm>
+            <a:off x="681319" y="2524730"/>
+            <a:ext cx="1012610" cy="335052"/>
+          </a:xfrm>
+          <a:prstGeom prst="roundRect">
+            <a:avLst>
+              <a:gd name="adj" fmla="val 15928"/>
+            </a:avLst>
+          </a:prstGeom>
+          <a:solidFill>
+            <a:schemeClr val="accent1">
+              <a:lumMod val="20000"/>
+              <a:lumOff val="80000"/>
+            </a:schemeClr>
+          </a:solidFill>
+          <a:ln w="12700"/>
+        </p:spPr>
+        <p:style>
+          <a:lnRef idx="2">
+            <a:schemeClr val="accent1">
+              <a:shade val="15000"/>
+            </a:schemeClr>
+          </a:lnRef>
+          <a:fillRef idx="1">
+            <a:schemeClr val="accent1"/>
+          </a:fillRef>
+          <a:effectRef idx="0">
+            <a:schemeClr val="accent1"/>
+          </a:effectRef>
+          <a:fontRef idx="minor">
+            <a:schemeClr val="lt1"/>
+          </a:fontRef>
+        </p:style>
+        <p:txBody>
+          <a:bodyPr rtlCol="0" anchor="ctr"/>
+          <a:lstStyle/>
+          <a:p>
+            <a:pPr algn="ctr"/>
+            <a:r>
+              <a:rPr kumimoji="1" lang="en-US" altLang="ko-KR" sz="900">
+                <a:solidFill>
+                  <a:schemeClr val="tx1"/>
+                </a:solidFill>
+              </a:rPr>
+              <a:t>App A</a:t>
+            </a:r>
+          </a:p>
+        </p:txBody>
+      </p:sp>
+      <p:sp>
+        <p:nvSpPr>
+          <p:cNvPr id="18" name="모서리가 둥근 직사각형 17">
+            <a:extLst>
+              <a:ext uri="{FF2B5EF4-FFF2-40B4-BE49-F238E27FC236}">
+                <a16:creationId xmlns:a16="http://schemas.microsoft.com/office/drawing/2014/main" id="{2BA16603-4C8A-8592-DF55-0B27F468FFF4}"/>
+              </a:ext>
+            </a:extLst>
+          </p:cNvPr>
+          <p:cNvSpPr/>
+          <p:nvPr/>
+        </p:nvSpPr>
+        <p:spPr>
+          <a:xfrm>
+            <a:off x="2316960" y="2524730"/>
+            <a:ext cx="1012610" cy="335052"/>
+          </a:xfrm>
+          <a:prstGeom prst="roundRect">
+            <a:avLst>
+              <a:gd name="adj" fmla="val 18770"/>
+            </a:avLst>
+          </a:prstGeom>
+          <a:solidFill>
+            <a:schemeClr val="accent3">
+              <a:lumMod val="20000"/>
+              <a:lumOff val="80000"/>
+            </a:schemeClr>
+          </a:solidFill>
+          <a:ln w="12700"/>
+        </p:spPr>
+        <p:style>
+          <a:lnRef idx="2">
+            <a:schemeClr val="accent1">
+              <a:shade val="15000"/>
+            </a:schemeClr>
+          </a:lnRef>
+          <a:fillRef idx="1">
+            <a:schemeClr val="accent1"/>
+          </a:fillRef>
+          <a:effectRef idx="0">
+            <a:schemeClr val="accent1"/>
+          </a:effectRef>
+          <a:fontRef idx="minor">
+            <a:schemeClr val="lt1"/>
+          </a:fontRef>
+        </p:style>
+        <p:txBody>
+          <a:bodyPr rtlCol="0" anchor="ctr"/>
+          <a:lstStyle/>
+          <a:p>
+            <a:pPr algn="ctr"/>
+            <a:r>
+              <a:rPr kumimoji="1" lang="en-US" altLang="ko-KR" sz="900">
+                <a:solidFill>
+                  <a:schemeClr val="tx1"/>
+                </a:solidFill>
+              </a:rPr>
+              <a:t>App B</a:t>
+            </a:r>
+          </a:p>
+        </p:txBody>
+      </p:sp>
+      <p:sp>
+        <p:nvSpPr>
+          <p:cNvPr id="20" name="모서리가 둥근 직사각형 19">
+            <a:extLst>
+              <a:ext uri="{FF2B5EF4-FFF2-40B4-BE49-F238E27FC236}">
+                <a16:creationId xmlns:a16="http://schemas.microsoft.com/office/drawing/2014/main" id="{E68E8DC8-344F-12B7-672F-011C27FC8359}"/>
+              </a:ext>
+            </a:extLst>
+          </p:cNvPr>
+          <p:cNvSpPr/>
+          <p:nvPr/>
+        </p:nvSpPr>
+        <p:spPr>
+          <a:xfrm>
+            <a:off x="3952601" y="2524730"/>
+            <a:ext cx="1012610" cy="335052"/>
+          </a:xfrm>
+          <a:prstGeom prst="roundRect">
+            <a:avLst>
+              <a:gd name="adj" fmla="val 18770"/>
+            </a:avLst>
+          </a:prstGeom>
+          <a:solidFill>
+            <a:schemeClr val="accent2">
+              <a:lumMod val="20000"/>
+              <a:lumOff val="80000"/>
+            </a:schemeClr>
+          </a:solidFill>
+          <a:ln w="12700"/>
+        </p:spPr>
+        <p:style>
+          <a:lnRef idx="2">
+            <a:schemeClr val="accent1">
+              <a:shade val="15000"/>
+            </a:schemeClr>
+          </a:lnRef>
+          <a:fillRef idx="1">
+            <a:schemeClr val="accent1"/>
+          </a:fillRef>
+          <a:effectRef idx="0">
+            <a:schemeClr val="accent1"/>
+          </a:effectRef>
+          <a:fontRef idx="minor">
+            <a:schemeClr val="lt1"/>
+          </a:fontRef>
+        </p:style>
+        <p:txBody>
+          <a:bodyPr rtlCol="0" anchor="ctr"/>
+          <a:lstStyle/>
+          <a:p>
+            <a:pPr algn="ctr"/>
+            <a:r>
+              <a:rPr kumimoji="1" lang="en-US" altLang="ko-KR" sz="900">
+                <a:solidFill>
+                  <a:schemeClr val="tx1"/>
+                </a:solidFill>
+              </a:rPr>
+              <a:t>App C</a:t>
+            </a:r>
+          </a:p>
+        </p:txBody>
+      </p:sp>
     </p:spTree>
     <p:extLst>
       <p:ext uri="{BB962C8B-B14F-4D97-AF65-F5344CB8AC3E}">
@@ -41900,7 +42355,7 @@
           </a:fontRef>
         </p:style>
         <p:txBody>
-          <a:bodyPr rtlCol="0" anchor="ctr"/>
+          <a:bodyPr rtlCol="0" anchor="t"/>
           <a:lstStyle/>
           <a:p>
             <a:pPr algn="ctr"/>
@@ -41928,144 +42383,6 @@
           </a:p>
         </p:txBody>
       </p:sp>
-      <p:cxnSp>
-        <p:nvCxnSpPr>
-          <p:cNvPr id="18" name="직선 화살표 연결선 17">
-            <a:extLst>
-              <a:ext uri="{FF2B5EF4-FFF2-40B4-BE49-F238E27FC236}">
-                <a16:creationId xmlns:a16="http://schemas.microsoft.com/office/drawing/2014/main" id="{3ECE5C62-CC06-1BAE-FE94-F9D3C29CC25D}"/>
-              </a:ext>
-            </a:extLst>
-          </p:cNvPr>
-          <p:cNvCxnSpPr>
-            <a:cxnSpLocks/>
-            <a:stCxn id="3" idx="2"/>
-            <a:endCxn id="15" idx="0"/>
-          </p:cNvCxnSpPr>
-          <p:nvPr/>
-        </p:nvCxnSpPr>
-        <p:spPr>
-          <a:xfrm flipH="1">
-            <a:off x="1092025" y="1936935"/>
-            <a:ext cx="6098" cy="1406426"/>
-          </a:xfrm>
-          <a:prstGeom prst="straightConnector1">
-            <a:avLst/>
-          </a:prstGeom>
-          <a:ln w="12700">
-            <a:solidFill>
-              <a:schemeClr val="tx1"/>
-            </a:solidFill>
-            <a:tailEnd type="triangle"/>
-          </a:ln>
-        </p:spPr>
-        <p:style>
-          <a:lnRef idx="1">
-            <a:schemeClr val="accent1"/>
-          </a:lnRef>
-          <a:fillRef idx="0">
-            <a:schemeClr val="accent1"/>
-          </a:fillRef>
-          <a:effectRef idx="0">
-            <a:schemeClr val="accent1"/>
-          </a:effectRef>
-          <a:fontRef idx="minor">
-            <a:schemeClr val="tx1"/>
-          </a:fontRef>
-        </p:style>
-      </p:cxnSp>
-      <p:cxnSp>
-        <p:nvCxnSpPr>
-          <p:cNvPr id="19" name="직선 화살표 연결선 18">
-            <a:extLst>
-              <a:ext uri="{FF2B5EF4-FFF2-40B4-BE49-F238E27FC236}">
-                <a16:creationId xmlns:a16="http://schemas.microsoft.com/office/drawing/2014/main" id="{43E3D3CA-5A84-350F-E2A8-043AF27B8F0C}"/>
-              </a:ext>
-            </a:extLst>
-          </p:cNvPr>
-          <p:cNvCxnSpPr>
-            <a:cxnSpLocks/>
-            <a:stCxn id="8" idx="2"/>
-            <a:endCxn id="16" idx="0"/>
-          </p:cNvCxnSpPr>
-          <p:nvPr/>
-        </p:nvCxnSpPr>
-        <p:spPr>
-          <a:xfrm flipH="1">
-            <a:off x="2823680" y="1856566"/>
-            <a:ext cx="2634" cy="1486795"/>
-          </a:xfrm>
-          <a:prstGeom prst="straightConnector1">
-            <a:avLst/>
-          </a:prstGeom>
-          <a:ln w="12700">
-            <a:solidFill>
-              <a:schemeClr val="tx1"/>
-            </a:solidFill>
-            <a:tailEnd type="triangle"/>
-          </a:ln>
-        </p:spPr>
-        <p:style>
-          <a:lnRef idx="1">
-            <a:schemeClr val="accent1"/>
-          </a:lnRef>
-          <a:fillRef idx="0">
-            <a:schemeClr val="accent1"/>
-          </a:fillRef>
-          <a:effectRef idx="0">
-            <a:schemeClr val="accent1"/>
-          </a:effectRef>
-          <a:fontRef idx="minor">
-            <a:schemeClr val="tx1"/>
-          </a:fontRef>
-        </p:style>
-      </p:cxnSp>
-      <p:cxnSp>
-        <p:nvCxnSpPr>
-          <p:cNvPr id="20" name="직선 화살표 연결선 19">
-            <a:extLst>
-              <a:ext uri="{FF2B5EF4-FFF2-40B4-BE49-F238E27FC236}">
-                <a16:creationId xmlns:a16="http://schemas.microsoft.com/office/drawing/2014/main" id="{67C393CB-1E38-EAE6-3639-F8C9DC6B537F}"/>
-              </a:ext>
-            </a:extLst>
-          </p:cNvPr>
-          <p:cNvCxnSpPr>
-            <a:cxnSpLocks/>
-            <a:stCxn id="9" idx="2"/>
-            <a:endCxn id="17" idx="0"/>
-          </p:cNvCxnSpPr>
-          <p:nvPr/>
-        </p:nvCxnSpPr>
-        <p:spPr>
-          <a:xfrm flipH="1">
-            <a:off x="4554505" y="1856566"/>
-            <a:ext cx="1" cy="1486795"/>
-          </a:xfrm>
-          <a:prstGeom prst="straightConnector1">
-            <a:avLst/>
-          </a:prstGeom>
-          <a:ln w="12700">
-            <a:solidFill>
-              <a:schemeClr val="tx1"/>
-            </a:solidFill>
-            <a:tailEnd type="triangle"/>
-          </a:ln>
-        </p:spPr>
-        <p:style>
-          <a:lnRef idx="1">
-            <a:schemeClr val="accent1"/>
-          </a:lnRef>
-          <a:fillRef idx="0">
-            <a:schemeClr val="accent1"/>
-          </a:fillRef>
-          <a:effectRef idx="0">
-            <a:schemeClr val="accent1"/>
-          </a:effectRef>
-          <a:fontRef idx="minor">
-            <a:schemeClr val="tx1"/>
-          </a:fontRef>
-        </p:style>
-      </p:cxnSp>
       <p:cxnSp>
         <p:nvCxnSpPr>
           <p:cNvPr id="23" name="직선 화살표 연결선 22">
@@ -42339,7 +42656,7 @@
                   <a:schemeClr val="tx1"/>
                 </a:solidFill>
               </a:rPr>
-              <a:t>Code, Data</a:t>
+              <a:t>Kernel, Data</a:t>
             </a:r>
           </a:p>
         </p:txBody>
@@ -42435,7 +42752,7 @@
                   <a:schemeClr val="tx1"/>
                 </a:solidFill>
               </a:rPr>
-              <a:t>Code, Data</a:t>
+              <a:t>Kernel, Data</a:t>
             </a:r>
           </a:p>
         </p:txBody>
@@ -42531,7 +42848,7 @@
                   <a:schemeClr val="tx1"/>
                 </a:solidFill>
               </a:rPr>
-              <a:t>Code, Data</a:t>
+              <a:t>Kernel, Data</a:t>
             </a:r>
           </a:p>
         </p:txBody>
@@ -43027,7 +43344,7 @@
         <p:spPr>
           <a:xfrm>
             <a:off x="1098123" y="1936935"/>
-            <a:ext cx="197102" cy="274775"/>
+            <a:ext cx="167602" cy="548182"/>
           </a:xfrm>
           <a:prstGeom prst="straightConnector1">
             <a:avLst/>
@@ -43072,7 +43389,7 @@
         <p:spPr>
           <a:xfrm>
             <a:off x="2826315" y="1936935"/>
-            <a:ext cx="207399" cy="274775"/>
+            <a:ext cx="172155" cy="550124"/>
           </a:xfrm>
           <a:prstGeom prst="straightConnector1">
             <a:avLst/>
@@ -43117,7 +43434,7 @@
         <p:spPr>
           <a:xfrm>
             <a:off x="4554507" y="1936935"/>
-            <a:ext cx="200762" cy="274775"/>
+            <a:ext cx="171273" cy="548182"/>
           </a:xfrm>
           <a:prstGeom prst="straightConnector1">
             <a:avLst/>
@@ -43144,6 +43461,492 @@
           </a:fontRef>
         </p:style>
       </p:cxnSp>
+      <p:sp>
+        <p:nvSpPr>
+          <p:cNvPr id="11" name="모서리가 둥근 직사각형 10">
+            <a:extLst>
+              <a:ext uri="{FF2B5EF4-FFF2-40B4-BE49-F238E27FC236}">
+                <a16:creationId xmlns:a16="http://schemas.microsoft.com/office/drawing/2014/main" id="{DE97B2A2-6E9E-A879-0A46-91DA599366B6}"/>
+              </a:ext>
+            </a:extLst>
+          </p:cNvPr>
+          <p:cNvSpPr/>
+          <p:nvPr/>
+        </p:nvSpPr>
+        <p:spPr>
+          <a:xfrm>
+            <a:off x="570473" y="2487059"/>
+            <a:ext cx="1043104" cy="335052"/>
+          </a:xfrm>
+          <a:prstGeom prst="roundRect">
+            <a:avLst>
+              <a:gd name="adj" fmla="val 15928"/>
+            </a:avLst>
+          </a:prstGeom>
+          <a:solidFill>
+            <a:schemeClr val="accent1">
+              <a:lumMod val="20000"/>
+              <a:lumOff val="80000"/>
+            </a:schemeClr>
+          </a:solidFill>
+          <a:ln w="12700"/>
+        </p:spPr>
+        <p:style>
+          <a:lnRef idx="2">
+            <a:schemeClr val="accent1">
+              <a:shade val="15000"/>
+            </a:schemeClr>
+          </a:lnRef>
+          <a:fillRef idx="1">
+            <a:schemeClr val="accent1"/>
+          </a:fillRef>
+          <a:effectRef idx="0">
+            <a:schemeClr val="accent1"/>
+          </a:effectRef>
+          <a:fontRef idx="minor">
+            <a:schemeClr val="lt1"/>
+          </a:fontRef>
+        </p:style>
+        <p:txBody>
+          <a:bodyPr rtlCol="0" anchor="ctr"/>
+          <a:lstStyle/>
+          <a:p>
+            <a:pPr algn="ctr"/>
+            <a:r>
+              <a:rPr kumimoji="1" lang="en-US" altLang="ko-KR" sz="900">
+                <a:solidFill>
+                  <a:schemeClr val="tx1"/>
+                </a:solidFill>
+              </a:rPr>
+              <a:t>App A</a:t>
+            </a:r>
+          </a:p>
+        </p:txBody>
+      </p:sp>
+      <p:sp>
+        <p:nvSpPr>
+          <p:cNvPr id="22" name="모서리가 둥근 직사각형 21">
+            <a:extLst>
+              <a:ext uri="{FF2B5EF4-FFF2-40B4-BE49-F238E27FC236}">
+                <a16:creationId xmlns:a16="http://schemas.microsoft.com/office/drawing/2014/main" id="{FF5C50BF-0E8D-7552-D162-F2BBE1EE5C22}"/>
+              </a:ext>
+            </a:extLst>
+          </p:cNvPr>
+          <p:cNvSpPr/>
+          <p:nvPr/>
+        </p:nvSpPr>
+        <p:spPr>
+          <a:xfrm>
+            <a:off x="2298665" y="2487059"/>
+            <a:ext cx="1043104" cy="335052"/>
+          </a:xfrm>
+          <a:prstGeom prst="roundRect">
+            <a:avLst>
+              <a:gd name="adj" fmla="val 15928"/>
+            </a:avLst>
+          </a:prstGeom>
+          <a:solidFill>
+            <a:schemeClr val="accent3">
+              <a:lumMod val="20000"/>
+              <a:lumOff val="80000"/>
+            </a:schemeClr>
+          </a:solidFill>
+          <a:ln w="12700"/>
+        </p:spPr>
+        <p:style>
+          <a:lnRef idx="2">
+            <a:schemeClr val="accent1">
+              <a:shade val="15000"/>
+            </a:schemeClr>
+          </a:lnRef>
+          <a:fillRef idx="1">
+            <a:schemeClr val="accent1"/>
+          </a:fillRef>
+          <a:effectRef idx="0">
+            <a:schemeClr val="accent1"/>
+          </a:effectRef>
+          <a:fontRef idx="minor">
+            <a:schemeClr val="lt1"/>
+          </a:fontRef>
+        </p:style>
+        <p:txBody>
+          <a:bodyPr rtlCol="0" anchor="ctr"/>
+          <a:lstStyle/>
+          <a:p>
+            <a:pPr algn="ctr"/>
+            <a:r>
+              <a:rPr kumimoji="1" lang="en-US" altLang="ko-KR" sz="900">
+                <a:solidFill>
+                  <a:schemeClr val="tx1"/>
+                </a:solidFill>
+              </a:rPr>
+              <a:t>App B</a:t>
+            </a:r>
+          </a:p>
+        </p:txBody>
+      </p:sp>
+      <p:sp>
+        <p:nvSpPr>
+          <p:cNvPr id="27" name="모서리가 둥근 직사각형 26">
+            <a:extLst>
+              <a:ext uri="{FF2B5EF4-FFF2-40B4-BE49-F238E27FC236}">
+                <a16:creationId xmlns:a16="http://schemas.microsoft.com/office/drawing/2014/main" id="{F0CDB7FF-77DD-4FEA-5A31-B23DC353D816}"/>
+              </a:ext>
+            </a:extLst>
+          </p:cNvPr>
+          <p:cNvSpPr/>
+          <p:nvPr/>
+        </p:nvSpPr>
+        <p:spPr>
+          <a:xfrm>
+            <a:off x="4032953" y="2487059"/>
+            <a:ext cx="1043104" cy="335052"/>
+          </a:xfrm>
+          <a:prstGeom prst="roundRect">
+            <a:avLst>
+              <a:gd name="adj" fmla="val 15928"/>
+            </a:avLst>
+          </a:prstGeom>
+          <a:solidFill>
+            <a:schemeClr val="accent2">
+              <a:lumMod val="20000"/>
+              <a:lumOff val="80000"/>
+            </a:schemeClr>
+          </a:solidFill>
+          <a:ln w="12700"/>
+        </p:spPr>
+        <p:style>
+          <a:lnRef idx="2">
+            <a:schemeClr val="accent1">
+              <a:shade val="15000"/>
+            </a:schemeClr>
+          </a:lnRef>
+          <a:fillRef idx="1">
+            <a:schemeClr val="accent1"/>
+          </a:fillRef>
+          <a:effectRef idx="0">
+            <a:schemeClr val="accent1"/>
+          </a:effectRef>
+          <a:fontRef idx="minor">
+            <a:schemeClr val="lt1"/>
+          </a:fontRef>
+        </p:style>
+        <p:txBody>
+          <a:bodyPr rtlCol="0" anchor="ctr"/>
+          <a:lstStyle/>
+          <a:p>
+            <a:pPr algn="ctr"/>
+            <a:r>
+              <a:rPr kumimoji="1" lang="en-US" altLang="ko-KR" sz="900">
+                <a:solidFill>
+                  <a:schemeClr val="tx1"/>
+                </a:solidFill>
+              </a:rPr>
+              <a:t>App C</a:t>
+            </a:r>
+          </a:p>
+        </p:txBody>
+      </p:sp>
+      <p:cxnSp>
+        <p:nvCxnSpPr>
+          <p:cNvPr id="33" name="직선 화살표 연결선 32">
+            <a:extLst>
+              <a:ext uri="{FF2B5EF4-FFF2-40B4-BE49-F238E27FC236}">
+                <a16:creationId xmlns:a16="http://schemas.microsoft.com/office/drawing/2014/main" id="{49755966-35B9-C309-0D90-895E2CDD8A52}"/>
+              </a:ext>
+            </a:extLst>
+          </p:cNvPr>
+          <p:cNvCxnSpPr>
+            <a:cxnSpLocks/>
+          </p:cNvCxnSpPr>
+          <p:nvPr/>
+        </p:nvCxnSpPr>
+        <p:spPr>
+          <a:xfrm flipH="1">
+            <a:off x="1092025" y="1936935"/>
+            <a:ext cx="6098" cy="1406426"/>
+          </a:xfrm>
+          <a:prstGeom prst="straightConnector1">
+            <a:avLst/>
+          </a:prstGeom>
+          <a:ln w="12700">
+            <a:solidFill>
+              <a:schemeClr val="tx1"/>
+            </a:solidFill>
+            <a:tailEnd type="triangle"/>
+          </a:ln>
+        </p:spPr>
+        <p:style>
+          <a:lnRef idx="1">
+            <a:schemeClr val="accent1"/>
+          </a:lnRef>
+          <a:fillRef idx="0">
+            <a:schemeClr val="accent1"/>
+          </a:fillRef>
+          <a:effectRef idx="0">
+            <a:schemeClr val="accent1"/>
+          </a:effectRef>
+          <a:fontRef idx="minor">
+            <a:schemeClr val="tx1"/>
+          </a:fontRef>
+        </p:style>
+      </p:cxnSp>
+      <p:cxnSp>
+        <p:nvCxnSpPr>
+          <p:cNvPr id="34" name="직선 화살표 연결선 33">
+            <a:extLst>
+              <a:ext uri="{FF2B5EF4-FFF2-40B4-BE49-F238E27FC236}">
+                <a16:creationId xmlns:a16="http://schemas.microsoft.com/office/drawing/2014/main" id="{DC7A4787-9ABD-D614-3D5A-2EC51316456E}"/>
+              </a:ext>
+            </a:extLst>
+          </p:cNvPr>
+          <p:cNvCxnSpPr>
+            <a:cxnSpLocks/>
+          </p:cNvCxnSpPr>
+          <p:nvPr/>
+        </p:nvCxnSpPr>
+        <p:spPr>
+          <a:xfrm flipH="1">
+            <a:off x="2823680" y="1856566"/>
+            <a:ext cx="2634" cy="1486795"/>
+          </a:xfrm>
+          <a:prstGeom prst="straightConnector1">
+            <a:avLst/>
+          </a:prstGeom>
+          <a:ln w="12700">
+            <a:solidFill>
+              <a:schemeClr val="tx1"/>
+            </a:solidFill>
+            <a:tailEnd type="triangle"/>
+          </a:ln>
+        </p:spPr>
+        <p:style>
+          <a:lnRef idx="1">
+            <a:schemeClr val="accent1"/>
+          </a:lnRef>
+          <a:fillRef idx="0">
+            <a:schemeClr val="accent1"/>
+          </a:fillRef>
+          <a:effectRef idx="0">
+            <a:schemeClr val="accent1"/>
+          </a:effectRef>
+          <a:fontRef idx="minor">
+            <a:schemeClr val="tx1"/>
+          </a:fontRef>
+        </p:style>
+      </p:cxnSp>
+      <p:cxnSp>
+        <p:nvCxnSpPr>
+          <p:cNvPr id="36" name="직선 화살표 연결선 35">
+            <a:extLst>
+              <a:ext uri="{FF2B5EF4-FFF2-40B4-BE49-F238E27FC236}">
+                <a16:creationId xmlns:a16="http://schemas.microsoft.com/office/drawing/2014/main" id="{7B9DFC0D-F244-C656-2EB7-503CEB3C8327}"/>
+              </a:ext>
+            </a:extLst>
+          </p:cNvPr>
+          <p:cNvCxnSpPr>
+            <a:cxnSpLocks/>
+          </p:cNvCxnSpPr>
+          <p:nvPr/>
+        </p:nvCxnSpPr>
+        <p:spPr>
+          <a:xfrm flipH="1">
+            <a:off x="4554505" y="1856566"/>
+            <a:ext cx="1" cy="1486795"/>
+          </a:xfrm>
+          <a:prstGeom prst="straightConnector1">
+            <a:avLst/>
+          </a:prstGeom>
+          <a:ln w="12700">
+            <a:solidFill>
+              <a:schemeClr val="tx1"/>
+            </a:solidFill>
+            <a:tailEnd type="triangle"/>
+          </a:ln>
+        </p:spPr>
+        <p:style>
+          <a:lnRef idx="1">
+            <a:schemeClr val="accent1"/>
+          </a:lnRef>
+          <a:fillRef idx="0">
+            <a:schemeClr val="accent1"/>
+          </a:fillRef>
+          <a:effectRef idx="0">
+            <a:schemeClr val="accent1"/>
+          </a:effectRef>
+          <a:fontRef idx="minor">
+            <a:schemeClr val="tx1"/>
+          </a:fontRef>
+        </p:style>
+      </p:cxnSp>
+      <p:sp>
+        <p:nvSpPr>
+          <p:cNvPr id="37" name="모서리가 둥근 직사각형 36">
+            <a:extLst>
+              <a:ext uri="{FF2B5EF4-FFF2-40B4-BE49-F238E27FC236}">
+                <a16:creationId xmlns:a16="http://schemas.microsoft.com/office/drawing/2014/main" id="{6F94B15A-10A9-3187-3588-B8D6382DD56A}"/>
+              </a:ext>
+            </a:extLst>
+          </p:cNvPr>
+          <p:cNvSpPr/>
+          <p:nvPr/>
+        </p:nvSpPr>
+        <p:spPr>
+          <a:xfrm>
+            <a:off x="519830" y="2441466"/>
+            <a:ext cx="1144388" cy="421749"/>
+          </a:xfrm>
+          <a:prstGeom prst="roundRect">
+            <a:avLst>
+              <a:gd name="adj" fmla="val 8070"/>
+            </a:avLst>
+          </a:prstGeom>
+          <a:noFill/>
+          <a:ln w="12700">
+            <a:prstDash val="dash"/>
+          </a:ln>
+        </p:spPr>
+        <p:style>
+          <a:lnRef idx="2">
+            <a:schemeClr val="accent1">
+              <a:shade val="15000"/>
+            </a:schemeClr>
+          </a:lnRef>
+          <a:fillRef idx="1">
+            <a:schemeClr val="accent1"/>
+          </a:fillRef>
+          <a:effectRef idx="0">
+            <a:schemeClr val="accent1"/>
+          </a:effectRef>
+          <a:fontRef idx="minor">
+            <a:schemeClr val="lt1"/>
+          </a:fontRef>
+        </p:style>
+        <p:txBody>
+          <a:bodyPr rtlCol="0" anchor="t"/>
+          <a:lstStyle/>
+          <a:p>
+            <a:pPr algn="ctr"/>
+            <a:endParaRPr kumimoji="1" lang="ko-KR" altLang="en-US" sz="900">
+              <a:solidFill>
+                <a:schemeClr val="tx1"/>
+              </a:solidFill>
+            </a:endParaRPr>
+          </a:p>
+        </p:txBody>
+      </p:sp>
+      <p:sp>
+        <p:nvSpPr>
+          <p:cNvPr id="40" name="모서리가 둥근 직사각형 39">
+            <a:extLst>
+              <a:ext uri="{FF2B5EF4-FFF2-40B4-BE49-F238E27FC236}">
+                <a16:creationId xmlns:a16="http://schemas.microsoft.com/office/drawing/2014/main" id="{DB667D2A-E92C-A0EF-7A29-749BD7B864ED}"/>
+              </a:ext>
+            </a:extLst>
+          </p:cNvPr>
+          <p:cNvSpPr/>
+          <p:nvPr/>
+        </p:nvSpPr>
+        <p:spPr>
+          <a:xfrm>
+            <a:off x="2255821" y="2441466"/>
+            <a:ext cx="1144388" cy="421749"/>
+          </a:xfrm>
+          <a:prstGeom prst="roundRect">
+            <a:avLst>
+              <a:gd name="adj" fmla="val 8070"/>
+            </a:avLst>
+          </a:prstGeom>
+          <a:noFill/>
+          <a:ln w="12700">
+            <a:prstDash val="dash"/>
+          </a:ln>
+        </p:spPr>
+        <p:style>
+          <a:lnRef idx="2">
+            <a:schemeClr val="accent1">
+              <a:shade val="15000"/>
+            </a:schemeClr>
+          </a:lnRef>
+          <a:fillRef idx="1">
+            <a:schemeClr val="accent1"/>
+          </a:fillRef>
+          <a:effectRef idx="0">
+            <a:schemeClr val="accent1"/>
+          </a:effectRef>
+          <a:fontRef idx="minor">
+            <a:schemeClr val="lt1"/>
+          </a:fontRef>
+        </p:style>
+        <p:txBody>
+          <a:bodyPr rtlCol="0" anchor="t"/>
+          <a:lstStyle/>
+          <a:p>
+            <a:pPr algn="ctr"/>
+            <a:endParaRPr kumimoji="1" lang="ko-KR" altLang="en-US" sz="900">
+              <a:solidFill>
+                <a:schemeClr val="tx1"/>
+              </a:solidFill>
+            </a:endParaRPr>
+          </a:p>
+        </p:txBody>
+      </p:sp>
+      <p:sp>
+        <p:nvSpPr>
+          <p:cNvPr id="41" name="모서리가 둥근 직사각형 40">
+            <a:extLst>
+              <a:ext uri="{FF2B5EF4-FFF2-40B4-BE49-F238E27FC236}">
+                <a16:creationId xmlns:a16="http://schemas.microsoft.com/office/drawing/2014/main" id="{472EFAA6-459E-CE41-7578-12453202BAD5}"/>
+              </a:ext>
+            </a:extLst>
+          </p:cNvPr>
+          <p:cNvSpPr/>
+          <p:nvPr/>
+        </p:nvSpPr>
+        <p:spPr>
+          <a:xfrm>
+            <a:off x="3976548" y="2441466"/>
+            <a:ext cx="1144388" cy="421749"/>
+          </a:xfrm>
+          <a:prstGeom prst="roundRect">
+            <a:avLst>
+              <a:gd name="adj" fmla="val 8070"/>
+            </a:avLst>
+          </a:prstGeom>
+          <a:noFill/>
+          <a:ln w="12700">
+            <a:prstDash val="dash"/>
+          </a:ln>
+        </p:spPr>
+        <p:style>
+          <a:lnRef idx="2">
+            <a:schemeClr val="accent1">
+              <a:shade val="15000"/>
+            </a:schemeClr>
+          </a:lnRef>
+          <a:fillRef idx="1">
+            <a:schemeClr val="accent1"/>
+          </a:fillRef>
+          <a:effectRef idx="0">
+            <a:schemeClr val="accent1"/>
+          </a:effectRef>
+          <a:fontRef idx="minor">
+            <a:schemeClr val="lt1"/>
+          </a:fontRef>
+        </p:style>
+        <p:txBody>
+          <a:bodyPr rtlCol="0" anchor="t"/>
+          <a:lstStyle/>
+          <a:p>
+            <a:pPr algn="ctr"/>
+            <a:endParaRPr kumimoji="1" lang="ko-KR" altLang="en-US" sz="900">
+              <a:solidFill>
+                <a:schemeClr val="tx1"/>
+              </a:solidFill>
+            </a:endParaRPr>
+          </a:p>
+        </p:txBody>
+      </p:sp>
     </p:spTree>
     <p:extLst>
       <p:ext uri="{BB962C8B-B14F-4D97-AF65-F5344CB8AC3E}">
@@ -45396,138 +46199,6 @@
           </a:p>
         </p:txBody>
       </p:sp>
-      <p:cxnSp>
-        <p:nvCxnSpPr>
-          <p:cNvPr id="18" name="직선 화살표 연결선 17">
-            <a:extLst>
-              <a:ext uri="{FF2B5EF4-FFF2-40B4-BE49-F238E27FC236}">
-                <a16:creationId xmlns:a16="http://schemas.microsoft.com/office/drawing/2014/main" id="{EB18D672-24CD-8763-4D06-B32087D4474B}"/>
-              </a:ext>
-            </a:extLst>
-          </p:cNvPr>
-          <p:cNvCxnSpPr>
-            <a:cxnSpLocks/>
-          </p:cNvCxnSpPr>
-          <p:nvPr/>
-        </p:nvCxnSpPr>
-        <p:spPr>
-          <a:xfrm>
-            <a:off x="1449489" y="1251333"/>
-            <a:ext cx="0" cy="1712554"/>
-          </a:xfrm>
-          <a:prstGeom prst="straightConnector1">
-            <a:avLst/>
-          </a:prstGeom>
-          <a:ln w="12700">
-            <a:solidFill>
-              <a:schemeClr val="tx1"/>
-            </a:solidFill>
-            <a:tailEnd type="triangle"/>
-          </a:ln>
-        </p:spPr>
-        <p:style>
-          <a:lnRef idx="1">
-            <a:schemeClr val="accent1"/>
-          </a:lnRef>
-          <a:fillRef idx="0">
-            <a:schemeClr val="accent1"/>
-          </a:fillRef>
-          <a:effectRef idx="0">
-            <a:schemeClr val="accent1"/>
-          </a:effectRef>
-          <a:fontRef idx="minor">
-            <a:schemeClr val="tx1"/>
-          </a:fontRef>
-        </p:style>
-      </p:cxnSp>
-      <p:cxnSp>
-        <p:nvCxnSpPr>
-          <p:cNvPr id="19" name="직선 화살표 연결선 18">
-            <a:extLst>
-              <a:ext uri="{FF2B5EF4-FFF2-40B4-BE49-F238E27FC236}">
-                <a16:creationId xmlns:a16="http://schemas.microsoft.com/office/drawing/2014/main" id="{BB8246A4-DF47-DF1B-25B6-1684D64FEA0D}"/>
-              </a:ext>
-            </a:extLst>
-          </p:cNvPr>
-          <p:cNvCxnSpPr>
-            <a:cxnSpLocks/>
-          </p:cNvCxnSpPr>
-          <p:nvPr/>
-        </p:nvCxnSpPr>
-        <p:spPr>
-          <a:xfrm>
-            <a:off x="3183778" y="1251333"/>
-            <a:ext cx="0" cy="1712554"/>
-          </a:xfrm>
-          <a:prstGeom prst="straightConnector1">
-            <a:avLst/>
-          </a:prstGeom>
-          <a:ln w="12700">
-            <a:solidFill>
-              <a:schemeClr val="tx1"/>
-            </a:solidFill>
-            <a:tailEnd type="triangle"/>
-          </a:ln>
-        </p:spPr>
-        <p:style>
-          <a:lnRef idx="1">
-            <a:schemeClr val="accent1"/>
-          </a:lnRef>
-          <a:fillRef idx="0">
-            <a:schemeClr val="accent1"/>
-          </a:fillRef>
-          <a:effectRef idx="0">
-            <a:schemeClr val="accent1"/>
-          </a:effectRef>
-          <a:fontRef idx="minor">
-            <a:schemeClr val="tx1"/>
-          </a:fontRef>
-        </p:style>
-      </p:cxnSp>
-      <p:cxnSp>
-        <p:nvCxnSpPr>
-          <p:cNvPr id="20" name="직선 화살표 연결선 19">
-            <a:extLst>
-              <a:ext uri="{FF2B5EF4-FFF2-40B4-BE49-F238E27FC236}">
-                <a16:creationId xmlns:a16="http://schemas.microsoft.com/office/drawing/2014/main" id="{5A431BE5-9A97-E9F6-4BCA-AFD050A2D41C}"/>
-              </a:ext>
-            </a:extLst>
-          </p:cNvPr>
-          <p:cNvCxnSpPr>
-            <a:cxnSpLocks/>
-          </p:cNvCxnSpPr>
-          <p:nvPr/>
-        </p:nvCxnSpPr>
-        <p:spPr>
-          <a:xfrm>
-            <a:off x="4911970" y="1251333"/>
-            <a:ext cx="0" cy="1712554"/>
-          </a:xfrm>
-          <a:prstGeom prst="straightConnector1">
-            <a:avLst/>
-          </a:prstGeom>
-          <a:ln w="12700">
-            <a:solidFill>
-              <a:schemeClr val="tx1"/>
-            </a:solidFill>
-            <a:tailEnd type="triangle"/>
-          </a:ln>
-        </p:spPr>
-        <p:style>
-          <a:lnRef idx="1">
-            <a:schemeClr val="accent1"/>
-          </a:lnRef>
-          <a:fillRef idx="0">
-            <a:schemeClr val="accent1"/>
-          </a:fillRef>
-          <a:effectRef idx="0">
-            <a:schemeClr val="accent1"/>
-          </a:effectRef>
-          <a:fontRef idx="minor">
-            <a:schemeClr val="tx1"/>
-          </a:fontRef>
-        </p:style>
-      </p:cxnSp>
       <p:sp>
         <p:nvSpPr>
           <p:cNvPr id="21" name="모서리가 둥근 직사각형 20">
@@ -45611,7 +46282,7 @@
                   <a:schemeClr val="tx1"/>
                 </a:solidFill>
               </a:rPr>
-              <a:t>Code, Data</a:t>
+              <a:t>Kernel, Data</a:t>
             </a:r>
           </a:p>
         </p:txBody>
@@ -45707,7 +46378,7 @@
                   <a:schemeClr val="tx1"/>
                 </a:solidFill>
               </a:rPr>
-              <a:t>Code, Data</a:t>
+              <a:t>Kernel, Data</a:t>
             </a:r>
           </a:p>
         </p:txBody>
@@ -45804,7 +46475,7 @@
                   <a:schemeClr val="tx1"/>
                 </a:solidFill>
               </a:rPr>
-              <a:t>Code, Data</a:t>
+              <a:t>Kernel, Data</a:t>
             </a:r>
           </a:p>
         </p:txBody>
@@ -46095,8 +46766,8 @@
         </p:nvSpPr>
         <p:spPr>
           <a:xfrm>
-            <a:off x="656932" y="2101465"/>
-            <a:ext cx="870186" cy="346620"/>
+            <a:off x="565513" y="2067694"/>
+            <a:ext cx="1053024" cy="414162"/>
           </a:xfrm>
           <a:prstGeom prst="roundRect">
             <a:avLst>
@@ -46123,7 +46794,7 @@
           </a:fontRef>
         </p:style>
         <p:txBody>
-          <a:bodyPr rtlCol="0" anchor="ctr"/>
+          <a:bodyPr rtlCol="0" anchor="t"/>
           <a:lstStyle/>
           <a:p>
             <a:pPr algn="ctr"/>
@@ -46368,10 +47039,10 @@
       </p:sp>
       <p:sp>
         <p:nvSpPr>
-          <p:cNvPr id="28" name="모서리가 둥근 직사각형 27">
-            <a:extLst>
-              <a:ext uri="{FF2B5EF4-FFF2-40B4-BE49-F238E27FC236}">
-                <a16:creationId xmlns:a16="http://schemas.microsoft.com/office/drawing/2014/main" id="{5291A795-E417-7D64-FEF1-A186F325EA55}"/>
+          <p:cNvPr id="70" name="모서리가 둥근 직사각형 69">
+            <a:extLst>
+              <a:ext uri="{FF2B5EF4-FFF2-40B4-BE49-F238E27FC236}">
+                <a16:creationId xmlns:a16="http://schemas.microsoft.com/office/drawing/2014/main" id="{B2CA0ABF-8019-394C-DF41-BBDD9F230B41}"/>
               </a:ext>
             </a:extLst>
           </p:cNvPr>
@@ -46380,12 +47051,12 @@
         </p:nvSpPr>
         <p:spPr>
           <a:xfrm>
-            <a:off x="2390436" y="2101465"/>
-            <a:ext cx="870186" cy="346620"/>
+            <a:off x="3979081" y="1674621"/>
+            <a:ext cx="1160864" cy="848329"/>
           </a:xfrm>
           <a:prstGeom prst="roundRect">
             <a:avLst>
-              <a:gd name="adj" fmla="val 13713"/>
+              <a:gd name="adj" fmla="val 8070"/>
             </a:avLst>
           </a:prstGeom>
           <a:noFill/>
@@ -46408,9 +47079,65 @@
           </a:fontRef>
         </p:style>
         <p:txBody>
-          <a:bodyPr rtlCol="0" anchor="ctr"/>
+          <a:bodyPr rtlCol="0" anchor="t"/>
           <a:lstStyle/>
           <a:p>
+            <a:r>
+              <a:rPr kumimoji="1" lang="en-US" altLang="ko-KR" sz="900" b="1">
+                <a:solidFill>
+                  <a:schemeClr val="tx1"/>
+                </a:solidFill>
+              </a:rPr>
+              <a:t>MIG Compute Instance</a:t>
+            </a:r>
+          </a:p>
+        </p:txBody>
+      </p:sp>
+      <p:sp>
+        <p:nvSpPr>
+          <p:cNvPr id="72" name="모서리가 둥근 직사각형 71">
+            <a:extLst>
+              <a:ext uri="{FF2B5EF4-FFF2-40B4-BE49-F238E27FC236}">
+                <a16:creationId xmlns:a16="http://schemas.microsoft.com/office/drawing/2014/main" id="{F9B4946B-BEC7-EA7A-B721-209E50B7A21D}"/>
+              </a:ext>
+            </a:extLst>
+          </p:cNvPr>
+          <p:cNvSpPr/>
+          <p:nvPr/>
+        </p:nvSpPr>
+        <p:spPr>
+          <a:xfrm>
+            <a:off x="2242047" y="2699122"/>
+            <a:ext cx="2897898" cy="944643"/>
+          </a:xfrm>
+          <a:prstGeom prst="roundRect">
+            <a:avLst>
+              <a:gd name="adj" fmla="val 7307"/>
+            </a:avLst>
+          </a:prstGeom>
+          <a:noFill/>
+          <a:ln w="12700"/>
+        </p:spPr>
+        <p:style>
+          <a:lnRef idx="2">
+            <a:schemeClr val="accent1">
+              <a:shade val="15000"/>
+            </a:schemeClr>
+          </a:lnRef>
+          <a:fillRef idx="1">
+            <a:schemeClr val="accent1"/>
+          </a:fillRef>
+          <a:effectRef idx="0">
+            <a:schemeClr val="accent1"/>
+          </a:effectRef>
+          <a:fontRef idx="minor">
+            <a:schemeClr val="lt1"/>
+          </a:fontRef>
+        </p:style>
+        <p:txBody>
+          <a:bodyPr rtlCol="0" anchor="t"/>
+          <a:lstStyle/>
+          <a:p>
             <a:pPr algn="ctr"/>
             <a:r>
               <a:rPr kumimoji="1" lang="en-US" altLang="ko-KR" sz="900" b="1" u="sng">
@@ -46418,15 +47145,7 @@
                   <a:schemeClr val="tx1"/>
                 </a:solidFill>
               </a:rPr>
-              <a:t>Isolated</a:t>
-            </a:r>
-            <a:r>
-              <a:rPr kumimoji="1" lang="en-US" altLang="ko-KR" sz="900" b="1">
-                <a:solidFill>
-                  <a:schemeClr val="tx1"/>
-                </a:solidFill>
-              </a:rPr>
-              <a:t> </a:t>
+              <a:t>Shared</a:t>
             </a:r>
             <a:r>
               <a:rPr kumimoji="1" lang="en-US" altLang="ko-KR" sz="900">
@@ -46434,7 +47153,7 @@
                   <a:schemeClr val="tx1"/>
                 </a:solidFill>
               </a:rPr>
-              <a:t>SM</a:t>
+              <a:t> Memory</a:t>
             </a:r>
             <a:endParaRPr kumimoji="1" lang="ko-KR" altLang="en-US" sz="900">
               <a:solidFill>
@@ -46444,210 +47163,6 @@
           </a:p>
         </p:txBody>
       </p:sp>
-      <p:sp>
-        <p:nvSpPr>
-          <p:cNvPr id="70" name="모서리가 둥근 직사각형 69">
-            <a:extLst>
-              <a:ext uri="{FF2B5EF4-FFF2-40B4-BE49-F238E27FC236}">
-                <a16:creationId xmlns:a16="http://schemas.microsoft.com/office/drawing/2014/main" id="{B2CA0ABF-8019-394C-DF41-BBDD9F230B41}"/>
-              </a:ext>
-            </a:extLst>
-          </p:cNvPr>
-          <p:cNvSpPr/>
-          <p:nvPr/>
-        </p:nvSpPr>
-        <p:spPr>
-          <a:xfrm>
-            <a:off x="3979081" y="1674621"/>
-            <a:ext cx="1160864" cy="848329"/>
-          </a:xfrm>
-          <a:prstGeom prst="roundRect">
-            <a:avLst>
-              <a:gd name="adj" fmla="val 8070"/>
-            </a:avLst>
-          </a:prstGeom>
-          <a:noFill/>
-          <a:ln w="12700"/>
-        </p:spPr>
-        <p:style>
-          <a:lnRef idx="2">
-            <a:schemeClr val="accent1">
-              <a:shade val="15000"/>
-            </a:schemeClr>
-          </a:lnRef>
-          <a:fillRef idx="1">
-            <a:schemeClr val="accent1"/>
-          </a:fillRef>
-          <a:effectRef idx="0">
-            <a:schemeClr val="accent1"/>
-          </a:effectRef>
-          <a:fontRef idx="minor">
-            <a:schemeClr val="lt1"/>
-          </a:fontRef>
-        </p:style>
-        <p:txBody>
-          <a:bodyPr rtlCol="0" anchor="t"/>
-          <a:lstStyle/>
-          <a:p>
-            <a:r>
-              <a:rPr kumimoji="1" lang="en-US" altLang="ko-KR" sz="900" b="1">
-                <a:solidFill>
-                  <a:schemeClr val="tx1"/>
-                </a:solidFill>
-              </a:rPr>
-              <a:t>MIG Compute Instance</a:t>
-            </a:r>
-          </a:p>
-        </p:txBody>
-      </p:sp>
-      <p:sp>
-        <p:nvSpPr>
-          <p:cNvPr id="71" name="모서리가 둥근 직사각형 70">
-            <a:extLst>
-              <a:ext uri="{FF2B5EF4-FFF2-40B4-BE49-F238E27FC236}">
-                <a16:creationId xmlns:a16="http://schemas.microsoft.com/office/drawing/2014/main" id="{FA4BFF14-06CD-615E-C80F-1BBED1C47553}"/>
-              </a:ext>
-            </a:extLst>
-          </p:cNvPr>
-          <p:cNvSpPr/>
-          <p:nvPr/>
-        </p:nvSpPr>
-        <p:spPr>
-          <a:xfrm>
-            <a:off x="4126684" y="2101465"/>
-            <a:ext cx="870186" cy="346620"/>
-          </a:xfrm>
-          <a:prstGeom prst="roundRect">
-            <a:avLst>
-              <a:gd name="adj" fmla="val 13713"/>
-            </a:avLst>
-          </a:prstGeom>
-          <a:noFill/>
-          <a:ln w="12700"/>
-        </p:spPr>
-        <p:style>
-          <a:lnRef idx="2">
-            <a:schemeClr val="accent1">
-              <a:shade val="15000"/>
-            </a:schemeClr>
-          </a:lnRef>
-          <a:fillRef idx="1">
-            <a:schemeClr val="accent1"/>
-          </a:fillRef>
-          <a:effectRef idx="0">
-            <a:schemeClr val="accent1"/>
-          </a:effectRef>
-          <a:fontRef idx="minor">
-            <a:schemeClr val="lt1"/>
-          </a:fontRef>
-        </p:style>
-        <p:txBody>
-          <a:bodyPr rtlCol="0" anchor="ctr"/>
-          <a:lstStyle/>
-          <a:p>
-            <a:pPr algn="ctr"/>
-            <a:r>
-              <a:rPr kumimoji="1" lang="en-US" altLang="ko-KR" sz="900" b="1" u="sng">
-                <a:solidFill>
-                  <a:schemeClr val="tx1"/>
-                </a:solidFill>
-              </a:rPr>
-              <a:t>Isolated</a:t>
-            </a:r>
-            <a:r>
-              <a:rPr kumimoji="1" lang="en-US" altLang="ko-KR" sz="900" b="1">
-                <a:solidFill>
-                  <a:schemeClr val="tx1"/>
-                </a:solidFill>
-              </a:rPr>
-              <a:t> </a:t>
-            </a:r>
-            <a:r>
-              <a:rPr kumimoji="1" lang="en-US" altLang="ko-KR" sz="900">
-                <a:solidFill>
-                  <a:schemeClr val="tx1"/>
-                </a:solidFill>
-              </a:rPr>
-              <a:t>SM</a:t>
-            </a:r>
-            <a:endParaRPr kumimoji="1" lang="ko-KR" altLang="en-US" sz="900">
-              <a:solidFill>
-                <a:schemeClr val="tx1"/>
-              </a:solidFill>
-            </a:endParaRPr>
-          </a:p>
-        </p:txBody>
-      </p:sp>
-      <p:sp>
-        <p:nvSpPr>
-          <p:cNvPr id="72" name="모서리가 둥근 직사각형 71">
-            <a:extLst>
-              <a:ext uri="{FF2B5EF4-FFF2-40B4-BE49-F238E27FC236}">
-                <a16:creationId xmlns:a16="http://schemas.microsoft.com/office/drawing/2014/main" id="{F9B4946B-BEC7-EA7A-B721-209E50B7A21D}"/>
-              </a:ext>
-            </a:extLst>
-          </p:cNvPr>
-          <p:cNvSpPr/>
-          <p:nvPr/>
-        </p:nvSpPr>
-        <p:spPr>
-          <a:xfrm>
-            <a:off x="2242047" y="2699122"/>
-            <a:ext cx="2897898" cy="944643"/>
-          </a:xfrm>
-          <a:prstGeom prst="roundRect">
-            <a:avLst>
-              <a:gd name="adj" fmla="val 7307"/>
-            </a:avLst>
-          </a:prstGeom>
-          <a:noFill/>
-          <a:ln w="12700"/>
-        </p:spPr>
-        <p:style>
-          <a:lnRef idx="2">
-            <a:schemeClr val="accent1">
-              <a:shade val="15000"/>
-            </a:schemeClr>
-          </a:lnRef>
-          <a:fillRef idx="1">
-            <a:schemeClr val="accent1"/>
-          </a:fillRef>
-          <a:effectRef idx="0">
-            <a:schemeClr val="accent1"/>
-          </a:effectRef>
-          <a:fontRef idx="minor">
-            <a:schemeClr val="lt1"/>
-          </a:fontRef>
-        </p:style>
-        <p:txBody>
-          <a:bodyPr rtlCol="0" anchor="t"/>
-          <a:lstStyle/>
-          <a:p>
-            <a:pPr algn="ctr"/>
-            <a:r>
-              <a:rPr kumimoji="1" lang="en-US" altLang="ko-KR" sz="900" b="1" u="sng">
-                <a:solidFill>
-                  <a:schemeClr val="tx1"/>
-                </a:solidFill>
-              </a:rPr>
-              <a:t>Shared</a:t>
-            </a:r>
-            <a:r>
-              <a:rPr kumimoji="1" lang="en-US" altLang="ko-KR" sz="900">
-                <a:solidFill>
-                  <a:schemeClr val="tx1"/>
-                </a:solidFill>
-              </a:rPr>
-              <a:t> Memory</a:t>
-            </a:r>
-            <a:endParaRPr kumimoji="1" lang="ko-KR" altLang="en-US" sz="900">
-              <a:solidFill>
-                <a:schemeClr val="tx1"/>
-              </a:solidFill>
-            </a:endParaRPr>
-          </a:p>
-        </p:txBody>
-      </p:sp>
       <p:cxnSp>
         <p:nvCxnSpPr>
           <p:cNvPr id="48" name="직선 화살표 연결선 47">
@@ -46664,8 +47179,8 @@
         </p:nvCxnSpPr>
         <p:spPr>
           <a:xfrm flipH="1">
-            <a:off x="3031987" y="1251333"/>
-            <a:ext cx="151791" cy="423288"/>
+            <a:off x="2957762" y="1251333"/>
+            <a:ext cx="226016" cy="1048293"/>
           </a:xfrm>
           <a:prstGeom prst="straightConnector1">
             <a:avLst/>
@@ -46708,8 +47223,8 @@
         </p:nvCxnSpPr>
         <p:spPr>
           <a:xfrm flipH="1">
-            <a:off x="1293498" y="1251333"/>
-            <a:ext cx="155991" cy="423288"/>
+            <a:off x="1207506" y="1251333"/>
+            <a:ext cx="241983" cy="1048293"/>
           </a:xfrm>
           <a:prstGeom prst="straightConnector1">
             <a:avLst/>
@@ -46752,8 +47267,482 @@
         </p:nvCxnSpPr>
         <p:spPr>
           <a:xfrm flipH="1">
-            <a:off x="4755856" y="1251333"/>
-            <a:ext cx="156114" cy="423288"/>
+            <a:off x="4685954" y="1251333"/>
+            <a:ext cx="226016" cy="1048293"/>
+          </a:xfrm>
+          <a:prstGeom prst="straightConnector1">
+            <a:avLst/>
+          </a:prstGeom>
+          <a:ln w="12700">
+            <a:solidFill>
+              <a:schemeClr val="tx1"/>
+            </a:solidFill>
+            <a:tailEnd type="triangle"/>
+          </a:ln>
+        </p:spPr>
+        <p:style>
+          <a:lnRef idx="1">
+            <a:schemeClr val="accent1"/>
+          </a:lnRef>
+          <a:fillRef idx="0">
+            <a:schemeClr val="accent1"/>
+          </a:fillRef>
+          <a:effectRef idx="0">
+            <a:schemeClr val="accent1"/>
+          </a:effectRef>
+          <a:fontRef idx="minor">
+            <a:schemeClr val="tx1"/>
+          </a:fontRef>
+        </p:style>
+      </p:cxnSp>
+      <p:sp>
+        <p:nvSpPr>
+          <p:cNvPr id="12" name="모서리가 둥근 직사각형 11">
+            <a:extLst>
+              <a:ext uri="{FF2B5EF4-FFF2-40B4-BE49-F238E27FC236}">
+                <a16:creationId xmlns:a16="http://schemas.microsoft.com/office/drawing/2014/main" id="{F27A763C-8C98-15D6-CA55-1ECC483DAD75}"/>
+              </a:ext>
+            </a:extLst>
+          </p:cNvPr>
+          <p:cNvSpPr/>
+          <p:nvPr/>
+        </p:nvSpPr>
+        <p:spPr>
+          <a:xfrm>
+            <a:off x="2292564" y="2067694"/>
+            <a:ext cx="1053024" cy="414162"/>
+          </a:xfrm>
+          <a:prstGeom prst="roundRect">
+            <a:avLst>
+              <a:gd name="adj" fmla="val 13713"/>
+            </a:avLst>
+          </a:prstGeom>
+          <a:noFill/>
+          <a:ln w="12700"/>
+        </p:spPr>
+        <p:style>
+          <a:lnRef idx="2">
+            <a:schemeClr val="accent1">
+              <a:shade val="15000"/>
+            </a:schemeClr>
+          </a:lnRef>
+          <a:fillRef idx="1">
+            <a:schemeClr val="accent1"/>
+          </a:fillRef>
+          <a:effectRef idx="0">
+            <a:schemeClr val="accent1"/>
+          </a:effectRef>
+          <a:fontRef idx="minor">
+            <a:schemeClr val="lt1"/>
+          </a:fontRef>
+        </p:style>
+        <p:txBody>
+          <a:bodyPr rtlCol="0" anchor="t"/>
+          <a:lstStyle/>
+          <a:p>
+            <a:pPr algn="ctr"/>
+            <a:r>
+              <a:rPr kumimoji="1" lang="en-US" altLang="ko-KR" sz="900" b="1" u="sng">
+                <a:solidFill>
+                  <a:schemeClr val="tx1"/>
+                </a:solidFill>
+              </a:rPr>
+              <a:t>Isolated</a:t>
+            </a:r>
+            <a:r>
+              <a:rPr kumimoji="1" lang="en-US" altLang="ko-KR" sz="900" b="1">
+                <a:solidFill>
+                  <a:schemeClr val="tx1"/>
+                </a:solidFill>
+              </a:rPr>
+              <a:t> </a:t>
+            </a:r>
+            <a:r>
+              <a:rPr kumimoji="1" lang="en-US" altLang="ko-KR" sz="900">
+                <a:solidFill>
+                  <a:schemeClr val="tx1"/>
+                </a:solidFill>
+              </a:rPr>
+              <a:t>SM</a:t>
+            </a:r>
+            <a:endParaRPr kumimoji="1" lang="ko-KR" altLang="en-US" sz="900">
+              <a:solidFill>
+                <a:schemeClr val="tx1"/>
+              </a:solidFill>
+            </a:endParaRPr>
+          </a:p>
+        </p:txBody>
+      </p:sp>
+      <p:sp>
+        <p:nvSpPr>
+          <p:cNvPr id="13" name="모서리가 둥근 직사각형 12">
+            <a:extLst>
+              <a:ext uri="{FF2B5EF4-FFF2-40B4-BE49-F238E27FC236}">
+                <a16:creationId xmlns:a16="http://schemas.microsoft.com/office/drawing/2014/main" id="{2E1CB370-FFCD-CB82-6E98-C343A6A910A4}"/>
+              </a:ext>
+            </a:extLst>
+          </p:cNvPr>
+          <p:cNvSpPr/>
+          <p:nvPr/>
+        </p:nvSpPr>
+        <p:spPr>
+          <a:xfrm>
+            <a:off x="4027993" y="2067694"/>
+            <a:ext cx="1053024" cy="414162"/>
+          </a:xfrm>
+          <a:prstGeom prst="roundRect">
+            <a:avLst>
+              <a:gd name="adj" fmla="val 13713"/>
+            </a:avLst>
+          </a:prstGeom>
+          <a:noFill/>
+          <a:ln w="12700"/>
+        </p:spPr>
+        <p:style>
+          <a:lnRef idx="2">
+            <a:schemeClr val="accent1">
+              <a:shade val="15000"/>
+            </a:schemeClr>
+          </a:lnRef>
+          <a:fillRef idx="1">
+            <a:schemeClr val="accent1"/>
+          </a:fillRef>
+          <a:effectRef idx="0">
+            <a:schemeClr val="accent1"/>
+          </a:effectRef>
+          <a:fontRef idx="minor">
+            <a:schemeClr val="lt1"/>
+          </a:fontRef>
+        </p:style>
+        <p:txBody>
+          <a:bodyPr rtlCol="0" anchor="t"/>
+          <a:lstStyle/>
+          <a:p>
+            <a:pPr algn="ctr"/>
+            <a:r>
+              <a:rPr kumimoji="1" lang="en-US" altLang="ko-KR" sz="900" b="1" u="sng">
+                <a:solidFill>
+                  <a:schemeClr val="tx1"/>
+                </a:solidFill>
+              </a:rPr>
+              <a:t>Isolated</a:t>
+            </a:r>
+            <a:r>
+              <a:rPr kumimoji="1" lang="en-US" altLang="ko-KR" sz="900" b="1">
+                <a:solidFill>
+                  <a:schemeClr val="tx1"/>
+                </a:solidFill>
+              </a:rPr>
+              <a:t> </a:t>
+            </a:r>
+            <a:r>
+              <a:rPr kumimoji="1" lang="en-US" altLang="ko-KR" sz="900">
+                <a:solidFill>
+                  <a:schemeClr val="tx1"/>
+                </a:solidFill>
+              </a:rPr>
+              <a:t>SM</a:t>
+            </a:r>
+            <a:endParaRPr kumimoji="1" lang="ko-KR" altLang="en-US" sz="900">
+              <a:solidFill>
+                <a:schemeClr val="tx1"/>
+              </a:solidFill>
+            </a:endParaRPr>
+          </a:p>
+        </p:txBody>
+      </p:sp>
+      <p:sp>
+        <p:nvSpPr>
+          <p:cNvPr id="14" name="모서리가 둥근 직사각형 13">
+            <a:extLst>
+              <a:ext uri="{FF2B5EF4-FFF2-40B4-BE49-F238E27FC236}">
+                <a16:creationId xmlns:a16="http://schemas.microsoft.com/office/drawing/2014/main" id="{BE4315F4-9AC1-DC6F-1676-C65C6D60B3B9}"/>
+              </a:ext>
+            </a:extLst>
+          </p:cNvPr>
+          <p:cNvSpPr/>
+          <p:nvPr/>
+        </p:nvSpPr>
+        <p:spPr>
+          <a:xfrm>
+            <a:off x="604196" y="2299626"/>
+            <a:ext cx="975658" cy="144481"/>
+          </a:xfrm>
+          <a:prstGeom prst="roundRect">
+            <a:avLst>
+              <a:gd name="adj" fmla="val 15928"/>
+            </a:avLst>
+          </a:prstGeom>
+          <a:solidFill>
+            <a:schemeClr val="accent1">
+              <a:lumMod val="20000"/>
+              <a:lumOff val="80000"/>
+            </a:schemeClr>
+          </a:solidFill>
+          <a:ln w="12700"/>
+        </p:spPr>
+        <p:style>
+          <a:lnRef idx="2">
+            <a:schemeClr val="accent1">
+              <a:shade val="15000"/>
+            </a:schemeClr>
+          </a:lnRef>
+          <a:fillRef idx="1">
+            <a:schemeClr val="accent1"/>
+          </a:fillRef>
+          <a:effectRef idx="0">
+            <a:schemeClr val="accent1"/>
+          </a:effectRef>
+          <a:fontRef idx="minor">
+            <a:schemeClr val="lt1"/>
+          </a:fontRef>
+        </p:style>
+        <p:txBody>
+          <a:bodyPr rtlCol="0" anchor="ctr"/>
+          <a:lstStyle/>
+          <a:p>
+            <a:pPr algn="ctr"/>
+            <a:r>
+              <a:rPr kumimoji="1" lang="en-US" altLang="ko-KR" sz="900">
+                <a:solidFill>
+                  <a:schemeClr val="tx1"/>
+                </a:solidFill>
+              </a:rPr>
+              <a:t>App A</a:t>
+            </a:r>
+          </a:p>
+        </p:txBody>
+      </p:sp>
+      <p:sp>
+        <p:nvSpPr>
+          <p:cNvPr id="15" name="모서리가 둥근 직사각형 14">
+            <a:extLst>
+              <a:ext uri="{FF2B5EF4-FFF2-40B4-BE49-F238E27FC236}">
+                <a16:creationId xmlns:a16="http://schemas.microsoft.com/office/drawing/2014/main" id="{E590D7DC-6D70-9CC6-3F1D-FFDE361C070D}"/>
+              </a:ext>
+            </a:extLst>
+          </p:cNvPr>
+          <p:cNvSpPr/>
+          <p:nvPr/>
+        </p:nvSpPr>
+        <p:spPr>
+          <a:xfrm>
+            <a:off x="2332388" y="2299626"/>
+            <a:ext cx="975658" cy="144481"/>
+          </a:xfrm>
+          <a:prstGeom prst="roundRect">
+            <a:avLst>
+              <a:gd name="adj" fmla="val 15928"/>
+            </a:avLst>
+          </a:prstGeom>
+          <a:solidFill>
+            <a:schemeClr val="accent3">
+              <a:lumMod val="20000"/>
+              <a:lumOff val="80000"/>
+            </a:schemeClr>
+          </a:solidFill>
+          <a:ln w="12700"/>
+        </p:spPr>
+        <p:style>
+          <a:lnRef idx="2">
+            <a:schemeClr val="accent1">
+              <a:shade val="15000"/>
+            </a:schemeClr>
+          </a:lnRef>
+          <a:fillRef idx="1">
+            <a:schemeClr val="accent1"/>
+          </a:fillRef>
+          <a:effectRef idx="0">
+            <a:schemeClr val="accent1"/>
+          </a:effectRef>
+          <a:fontRef idx="minor">
+            <a:schemeClr val="lt1"/>
+          </a:fontRef>
+        </p:style>
+        <p:txBody>
+          <a:bodyPr rtlCol="0" anchor="ctr"/>
+          <a:lstStyle/>
+          <a:p>
+            <a:pPr algn="ctr"/>
+            <a:r>
+              <a:rPr kumimoji="1" lang="en-US" altLang="ko-KR" sz="900">
+                <a:solidFill>
+                  <a:schemeClr val="tx1"/>
+                </a:solidFill>
+              </a:rPr>
+              <a:t>App B</a:t>
+            </a:r>
+          </a:p>
+        </p:txBody>
+      </p:sp>
+      <p:sp>
+        <p:nvSpPr>
+          <p:cNvPr id="16" name="모서리가 둥근 직사각형 15">
+            <a:extLst>
+              <a:ext uri="{FF2B5EF4-FFF2-40B4-BE49-F238E27FC236}">
+                <a16:creationId xmlns:a16="http://schemas.microsoft.com/office/drawing/2014/main" id="{29848B4D-817C-BEE2-12C0-C96856C325F7}"/>
+              </a:ext>
+            </a:extLst>
+          </p:cNvPr>
+          <p:cNvSpPr/>
+          <p:nvPr/>
+        </p:nvSpPr>
+        <p:spPr>
+          <a:xfrm>
+            <a:off x="4066676" y="2299626"/>
+            <a:ext cx="975658" cy="144481"/>
+          </a:xfrm>
+          <a:prstGeom prst="roundRect">
+            <a:avLst>
+              <a:gd name="adj" fmla="val 15928"/>
+            </a:avLst>
+          </a:prstGeom>
+          <a:solidFill>
+            <a:schemeClr val="accent2">
+              <a:lumMod val="20000"/>
+              <a:lumOff val="80000"/>
+            </a:schemeClr>
+          </a:solidFill>
+          <a:ln w="12700"/>
+        </p:spPr>
+        <p:style>
+          <a:lnRef idx="2">
+            <a:schemeClr val="accent1">
+              <a:shade val="15000"/>
+            </a:schemeClr>
+          </a:lnRef>
+          <a:fillRef idx="1">
+            <a:schemeClr val="accent1"/>
+          </a:fillRef>
+          <a:effectRef idx="0">
+            <a:schemeClr val="accent1"/>
+          </a:effectRef>
+          <a:fontRef idx="minor">
+            <a:schemeClr val="lt1"/>
+          </a:fontRef>
+        </p:style>
+        <p:txBody>
+          <a:bodyPr rtlCol="0" anchor="ctr"/>
+          <a:lstStyle/>
+          <a:p>
+            <a:pPr algn="ctr"/>
+            <a:r>
+              <a:rPr kumimoji="1" lang="en-US" altLang="ko-KR" sz="900">
+                <a:solidFill>
+                  <a:schemeClr val="tx1"/>
+                </a:solidFill>
+              </a:rPr>
+              <a:t>App C</a:t>
+            </a:r>
+          </a:p>
+        </p:txBody>
+      </p:sp>
+      <p:cxnSp>
+        <p:nvCxnSpPr>
+          <p:cNvPr id="29" name="직선 화살표 연결선 28">
+            <a:extLst>
+              <a:ext uri="{FF2B5EF4-FFF2-40B4-BE49-F238E27FC236}">
+                <a16:creationId xmlns:a16="http://schemas.microsoft.com/office/drawing/2014/main" id="{C74593C4-63D2-DA60-5839-95E3DB98894C}"/>
+              </a:ext>
+            </a:extLst>
+          </p:cNvPr>
+          <p:cNvCxnSpPr>
+            <a:cxnSpLocks/>
+          </p:cNvCxnSpPr>
+          <p:nvPr/>
+        </p:nvCxnSpPr>
+        <p:spPr>
+          <a:xfrm>
+            <a:off x="1449489" y="1251333"/>
+            <a:ext cx="0" cy="1712554"/>
+          </a:xfrm>
+          <a:prstGeom prst="straightConnector1">
+            <a:avLst/>
+          </a:prstGeom>
+          <a:ln w="12700">
+            <a:solidFill>
+              <a:schemeClr val="tx1"/>
+            </a:solidFill>
+            <a:tailEnd type="triangle"/>
+          </a:ln>
+        </p:spPr>
+        <p:style>
+          <a:lnRef idx="1">
+            <a:schemeClr val="accent1"/>
+          </a:lnRef>
+          <a:fillRef idx="0">
+            <a:schemeClr val="accent1"/>
+          </a:fillRef>
+          <a:effectRef idx="0">
+            <a:schemeClr val="accent1"/>
+          </a:effectRef>
+          <a:fontRef idx="minor">
+            <a:schemeClr val="tx1"/>
+          </a:fontRef>
+        </p:style>
+      </p:cxnSp>
+      <p:cxnSp>
+        <p:nvCxnSpPr>
+          <p:cNvPr id="31" name="직선 화살표 연결선 30">
+            <a:extLst>
+              <a:ext uri="{FF2B5EF4-FFF2-40B4-BE49-F238E27FC236}">
+                <a16:creationId xmlns:a16="http://schemas.microsoft.com/office/drawing/2014/main" id="{86435F86-7AB7-0F5A-67AB-C29D6EB3E9D6}"/>
+              </a:ext>
+            </a:extLst>
+          </p:cNvPr>
+          <p:cNvCxnSpPr>
+            <a:cxnSpLocks/>
+          </p:cNvCxnSpPr>
+          <p:nvPr/>
+        </p:nvCxnSpPr>
+        <p:spPr>
+          <a:xfrm>
+            <a:off x="3183778" y="1251333"/>
+            <a:ext cx="0" cy="1712554"/>
+          </a:xfrm>
+          <a:prstGeom prst="straightConnector1">
+            <a:avLst/>
+          </a:prstGeom>
+          <a:ln w="12700">
+            <a:solidFill>
+              <a:schemeClr val="tx1"/>
+            </a:solidFill>
+            <a:tailEnd type="triangle"/>
+          </a:ln>
+        </p:spPr>
+        <p:style>
+          <a:lnRef idx="1">
+            <a:schemeClr val="accent1"/>
+          </a:lnRef>
+          <a:fillRef idx="0">
+            <a:schemeClr val="accent1"/>
+          </a:fillRef>
+          <a:effectRef idx="0">
+            <a:schemeClr val="accent1"/>
+          </a:effectRef>
+          <a:fontRef idx="minor">
+            <a:schemeClr val="tx1"/>
+          </a:fontRef>
+        </p:style>
+      </p:cxnSp>
+      <p:cxnSp>
+        <p:nvCxnSpPr>
+          <p:cNvPr id="32" name="직선 화살표 연결선 31">
+            <a:extLst>
+              <a:ext uri="{FF2B5EF4-FFF2-40B4-BE49-F238E27FC236}">
+                <a16:creationId xmlns:a16="http://schemas.microsoft.com/office/drawing/2014/main" id="{A53BFD79-8E9C-FABA-797A-B44287CC0C31}"/>
+              </a:ext>
+            </a:extLst>
+          </p:cNvPr>
+          <p:cNvCxnSpPr>
+            <a:cxnSpLocks/>
+          </p:cNvCxnSpPr>
+          <p:nvPr/>
+        </p:nvCxnSpPr>
+        <p:spPr>
+          <a:xfrm>
+            <a:off x="4911970" y="1251333"/>
+            <a:ext cx="0" cy="1712554"/>
           </a:xfrm>
           <a:prstGeom prst="straightConnector1">
             <a:avLst/>

--- a/content/docs/theory-analysis/nvidia-gpu-sharing/images/images.pptx
+++ b/content/docs/theory-analysis/nvidia-gpu-sharing/images/images.pptx
@@ -239,7 +239,7 @@
           <a:p>
             <a:fld id="{6CD5550B-26C4-49A9-A5BA-636EF7BE6CE9}" type="datetimeFigureOut">
               <a:rPr lang="ko-KR" altLang="en-US" smtClean="0"/>
-              <a:t>2026. 2. 21.</a:t>
+              <a:t>2026. 2. 22.</a:t>
             </a:fld>
             <a:endParaRPr lang="ko-KR" altLang="en-US"/>
           </a:p>
@@ -937,7 +937,7 @@
           <a:p>
             <a:fld id="{FB30EDBD-1C2D-4C1E-B459-B60219FAB484}" type="datetimeFigureOut">
               <a:rPr lang="ko-KR" altLang="en-US" smtClean="0"/>
-              <a:t>2026. 2. 21.</a:t>
+              <a:t>2026. 2. 22.</a:t>
             </a:fld>
             <a:endParaRPr lang="ko-KR" altLang="en-US"/>
           </a:p>
@@ -1100,7 +1100,7 @@
           <a:p>
             <a:fld id="{FB30EDBD-1C2D-4C1E-B459-B60219FAB484}" type="datetimeFigureOut">
               <a:rPr lang="ko-KR" altLang="en-US" smtClean="0"/>
-              <a:t>2026. 2. 21.</a:t>
+              <a:t>2026. 2. 22.</a:t>
             </a:fld>
             <a:endParaRPr lang="ko-KR" altLang="en-US"/>
           </a:p>
@@ -1273,7 +1273,7 @@
           <a:p>
             <a:fld id="{FB30EDBD-1C2D-4C1E-B459-B60219FAB484}" type="datetimeFigureOut">
               <a:rPr lang="ko-KR" altLang="en-US" smtClean="0"/>
-              <a:t>2026. 2. 21.</a:t>
+              <a:t>2026. 2. 22.</a:t>
             </a:fld>
             <a:endParaRPr lang="ko-KR" altLang="en-US"/>
           </a:p>
@@ -1436,7 +1436,7 @@
           <a:p>
             <a:fld id="{FB30EDBD-1C2D-4C1E-B459-B60219FAB484}" type="datetimeFigureOut">
               <a:rPr lang="ko-KR" altLang="en-US" smtClean="0"/>
-              <a:t>2026. 2. 21.</a:t>
+              <a:t>2026. 2. 22.</a:t>
             </a:fld>
             <a:endParaRPr lang="ko-KR" altLang="en-US"/>
           </a:p>
@@ -1676,7 +1676,7 @@
           <a:p>
             <a:fld id="{FB30EDBD-1C2D-4C1E-B459-B60219FAB484}" type="datetimeFigureOut">
               <a:rPr lang="ko-KR" altLang="en-US" smtClean="0"/>
-              <a:t>2026. 2. 21.</a:t>
+              <a:t>2026. 2. 22.</a:t>
             </a:fld>
             <a:endParaRPr lang="ko-KR" altLang="en-US"/>
           </a:p>
@@ -1956,7 +1956,7 @@
           <a:p>
             <a:fld id="{FB30EDBD-1C2D-4C1E-B459-B60219FAB484}" type="datetimeFigureOut">
               <a:rPr lang="ko-KR" altLang="en-US" smtClean="0"/>
-              <a:t>2026. 2. 21.</a:t>
+              <a:t>2026. 2. 22.</a:t>
             </a:fld>
             <a:endParaRPr lang="ko-KR" altLang="en-US"/>
           </a:p>
@@ -2370,7 +2370,7 @@
           <a:p>
             <a:fld id="{FB30EDBD-1C2D-4C1E-B459-B60219FAB484}" type="datetimeFigureOut">
               <a:rPr lang="ko-KR" altLang="en-US" smtClean="0"/>
-              <a:t>2026. 2. 21.</a:t>
+              <a:t>2026. 2. 22.</a:t>
             </a:fld>
             <a:endParaRPr lang="ko-KR" altLang="en-US"/>
           </a:p>
@@ -2482,7 +2482,7 @@
           <a:p>
             <a:fld id="{FB30EDBD-1C2D-4C1E-B459-B60219FAB484}" type="datetimeFigureOut">
               <a:rPr lang="ko-KR" altLang="en-US" smtClean="0"/>
-              <a:t>2026. 2. 21.</a:t>
+              <a:t>2026. 2. 22.</a:t>
             </a:fld>
             <a:endParaRPr lang="ko-KR" altLang="en-US"/>
           </a:p>
@@ -2572,7 +2572,7 @@
           <a:p>
             <a:fld id="{FB30EDBD-1C2D-4C1E-B459-B60219FAB484}" type="datetimeFigureOut">
               <a:rPr lang="ko-KR" altLang="en-US" smtClean="0"/>
-              <a:t>2026. 2. 21.</a:t>
+              <a:t>2026. 2. 22.</a:t>
             </a:fld>
             <a:endParaRPr lang="ko-KR" altLang="en-US"/>
           </a:p>
@@ -2842,7 +2842,7 @@
           <a:p>
             <a:fld id="{FB30EDBD-1C2D-4C1E-B459-B60219FAB484}" type="datetimeFigureOut">
               <a:rPr lang="ko-KR" altLang="en-US" smtClean="0"/>
-              <a:t>2026. 2. 21.</a:t>
+              <a:t>2026. 2. 22.</a:t>
             </a:fld>
             <a:endParaRPr lang="ko-KR" altLang="en-US"/>
           </a:p>
@@ -3089,7 +3089,7 @@
           <a:p>
             <a:fld id="{FB30EDBD-1C2D-4C1E-B459-B60219FAB484}" type="datetimeFigureOut">
               <a:rPr lang="ko-KR" altLang="en-US" smtClean="0"/>
-              <a:t>2026. 2. 21.</a:t>
+              <a:t>2026. 2. 22.</a:t>
             </a:fld>
             <a:endParaRPr lang="ko-KR" altLang="en-US"/>
           </a:p>
@@ -3295,7 +3295,7 @@
           <a:p>
             <a:fld id="{FB30EDBD-1C2D-4C1E-B459-B60219FAB484}" type="datetimeFigureOut">
               <a:rPr lang="ko-KR" altLang="en-US" smtClean="0"/>
-              <a:t>2026. 2. 21.</a:t>
+              <a:t>2026. 2. 22.</a:t>
             </a:fld>
             <a:endParaRPr lang="ko-KR" altLang="en-US"/>
           </a:p>
@@ -11552,138 +11552,6 @@
           </a:p>
         </p:txBody>
       </p:sp>
-      <p:cxnSp>
-        <p:nvCxnSpPr>
-          <p:cNvPr id="63" name="직선 화살표 연결선 62">
-            <a:extLst>
-              <a:ext uri="{FF2B5EF4-FFF2-40B4-BE49-F238E27FC236}">
-                <a16:creationId xmlns:a16="http://schemas.microsoft.com/office/drawing/2014/main" id="{11333AA9-326B-8700-A392-E2D035090364}"/>
-              </a:ext>
-            </a:extLst>
-          </p:cNvPr>
-          <p:cNvCxnSpPr>
-            <a:cxnSpLocks/>
-          </p:cNvCxnSpPr>
-          <p:nvPr/>
-        </p:nvCxnSpPr>
-        <p:spPr>
-          <a:xfrm flipH="1">
-            <a:off x="5912307" y="1358624"/>
-            <a:ext cx="151791" cy="423288"/>
-          </a:xfrm>
-          <a:prstGeom prst="straightConnector1">
-            <a:avLst/>
-          </a:prstGeom>
-          <a:ln w="12700">
-            <a:solidFill>
-              <a:schemeClr val="tx1"/>
-            </a:solidFill>
-            <a:tailEnd type="triangle"/>
-          </a:ln>
-        </p:spPr>
-        <p:style>
-          <a:lnRef idx="1">
-            <a:schemeClr val="accent1"/>
-          </a:lnRef>
-          <a:fillRef idx="0">
-            <a:schemeClr val="accent1"/>
-          </a:fillRef>
-          <a:effectRef idx="0">
-            <a:schemeClr val="accent1"/>
-          </a:effectRef>
-          <a:fontRef idx="minor">
-            <a:schemeClr val="tx1"/>
-          </a:fontRef>
-        </p:style>
-      </p:cxnSp>
-      <p:cxnSp>
-        <p:nvCxnSpPr>
-          <p:cNvPr id="64" name="직선 화살표 연결선 63">
-            <a:extLst>
-              <a:ext uri="{FF2B5EF4-FFF2-40B4-BE49-F238E27FC236}">
-                <a16:creationId xmlns:a16="http://schemas.microsoft.com/office/drawing/2014/main" id="{9A64144E-6945-1BA5-BCAD-E228879698EA}"/>
-              </a:ext>
-            </a:extLst>
-          </p:cNvPr>
-          <p:cNvCxnSpPr>
-            <a:cxnSpLocks/>
-          </p:cNvCxnSpPr>
-          <p:nvPr/>
-        </p:nvCxnSpPr>
-        <p:spPr>
-          <a:xfrm flipH="1">
-            <a:off x="4135977" y="1358624"/>
-            <a:ext cx="155991" cy="423288"/>
-          </a:xfrm>
-          <a:prstGeom prst="straightConnector1">
-            <a:avLst/>
-          </a:prstGeom>
-          <a:ln w="12700">
-            <a:solidFill>
-              <a:schemeClr val="tx1"/>
-            </a:solidFill>
-            <a:tailEnd type="triangle"/>
-          </a:ln>
-        </p:spPr>
-        <p:style>
-          <a:lnRef idx="1">
-            <a:schemeClr val="accent1"/>
-          </a:lnRef>
-          <a:fillRef idx="0">
-            <a:schemeClr val="accent1"/>
-          </a:fillRef>
-          <a:effectRef idx="0">
-            <a:schemeClr val="accent1"/>
-          </a:effectRef>
-          <a:fontRef idx="minor">
-            <a:schemeClr val="tx1"/>
-          </a:fontRef>
-        </p:style>
-      </p:cxnSp>
-      <p:cxnSp>
-        <p:nvCxnSpPr>
-          <p:cNvPr id="65" name="직선 화살표 연결선 64">
-            <a:extLst>
-              <a:ext uri="{FF2B5EF4-FFF2-40B4-BE49-F238E27FC236}">
-                <a16:creationId xmlns:a16="http://schemas.microsoft.com/office/drawing/2014/main" id="{E8700B62-A717-0951-11BA-3507F1CC84B6}"/>
-              </a:ext>
-            </a:extLst>
-          </p:cNvPr>
-          <p:cNvCxnSpPr>
-            <a:cxnSpLocks/>
-          </p:cNvCxnSpPr>
-          <p:nvPr/>
-        </p:nvCxnSpPr>
-        <p:spPr>
-          <a:xfrm flipH="1">
-            <a:off x="7636176" y="1358624"/>
-            <a:ext cx="156114" cy="423288"/>
-          </a:xfrm>
-          <a:prstGeom prst="straightConnector1">
-            <a:avLst/>
-          </a:prstGeom>
-          <a:ln w="12700">
-            <a:solidFill>
-              <a:schemeClr val="tx1"/>
-            </a:solidFill>
-            <a:tailEnd type="triangle"/>
-          </a:ln>
-        </p:spPr>
-        <p:style>
-          <a:lnRef idx="1">
-            <a:schemeClr val="accent1"/>
-          </a:lnRef>
-          <a:fillRef idx="0">
-            <a:schemeClr val="accent1"/>
-          </a:fillRef>
-          <a:effectRef idx="0">
-            <a:schemeClr val="accent1"/>
-          </a:effectRef>
-          <a:fontRef idx="minor">
-            <a:schemeClr val="tx1"/>
-          </a:fontRef>
-        </p:style>
-      </p:cxnSp>
       <p:sp>
         <p:nvSpPr>
           <p:cNvPr id="66" name="모서리가 둥근 직사각형 65">
@@ -11762,37 +11630,14 @@
           </a:p>
           <a:p>
             <a:pPr algn="ctr"/>
-            <a:r>
-              <a:rPr kumimoji="1" lang="en-US" altLang="ko-KR" sz="900">
-                <a:solidFill>
-                  <a:schemeClr val="tx1"/>
-                </a:solidFill>
-              </a:rPr>
-              <a:t>(</a:t>
-            </a:r>
-            <a:r>
-              <a:rPr kumimoji="1" lang="en-US" altLang="ko-KR" sz="900" b="1">
-                <a:solidFill>
-                  <a:schemeClr val="tx1"/>
-                </a:solidFill>
-              </a:rPr>
-              <a:t>Active</a:t>
-            </a:r>
-            <a:r>
-              <a:rPr kumimoji="1" lang="en-US" altLang="ko-KR" sz="900">
-                <a:solidFill>
-                  <a:schemeClr val="tx1"/>
-                </a:solidFill>
-              </a:rPr>
-              <a:t>)</a:t>
-            </a:r>
-            <a:br>
-              <a:rPr kumimoji="1" lang="en-US" altLang="ko-KR" sz="900">
-                <a:solidFill>
-                  <a:schemeClr val="tx1"/>
-                </a:solidFill>
-              </a:rPr>
-            </a:br>
+            <a:endParaRPr kumimoji="1" lang="en-US" altLang="ko-KR" sz="900">
+              <a:solidFill>
+                <a:schemeClr val="tx1"/>
+              </a:solidFill>
+            </a:endParaRPr>
+          </a:p>
+          <a:p>
+            <a:pPr algn="ctr"/>
             <a:r>
               <a:rPr kumimoji="1" lang="en-US" altLang="ko-KR" sz="900">
                 <a:solidFill>
@@ -11893,30 +11738,11 @@
           </a:p>
           <a:p>
             <a:pPr algn="ctr"/>
-            <a:r>
-              <a:rPr kumimoji="1" lang="en-US" altLang="ko-KR" sz="900">
-                <a:solidFill>
-                  <a:schemeClr val="tx1"/>
-                </a:solidFill>
-              </a:rPr>
-              <a:t>(</a:t>
-            </a:r>
-            <a:r>
-              <a:rPr kumimoji="1" lang="en-US" altLang="ko-KR" sz="900" b="1">
-                <a:solidFill>
-                  <a:schemeClr val="tx1"/>
-                </a:solidFill>
-              </a:rPr>
-              <a:t>Standby</a:t>
-            </a:r>
-            <a:r>
-              <a:rPr kumimoji="1" lang="en-US" altLang="ko-KR" sz="900">
-                <a:solidFill>
-                  <a:schemeClr val="tx1"/>
-                </a:solidFill>
-              </a:rPr>
-              <a:t>)</a:t>
-            </a:r>
+            <a:endParaRPr kumimoji="1" lang="en-US" altLang="ko-KR" sz="900">
+              <a:solidFill>
+                <a:schemeClr val="tx1"/>
+              </a:solidFill>
+            </a:endParaRPr>
           </a:p>
           <a:p>
             <a:pPr algn="ctr"/>
@@ -12407,50 +12233,6 @@
           </a:p>
         </p:txBody>
       </p:sp>
-      <p:cxnSp>
-        <p:nvCxnSpPr>
-          <p:cNvPr id="82" name="직선 화살표 연결선 81">
-            <a:extLst>
-              <a:ext uri="{FF2B5EF4-FFF2-40B4-BE49-F238E27FC236}">
-                <a16:creationId xmlns:a16="http://schemas.microsoft.com/office/drawing/2014/main" id="{E225BA85-D514-A16D-755D-EF15864D4F32}"/>
-              </a:ext>
-            </a:extLst>
-          </p:cNvPr>
-          <p:cNvCxnSpPr>
-            <a:cxnSpLocks/>
-          </p:cNvCxnSpPr>
-          <p:nvPr/>
-        </p:nvCxnSpPr>
-        <p:spPr>
-          <a:xfrm flipH="1">
-            <a:off x="2407785" y="1358624"/>
-            <a:ext cx="155991" cy="423288"/>
-          </a:xfrm>
-          <a:prstGeom prst="straightConnector1">
-            <a:avLst/>
-          </a:prstGeom>
-          <a:ln w="12700">
-            <a:solidFill>
-              <a:schemeClr val="tx1"/>
-            </a:solidFill>
-            <a:tailEnd type="triangle"/>
-          </a:ln>
-        </p:spPr>
-        <p:style>
-          <a:lnRef idx="1">
-            <a:schemeClr val="accent1"/>
-          </a:lnRef>
-          <a:fillRef idx="0">
-            <a:schemeClr val="accent1"/>
-          </a:fillRef>
-          <a:effectRef idx="0">
-            <a:schemeClr val="accent1"/>
-          </a:effectRef>
-          <a:fontRef idx="minor">
-            <a:schemeClr val="tx1"/>
-          </a:fontRef>
-        </p:style>
-      </p:cxnSp>
       <p:cxnSp>
         <p:nvCxnSpPr>
           <p:cNvPr id="83" name="직선 화살표 연결선 82">
@@ -13556,6 +13338,59 @@
           </a:fontRef>
         </p:style>
       </p:cxnSp>
+      <p:sp>
+        <p:nvSpPr>
+          <p:cNvPr id="4" name="TextBox 3">
+            <a:extLst>
+              <a:ext uri="{FF2B5EF4-FFF2-40B4-BE49-F238E27FC236}">
+                <a16:creationId xmlns:a16="http://schemas.microsoft.com/office/drawing/2014/main" id="{401F1CF0-91C5-00EB-07AD-45BEAE8A856B}"/>
+              </a:ext>
+            </a:extLst>
+          </p:cNvPr>
+          <p:cNvSpPr txBox="1"/>
+          <p:nvPr/>
+        </p:nvSpPr>
+        <p:spPr>
+          <a:xfrm>
+            <a:off x="2435454" y="1349459"/>
+            <a:ext cx="1549189" cy="230832"/>
+          </a:xfrm>
+          <a:prstGeom prst="rect">
+            <a:avLst/>
+          </a:prstGeom>
+          <a:noFill/>
+        </p:spPr>
+        <p:txBody>
+          <a:bodyPr wrap="square" rtlCol="0" anchor="ctr">
+            <a:spAutoFit/>
+          </a:bodyPr>
+          <a:lstStyle/>
+          <a:p>
+            <a:pPr algn="ctr"/>
+            <a:r>
+              <a:rPr kumimoji="1" lang="en-US" altLang="ko-KR" sz="900" b="1" i="1"/>
+              <a:t>Kernel,</a:t>
+            </a:r>
+            <a:r>
+              <a:rPr kumimoji="1" lang="ko-KR" altLang="en-US" sz="900" b="1" i="1"/>
+              <a:t> </a:t>
+            </a:r>
+            <a:r>
+              <a:rPr kumimoji="1" lang="en-US" altLang="ko-KR" sz="900" b="1" i="1"/>
+              <a:t>Data,</a:t>
+            </a:r>
+            <a:r>
+              <a:rPr kumimoji="1" lang="ko-KR" altLang="en-US" sz="900" b="1" i="1"/>
+              <a:t> </a:t>
+            </a:r>
+            <a:r>
+              <a:rPr kumimoji="1" lang="en-US" altLang="ko-KR" sz="900" b="1" i="1"/>
+              <a:t>Configs</a:t>
+            </a:r>
+            <a:endParaRPr kumimoji="1" lang="ko-KR" altLang="en-US" sz="900" b="1" i="1"/>
+          </a:p>
+        </p:txBody>
+      </p:sp>
     </p:spTree>
     <p:extLst>
       <p:ext uri="{BB962C8B-B14F-4D97-AF65-F5344CB8AC3E}">
@@ -25892,29 +25727,168 @@
           </a:p>
           <a:p>
             <a:pPr algn="ctr"/>
+            <a:endParaRPr kumimoji="1" lang="en-US" altLang="ko-KR" sz="900">
+              <a:solidFill>
+                <a:schemeClr val="tx1"/>
+              </a:solidFill>
+            </a:endParaRPr>
+          </a:p>
+          <a:p>
+            <a:pPr algn="ctr"/>
             <a:r>
               <a:rPr kumimoji="1" lang="en-US" altLang="ko-KR" sz="900">
                 <a:solidFill>
                   <a:schemeClr val="tx1"/>
                 </a:solidFill>
               </a:rPr>
-              <a:t>(</a:t>
-            </a:r>
-            <a:r>
-              <a:rPr kumimoji="1" lang="en-US" altLang="ko-KR" sz="900" b="1">
-                <a:solidFill>
-                  <a:schemeClr val="tx1"/>
-                </a:solidFill>
-              </a:rPr>
-              <a:t>Active</a:t>
-            </a:r>
-            <a:r>
+              <a:t>GPU Context, </a:t>
+            </a:r>
+            <a:br>
               <a:rPr kumimoji="1" lang="en-US" altLang="ko-KR" sz="900">
                 <a:solidFill>
                   <a:schemeClr val="tx1"/>
                 </a:solidFill>
               </a:rPr>
-              <a:t>)</a:t>
+            </a:br>
+            <a:r>
+              <a:rPr kumimoji="1" lang="en-US" altLang="ko-KR" sz="900">
+                <a:solidFill>
+                  <a:schemeClr val="tx1"/>
+                </a:solidFill>
+              </a:rPr>
+              <a:t>Kernel, Data</a:t>
+            </a:r>
+          </a:p>
+        </p:txBody>
+      </p:sp>
+      <p:sp>
+        <p:nvSpPr>
+          <p:cNvPr id="16" name="모서리가 둥근 직사각형 15">
+            <a:extLst>
+              <a:ext uri="{FF2B5EF4-FFF2-40B4-BE49-F238E27FC236}">
+                <a16:creationId xmlns:a16="http://schemas.microsoft.com/office/drawing/2014/main" id="{BFBA934B-CC8F-BCF1-3C65-FCB28E66930C}"/>
+              </a:ext>
+            </a:extLst>
+          </p:cNvPr>
+          <p:cNvSpPr/>
+          <p:nvPr/>
+        </p:nvSpPr>
+        <p:spPr>
+          <a:xfrm>
+            <a:off x="473337" y="2211710"/>
+            <a:ext cx="4699856" cy="689111"/>
+          </a:xfrm>
+          <a:prstGeom prst="roundRect">
+            <a:avLst>
+              <a:gd name="adj" fmla="val 8070"/>
+            </a:avLst>
+          </a:prstGeom>
+          <a:noFill/>
+          <a:ln w="12700"/>
+        </p:spPr>
+        <p:style>
+          <a:lnRef idx="2">
+            <a:schemeClr val="accent1">
+              <a:shade val="15000"/>
+            </a:schemeClr>
+          </a:lnRef>
+          <a:fillRef idx="1">
+            <a:schemeClr val="accent1"/>
+          </a:fillRef>
+          <a:effectRef idx="0">
+            <a:schemeClr val="accent1"/>
+          </a:effectRef>
+          <a:fontRef idx="minor">
+            <a:schemeClr val="lt1"/>
+          </a:fontRef>
+        </p:style>
+        <p:txBody>
+          <a:bodyPr rtlCol="0" anchor="t"/>
+          <a:lstStyle/>
+          <a:p>
+            <a:pPr algn="ctr"/>
+            <a:r>
+              <a:rPr kumimoji="1" lang="en-US" altLang="ko-KR" sz="900" b="1" u="sng">
+                <a:solidFill>
+                  <a:schemeClr val="tx1"/>
+                </a:solidFill>
+              </a:rPr>
+              <a:t>Time-sliced</a:t>
+            </a:r>
+            <a:r>
+              <a:rPr kumimoji="1" lang="en-US" altLang="ko-KR" sz="900">
+                <a:solidFill>
+                  <a:schemeClr val="tx1"/>
+                </a:solidFill>
+              </a:rPr>
+              <a:t> SM (Streaming Multiprocessor) </a:t>
+            </a:r>
+            <a:endParaRPr kumimoji="1" lang="ko-KR" altLang="en-US" sz="900">
+              <a:solidFill>
+                <a:schemeClr val="tx1"/>
+              </a:solidFill>
+            </a:endParaRPr>
+          </a:p>
+        </p:txBody>
+      </p:sp>
+      <p:sp>
+        <p:nvSpPr>
+          <p:cNvPr id="18" name="모서리가 둥근 직사각형 17">
+            <a:extLst>
+              <a:ext uri="{FF2B5EF4-FFF2-40B4-BE49-F238E27FC236}">
+                <a16:creationId xmlns:a16="http://schemas.microsoft.com/office/drawing/2014/main" id="{FD9B6B71-D130-6D90-FAF9-76D72B63E51B}"/>
+              </a:ext>
+            </a:extLst>
+          </p:cNvPr>
+          <p:cNvSpPr/>
+          <p:nvPr/>
+        </p:nvSpPr>
+        <p:spPr>
+          <a:xfrm>
+            <a:off x="2301713" y="3343361"/>
+            <a:ext cx="1043104" cy="691524"/>
+          </a:xfrm>
+          <a:prstGeom prst="roundRect">
+            <a:avLst>
+              <a:gd name="adj" fmla="val 11293"/>
+            </a:avLst>
+          </a:prstGeom>
+          <a:solidFill>
+            <a:schemeClr val="accent3">
+              <a:lumMod val="20000"/>
+              <a:lumOff val="80000"/>
+            </a:schemeClr>
+          </a:solidFill>
+          <a:ln w="12700"/>
+        </p:spPr>
+        <p:style>
+          <a:lnRef idx="2">
+            <a:schemeClr val="accent1">
+              <a:shade val="15000"/>
+            </a:schemeClr>
+          </a:lnRef>
+          <a:fillRef idx="1">
+            <a:schemeClr val="accent1"/>
+          </a:fillRef>
+          <a:effectRef idx="0">
+            <a:schemeClr val="accent1"/>
+          </a:effectRef>
+          <a:fontRef idx="minor">
+            <a:schemeClr val="lt1"/>
+          </a:fontRef>
+        </p:style>
+        <p:txBody>
+          <a:bodyPr rtlCol="0" anchor="ctr"/>
+          <a:lstStyle/>
+          <a:p>
+            <a:pPr algn="ctr"/>
+            <a:r>
+              <a:rPr kumimoji="1" lang="en-US" altLang="ko-KR" sz="900">
+                <a:solidFill>
+                  <a:schemeClr val="tx1"/>
+                </a:solidFill>
+              </a:rPr>
+              <a:t>App B Memory</a:t>
             </a:r>
           </a:p>
           <a:p>
@@ -25955,10 +25929,10 @@
       </p:sp>
       <p:sp>
         <p:nvSpPr>
-          <p:cNvPr id="16" name="모서리가 둥근 직사각형 15">
-            <a:extLst>
-              <a:ext uri="{FF2B5EF4-FFF2-40B4-BE49-F238E27FC236}">
-                <a16:creationId xmlns:a16="http://schemas.microsoft.com/office/drawing/2014/main" id="{BFBA934B-CC8F-BCF1-3C65-FCB28E66930C}"/>
+          <p:cNvPr id="19" name="모서리가 둥근 직사각형 18">
+            <a:extLst>
+              <a:ext uri="{FF2B5EF4-FFF2-40B4-BE49-F238E27FC236}">
+                <a16:creationId xmlns:a16="http://schemas.microsoft.com/office/drawing/2014/main" id="{35620534-EBF1-C47E-54C7-B0DB80109D29}"/>
               </a:ext>
             </a:extLst>
           </p:cNvPr>
@@ -25967,15 +25941,20 @@
         </p:nvSpPr>
         <p:spPr>
           <a:xfrm>
-            <a:off x="473337" y="2211710"/>
-            <a:ext cx="4699856" cy="689111"/>
+            <a:off x="4032953" y="3343361"/>
+            <a:ext cx="1043104" cy="691524"/>
           </a:xfrm>
           <a:prstGeom prst="roundRect">
             <a:avLst>
-              <a:gd name="adj" fmla="val 8070"/>
+              <a:gd name="adj" fmla="val 11293"/>
             </a:avLst>
           </a:prstGeom>
-          <a:noFill/>
+          <a:solidFill>
+            <a:schemeClr val="accent2">
+              <a:lumMod val="20000"/>
+              <a:lumOff val="80000"/>
+            </a:schemeClr>
+          </a:solidFill>
           <a:ln w="12700"/>
         </p:spPr>
         <p:style>
@@ -25995,242 +25974,17 @@
           </a:fontRef>
         </p:style>
         <p:txBody>
-          <a:bodyPr rtlCol="0" anchor="t"/>
+          <a:bodyPr rtlCol="0" anchor="ctr"/>
           <a:lstStyle/>
           <a:p>
             <a:pPr algn="ctr"/>
             <a:r>
-              <a:rPr kumimoji="1" lang="en-US" altLang="ko-KR" sz="900" b="1" u="sng">
-                <a:solidFill>
-                  <a:schemeClr val="tx1"/>
-                </a:solidFill>
-              </a:rPr>
-              <a:t>Time-sliced</a:t>
-            </a:r>
-            <a:r>
               <a:rPr kumimoji="1" lang="en-US" altLang="ko-KR" sz="900">
                 <a:solidFill>
                   <a:schemeClr val="tx1"/>
                 </a:solidFill>
               </a:rPr>
-              <a:t> SM (Streaming Multiprocessor) </a:t>
-            </a:r>
-            <a:endParaRPr kumimoji="1" lang="ko-KR" altLang="en-US" sz="900">
-              <a:solidFill>
-                <a:schemeClr val="tx1"/>
-              </a:solidFill>
-            </a:endParaRPr>
-          </a:p>
-        </p:txBody>
-      </p:sp>
-      <p:sp>
-        <p:nvSpPr>
-          <p:cNvPr id="18" name="모서리가 둥근 직사각형 17">
-            <a:extLst>
-              <a:ext uri="{FF2B5EF4-FFF2-40B4-BE49-F238E27FC236}">
-                <a16:creationId xmlns:a16="http://schemas.microsoft.com/office/drawing/2014/main" id="{FD9B6B71-D130-6D90-FAF9-76D72B63E51B}"/>
-              </a:ext>
-            </a:extLst>
-          </p:cNvPr>
-          <p:cNvSpPr/>
-          <p:nvPr/>
-        </p:nvSpPr>
-        <p:spPr>
-          <a:xfrm>
-            <a:off x="2301713" y="3343361"/>
-            <a:ext cx="1043104" cy="691524"/>
-          </a:xfrm>
-          <a:prstGeom prst="roundRect">
-            <a:avLst>
-              <a:gd name="adj" fmla="val 11293"/>
-            </a:avLst>
-          </a:prstGeom>
-          <a:solidFill>
-            <a:schemeClr val="accent3">
-              <a:lumMod val="20000"/>
-              <a:lumOff val="80000"/>
-            </a:schemeClr>
-          </a:solidFill>
-          <a:ln w="12700"/>
-        </p:spPr>
-        <p:style>
-          <a:lnRef idx="2">
-            <a:schemeClr val="accent1">
-              <a:shade val="15000"/>
-            </a:schemeClr>
-          </a:lnRef>
-          <a:fillRef idx="1">
-            <a:schemeClr val="accent1"/>
-          </a:fillRef>
-          <a:effectRef idx="0">
-            <a:schemeClr val="accent1"/>
-          </a:effectRef>
-          <a:fontRef idx="minor">
-            <a:schemeClr val="lt1"/>
-          </a:fontRef>
-        </p:style>
-        <p:txBody>
-          <a:bodyPr rtlCol="0" anchor="ctr"/>
-          <a:lstStyle/>
-          <a:p>
-            <a:pPr algn="ctr"/>
-            <a:r>
-              <a:rPr kumimoji="1" lang="en-US" altLang="ko-KR" sz="900">
-                <a:solidFill>
-                  <a:schemeClr val="tx1"/>
-                </a:solidFill>
-              </a:rPr>
-              <a:t>App B Memory</a:t>
-            </a:r>
-          </a:p>
-          <a:p>
-            <a:pPr algn="ctr"/>
-            <a:r>
-              <a:rPr kumimoji="1" lang="en-US" altLang="ko-KR" sz="900">
-                <a:solidFill>
-                  <a:schemeClr val="tx1"/>
-                </a:solidFill>
-              </a:rPr>
-              <a:t>(</a:t>
-            </a:r>
-            <a:r>
-              <a:rPr kumimoji="1" lang="en-US" altLang="ko-KR" sz="900" b="1">
-                <a:solidFill>
-                  <a:schemeClr val="tx1"/>
-                </a:solidFill>
-              </a:rPr>
-              <a:t>Standby</a:t>
-            </a:r>
-            <a:r>
-              <a:rPr kumimoji="1" lang="en-US" altLang="ko-KR" sz="900">
-                <a:solidFill>
-                  <a:schemeClr val="tx1"/>
-                </a:solidFill>
-              </a:rPr>
-              <a:t>)</a:t>
-            </a:r>
-          </a:p>
-          <a:p>
-            <a:pPr algn="ctr"/>
-            <a:endParaRPr kumimoji="1" lang="en-US" altLang="ko-KR" sz="900">
-              <a:solidFill>
-                <a:schemeClr val="tx1"/>
-              </a:solidFill>
-            </a:endParaRPr>
-          </a:p>
-          <a:p>
-            <a:pPr algn="ctr"/>
-            <a:r>
-              <a:rPr kumimoji="1" lang="en-US" altLang="ko-KR" sz="900">
-                <a:solidFill>
-                  <a:schemeClr val="tx1"/>
-                </a:solidFill>
-              </a:rPr>
-              <a:t>GPU Context, </a:t>
-            </a:r>
-            <a:br>
-              <a:rPr kumimoji="1" lang="en-US" altLang="ko-KR" sz="900">
-                <a:solidFill>
-                  <a:schemeClr val="tx1"/>
-                </a:solidFill>
-              </a:rPr>
-            </a:br>
-            <a:r>
-              <a:rPr kumimoji="1" lang="en-US" altLang="ko-KR" sz="900">
-                <a:solidFill>
-                  <a:schemeClr val="tx1"/>
-                </a:solidFill>
-              </a:rPr>
-              <a:t>Kernel, Data</a:t>
-            </a:r>
-          </a:p>
-        </p:txBody>
-      </p:sp>
-      <p:sp>
-        <p:nvSpPr>
-          <p:cNvPr id="19" name="모서리가 둥근 직사각형 18">
-            <a:extLst>
-              <a:ext uri="{FF2B5EF4-FFF2-40B4-BE49-F238E27FC236}">
-                <a16:creationId xmlns:a16="http://schemas.microsoft.com/office/drawing/2014/main" id="{35620534-EBF1-C47E-54C7-B0DB80109D29}"/>
-              </a:ext>
-            </a:extLst>
-          </p:cNvPr>
-          <p:cNvSpPr/>
-          <p:nvPr/>
-        </p:nvSpPr>
-        <p:spPr>
-          <a:xfrm>
-            <a:off x="4032953" y="3343361"/>
-            <a:ext cx="1043104" cy="691524"/>
-          </a:xfrm>
-          <a:prstGeom prst="roundRect">
-            <a:avLst>
-              <a:gd name="adj" fmla="val 11293"/>
-            </a:avLst>
-          </a:prstGeom>
-          <a:solidFill>
-            <a:schemeClr val="accent2">
-              <a:lumMod val="20000"/>
-              <a:lumOff val="80000"/>
-            </a:schemeClr>
-          </a:solidFill>
-          <a:ln w="12700"/>
-        </p:spPr>
-        <p:style>
-          <a:lnRef idx="2">
-            <a:schemeClr val="accent1">
-              <a:shade val="15000"/>
-            </a:schemeClr>
-          </a:lnRef>
-          <a:fillRef idx="1">
-            <a:schemeClr val="accent1"/>
-          </a:fillRef>
-          <a:effectRef idx="0">
-            <a:schemeClr val="accent1"/>
-          </a:effectRef>
-          <a:fontRef idx="minor">
-            <a:schemeClr val="lt1"/>
-          </a:fontRef>
-        </p:style>
-        <p:txBody>
-          <a:bodyPr rtlCol="0" anchor="ctr"/>
-          <a:lstStyle/>
-          <a:p>
-            <a:pPr algn="ctr"/>
-            <a:r>
-              <a:rPr kumimoji="1" lang="en-US" altLang="ko-KR" sz="900">
-                <a:solidFill>
-                  <a:schemeClr val="tx1"/>
-                </a:solidFill>
-              </a:rPr>
               <a:t>App C Memory</a:t>
-            </a:r>
-          </a:p>
-          <a:p>
-            <a:pPr algn="ctr"/>
-            <a:r>
-              <a:rPr kumimoji="1" lang="en-US" altLang="ko-KR" sz="900">
-                <a:solidFill>
-                  <a:schemeClr val="tx1"/>
-                </a:solidFill>
-              </a:rPr>
-              <a:t>(</a:t>
-            </a:r>
-            <a:r>
-              <a:rPr kumimoji="1" lang="en-US" altLang="ko-KR" sz="900" b="1">
-                <a:solidFill>
-                  <a:schemeClr val="tx1"/>
-                </a:solidFill>
-              </a:rPr>
-              <a:t>Standby</a:t>
-            </a:r>
-            <a:r>
-              <a:rPr kumimoji="1" lang="en-US" altLang="ko-KR" sz="900">
-                <a:solidFill>
-                  <a:schemeClr val="tx1"/>
-                </a:solidFill>
-              </a:rPr>
-              <a:t>)</a:t>
             </a:r>
           </a:p>
           <a:p>
@@ -26424,8 +26178,8 @@
         </p:nvSpPr>
         <p:spPr>
           <a:xfrm>
-            <a:off x="274560" y="4138313"/>
-            <a:ext cx="1631881" cy="246221"/>
+            <a:off x="335774" y="4146007"/>
+            <a:ext cx="1631881" cy="230832"/>
           </a:xfrm>
           <a:prstGeom prst="rect">
             <a:avLst/>
@@ -26440,10 +26194,10 @@
           <a:p>
             <a:pPr algn="ctr"/>
             <a:r>
-              <a:rPr kumimoji="1" lang="en-US" altLang="ko-KR" sz="1000" b="1" i="1"/>
+              <a:rPr kumimoji="1" lang="en-US" altLang="ko-KR" sz="900" b="1" i="1"/>
               <a:t>Context Switch</a:t>
             </a:r>
-            <a:endParaRPr kumimoji="1" lang="ko-KR" altLang="en-US" sz="1000" b="1" i="1"/>
+            <a:endParaRPr kumimoji="1" lang="ko-KR" altLang="en-US" sz="900" b="1" i="1"/>
           </a:p>
         </p:txBody>
       </p:sp>
@@ -26517,141 +26271,6 @@
           </a:p>
         </p:txBody>
       </p:sp>
-      <p:cxnSp>
-        <p:nvCxnSpPr>
-          <p:cNvPr id="7" name="직선 화살표 연결선 6">
-            <a:extLst>
-              <a:ext uri="{FF2B5EF4-FFF2-40B4-BE49-F238E27FC236}">
-                <a16:creationId xmlns:a16="http://schemas.microsoft.com/office/drawing/2014/main" id="{718C1A6C-1516-055D-7615-7E9CA3C70864}"/>
-              </a:ext>
-            </a:extLst>
-          </p:cNvPr>
-          <p:cNvCxnSpPr>
-            <a:cxnSpLocks/>
-            <a:stCxn id="4" idx="2"/>
-          </p:cNvCxnSpPr>
-          <p:nvPr/>
-        </p:nvCxnSpPr>
-        <p:spPr>
-          <a:xfrm>
-            <a:off x="1098123" y="1936935"/>
-            <a:ext cx="189730" cy="274775"/>
-          </a:xfrm>
-          <a:prstGeom prst="straightConnector1">
-            <a:avLst/>
-          </a:prstGeom>
-          <a:ln w="12700">
-            <a:solidFill>
-              <a:schemeClr val="tx1"/>
-            </a:solidFill>
-            <a:tailEnd type="triangle"/>
-          </a:ln>
-        </p:spPr>
-        <p:style>
-          <a:lnRef idx="1">
-            <a:schemeClr val="accent1"/>
-          </a:lnRef>
-          <a:fillRef idx="0">
-            <a:schemeClr val="accent1"/>
-          </a:fillRef>
-          <a:effectRef idx="0">
-            <a:schemeClr val="accent1"/>
-          </a:effectRef>
-          <a:fontRef idx="minor">
-            <a:schemeClr val="tx1"/>
-          </a:fontRef>
-        </p:style>
-      </p:cxnSp>
-      <p:cxnSp>
-        <p:nvCxnSpPr>
-          <p:cNvPr id="27" name="직선 화살표 연결선 26">
-            <a:extLst>
-              <a:ext uri="{FF2B5EF4-FFF2-40B4-BE49-F238E27FC236}">
-                <a16:creationId xmlns:a16="http://schemas.microsoft.com/office/drawing/2014/main" id="{93CB23AC-68AF-7A72-AC16-9E8F1DBDF734}"/>
-              </a:ext>
-            </a:extLst>
-          </p:cNvPr>
-          <p:cNvCxnSpPr>
-            <a:cxnSpLocks/>
-            <a:stCxn id="9" idx="2"/>
-          </p:cNvCxnSpPr>
-          <p:nvPr/>
-        </p:nvCxnSpPr>
-        <p:spPr>
-          <a:xfrm>
-            <a:off x="2826315" y="1936935"/>
-            <a:ext cx="205993" cy="274775"/>
-          </a:xfrm>
-          <a:prstGeom prst="straightConnector1">
-            <a:avLst/>
-          </a:prstGeom>
-          <a:ln w="12700">
-            <a:solidFill>
-              <a:schemeClr val="tx1"/>
-            </a:solidFill>
-            <a:tailEnd type="triangle"/>
-          </a:ln>
-        </p:spPr>
-        <p:style>
-          <a:lnRef idx="1">
-            <a:schemeClr val="accent1"/>
-          </a:lnRef>
-          <a:fillRef idx="0">
-            <a:schemeClr val="accent1"/>
-          </a:fillRef>
-          <a:effectRef idx="0">
-            <a:schemeClr val="accent1"/>
-          </a:effectRef>
-          <a:fontRef idx="minor">
-            <a:schemeClr val="tx1"/>
-          </a:fontRef>
-        </p:style>
-      </p:cxnSp>
-      <p:cxnSp>
-        <p:nvCxnSpPr>
-          <p:cNvPr id="28" name="직선 화살표 연결선 27">
-            <a:extLst>
-              <a:ext uri="{FF2B5EF4-FFF2-40B4-BE49-F238E27FC236}">
-                <a16:creationId xmlns:a16="http://schemas.microsoft.com/office/drawing/2014/main" id="{A6041788-AD3B-214C-AA66-E5BB894CC322}"/>
-              </a:ext>
-            </a:extLst>
-          </p:cNvPr>
-          <p:cNvCxnSpPr>
-            <a:cxnSpLocks/>
-            <a:stCxn id="10" idx="2"/>
-          </p:cNvCxnSpPr>
-          <p:nvPr/>
-        </p:nvCxnSpPr>
-        <p:spPr>
-          <a:xfrm>
-            <a:off x="4554507" y="1936935"/>
-            <a:ext cx="207747" cy="274775"/>
-          </a:xfrm>
-          <a:prstGeom prst="straightConnector1">
-            <a:avLst/>
-          </a:prstGeom>
-          <a:ln w="12700">
-            <a:solidFill>
-              <a:schemeClr val="tx1"/>
-            </a:solidFill>
-            <a:tailEnd type="triangle"/>
-          </a:ln>
-        </p:spPr>
-        <p:style>
-          <a:lnRef idx="1">
-            <a:schemeClr val="accent1"/>
-          </a:lnRef>
-          <a:fillRef idx="0">
-            <a:schemeClr val="accent1"/>
-          </a:fillRef>
-          <a:effectRef idx="0">
-            <a:schemeClr val="accent1"/>
-          </a:effectRef>
-          <a:fontRef idx="minor">
-            <a:schemeClr val="tx1"/>
-          </a:fontRef>
-        </p:style>
-      </p:cxnSp>
       <p:sp>
         <p:nvSpPr>
           <p:cNvPr id="6" name="모서리가 둥근 직사각형 5">
@@ -26859,6 +26478,59 @@
           </a:fontRef>
         </p:style>
       </p:cxnSp>
+      <p:sp>
+        <p:nvSpPr>
+          <p:cNvPr id="32" name="TextBox 31">
+            <a:extLst>
+              <a:ext uri="{FF2B5EF4-FFF2-40B4-BE49-F238E27FC236}">
+                <a16:creationId xmlns:a16="http://schemas.microsoft.com/office/drawing/2014/main" id="{0FCF5F5C-0AD5-71D3-A431-5B54E6050ED8}"/>
+              </a:ext>
+            </a:extLst>
+          </p:cNvPr>
+          <p:cNvSpPr txBox="1"/>
+          <p:nvPr/>
+        </p:nvSpPr>
+        <p:spPr>
+          <a:xfrm>
+            <a:off x="936117" y="1907478"/>
+            <a:ext cx="1549189" cy="230832"/>
+          </a:xfrm>
+          <a:prstGeom prst="rect">
+            <a:avLst/>
+          </a:prstGeom>
+          <a:noFill/>
+        </p:spPr>
+        <p:txBody>
+          <a:bodyPr wrap="square" rtlCol="0" anchor="ctr">
+            <a:spAutoFit/>
+          </a:bodyPr>
+          <a:lstStyle/>
+          <a:p>
+            <a:pPr algn="ctr"/>
+            <a:r>
+              <a:rPr kumimoji="1" lang="en-US" altLang="ko-KR" sz="900" b="1" i="1"/>
+              <a:t>Kernel,</a:t>
+            </a:r>
+            <a:r>
+              <a:rPr kumimoji="1" lang="ko-KR" altLang="en-US" sz="900" b="1" i="1"/>
+              <a:t> </a:t>
+            </a:r>
+            <a:r>
+              <a:rPr kumimoji="1" lang="en-US" altLang="ko-KR" sz="900" b="1" i="1"/>
+              <a:t>Data,</a:t>
+            </a:r>
+            <a:r>
+              <a:rPr kumimoji="1" lang="ko-KR" altLang="en-US" sz="900" b="1" i="1"/>
+              <a:t> </a:t>
+            </a:r>
+            <a:r>
+              <a:rPr kumimoji="1" lang="en-US" altLang="ko-KR" sz="900" b="1" i="1"/>
+              <a:t>Configs</a:t>
+            </a:r>
+            <a:endParaRPr kumimoji="1" lang="ko-KR" altLang="en-US" sz="900" b="1" i="1"/>
+          </a:p>
+        </p:txBody>
+      </p:sp>
     </p:spTree>
     <p:extLst>
       <p:ext uri="{BB962C8B-B14F-4D97-AF65-F5344CB8AC3E}">
@@ -38138,276 +37810,6 @@
       </p:sp>
       <p:cxnSp>
         <p:nvCxnSpPr>
-          <p:cNvPr id="81" name="직선 화살표 연결선 80">
-            <a:extLst>
-              <a:ext uri="{FF2B5EF4-FFF2-40B4-BE49-F238E27FC236}">
-                <a16:creationId xmlns:a16="http://schemas.microsoft.com/office/drawing/2014/main" id="{5EC0521C-EC15-3C41-241C-E1E1789641C7}"/>
-              </a:ext>
-            </a:extLst>
-          </p:cNvPr>
-          <p:cNvCxnSpPr>
-            <a:cxnSpLocks/>
-            <a:endCxn id="35" idx="2"/>
-          </p:cNvCxnSpPr>
-          <p:nvPr/>
-        </p:nvCxnSpPr>
-        <p:spPr>
-          <a:xfrm flipV="1">
-            <a:off x="1087570" y="2587563"/>
-            <a:ext cx="0" cy="864966"/>
-          </a:xfrm>
-          <a:prstGeom prst="straightConnector1">
-            <a:avLst/>
-          </a:prstGeom>
-          <a:ln w="12700">
-            <a:solidFill>
-              <a:schemeClr val="tx1"/>
-            </a:solidFill>
-            <a:tailEnd type="triangle"/>
-          </a:ln>
-        </p:spPr>
-        <p:style>
-          <a:lnRef idx="1">
-            <a:schemeClr val="accent1"/>
-          </a:lnRef>
-          <a:fillRef idx="0">
-            <a:schemeClr val="accent1"/>
-          </a:fillRef>
-          <a:effectRef idx="0">
-            <a:schemeClr val="accent1"/>
-          </a:effectRef>
-          <a:fontRef idx="minor">
-            <a:schemeClr val="tx1"/>
-          </a:fontRef>
-        </p:style>
-      </p:cxnSp>
-      <p:cxnSp>
-        <p:nvCxnSpPr>
-          <p:cNvPr id="82" name="직선 화살표 연결선 81">
-            <a:extLst>
-              <a:ext uri="{FF2B5EF4-FFF2-40B4-BE49-F238E27FC236}">
-                <a16:creationId xmlns:a16="http://schemas.microsoft.com/office/drawing/2014/main" id="{A56AAE34-E897-DD8D-E3AF-78BECDC18C8A}"/>
-              </a:ext>
-            </a:extLst>
-          </p:cNvPr>
-          <p:cNvCxnSpPr>
-            <a:cxnSpLocks/>
-            <a:endCxn id="42" idx="2"/>
-          </p:cNvCxnSpPr>
-          <p:nvPr/>
-        </p:nvCxnSpPr>
-        <p:spPr>
-          <a:xfrm flipV="1">
-            <a:off x="6875243" y="2587563"/>
-            <a:ext cx="0" cy="864966"/>
-          </a:xfrm>
-          <a:prstGeom prst="straightConnector1">
-            <a:avLst/>
-          </a:prstGeom>
-          <a:ln w="12700">
-            <a:solidFill>
-              <a:schemeClr val="tx1"/>
-            </a:solidFill>
-            <a:tailEnd type="triangle"/>
-          </a:ln>
-        </p:spPr>
-        <p:style>
-          <a:lnRef idx="1">
-            <a:schemeClr val="accent1"/>
-          </a:lnRef>
-          <a:fillRef idx="0">
-            <a:schemeClr val="accent1"/>
-          </a:fillRef>
-          <a:effectRef idx="0">
-            <a:schemeClr val="accent1"/>
-          </a:effectRef>
-          <a:fontRef idx="minor">
-            <a:schemeClr val="tx1"/>
-          </a:fontRef>
-        </p:style>
-      </p:cxnSp>
-      <p:cxnSp>
-        <p:nvCxnSpPr>
-          <p:cNvPr id="85" name="직선 화살표 연결선 84">
-            <a:extLst>
-              <a:ext uri="{FF2B5EF4-FFF2-40B4-BE49-F238E27FC236}">
-                <a16:creationId xmlns:a16="http://schemas.microsoft.com/office/drawing/2014/main" id="{F8CE774A-5690-AE6B-0100-99F53C1653F8}"/>
-              </a:ext>
-            </a:extLst>
-          </p:cNvPr>
-          <p:cNvCxnSpPr>
-            <a:cxnSpLocks/>
-            <a:endCxn id="39" idx="2"/>
-          </p:cNvCxnSpPr>
-          <p:nvPr/>
-        </p:nvCxnSpPr>
-        <p:spPr>
-          <a:xfrm flipV="1">
-            <a:off x="3222229" y="2587563"/>
-            <a:ext cx="0" cy="1415692"/>
-          </a:xfrm>
-          <a:prstGeom prst="straightConnector1">
-            <a:avLst/>
-          </a:prstGeom>
-          <a:ln w="12700">
-            <a:solidFill>
-              <a:schemeClr val="tx1"/>
-            </a:solidFill>
-            <a:tailEnd type="triangle"/>
-          </a:ln>
-        </p:spPr>
-        <p:style>
-          <a:lnRef idx="1">
-            <a:schemeClr val="accent1"/>
-          </a:lnRef>
-          <a:fillRef idx="0">
-            <a:schemeClr val="accent1"/>
-          </a:fillRef>
-          <a:effectRef idx="0">
-            <a:schemeClr val="accent1"/>
-          </a:effectRef>
-          <a:fontRef idx="minor">
-            <a:schemeClr val="tx1"/>
-          </a:fontRef>
-        </p:style>
-      </p:cxnSp>
-      <p:cxnSp>
-        <p:nvCxnSpPr>
-          <p:cNvPr id="88" name="직선 화살표 연결선 87">
-            <a:extLst>
-              <a:ext uri="{FF2B5EF4-FFF2-40B4-BE49-F238E27FC236}">
-                <a16:creationId xmlns:a16="http://schemas.microsoft.com/office/drawing/2014/main" id="{F44D48D2-79C4-97E6-38CC-536474CA51DF}"/>
-              </a:ext>
-            </a:extLst>
-          </p:cNvPr>
-          <p:cNvCxnSpPr>
-            <a:cxnSpLocks/>
-            <a:endCxn id="43" idx="2"/>
-          </p:cNvCxnSpPr>
-          <p:nvPr/>
-        </p:nvCxnSpPr>
-        <p:spPr>
-          <a:xfrm flipV="1">
-            <a:off x="7778485" y="2587563"/>
-            <a:ext cx="0" cy="1415692"/>
-          </a:xfrm>
-          <a:prstGeom prst="straightConnector1">
-            <a:avLst/>
-          </a:prstGeom>
-          <a:ln w="12700">
-            <a:solidFill>
-              <a:schemeClr val="tx1"/>
-            </a:solidFill>
-            <a:tailEnd type="triangle"/>
-          </a:ln>
-        </p:spPr>
-        <p:style>
-          <a:lnRef idx="1">
-            <a:schemeClr val="accent1"/>
-          </a:lnRef>
-          <a:fillRef idx="0">
-            <a:schemeClr val="accent1"/>
-          </a:fillRef>
-          <a:effectRef idx="0">
-            <a:schemeClr val="accent1"/>
-          </a:effectRef>
-          <a:fontRef idx="minor">
-            <a:schemeClr val="tx1"/>
-          </a:fontRef>
-        </p:style>
-      </p:cxnSp>
-      <p:cxnSp>
-        <p:nvCxnSpPr>
-          <p:cNvPr id="91" name="직선 화살표 연결선 90">
-            <a:extLst>
-              <a:ext uri="{FF2B5EF4-FFF2-40B4-BE49-F238E27FC236}">
-                <a16:creationId xmlns:a16="http://schemas.microsoft.com/office/drawing/2014/main" id="{61C2ADF3-15F1-DFF6-C647-110CE90F358E}"/>
-              </a:ext>
-            </a:extLst>
-          </p:cNvPr>
-          <p:cNvCxnSpPr>
-            <a:cxnSpLocks/>
-            <a:endCxn id="44" idx="2"/>
-          </p:cNvCxnSpPr>
-          <p:nvPr/>
-        </p:nvCxnSpPr>
-        <p:spPr>
-          <a:xfrm flipH="1" flipV="1">
-            <a:off x="8681728" y="2587563"/>
-            <a:ext cx="5072" cy="1972593"/>
-          </a:xfrm>
-          <a:prstGeom prst="straightConnector1">
-            <a:avLst/>
-          </a:prstGeom>
-          <a:ln w="12700">
-            <a:solidFill>
-              <a:schemeClr val="tx1"/>
-            </a:solidFill>
-            <a:tailEnd type="triangle"/>
-          </a:ln>
-        </p:spPr>
-        <p:style>
-          <a:lnRef idx="1">
-            <a:schemeClr val="accent1"/>
-          </a:lnRef>
-          <a:fillRef idx="0">
-            <a:schemeClr val="accent1"/>
-          </a:fillRef>
-          <a:effectRef idx="0">
-            <a:schemeClr val="accent1"/>
-          </a:effectRef>
-          <a:fontRef idx="minor">
-            <a:schemeClr val="tx1"/>
-          </a:fontRef>
-        </p:style>
-      </p:cxnSp>
-      <p:cxnSp>
-        <p:nvCxnSpPr>
-          <p:cNvPr id="94" name="직선 화살표 연결선 93">
-            <a:extLst>
-              <a:ext uri="{FF2B5EF4-FFF2-40B4-BE49-F238E27FC236}">
-                <a16:creationId xmlns:a16="http://schemas.microsoft.com/office/drawing/2014/main" id="{8B26363A-0D1A-AEBF-584B-FBF2013B3883}"/>
-              </a:ext>
-            </a:extLst>
-          </p:cNvPr>
-          <p:cNvCxnSpPr>
-            <a:cxnSpLocks/>
-            <a:endCxn id="41" idx="2"/>
-          </p:cNvCxnSpPr>
-          <p:nvPr/>
-        </p:nvCxnSpPr>
-        <p:spPr>
-          <a:xfrm flipV="1">
-            <a:off x="5359525" y="2587563"/>
-            <a:ext cx="0" cy="1972593"/>
-          </a:xfrm>
-          <a:prstGeom prst="straightConnector1">
-            <a:avLst/>
-          </a:prstGeom>
-          <a:ln w="12700">
-            <a:solidFill>
-              <a:schemeClr val="tx1"/>
-            </a:solidFill>
-            <a:tailEnd type="triangle"/>
-          </a:ln>
-        </p:spPr>
-        <p:style>
-          <a:lnRef idx="1">
-            <a:schemeClr val="accent1"/>
-          </a:lnRef>
-          <a:fillRef idx="0">
-            <a:schemeClr val="accent1"/>
-          </a:fillRef>
-          <a:effectRef idx="0">
-            <a:schemeClr val="accent1"/>
-          </a:effectRef>
-          <a:fontRef idx="minor">
-            <a:schemeClr val="tx1"/>
-          </a:fontRef>
-        </p:style>
-      </p:cxnSp>
-      <p:cxnSp>
-        <p:nvCxnSpPr>
           <p:cNvPr id="3" name="직선 화살표 연결선 2">
             <a:extLst>
               <a:ext uri="{FF2B5EF4-FFF2-40B4-BE49-F238E27FC236}">
@@ -39350,22 +38752,22 @@
           </p:cNvPr>
           <p:cNvCxnSpPr>
             <a:cxnSpLocks/>
-            <a:stCxn id="8" idx="2"/>
+            <a:stCxn id="5" idx="2"/>
             <a:endCxn id="25" idx="0"/>
           </p:cNvCxnSpPr>
           <p:nvPr/>
         </p:nvCxnSpPr>
         <p:spPr>
           <a:xfrm flipH="1">
-            <a:off x="1962219" y="960115"/>
-            <a:ext cx="864095" cy="255354"/>
+            <a:off x="1962219" y="1040484"/>
+            <a:ext cx="864096" cy="174985"/>
           </a:xfrm>
           <a:prstGeom prst="straightConnector1">
             <a:avLst/>
           </a:prstGeom>
           <a:ln w="12700">
             <a:solidFill>
-              <a:schemeClr val="tx1"/>
+              <a:schemeClr val="tx2"/>
             </a:solidFill>
             <a:tailEnd type="triangle"/>
           </a:ln>
@@ -39458,22 +38860,22 @@
           </p:cNvPr>
           <p:cNvCxnSpPr>
             <a:cxnSpLocks/>
-            <a:stCxn id="9" idx="2"/>
+            <a:stCxn id="6" idx="2"/>
             <a:endCxn id="25" idx="0"/>
           </p:cNvCxnSpPr>
           <p:nvPr/>
         </p:nvCxnSpPr>
         <p:spPr>
           <a:xfrm flipH="1">
-            <a:off x="1962219" y="960115"/>
-            <a:ext cx="2592287" cy="255354"/>
+            <a:off x="1962219" y="1040484"/>
+            <a:ext cx="2592288" cy="174985"/>
           </a:xfrm>
           <a:prstGeom prst="straightConnector1">
             <a:avLst/>
           </a:prstGeom>
           <a:ln w="12700">
             <a:solidFill>
-              <a:schemeClr val="tx1"/>
+              <a:schemeClr val="tx2"/>
             </a:solidFill>
             <a:tailEnd type="triangle"/>
           </a:ln>
@@ -39504,22 +38906,22 @@
           </p:cNvPr>
           <p:cNvCxnSpPr>
             <a:cxnSpLocks/>
-            <a:stCxn id="4" idx="2"/>
+            <a:stCxn id="3" idx="2"/>
             <a:endCxn id="25" idx="0"/>
           </p:cNvCxnSpPr>
           <p:nvPr/>
         </p:nvCxnSpPr>
         <p:spPr>
           <a:xfrm>
-            <a:off x="1092025" y="960115"/>
-            <a:ext cx="870194" cy="255354"/>
+            <a:off x="1098123" y="1040484"/>
+            <a:ext cx="864096" cy="174985"/>
           </a:xfrm>
           <a:prstGeom prst="straightConnector1">
             <a:avLst/>
           </a:prstGeom>
           <a:ln w="12700">
             <a:solidFill>
-              <a:schemeClr val="tx1"/>
+              <a:schemeClr val="tx2"/>
             </a:solidFill>
             <a:tailEnd type="triangle"/>
           </a:ln>
@@ -39634,7 +39036,7 @@
           </a:prstGeom>
           <a:ln w="12700">
             <a:solidFill>
-              <a:schemeClr val="tx1"/>
+              <a:schemeClr val="tx2"/>
             </a:solidFill>
             <a:tailEnd type="triangle"/>
           </a:ln>
@@ -39954,7 +39356,300 @@
           </a:prstGeom>
           <a:ln w="12700">
             <a:solidFill>
-              <a:schemeClr val="tx1"/>
+              <a:schemeClr val="tx2"/>
+            </a:solidFill>
+            <a:tailEnd type="triangle"/>
+          </a:ln>
+        </p:spPr>
+        <p:style>
+          <a:lnRef idx="1">
+            <a:schemeClr val="accent1"/>
+          </a:lnRef>
+          <a:fillRef idx="0">
+            <a:schemeClr val="accent1"/>
+          </a:fillRef>
+          <a:effectRef idx="0">
+            <a:schemeClr val="accent1"/>
+          </a:effectRef>
+          <a:fontRef idx="minor">
+            <a:schemeClr val="tx1"/>
+          </a:fontRef>
+        </p:style>
+      </p:cxnSp>
+      <p:sp>
+        <p:nvSpPr>
+          <p:cNvPr id="16" name="모서리가 둥근 직사각형 15">
+            <a:extLst>
+              <a:ext uri="{FF2B5EF4-FFF2-40B4-BE49-F238E27FC236}">
+                <a16:creationId xmlns:a16="http://schemas.microsoft.com/office/drawing/2014/main" id="{836A0280-63E2-6A8A-3771-C7F05E705883}"/>
+              </a:ext>
+            </a:extLst>
+          </p:cNvPr>
+          <p:cNvSpPr/>
+          <p:nvPr/>
+        </p:nvSpPr>
+        <p:spPr>
+          <a:xfrm>
+            <a:off x="681319" y="2524730"/>
+            <a:ext cx="1012610" cy="335052"/>
+          </a:xfrm>
+          <a:prstGeom prst="roundRect">
+            <a:avLst>
+              <a:gd name="adj" fmla="val 15928"/>
+            </a:avLst>
+          </a:prstGeom>
+          <a:solidFill>
+            <a:schemeClr val="accent1">
+              <a:lumMod val="20000"/>
+              <a:lumOff val="80000"/>
+            </a:schemeClr>
+          </a:solidFill>
+          <a:ln w="12700"/>
+        </p:spPr>
+        <p:style>
+          <a:lnRef idx="2">
+            <a:schemeClr val="accent1">
+              <a:shade val="15000"/>
+            </a:schemeClr>
+          </a:lnRef>
+          <a:fillRef idx="1">
+            <a:schemeClr val="accent1"/>
+          </a:fillRef>
+          <a:effectRef idx="0">
+            <a:schemeClr val="accent1"/>
+          </a:effectRef>
+          <a:fontRef idx="minor">
+            <a:schemeClr val="lt1"/>
+          </a:fontRef>
+        </p:style>
+        <p:txBody>
+          <a:bodyPr rtlCol="0" anchor="ctr"/>
+          <a:lstStyle/>
+          <a:p>
+            <a:pPr algn="ctr"/>
+            <a:r>
+              <a:rPr kumimoji="1" lang="en-US" altLang="ko-KR" sz="900">
+                <a:solidFill>
+                  <a:schemeClr val="tx1"/>
+                </a:solidFill>
+              </a:rPr>
+              <a:t>App A SM</a:t>
+            </a:r>
+          </a:p>
+        </p:txBody>
+      </p:sp>
+      <p:sp>
+        <p:nvSpPr>
+          <p:cNvPr id="18" name="모서리가 둥근 직사각형 17">
+            <a:extLst>
+              <a:ext uri="{FF2B5EF4-FFF2-40B4-BE49-F238E27FC236}">
+                <a16:creationId xmlns:a16="http://schemas.microsoft.com/office/drawing/2014/main" id="{2BA16603-4C8A-8592-DF55-0B27F468FFF4}"/>
+              </a:ext>
+            </a:extLst>
+          </p:cNvPr>
+          <p:cNvSpPr/>
+          <p:nvPr/>
+        </p:nvSpPr>
+        <p:spPr>
+          <a:xfrm>
+            <a:off x="2316960" y="2524730"/>
+            <a:ext cx="1012610" cy="335052"/>
+          </a:xfrm>
+          <a:prstGeom prst="roundRect">
+            <a:avLst>
+              <a:gd name="adj" fmla="val 18770"/>
+            </a:avLst>
+          </a:prstGeom>
+          <a:solidFill>
+            <a:schemeClr val="accent3">
+              <a:lumMod val="20000"/>
+              <a:lumOff val="80000"/>
+            </a:schemeClr>
+          </a:solidFill>
+          <a:ln w="12700"/>
+        </p:spPr>
+        <p:style>
+          <a:lnRef idx="2">
+            <a:schemeClr val="accent1">
+              <a:shade val="15000"/>
+            </a:schemeClr>
+          </a:lnRef>
+          <a:fillRef idx="1">
+            <a:schemeClr val="accent1"/>
+          </a:fillRef>
+          <a:effectRef idx="0">
+            <a:schemeClr val="accent1"/>
+          </a:effectRef>
+          <a:fontRef idx="minor">
+            <a:schemeClr val="lt1"/>
+          </a:fontRef>
+        </p:style>
+        <p:txBody>
+          <a:bodyPr rtlCol="0" anchor="ctr"/>
+          <a:lstStyle/>
+          <a:p>
+            <a:pPr algn="ctr"/>
+            <a:r>
+              <a:rPr kumimoji="1" lang="en-US" altLang="ko-KR" sz="900">
+                <a:solidFill>
+                  <a:schemeClr val="tx1"/>
+                </a:solidFill>
+              </a:rPr>
+              <a:t>App B SM</a:t>
+            </a:r>
+          </a:p>
+        </p:txBody>
+      </p:sp>
+      <p:sp>
+        <p:nvSpPr>
+          <p:cNvPr id="20" name="모서리가 둥근 직사각형 19">
+            <a:extLst>
+              <a:ext uri="{FF2B5EF4-FFF2-40B4-BE49-F238E27FC236}">
+                <a16:creationId xmlns:a16="http://schemas.microsoft.com/office/drawing/2014/main" id="{E68E8DC8-344F-12B7-672F-011C27FC8359}"/>
+              </a:ext>
+            </a:extLst>
+          </p:cNvPr>
+          <p:cNvSpPr/>
+          <p:nvPr/>
+        </p:nvSpPr>
+        <p:spPr>
+          <a:xfrm>
+            <a:off x="3952601" y="2524730"/>
+            <a:ext cx="1012610" cy="335052"/>
+          </a:xfrm>
+          <a:prstGeom prst="roundRect">
+            <a:avLst>
+              <a:gd name="adj" fmla="val 18770"/>
+            </a:avLst>
+          </a:prstGeom>
+          <a:solidFill>
+            <a:schemeClr val="accent2">
+              <a:lumMod val="20000"/>
+              <a:lumOff val="80000"/>
+            </a:schemeClr>
+          </a:solidFill>
+          <a:ln w="12700"/>
+        </p:spPr>
+        <p:style>
+          <a:lnRef idx="2">
+            <a:schemeClr val="accent1">
+              <a:shade val="15000"/>
+            </a:schemeClr>
+          </a:lnRef>
+          <a:fillRef idx="1">
+            <a:schemeClr val="accent1"/>
+          </a:fillRef>
+          <a:effectRef idx="0">
+            <a:schemeClr val="accent1"/>
+          </a:effectRef>
+          <a:fontRef idx="minor">
+            <a:schemeClr val="lt1"/>
+          </a:fontRef>
+        </p:style>
+        <p:txBody>
+          <a:bodyPr rtlCol="0" anchor="ctr"/>
+          <a:lstStyle/>
+          <a:p>
+            <a:pPr algn="ctr"/>
+            <a:r>
+              <a:rPr kumimoji="1" lang="en-US" altLang="ko-KR" sz="900">
+                <a:solidFill>
+                  <a:schemeClr val="tx1"/>
+                </a:solidFill>
+              </a:rPr>
+              <a:t>App C SM</a:t>
+            </a:r>
+          </a:p>
+        </p:txBody>
+      </p:sp>
+      <p:sp>
+        <p:nvSpPr>
+          <p:cNvPr id="21" name="TextBox 20">
+            <a:extLst>
+              <a:ext uri="{FF2B5EF4-FFF2-40B4-BE49-F238E27FC236}">
+                <a16:creationId xmlns:a16="http://schemas.microsoft.com/office/drawing/2014/main" id="{65BFFFA7-6B58-F745-FBD2-9D9F625E5A54}"/>
+              </a:ext>
+            </a:extLst>
+          </p:cNvPr>
+          <p:cNvSpPr txBox="1"/>
+          <p:nvPr/>
+        </p:nvSpPr>
+        <p:spPr>
+          <a:xfrm>
+            <a:off x="323528" y="89572"/>
+            <a:ext cx="1029059" cy="230832"/>
+          </a:xfrm>
+          <a:prstGeom prst="rect">
+            <a:avLst/>
+          </a:prstGeom>
+          <a:noFill/>
+        </p:spPr>
+        <p:txBody>
+          <a:bodyPr wrap="square" rtlCol="0" anchor="ctr">
+            <a:spAutoFit/>
+          </a:bodyPr>
+          <a:lstStyle/>
+          <a:p>
+            <a:pPr algn="ctr"/>
+            <a:r>
+              <a:rPr kumimoji="1" lang="en-US" altLang="ko-KR" sz="900" b="1" i="1">
+                <a:solidFill>
+                  <a:schemeClr val="tx2"/>
+                </a:solidFill>
+              </a:rPr>
+              <a:t>Kernel,</a:t>
+            </a:r>
+            <a:r>
+              <a:rPr kumimoji="1" lang="ko-KR" altLang="en-US" sz="900" b="1" i="1">
+                <a:solidFill>
+                  <a:schemeClr val="tx2"/>
+                </a:solidFill>
+              </a:rPr>
+              <a:t> </a:t>
+            </a:r>
+            <a:r>
+              <a:rPr kumimoji="1" lang="en-US" altLang="ko-KR" sz="900" b="1" i="1">
+                <a:solidFill>
+                  <a:schemeClr val="tx2"/>
+                </a:solidFill>
+              </a:rPr>
+              <a:t>Configs</a:t>
+            </a:r>
+            <a:endParaRPr kumimoji="1" lang="ko-KR" altLang="en-US" sz="900" b="1" i="1">
+              <a:solidFill>
+                <a:schemeClr val="tx2"/>
+              </a:solidFill>
+            </a:endParaRPr>
+          </a:p>
+        </p:txBody>
+      </p:sp>
+      <p:cxnSp>
+        <p:nvCxnSpPr>
+          <p:cNvPr id="22" name="직선 화살표 연결선 21">
+            <a:extLst>
+              <a:ext uri="{FF2B5EF4-FFF2-40B4-BE49-F238E27FC236}">
+                <a16:creationId xmlns:a16="http://schemas.microsoft.com/office/drawing/2014/main" id="{449D0A3A-8773-F0DA-AED7-F5E69129D57C}"/>
+              </a:ext>
+            </a:extLst>
+          </p:cNvPr>
+          <p:cNvCxnSpPr>
+            <a:cxnSpLocks/>
+            <a:stCxn id="3" idx="2"/>
+            <a:endCxn id="11" idx="0"/>
+          </p:cNvCxnSpPr>
+          <p:nvPr/>
+        </p:nvCxnSpPr>
+        <p:spPr>
+          <a:xfrm>
+            <a:off x="1098123" y="1040484"/>
+            <a:ext cx="89501" cy="2557477"/>
+          </a:xfrm>
+          <a:prstGeom prst="straightConnector1">
+            <a:avLst/>
+          </a:prstGeom>
+          <a:ln w="12700">
+            <a:solidFill>
+              <a:srgbClr val="C00000"/>
             </a:solidFill>
             <a:tailEnd type="triangle"/>
           </a:ln>
@@ -39976,30 +39671,31 @@
       </p:cxnSp>
       <p:cxnSp>
         <p:nvCxnSpPr>
-          <p:cNvPr id="10" name="직선 화살표 연결선 9">
-            <a:extLst>
-              <a:ext uri="{FF2B5EF4-FFF2-40B4-BE49-F238E27FC236}">
-                <a16:creationId xmlns:a16="http://schemas.microsoft.com/office/drawing/2014/main" id="{C72C1C5F-1308-A441-51C2-E2728C352C9B}"/>
+          <p:cNvPr id="33" name="직선 화살표 연결선 32">
+            <a:extLst>
+              <a:ext uri="{FF2B5EF4-FFF2-40B4-BE49-F238E27FC236}">
+                <a16:creationId xmlns:a16="http://schemas.microsoft.com/office/drawing/2014/main" id="{F71423F4-E498-C56F-DD7D-8F83A0575217}"/>
               </a:ext>
             </a:extLst>
           </p:cNvPr>
           <p:cNvCxnSpPr>
             <a:cxnSpLocks/>
-            <a:stCxn id="39" idx="2"/>
+            <a:stCxn id="8" idx="2"/>
+            <a:endCxn id="13" idx="0"/>
           </p:cNvCxnSpPr>
           <p:nvPr/>
         </p:nvCxnSpPr>
         <p:spPr>
-          <a:xfrm>
-            <a:off x="3690411" y="1935549"/>
-            <a:ext cx="197554" cy="303943"/>
+          <a:xfrm flipH="1">
+            <a:off x="2823265" y="960115"/>
+            <a:ext cx="3049" cy="2637846"/>
           </a:xfrm>
           <a:prstGeom prst="straightConnector1">
             <a:avLst/>
           </a:prstGeom>
           <a:ln w="12700">
             <a:solidFill>
-              <a:schemeClr val="tx1"/>
+              <a:srgbClr val="C00000"/>
             </a:solidFill>
             <a:tailEnd type="triangle"/>
           </a:ln>
@@ -40019,192 +39715,187 @@
           </a:fontRef>
         </p:style>
       </p:cxnSp>
-      <p:sp>
-        <p:nvSpPr>
-          <p:cNvPr id="16" name="모서리가 둥근 직사각형 15">
-            <a:extLst>
-              <a:ext uri="{FF2B5EF4-FFF2-40B4-BE49-F238E27FC236}">
-                <a16:creationId xmlns:a16="http://schemas.microsoft.com/office/drawing/2014/main" id="{836A0280-63E2-6A8A-3771-C7F05E705883}"/>
-              </a:ext>
-            </a:extLst>
-          </p:cNvPr>
-          <p:cNvSpPr/>
-          <p:nvPr/>
-        </p:nvSpPr>
-        <p:spPr>
-          <a:xfrm>
-            <a:off x="681319" y="2524730"/>
-            <a:ext cx="1012610" cy="335052"/>
-          </a:xfrm>
-          <a:prstGeom prst="roundRect">
-            <a:avLst>
-              <a:gd name="adj" fmla="val 15928"/>
-            </a:avLst>
-          </a:prstGeom>
-          <a:solidFill>
-            <a:schemeClr val="accent1">
-              <a:lumMod val="20000"/>
-              <a:lumOff val="80000"/>
-            </a:schemeClr>
-          </a:solidFill>
-          <a:ln w="12700"/>
+      <p:cxnSp>
+        <p:nvCxnSpPr>
+          <p:cNvPr id="47" name="직선 화살표 연결선 46">
+            <a:extLst>
+              <a:ext uri="{FF2B5EF4-FFF2-40B4-BE49-F238E27FC236}">
+                <a16:creationId xmlns:a16="http://schemas.microsoft.com/office/drawing/2014/main" id="{4265CC7E-5E03-DABF-C9BE-83F9A10B4091}"/>
+              </a:ext>
+            </a:extLst>
+          </p:cNvPr>
+          <p:cNvCxnSpPr>
+            <a:cxnSpLocks/>
+            <a:stCxn id="6" idx="2"/>
+            <a:endCxn id="14" idx="0"/>
+          </p:cNvCxnSpPr>
+          <p:nvPr/>
+        </p:nvCxnSpPr>
+        <p:spPr>
+          <a:xfrm flipH="1">
+            <a:off x="4458906" y="1040484"/>
+            <a:ext cx="95601" cy="2557477"/>
+          </a:xfrm>
+          <a:prstGeom prst="straightConnector1">
+            <a:avLst/>
+          </a:prstGeom>
+          <a:ln w="12700">
+            <a:solidFill>
+              <a:srgbClr val="C00000"/>
+            </a:solidFill>
+            <a:tailEnd type="triangle"/>
+          </a:ln>
         </p:spPr>
         <p:style>
-          <a:lnRef idx="2">
-            <a:schemeClr val="accent1">
-              <a:shade val="15000"/>
-            </a:schemeClr>
+          <a:lnRef idx="1">
+            <a:schemeClr val="accent1"/>
           </a:lnRef>
-          <a:fillRef idx="1">
+          <a:fillRef idx="0">
             <a:schemeClr val="accent1"/>
           </a:fillRef>
           <a:effectRef idx="0">
             <a:schemeClr val="accent1"/>
           </a:effectRef>
           <a:fontRef idx="minor">
-            <a:schemeClr val="lt1"/>
+            <a:schemeClr val="tx1"/>
           </a:fontRef>
         </p:style>
-        <p:txBody>
-          <a:bodyPr rtlCol="0" anchor="ctr"/>
-          <a:lstStyle/>
-          <a:p>
-            <a:pPr algn="ctr"/>
-            <a:r>
-              <a:rPr kumimoji="1" lang="en-US" altLang="ko-KR" sz="900">
-                <a:solidFill>
-                  <a:schemeClr val="tx1"/>
-                </a:solidFill>
-              </a:rPr>
-              <a:t>App A</a:t>
-            </a:r>
-          </a:p>
-        </p:txBody>
-      </p:sp>
-      <p:sp>
-        <p:nvSpPr>
-          <p:cNvPr id="18" name="모서리가 둥근 직사각형 17">
-            <a:extLst>
-              <a:ext uri="{FF2B5EF4-FFF2-40B4-BE49-F238E27FC236}">
-                <a16:creationId xmlns:a16="http://schemas.microsoft.com/office/drawing/2014/main" id="{2BA16603-4C8A-8592-DF55-0B27F468FFF4}"/>
-              </a:ext>
-            </a:extLst>
-          </p:cNvPr>
-          <p:cNvSpPr/>
-          <p:nvPr/>
-        </p:nvSpPr>
-        <p:spPr>
-          <a:xfrm>
-            <a:off x="2316960" y="2524730"/>
-            <a:ext cx="1012610" cy="335052"/>
-          </a:xfrm>
-          <a:prstGeom prst="roundRect">
-            <a:avLst>
-              <a:gd name="adj" fmla="val 18770"/>
-            </a:avLst>
-          </a:prstGeom>
-          <a:solidFill>
-            <a:schemeClr val="accent3">
-              <a:lumMod val="20000"/>
-              <a:lumOff val="80000"/>
-            </a:schemeClr>
-          </a:solidFill>
-          <a:ln w="12700"/>
+      </p:cxnSp>
+      <p:cxnSp>
+        <p:nvCxnSpPr>
+          <p:cNvPr id="53" name="직선 화살표 연결선 52">
+            <a:extLst>
+              <a:ext uri="{FF2B5EF4-FFF2-40B4-BE49-F238E27FC236}">
+                <a16:creationId xmlns:a16="http://schemas.microsoft.com/office/drawing/2014/main" id="{4F7F06D1-C6BC-7718-F07F-408705558575}"/>
+              </a:ext>
+            </a:extLst>
+          </p:cNvPr>
+          <p:cNvCxnSpPr>
+            <a:cxnSpLocks/>
+            <a:stCxn id="21" idx="3"/>
+          </p:cNvCxnSpPr>
+          <p:nvPr/>
+        </p:nvCxnSpPr>
+        <p:spPr>
+          <a:xfrm>
+            <a:off x="1352587" y="204988"/>
+            <a:ext cx="358125" cy="0"/>
+          </a:xfrm>
+          <a:prstGeom prst="straightConnector1">
+            <a:avLst/>
+          </a:prstGeom>
+          <a:ln w="12700">
+            <a:solidFill>
+              <a:schemeClr val="tx2"/>
+            </a:solidFill>
+            <a:tailEnd type="triangle"/>
+          </a:ln>
         </p:spPr>
         <p:style>
-          <a:lnRef idx="2">
-            <a:schemeClr val="accent1">
-              <a:shade val="15000"/>
-            </a:schemeClr>
+          <a:lnRef idx="1">
+            <a:schemeClr val="accent1"/>
           </a:lnRef>
-          <a:fillRef idx="1">
+          <a:fillRef idx="0">
             <a:schemeClr val="accent1"/>
           </a:fillRef>
           <a:effectRef idx="0">
             <a:schemeClr val="accent1"/>
           </a:effectRef>
           <a:fontRef idx="minor">
-            <a:schemeClr val="lt1"/>
+            <a:schemeClr val="tx1"/>
           </a:fontRef>
         </p:style>
-        <p:txBody>
-          <a:bodyPr rtlCol="0" anchor="ctr"/>
+      </p:cxnSp>
+      <p:sp>
+        <p:nvSpPr>
+          <p:cNvPr id="56" name="TextBox 55">
+            <a:extLst>
+              <a:ext uri="{FF2B5EF4-FFF2-40B4-BE49-F238E27FC236}">
+                <a16:creationId xmlns:a16="http://schemas.microsoft.com/office/drawing/2014/main" id="{E80CBBAC-61C0-A06C-6A16-61E63246D3E6}"/>
+              </a:ext>
+            </a:extLst>
+          </p:cNvPr>
+          <p:cNvSpPr txBox="1"/>
+          <p:nvPr/>
+        </p:nvSpPr>
+        <p:spPr>
+          <a:xfrm>
+            <a:off x="1804550" y="89572"/>
+            <a:ext cx="440956" cy="230832"/>
+          </a:xfrm>
+          <a:prstGeom prst="rect">
+            <a:avLst/>
+          </a:prstGeom>
+          <a:noFill/>
+        </p:spPr>
+        <p:txBody>
+          <a:bodyPr wrap="square" rtlCol="0" anchor="ctr">
+            <a:spAutoFit/>
+          </a:bodyPr>
           <a:lstStyle/>
           <a:p>
             <a:pPr algn="ctr"/>
             <a:r>
-              <a:rPr kumimoji="1" lang="en-US" altLang="ko-KR" sz="900">
-                <a:solidFill>
-                  <a:schemeClr val="tx1"/>
-                </a:solidFill>
-              </a:rPr>
-              <a:t>App B</a:t>
-            </a:r>
-          </a:p>
-        </p:txBody>
-      </p:sp>
-      <p:sp>
-        <p:nvSpPr>
-          <p:cNvPr id="20" name="모서리가 둥근 직사각형 19">
-            <a:extLst>
-              <a:ext uri="{FF2B5EF4-FFF2-40B4-BE49-F238E27FC236}">
-                <a16:creationId xmlns:a16="http://schemas.microsoft.com/office/drawing/2014/main" id="{E68E8DC8-344F-12B7-672F-011C27FC8359}"/>
-              </a:ext>
-            </a:extLst>
-          </p:cNvPr>
-          <p:cNvSpPr/>
-          <p:nvPr/>
-        </p:nvSpPr>
-        <p:spPr>
-          <a:xfrm>
-            <a:off x="3952601" y="2524730"/>
-            <a:ext cx="1012610" cy="335052"/>
-          </a:xfrm>
-          <a:prstGeom prst="roundRect">
-            <a:avLst>
-              <a:gd name="adj" fmla="val 18770"/>
-            </a:avLst>
-          </a:prstGeom>
-          <a:solidFill>
-            <a:schemeClr val="accent2">
-              <a:lumMod val="20000"/>
-              <a:lumOff val="80000"/>
-            </a:schemeClr>
-          </a:solidFill>
-          <a:ln w="12700"/>
+              <a:rPr kumimoji="1" lang="en-US" altLang="ko-KR" sz="900" b="1" i="1">
+                <a:solidFill>
+                  <a:srgbClr val="C00000"/>
+                </a:solidFill>
+              </a:rPr>
+              <a:t>Data</a:t>
+            </a:r>
+            <a:endParaRPr kumimoji="1" lang="ko-KR" altLang="en-US" sz="900" b="1" i="1">
+              <a:solidFill>
+                <a:srgbClr val="C00000"/>
+              </a:solidFill>
+            </a:endParaRPr>
+          </a:p>
+        </p:txBody>
+      </p:sp>
+      <p:cxnSp>
+        <p:nvCxnSpPr>
+          <p:cNvPr id="57" name="직선 화살표 연결선 56">
+            <a:extLst>
+              <a:ext uri="{FF2B5EF4-FFF2-40B4-BE49-F238E27FC236}">
+                <a16:creationId xmlns:a16="http://schemas.microsoft.com/office/drawing/2014/main" id="{1EBF0A28-F5BA-65C3-8D43-167B96EE649C}"/>
+              </a:ext>
+            </a:extLst>
+          </p:cNvPr>
+          <p:cNvCxnSpPr>
+            <a:cxnSpLocks/>
+            <a:stCxn id="56" idx="3"/>
+          </p:cNvCxnSpPr>
+          <p:nvPr/>
+        </p:nvCxnSpPr>
+        <p:spPr>
+          <a:xfrm>
+            <a:off x="2245506" y="204988"/>
+            <a:ext cx="358125" cy="0"/>
+          </a:xfrm>
+          <a:prstGeom prst="straightConnector1">
+            <a:avLst/>
+          </a:prstGeom>
+          <a:ln w="12700">
+            <a:solidFill>
+              <a:srgbClr val="C00000"/>
+            </a:solidFill>
+            <a:tailEnd type="triangle"/>
+          </a:ln>
         </p:spPr>
         <p:style>
-          <a:lnRef idx="2">
-            <a:schemeClr val="accent1">
-              <a:shade val="15000"/>
-            </a:schemeClr>
+          <a:lnRef idx="1">
+            <a:schemeClr val="accent1"/>
           </a:lnRef>
-          <a:fillRef idx="1">
+          <a:fillRef idx="0">
             <a:schemeClr val="accent1"/>
           </a:fillRef>
           <a:effectRef idx="0">
             <a:schemeClr val="accent1"/>
           </a:effectRef>
           <a:fontRef idx="minor">
-            <a:schemeClr val="lt1"/>
+            <a:schemeClr val="tx1"/>
           </a:fontRef>
         </p:style>
-        <p:txBody>
-          <a:bodyPr rtlCol="0" anchor="ctr"/>
-          <a:lstStyle/>
-          <a:p>
-            <a:pPr algn="ctr"/>
-            <a:r>
-              <a:rPr kumimoji="1" lang="en-US" altLang="ko-KR" sz="900">
-                <a:solidFill>
-                  <a:schemeClr val="tx1"/>
-                </a:solidFill>
-              </a:rPr>
-              <a:t>App C</a:t>
-            </a:r>
-          </a:p>
-        </p:txBody>
-      </p:sp>
+      </p:cxnSp>
     </p:spTree>
     <p:extLst>
       <p:ext uri="{BB962C8B-B14F-4D97-AF65-F5344CB8AC3E}">
@@ -41402,52 +41093,6 @@
           </a:p>
         </p:txBody>
       </p:sp>
-      <p:cxnSp>
-        <p:nvCxnSpPr>
-          <p:cNvPr id="25" name="직선 화살표 연결선 24">
-            <a:extLst>
-              <a:ext uri="{FF2B5EF4-FFF2-40B4-BE49-F238E27FC236}">
-                <a16:creationId xmlns:a16="http://schemas.microsoft.com/office/drawing/2014/main" id="{AFFD1294-4A31-3EEF-B65C-BD60F6E4D451}"/>
-              </a:ext>
-            </a:extLst>
-          </p:cNvPr>
-          <p:cNvCxnSpPr>
-            <a:cxnSpLocks/>
-            <a:stCxn id="34" idx="0"/>
-            <a:endCxn id="22" idx="2"/>
-          </p:cNvCxnSpPr>
-          <p:nvPr/>
-        </p:nvCxnSpPr>
-        <p:spPr>
-          <a:xfrm flipV="1">
-            <a:off x="4603527" y="2877829"/>
-            <a:ext cx="0" cy="532098"/>
-          </a:xfrm>
-          <a:prstGeom prst="straightConnector1">
-            <a:avLst/>
-          </a:prstGeom>
-          <a:ln>
-            <a:solidFill>
-              <a:schemeClr val="tx1"/>
-            </a:solidFill>
-            <a:tailEnd type="triangle"/>
-          </a:ln>
-        </p:spPr>
-        <p:style>
-          <a:lnRef idx="1">
-            <a:schemeClr val="accent1"/>
-          </a:lnRef>
-          <a:fillRef idx="0">
-            <a:schemeClr val="accent1"/>
-          </a:fillRef>
-          <a:effectRef idx="0">
-            <a:schemeClr val="accent1"/>
-          </a:effectRef>
-          <a:fontRef idx="minor">
-            <a:schemeClr val="tx1"/>
-          </a:fontRef>
-        </p:style>
-      </p:cxnSp>
       <p:sp>
         <p:nvSpPr>
           <p:cNvPr id="34" name="모서리가 둥근 직사각형 33">
@@ -42535,8 +42180,8 @@
         </p:nvSpPr>
         <p:spPr>
           <a:xfrm>
-            <a:off x="-53554" y="816745"/>
-            <a:ext cx="1631881" cy="400110"/>
+            <a:off x="-53554" y="832134"/>
+            <a:ext cx="1631881" cy="369332"/>
           </a:xfrm>
           <a:prstGeom prst="rect">
             <a:avLst/>
@@ -42551,17 +42196,17 @@
           <a:p>
             <a:pPr algn="ctr"/>
             <a:r>
-              <a:rPr kumimoji="1" lang="en-US" altLang="ko-KR" sz="1000" b="1" i="1"/>
+              <a:rPr kumimoji="1" lang="en-US" altLang="ko-KR" sz="900" b="1" i="1"/>
               <a:t>Mediate</a:t>
             </a:r>
           </a:p>
           <a:p>
             <a:pPr algn="ctr"/>
             <a:r>
-              <a:rPr kumimoji="1" lang="en-US" altLang="ko-KR" sz="1000" b="1" i="1"/>
+              <a:rPr kumimoji="1" lang="en-US" altLang="ko-KR" sz="900" b="1" i="1"/>
               <a:t>App Requests</a:t>
             </a:r>
-            <a:endParaRPr kumimoji="1" lang="ko-KR" altLang="en-US" sz="1000" b="1" i="1"/>
+            <a:endParaRPr kumimoji="1" lang="ko-KR" altLang="en-US" sz="900" b="1" i="1"/>
           </a:p>
         </p:txBody>
       </p:sp>
@@ -42622,7 +42267,7 @@
                   <a:schemeClr val="tx1"/>
                 </a:solidFill>
               </a:rPr>
-              <a:t>Isolated</a:t>
+              <a:t>Limited</a:t>
             </a:r>
             <a:endParaRPr kumimoji="1" lang="en-US" altLang="ko-KR" sz="900">
               <a:solidFill>
@@ -42718,7 +42363,7 @@
                   <a:schemeClr val="tx1"/>
                 </a:solidFill>
               </a:rPr>
-              <a:t>Isolated</a:t>
+              <a:t>Limited</a:t>
             </a:r>
             <a:endParaRPr kumimoji="1" lang="en-US" altLang="ko-KR" sz="900">
               <a:solidFill>
@@ -42814,7 +42459,7 @@
                   <a:schemeClr val="tx1"/>
                 </a:solidFill>
               </a:rPr>
-              <a:t>Isolated</a:t>
+              <a:t>Limited</a:t>
             </a:r>
             <a:endParaRPr kumimoji="1" lang="en-US" altLang="ko-KR" sz="900">
               <a:solidFill>
@@ -43326,141 +42971,6 @@
           </a:p>
         </p:txBody>
       </p:sp>
-      <p:cxnSp>
-        <p:nvCxnSpPr>
-          <p:cNvPr id="10" name="직선 화살표 연결선 9">
-            <a:extLst>
-              <a:ext uri="{FF2B5EF4-FFF2-40B4-BE49-F238E27FC236}">
-                <a16:creationId xmlns:a16="http://schemas.microsoft.com/office/drawing/2014/main" id="{6DD7C2F6-FEEB-86C8-1373-750AA67D744B}"/>
-              </a:ext>
-            </a:extLst>
-          </p:cNvPr>
-          <p:cNvCxnSpPr>
-            <a:cxnSpLocks/>
-            <a:stCxn id="3" idx="2"/>
-          </p:cNvCxnSpPr>
-          <p:nvPr/>
-        </p:nvCxnSpPr>
-        <p:spPr>
-          <a:xfrm>
-            <a:off x="1098123" y="1936935"/>
-            <a:ext cx="167602" cy="548182"/>
-          </a:xfrm>
-          <a:prstGeom prst="straightConnector1">
-            <a:avLst/>
-          </a:prstGeom>
-          <a:ln w="12700">
-            <a:solidFill>
-              <a:schemeClr val="tx1"/>
-            </a:solidFill>
-            <a:tailEnd type="triangle"/>
-          </a:ln>
-        </p:spPr>
-        <p:style>
-          <a:lnRef idx="1">
-            <a:schemeClr val="accent1"/>
-          </a:lnRef>
-          <a:fillRef idx="0">
-            <a:schemeClr val="accent1"/>
-          </a:fillRef>
-          <a:effectRef idx="0">
-            <a:schemeClr val="accent1"/>
-          </a:effectRef>
-          <a:fontRef idx="minor">
-            <a:schemeClr val="tx1"/>
-          </a:fontRef>
-        </p:style>
-      </p:cxnSp>
-      <p:cxnSp>
-        <p:nvCxnSpPr>
-          <p:cNvPr id="25" name="직선 화살표 연결선 24">
-            <a:extLst>
-              <a:ext uri="{FF2B5EF4-FFF2-40B4-BE49-F238E27FC236}">
-                <a16:creationId xmlns:a16="http://schemas.microsoft.com/office/drawing/2014/main" id="{7EB9AA1A-BC9C-A406-E74A-0782E6408F21}"/>
-              </a:ext>
-            </a:extLst>
-          </p:cNvPr>
-          <p:cNvCxnSpPr>
-            <a:cxnSpLocks/>
-            <a:stCxn id="5" idx="2"/>
-          </p:cNvCxnSpPr>
-          <p:nvPr/>
-        </p:nvCxnSpPr>
-        <p:spPr>
-          <a:xfrm>
-            <a:off x="2826315" y="1936935"/>
-            <a:ext cx="172155" cy="550124"/>
-          </a:xfrm>
-          <a:prstGeom prst="straightConnector1">
-            <a:avLst/>
-          </a:prstGeom>
-          <a:ln w="12700">
-            <a:solidFill>
-              <a:schemeClr val="tx1"/>
-            </a:solidFill>
-            <a:tailEnd type="triangle"/>
-          </a:ln>
-        </p:spPr>
-        <p:style>
-          <a:lnRef idx="1">
-            <a:schemeClr val="accent1"/>
-          </a:lnRef>
-          <a:fillRef idx="0">
-            <a:schemeClr val="accent1"/>
-          </a:fillRef>
-          <a:effectRef idx="0">
-            <a:schemeClr val="accent1"/>
-          </a:effectRef>
-          <a:fontRef idx="minor">
-            <a:schemeClr val="tx1"/>
-          </a:fontRef>
-        </p:style>
-      </p:cxnSp>
-      <p:cxnSp>
-        <p:nvCxnSpPr>
-          <p:cNvPr id="26" name="직선 화살표 연결선 25">
-            <a:extLst>
-              <a:ext uri="{FF2B5EF4-FFF2-40B4-BE49-F238E27FC236}">
-                <a16:creationId xmlns:a16="http://schemas.microsoft.com/office/drawing/2014/main" id="{8C4313A6-6E7D-586D-B14F-8744A637E4B9}"/>
-              </a:ext>
-            </a:extLst>
-          </p:cNvPr>
-          <p:cNvCxnSpPr>
-            <a:cxnSpLocks/>
-            <a:stCxn id="6" idx="2"/>
-          </p:cNvCxnSpPr>
-          <p:nvPr/>
-        </p:nvCxnSpPr>
-        <p:spPr>
-          <a:xfrm>
-            <a:off x="4554507" y="1936935"/>
-            <a:ext cx="171273" cy="548182"/>
-          </a:xfrm>
-          <a:prstGeom prst="straightConnector1">
-            <a:avLst/>
-          </a:prstGeom>
-          <a:ln w="12700">
-            <a:solidFill>
-              <a:schemeClr val="tx1"/>
-            </a:solidFill>
-            <a:tailEnd type="triangle"/>
-          </a:ln>
-        </p:spPr>
-        <p:style>
-          <a:lnRef idx="1">
-            <a:schemeClr val="accent1"/>
-          </a:lnRef>
-          <a:fillRef idx="0">
-            <a:schemeClr val="accent1"/>
-          </a:fillRef>
-          <a:effectRef idx="0">
-            <a:schemeClr val="accent1"/>
-          </a:effectRef>
-          <a:fontRef idx="minor">
-            <a:schemeClr val="tx1"/>
-          </a:fontRef>
-        </p:style>
-      </p:cxnSp>
       <p:sp>
         <p:nvSpPr>
           <p:cNvPr id="11" name="모서리가 둥근 직사각형 10">
@@ -43513,12 +43023,23 @@
           <a:p>
             <a:pPr algn="ctr"/>
             <a:r>
+              <a:rPr kumimoji="1" lang="en-US" altLang="ko-KR" sz="900" b="1" u="sng">
+                <a:solidFill>
+                  <a:schemeClr val="tx1"/>
+                </a:solidFill>
+              </a:rPr>
+              <a:t>Limited</a:t>
+            </a:r>
+          </a:p>
+          <a:p>
+            <a:pPr algn="ctr"/>
+            <a:r>
               <a:rPr kumimoji="1" lang="en-US" altLang="ko-KR" sz="900">
                 <a:solidFill>
                   <a:schemeClr val="tx1"/>
                 </a:solidFill>
               </a:rPr>
-              <a:t>App A</a:t>
+              <a:t>App A SM</a:t>
             </a:r>
           </a:p>
         </p:txBody>
@@ -43575,12 +43096,23 @@
           <a:p>
             <a:pPr algn="ctr"/>
             <a:r>
+              <a:rPr kumimoji="1" lang="en-US" altLang="ko-KR" sz="900" b="1" u="sng">
+                <a:solidFill>
+                  <a:schemeClr val="tx1"/>
+                </a:solidFill>
+              </a:rPr>
+              <a:t>Limited </a:t>
+            </a:r>
+          </a:p>
+          <a:p>
+            <a:pPr algn="ctr"/>
+            <a:r>
               <a:rPr kumimoji="1" lang="en-US" altLang="ko-KR" sz="900">
                 <a:solidFill>
                   <a:schemeClr val="tx1"/>
                 </a:solidFill>
               </a:rPr>
-              <a:t>App B</a:t>
+              <a:t>App B SM</a:t>
             </a:r>
           </a:p>
         </p:txBody>
@@ -43637,12 +43169,23 @@
           <a:p>
             <a:pPr algn="ctr"/>
             <a:r>
+              <a:rPr kumimoji="1" lang="en-US" altLang="ko-KR" sz="900" b="1" u="sng">
+                <a:solidFill>
+                  <a:schemeClr val="tx1"/>
+                </a:solidFill>
+              </a:rPr>
+              <a:t>Limited</a:t>
+            </a:r>
+          </a:p>
+          <a:p>
+            <a:pPr algn="ctr"/>
+            <a:r>
               <a:rPr kumimoji="1" lang="en-US" altLang="ko-KR" sz="900">
                 <a:solidFill>
                   <a:schemeClr val="tx1"/>
                 </a:solidFill>
               </a:rPr>
-              <a:t>App C</a:t>
+              <a:t>App C SM</a:t>
             </a:r>
           </a:p>
         </p:txBody>
@@ -43702,13 +43245,14 @@
           </p:cNvPr>
           <p:cNvCxnSpPr>
             <a:cxnSpLocks/>
+            <a:stCxn id="5" idx="2"/>
           </p:cNvCxnSpPr>
           <p:nvPr/>
         </p:nvCxnSpPr>
         <p:spPr>
           <a:xfrm flipH="1">
-            <a:off x="2823680" y="1856566"/>
-            <a:ext cx="2634" cy="1486795"/>
+            <a:off x="2823680" y="1936935"/>
+            <a:ext cx="2635" cy="1406426"/>
           </a:xfrm>
           <a:prstGeom prst="straightConnector1">
             <a:avLst/>
@@ -43746,13 +43290,14 @@
           </p:cNvPr>
           <p:cNvCxnSpPr>
             <a:cxnSpLocks/>
+            <a:stCxn id="6" idx="2"/>
           </p:cNvCxnSpPr>
           <p:nvPr/>
         </p:nvCxnSpPr>
         <p:spPr>
           <a:xfrm flipH="1">
-            <a:off x="4554505" y="1856566"/>
-            <a:ext cx="1" cy="1486795"/>
+            <a:off x="4554505" y="1936935"/>
+            <a:ext cx="2" cy="1406426"/>
           </a:xfrm>
           <a:prstGeom prst="straightConnector1">
             <a:avLst/>
@@ -43944,6 +43489,59 @@
                 <a:schemeClr val="tx1"/>
               </a:solidFill>
             </a:endParaRPr>
+          </a:p>
+        </p:txBody>
+      </p:sp>
+      <p:sp>
+        <p:nvSpPr>
+          <p:cNvPr id="18" name="TextBox 17">
+            <a:extLst>
+              <a:ext uri="{FF2B5EF4-FFF2-40B4-BE49-F238E27FC236}">
+                <a16:creationId xmlns:a16="http://schemas.microsoft.com/office/drawing/2014/main" id="{90750ADA-D1A0-E702-0C37-972447CB910C}"/>
+              </a:ext>
+            </a:extLst>
+          </p:cNvPr>
+          <p:cNvSpPr txBox="1"/>
+          <p:nvPr/>
+        </p:nvSpPr>
+        <p:spPr>
+          <a:xfrm>
+            <a:off x="936117" y="1907478"/>
+            <a:ext cx="1549189" cy="230832"/>
+          </a:xfrm>
+          <a:prstGeom prst="rect">
+            <a:avLst/>
+          </a:prstGeom>
+          <a:noFill/>
+        </p:spPr>
+        <p:txBody>
+          <a:bodyPr wrap="square" rtlCol="0" anchor="ctr">
+            <a:spAutoFit/>
+          </a:bodyPr>
+          <a:lstStyle/>
+          <a:p>
+            <a:pPr algn="ctr"/>
+            <a:r>
+              <a:rPr kumimoji="1" lang="en-US" altLang="ko-KR" sz="900" b="1" i="1"/>
+              <a:t>Kernel,</a:t>
+            </a:r>
+            <a:r>
+              <a:rPr kumimoji="1" lang="ko-KR" altLang="en-US" sz="900" b="1" i="1"/>
+              <a:t> </a:t>
+            </a:r>
+            <a:r>
+              <a:rPr kumimoji="1" lang="en-US" altLang="ko-KR" sz="900" b="1" i="1"/>
+              <a:t>Data,</a:t>
+            </a:r>
+            <a:r>
+              <a:rPr kumimoji="1" lang="ko-KR" altLang="en-US" sz="900" b="1" i="1"/>
+              <a:t> </a:t>
+            </a:r>
+            <a:r>
+              <a:rPr kumimoji="1" lang="en-US" altLang="ko-KR" sz="900" b="1" i="1"/>
+              <a:t>Configs</a:t>
+            </a:r>
+            <a:endParaRPr kumimoji="1" lang="ko-KR" altLang="en-US" sz="900" b="1" i="1"/>
           </a:p>
         </p:txBody>
       </p:sp>
@@ -45260,50 +44858,6 @@
           </a:p>
         </p:txBody>
       </p:sp>
-      <p:cxnSp>
-        <p:nvCxnSpPr>
-          <p:cNvPr id="87" name="직선 화살표 연결선 86">
-            <a:extLst>
-              <a:ext uri="{FF2B5EF4-FFF2-40B4-BE49-F238E27FC236}">
-                <a16:creationId xmlns:a16="http://schemas.microsoft.com/office/drawing/2014/main" id="{2364A5BD-2C01-168F-C377-07E4FD47D628}"/>
-              </a:ext>
-            </a:extLst>
-          </p:cNvPr>
-          <p:cNvCxnSpPr>
-            <a:cxnSpLocks/>
-          </p:cNvCxnSpPr>
-          <p:nvPr/>
-        </p:nvCxnSpPr>
-        <p:spPr>
-          <a:xfrm flipV="1">
-            <a:off x="6152078" y="918416"/>
-            <a:ext cx="0" cy="2580439"/>
-          </a:xfrm>
-          <a:prstGeom prst="straightConnector1">
-            <a:avLst/>
-          </a:prstGeom>
-          <a:ln w="12700">
-            <a:solidFill>
-              <a:schemeClr val="tx1"/>
-            </a:solidFill>
-            <a:tailEnd type="triangle"/>
-          </a:ln>
-        </p:spPr>
-        <p:style>
-          <a:lnRef idx="1">
-            <a:schemeClr val="accent1"/>
-          </a:lnRef>
-          <a:fillRef idx="0">
-            <a:schemeClr val="accent1"/>
-          </a:fillRef>
-          <a:effectRef idx="0">
-            <a:schemeClr val="accent1"/>
-          </a:effectRef>
-          <a:fontRef idx="minor">
-            <a:schemeClr val="tx1"/>
-          </a:fontRef>
-        </p:style>
-      </p:cxnSp>
       <p:sp>
         <p:nvSpPr>
           <p:cNvPr id="107" name="모서리가 둥근 직사각형 106">
@@ -45496,94 +45050,6 @@
           </a:p>
         </p:txBody>
       </p:sp>
-      <p:cxnSp>
-        <p:nvCxnSpPr>
-          <p:cNvPr id="112" name="직선 화살표 연결선 111">
-            <a:extLst>
-              <a:ext uri="{FF2B5EF4-FFF2-40B4-BE49-F238E27FC236}">
-                <a16:creationId xmlns:a16="http://schemas.microsoft.com/office/drawing/2014/main" id="{570FA6F9-0570-A52B-9134-0D75A2C2325B}"/>
-              </a:ext>
-            </a:extLst>
-          </p:cNvPr>
-          <p:cNvCxnSpPr>
-            <a:cxnSpLocks/>
-          </p:cNvCxnSpPr>
-          <p:nvPr/>
-        </p:nvCxnSpPr>
-        <p:spPr>
-          <a:xfrm flipV="1">
-            <a:off x="5936054" y="1897514"/>
-            <a:ext cx="0" cy="2152067"/>
-          </a:xfrm>
-          <a:prstGeom prst="straightConnector1">
-            <a:avLst/>
-          </a:prstGeom>
-          <a:ln w="12700">
-            <a:solidFill>
-              <a:schemeClr val="tx1"/>
-            </a:solidFill>
-            <a:tailEnd type="triangle"/>
-          </a:ln>
-        </p:spPr>
-        <p:style>
-          <a:lnRef idx="1">
-            <a:schemeClr val="accent1"/>
-          </a:lnRef>
-          <a:fillRef idx="0">
-            <a:schemeClr val="accent1"/>
-          </a:fillRef>
-          <a:effectRef idx="0">
-            <a:schemeClr val="accent1"/>
-          </a:effectRef>
-          <a:fontRef idx="minor">
-            <a:schemeClr val="tx1"/>
-          </a:fontRef>
-        </p:style>
-      </p:cxnSp>
-      <p:cxnSp>
-        <p:nvCxnSpPr>
-          <p:cNvPr id="115" name="직선 화살표 연결선 114">
-            <a:extLst>
-              <a:ext uri="{FF2B5EF4-FFF2-40B4-BE49-F238E27FC236}">
-                <a16:creationId xmlns:a16="http://schemas.microsoft.com/office/drawing/2014/main" id="{ECB71A27-6F77-4807-F13D-CBA903B7198A}"/>
-              </a:ext>
-            </a:extLst>
-          </p:cNvPr>
-          <p:cNvCxnSpPr>
-            <a:cxnSpLocks/>
-          </p:cNvCxnSpPr>
-          <p:nvPr/>
-        </p:nvCxnSpPr>
-        <p:spPr>
-          <a:xfrm flipH="1" flipV="1">
-            <a:off x="5724128" y="2874654"/>
-            <a:ext cx="1" cy="1731829"/>
-          </a:xfrm>
-          <a:prstGeom prst="straightConnector1">
-            <a:avLst/>
-          </a:prstGeom>
-          <a:ln w="12700">
-            <a:solidFill>
-              <a:schemeClr val="tx1"/>
-            </a:solidFill>
-            <a:tailEnd type="triangle"/>
-          </a:ln>
-        </p:spPr>
-        <p:style>
-          <a:lnRef idx="1">
-            <a:schemeClr val="accent1"/>
-          </a:lnRef>
-          <a:fillRef idx="0">
-            <a:schemeClr val="accent1"/>
-          </a:fillRef>
-          <a:effectRef idx="0">
-            <a:schemeClr val="accent1"/>
-          </a:effectRef>
-          <a:fontRef idx="minor">
-            <a:schemeClr val="tx1"/>
-          </a:fontRef>
-        </p:style>
-      </p:cxnSp>
       <p:cxnSp>
         <p:nvCxnSpPr>
           <p:cNvPr id="3" name="직선 화살표 연결선 2">
@@ -47163,138 +46629,6 @@
           </a:p>
         </p:txBody>
       </p:sp>
-      <p:cxnSp>
-        <p:nvCxnSpPr>
-          <p:cNvPr id="48" name="직선 화살표 연결선 47">
-            <a:extLst>
-              <a:ext uri="{FF2B5EF4-FFF2-40B4-BE49-F238E27FC236}">
-                <a16:creationId xmlns:a16="http://schemas.microsoft.com/office/drawing/2014/main" id="{8B2844B2-99ED-66EC-FA75-C27571CF9C30}"/>
-              </a:ext>
-            </a:extLst>
-          </p:cNvPr>
-          <p:cNvCxnSpPr>
-            <a:cxnSpLocks/>
-          </p:cNvCxnSpPr>
-          <p:nvPr/>
-        </p:nvCxnSpPr>
-        <p:spPr>
-          <a:xfrm flipH="1">
-            <a:off x="2957762" y="1251333"/>
-            <a:ext cx="226016" cy="1048293"/>
-          </a:xfrm>
-          <a:prstGeom prst="straightConnector1">
-            <a:avLst/>
-          </a:prstGeom>
-          <a:ln w="12700">
-            <a:solidFill>
-              <a:schemeClr val="tx1"/>
-            </a:solidFill>
-            <a:tailEnd type="triangle"/>
-          </a:ln>
-        </p:spPr>
-        <p:style>
-          <a:lnRef idx="1">
-            <a:schemeClr val="accent1"/>
-          </a:lnRef>
-          <a:fillRef idx="0">
-            <a:schemeClr val="accent1"/>
-          </a:fillRef>
-          <a:effectRef idx="0">
-            <a:schemeClr val="accent1"/>
-          </a:effectRef>
-          <a:fontRef idx="minor">
-            <a:schemeClr val="tx1"/>
-          </a:fontRef>
-        </p:style>
-      </p:cxnSp>
-      <p:cxnSp>
-        <p:nvCxnSpPr>
-          <p:cNvPr id="49" name="직선 화살표 연결선 48">
-            <a:extLst>
-              <a:ext uri="{FF2B5EF4-FFF2-40B4-BE49-F238E27FC236}">
-                <a16:creationId xmlns:a16="http://schemas.microsoft.com/office/drawing/2014/main" id="{F6DECA7A-B1EB-56ED-34F9-F187786EF63F}"/>
-              </a:ext>
-            </a:extLst>
-          </p:cNvPr>
-          <p:cNvCxnSpPr>
-            <a:cxnSpLocks/>
-          </p:cNvCxnSpPr>
-          <p:nvPr/>
-        </p:nvCxnSpPr>
-        <p:spPr>
-          <a:xfrm flipH="1">
-            <a:off x="1207506" y="1251333"/>
-            <a:ext cx="241983" cy="1048293"/>
-          </a:xfrm>
-          <a:prstGeom prst="straightConnector1">
-            <a:avLst/>
-          </a:prstGeom>
-          <a:ln w="12700">
-            <a:solidFill>
-              <a:schemeClr val="tx1"/>
-            </a:solidFill>
-            <a:tailEnd type="triangle"/>
-          </a:ln>
-        </p:spPr>
-        <p:style>
-          <a:lnRef idx="1">
-            <a:schemeClr val="accent1"/>
-          </a:lnRef>
-          <a:fillRef idx="0">
-            <a:schemeClr val="accent1"/>
-          </a:fillRef>
-          <a:effectRef idx="0">
-            <a:schemeClr val="accent1"/>
-          </a:effectRef>
-          <a:fontRef idx="minor">
-            <a:schemeClr val="tx1"/>
-          </a:fontRef>
-        </p:style>
-      </p:cxnSp>
-      <p:cxnSp>
-        <p:nvCxnSpPr>
-          <p:cNvPr id="50" name="직선 화살표 연결선 49">
-            <a:extLst>
-              <a:ext uri="{FF2B5EF4-FFF2-40B4-BE49-F238E27FC236}">
-                <a16:creationId xmlns:a16="http://schemas.microsoft.com/office/drawing/2014/main" id="{C7D7B39F-B3AA-085C-EE72-F2BB79B90E8F}"/>
-              </a:ext>
-            </a:extLst>
-          </p:cNvPr>
-          <p:cNvCxnSpPr>
-            <a:cxnSpLocks/>
-          </p:cNvCxnSpPr>
-          <p:nvPr/>
-        </p:nvCxnSpPr>
-        <p:spPr>
-          <a:xfrm flipH="1">
-            <a:off x="4685954" y="1251333"/>
-            <a:ext cx="226016" cy="1048293"/>
-          </a:xfrm>
-          <a:prstGeom prst="straightConnector1">
-            <a:avLst/>
-          </a:prstGeom>
-          <a:ln w="12700">
-            <a:solidFill>
-              <a:schemeClr val="tx1"/>
-            </a:solidFill>
-            <a:tailEnd type="triangle"/>
-          </a:ln>
-        </p:spPr>
-        <p:style>
-          <a:lnRef idx="1">
-            <a:schemeClr val="accent1"/>
-          </a:lnRef>
-          <a:fillRef idx="0">
-            <a:schemeClr val="accent1"/>
-          </a:fillRef>
-          <a:effectRef idx="0">
-            <a:schemeClr val="accent1"/>
-          </a:effectRef>
-          <a:fontRef idx="minor">
-            <a:schemeClr val="tx1"/>
-          </a:fontRef>
-        </p:style>
-      </p:cxnSp>
       <p:sp>
         <p:nvSpPr>
           <p:cNvPr id="12" name="모서리가 둥근 직사각형 11">
@@ -47769,6 +47103,59 @@
           </a:fontRef>
         </p:style>
       </p:cxnSp>
+      <p:sp>
+        <p:nvSpPr>
+          <p:cNvPr id="11" name="TextBox 10">
+            <a:extLst>
+              <a:ext uri="{FF2B5EF4-FFF2-40B4-BE49-F238E27FC236}">
+                <a16:creationId xmlns:a16="http://schemas.microsoft.com/office/drawing/2014/main" id="{1D1D606A-1190-78D5-1D4C-DFBA4B2B8AB8}"/>
+              </a:ext>
+            </a:extLst>
+          </p:cNvPr>
+          <p:cNvSpPr txBox="1"/>
+          <p:nvPr/>
+        </p:nvSpPr>
+        <p:spPr>
+          <a:xfrm>
+            <a:off x="1292588" y="1238770"/>
+            <a:ext cx="1549189" cy="230832"/>
+          </a:xfrm>
+          <a:prstGeom prst="rect">
+            <a:avLst/>
+          </a:prstGeom>
+          <a:noFill/>
+        </p:spPr>
+        <p:txBody>
+          <a:bodyPr wrap="square" rtlCol="0" anchor="ctr">
+            <a:spAutoFit/>
+          </a:bodyPr>
+          <a:lstStyle/>
+          <a:p>
+            <a:pPr algn="ctr"/>
+            <a:r>
+              <a:rPr kumimoji="1" lang="en-US" altLang="ko-KR" sz="900" b="1" i="1"/>
+              <a:t>Kernel,</a:t>
+            </a:r>
+            <a:r>
+              <a:rPr kumimoji="1" lang="ko-KR" altLang="en-US" sz="900" b="1" i="1"/>
+              <a:t> </a:t>
+            </a:r>
+            <a:r>
+              <a:rPr kumimoji="1" lang="en-US" altLang="ko-KR" sz="900" b="1" i="1"/>
+              <a:t>Data,</a:t>
+            </a:r>
+            <a:r>
+              <a:rPr kumimoji="1" lang="ko-KR" altLang="en-US" sz="900" b="1" i="1"/>
+              <a:t> </a:t>
+            </a:r>
+            <a:r>
+              <a:rPr kumimoji="1" lang="en-US" altLang="ko-KR" sz="900" b="1" i="1"/>
+              <a:t>Configs</a:t>
+            </a:r>
+            <a:endParaRPr kumimoji="1" lang="ko-KR" altLang="en-US" sz="900" b="1" i="1"/>
+          </a:p>
+        </p:txBody>
+      </p:sp>
     </p:spTree>
     <p:extLst>
       <p:ext uri="{BB962C8B-B14F-4D97-AF65-F5344CB8AC3E}">

--- a/content/docs/theory-analysis/nvidia-gpu-sharing/images/images.pptx
+++ b/content/docs/theory-analysis/nvidia-gpu-sharing/images/images.pptx
@@ -49098,138 +49098,6 @@
           </a:p>
         </p:txBody>
       </p:sp>
-      <p:cxnSp>
-        <p:nvCxnSpPr>
-          <p:cNvPr id="37" name="직선 화살표 연결선 36">
-            <a:extLst>
-              <a:ext uri="{FF2B5EF4-FFF2-40B4-BE49-F238E27FC236}">
-                <a16:creationId xmlns:a16="http://schemas.microsoft.com/office/drawing/2014/main" id="{B416AB18-47E9-F608-D0C7-51086F8940FA}"/>
-              </a:ext>
-            </a:extLst>
-          </p:cNvPr>
-          <p:cNvCxnSpPr>
-            <a:cxnSpLocks/>
-          </p:cNvCxnSpPr>
-          <p:nvPr/>
-        </p:nvCxnSpPr>
-        <p:spPr>
-          <a:xfrm flipV="1">
-            <a:off x="6152078" y="918416"/>
-            <a:ext cx="0" cy="2580439"/>
-          </a:xfrm>
-          <a:prstGeom prst="straightConnector1">
-            <a:avLst/>
-          </a:prstGeom>
-          <a:ln w="12700">
-            <a:solidFill>
-              <a:schemeClr val="tx1"/>
-            </a:solidFill>
-            <a:tailEnd type="triangle"/>
-          </a:ln>
-        </p:spPr>
-        <p:style>
-          <a:lnRef idx="1">
-            <a:schemeClr val="accent1"/>
-          </a:lnRef>
-          <a:fillRef idx="0">
-            <a:schemeClr val="accent1"/>
-          </a:fillRef>
-          <a:effectRef idx="0">
-            <a:schemeClr val="accent1"/>
-          </a:effectRef>
-          <a:fontRef idx="minor">
-            <a:schemeClr val="tx1"/>
-          </a:fontRef>
-        </p:style>
-      </p:cxnSp>
-      <p:cxnSp>
-        <p:nvCxnSpPr>
-          <p:cNvPr id="40" name="직선 화살표 연결선 39">
-            <a:extLst>
-              <a:ext uri="{FF2B5EF4-FFF2-40B4-BE49-F238E27FC236}">
-                <a16:creationId xmlns:a16="http://schemas.microsoft.com/office/drawing/2014/main" id="{BB70A5E4-9C77-12A3-CA81-2131C44FBB4C}"/>
-              </a:ext>
-            </a:extLst>
-          </p:cNvPr>
-          <p:cNvCxnSpPr>
-            <a:cxnSpLocks/>
-          </p:cNvCxnSpPr>
-          <p:nvPr/>
-        </p:nvCxnSpPr>
-        <p:spPr>
-          <a:xfrm flipV="1">
-            <a:off x="5936054" y="1897514"/>
-            <a:ext cx="0" cy="2152067"/>
-          </a:xfrm>
-          <a:prstGeom prst="straightConnector1">
-            <a:avLst/>
-          </a:prstGeom>
-          <a:ln w="12700">
-            <a:solidFill>
-              <a:schemeClr val="tx1"/>
-            </a:solidFill>
-            <a:tailEnd type="triangle"/>
-          </a:ln>
-        </p:spPr>
-        <p:style>
-          <a:lnRef idx="1">
-            <a:schemeClr val="accent1"/>
-          </a:lnRef>
-          <a:fillRef idx="0">
-            <a:schemeClr val="accent1"/>
-          </a:fillRef>
-          <a:effectRef idx="0">
-            <a:schemeClr val="accent1"/>
-          </a:effectRef>
-          <a:fontRef idx="minor">
-            <a:schemeClr val="tx1"/>
-          </a:fontRef>
-        </p:style>
-      </p:cxnSp>
-      <p:cxnSp>
-        <p:nvCxnSpPr>
-          <p:cNvPr id="41" name="직선 화살표 연결선 40">
-            <a:extLst>
-              <a:ext uri="{FF2B5EF4-FFF2-40B4-BE49-F238E27FC236}">
-                <a16:creationId xmlns:a16="http://schemas.microsoft.com/office/drawing/2014/main" id="{502C8678-8043-57A9-898E-61860AFFBADF}"/>
-              </a:ext>
-            </a:extLst>
-          </p:cNvPr>
-          <p:cNvCxnSpPr>
-            <a:cxnSpLocks/>
-          </p:cNvCxnSpPr>
-          <p:nvPr/>
-        </p:nvCxnSpPr>
-        <p:spPr>
-          <a:xfrm flipH="1" flipV="1">
-            <a:off x="5724128" y="2874654"/>
-            <a:ext cx="1" cy="1731829"/>
-          </a:xfrm>
-          <a:prstGeom prst="straightConnector1">
-            <a:avLst/>
-          </a:prstGeom>
-          <a:ln w="12700">
-            <a:solidFill>
-              <a:schemeClr val="tx1"/>
-            </a:solidFill>
-            <a:tailEnd type="triangle"/>
-          </a:ln>
-        </p:spPr>
-        <p:style>
-          <a:lnRef idx="1">
-            <a:schemeClr val="accent1"/>
-          </a:lnRef>
-          <a:fillRef idx="0">
-            <a:schemeClr val="accent1"/>
-          </a:fillRef>
-          <a:effectRef idx="0">
-            <a:schemeClr val="accent1"/>
-          </a:effectRef>
-          <a:fontRef idx="minor">
-            <a:schemeClr val="tx1"/>
-          </a:fontRef>
-        </p:style>
-      </p:cxnSp>
     </p:spTree>
     <p:extLst>
       <p:ext uri="{BB962C8B-B14F-4D97-AF65-F5344CB8AC3E}">
